--- a/NGRX_tech_session.pptx
+++ b/NGRX_tech_session.pptx
@@ -5,19 +5,19 @@
     <p:sldMasterId id="2147483660" r:id="rId4"/>
   </p:sldMasterIdLst>
   <p:notesMasterIdLst>
-    <p:notesMasterId r:id="rId32"/>
+    <p:notesMasterId r:id="rId33"/>
   </p:notesMasterIdLst>
   <p:sldIdLst>
     <p:sldId id="389" r:id="rId5"/>
     <p:sldId id="381" r:id="rId6"/>
-    <p:sldId id="419" r:id="rId7"/>
-    <p:sldId id="420" r:id="rId8"/>
-    <p:sldId id="399" r:id="rId9"/>
-    <p:sldId id="418" r:id="rId10"/>
-    <p:sldId id="400" r:id="rId11"/>
-    <p:sldId id="421" r:id="rId12"/>
-    <p:sldId id="422" r:id="rId13"/>
-    <p:sldId id="402" r:id="rId14"/>
+    <p:sldId id="423" r:id="rId7"/>
+    <p:sldId id="419" r:id="rId8"/>
+    <p:sldId id="420" r:id="rId9"/>
+    <p:sldId id="399" r:id="rId10"/>
+    <p:sldId id="418" r:id="rId11"/>
+    <p:sldId id="400" r:id="rId12"/>
+    <p:sldId id="421" r:id="rId13"/>
+    <p:sldId id="422" r:id="rId14"/>
     <p:sldId id="417" r:id="rId15"/>
     <p:sldId id="403" r:id="rId16"/>
     <p:sldId id="404" r:id="rId17"/>
@@ -25,16 +25,17 @@
     <p:sldId id="406" r:id="rId19"/>
     <p:sldId id="407" r:id="rId20"/>
     <p:sldId id="408" r:id="rId21"/>
-    <p:sldId id="409" r:id="rId22"/>
-    <p:sldId id="410" r:id="rId23"/>
-    <p:sldId id="411" r:id="rId24"/>
-    <p:sldId id="412" r:id="rId25"/>
-    <p:sldId id="413" r:id="rId26"/>
-    <p:sldId id="414" r:id="rId27"/>
-    <p:sldId id="415" r:id="rId28"/>
-    <p:sldId id="398" r:id="rId29"/>
-    <p:sldId id="416" r:id="rId30"/>
-    <p:sldId id="396" r:id="rId31"/>
+    <p:sldId id="424" r:id="rId22"/>
+    <p:sldId id="409" r:id="rId23"/>
+    <p:sldId id="410" r:id="rId24"/>
+    <p:sldId id="411" r:id="rId25"/>
+    <p:sldId id="412" r:id="rId26"/>
+    <p:sldId id="413" r:id="rId27"/>
+    <p:sldId id="414" r:id="rId28"/>
+    <p:sldId id="415" r:id="rId29"/>
+    <p:sldId id="398" r:id="rId30"/>
+    <p:sldId id="416" r:id="rId31"/>
+    <p:sldId id="396" r:id="rId32"/>
   </p:sldIdLst>
   <p:sldSz cx="12192000" cy="6858000"/>
   <p:notesSz cx="6858000" cy="9144000"/>
@@ -4065,9 +4066,13 @@
           <a:p>
             <a:r>
               <a:rPr lang="en-US" dirty="0" smtClean="0"/>
-              <a:t>Benefits</a:t>
-            </a:r>
-            <a:endParaRPr lang="en-US" dirty="0"/>
+              <a:t>Principles – </a:t>
+            </a:r>
+            <a:r>
+              <a:rPr lang="en-US" sz="4000" dirty="0"/>
+              <a:t>Handling changes using pure functions</a:t>
+            </a:r>
+            <a:endParaRPr lang="en-IN" sz="4000" dirty="0"/>
           </a:p>
         </p:txBody>
       </p:sp>
@@ -4127,7 +4132,7 @@
         </p:blipFill>
         <p:spPr>
           <a:xfrm>
-            <a:off x="1854925" y="3370216"/>
+            <a:off x="1457739" y="4184976"/>
             <a:ext cx="2142309" cy="1933303"/>
           </a:xfrm>
           <a:prstGeom prst="rect">
@@ -4147,8 +4152,8 @@
         </p:nvSpPr>
         <p:spPr>
           <a:xfrm>
-            <a:off x="5078633" y="2799858"/>
-            <a:ext cx="5722655" cy="2341182"/>
+            <a:off x="1577788" y="2197958"/>
+            <a:ext cx="9355839" cy="1714071"/>
           </a:xfrm>
         </p:spPr>
         <p:txBody>
@@ -4157,9 +4162,232 @@
           </a:bodyPr>
           <a:lstStyle/>
           <a:p>
+            <a:pPr marL="0" indent="0">
+              <a:buNone/>
+            </a:pPr>
+            <a:r>
+              <a:rPr lang="en-US" sz="1800" dirty="0"/>
+              <a:t>The operation triggered by dispatching an action is going to be a pure function called, within the </a:t>
+            </a:r>
+            <a:r>
+              <a:rPr lang="en-US" sz="1800" dirty="0" err="1"/>
+              <a:t>redux</a:t>
+            </a:r>
+            <a:r>
+              <a:rPr lang="en-US" sz="1800" dirty="0"/>
+              <a:t> architecture, reducers.</a:t>
+            </a:r>
+            <a:br>
+              <a:rPr lang="en-US" sz="1800" dirty="0"/>
+            </a:br>
+            <a:r>
+              <a:rPr lang="en-US" sz="1800" dirty="0"/>
+              <a:t/>
+            </a:r>
+            <a:br>
+              <a:rPr lang="en-US" sz="1800" dirty="0"/>
+            </a:br>
+            <a:r>
+              <a:rPr lang="en-US" sz="1800" dirty="0"/>
+              <a:t>Reducers are just pure functions that take the previous state and an action, and return the next </a:t>
+            </a:r>
             <a:r>
               <a:rPr lang="en-US" sz="1800" dirty="0" smtClean="0"/>
-              <a:t>Handling changes using pure functions</a:t>
+              <a:t>state.</a:t>
+            </a:r>
+            <a:r>
+              <a:rPr lang="en-US" sz="1800" dirty="0"/>
+              <a:t> </a:t>
+            </a:r>
+            <a:r>
+              <a:rPr lang="en-US" sz="1800" dirty="0" smtClean="0"/>
+              <a:t>They </a:t>
+            </a:r>
+            <a:r>
+              <a:rPr lang="en-US" sz="1800" dirty="0"/>
+              <a:t>aren’t really changing state but making a copy of existing state and changing one or more properties on the new state.</a:t>
+            </a:r>
+            <a:endParaRPr lang="en-IN" sz="1800" dirty="0"/>
+          </a:p>
+        </p:txBody>
+      </p:sp>
+      <p:sp>
+        <p:nvSpPr>
+          <p:cNvPr id="8" name="Content Placeholder 1"/>
+          <p:cNvSpPr txBox="1">
+            <a:spLocks/>
+          </p:cNvSpPr>
+          <p:nvPr/>
+        </p:nvSpPr>
+        <p:spPr>
+          <a:xfrm>
+            <a:off x="4062361" y="4361868"/>
+            <a:ext cx="7376603" cy="1256173"/>
+          </a:xfrm>
+          <a:prstGeom prst="rect">
+            <a:avLst/>
+          </a:prstGeom>
+        </p:spPr>
+        <p:txBody>
+          <a:bodyPr vert="horz" lIns="91440" tIns="45720" rIns="91440" bIns="45720" rtlCol="0">
+            <a:noAutofit/>
+          </a:bodyPr>
+          <a:lstStyle>
+            <a:lvl1pPr marL="342900" indent="-342900" algn="l" defTabSz="914400" rtl="0" eaLnBrk="1" latinLnBrk="0" hangingPunct="1">
+              <a:spcBef>
+                <a:spcPct val="20000"/>
+              </a:spcBef>
+              <a:buFont typeface="Arial" panose="020B0604020202020204" pitchFamily="34" charset="0"/>
+              <a:buChar char="•"/>
+              <a:defRPr sz="3200" kern="1200">
+                <a:solidFill>
+                  <a:schemeClr val="tx1"/>
+                </a:solidFill>
+                <a:latin typeface="+mn-lt"/>
+                <a:ea typeface="+mn-ea"/>
+                <a:cs typeface="+mn-cs"/>
+              </a:defRPr>
+            </a:lvl1pPr>
+            <a:lvl2pPr marL="742950" indent="-285750" algn="l" defTabSz="914400" rtl="0" eaLnBrk="1" latinLnBrk="0" hangingPunct="1">
+              <a:spcBef>
+                <a:spcPct val="20000"/>
+              </a:spcBef>
+              <a:buFont typeface="Arial" panose="020B0604020202020204" pitchFamily="34" charset="0"/>
+              <a:buChar char="–"/>
+              <a:defRPr sz="2800" kern="1200">
+                <a:solidFill>
+                  <a:schemeClr val="tx1"/>
+                </a:solidFill>
+                <a:latin typeface="+mn-lt"/>
+                <a:ea typeface="+mn-ea"/>
+                <a:cs typeface="+mn-cs"/>
+              </a:defRPr>
+            </a:lvl2pPr>
+            <a:lvl3pPr marL="1143000" indent="-228600" algn="l" defTabSz="914400" rtl="0" eaLnBrk="1" latinLnBrk="0" hangingPunct="1">
+              <a:spcBef>
+                <a:spcPct val="20000"/>
+              </a:spcBef>
+              <a:buFont typeface="Arial" panose="020B0604020202020204" pitchFamily="34" charset="0"/>
+              <a:buChar char="•"/>
+              <a:defRPr sz="2400" kern="1200">
+                <a:solidFill>
+                  <a:schemeClr val="tx1"/>
+                </a:solidFill>
+                <a:latin typeface="+mn-lt"/>
+                <a:ea typeface="+mn-ea"/>
+                <a:cs typeface="+mn-cs"/>
+              </a:defRPr>
+            </a:lvl3pPr>
+            <a:lvl4pPr marL="1600200" indent="-228600" algn="l" defTabSz="914400" rtl="0" eaLnBrk="1" latinLnBrk="0" hangingPunct="1">
+              <a:spcBef>
+                <a:spcPct val="20000"/>
+              </a:spcBef>
+              <a:buFont typeface="Arial" panose="020B0604020202020204" pitchFamily="34" charset="0"/>
+              <a:buChar char="–"/>
+              <a:defRPr sz="2000" kern="1200">
+                <a:solidFill>
+                  <a:schemeClr val="tx1"/>
+                </a:solidFill>
+                <a:latin typeface="+mn-lt"/>
+                <a:ea typeface="+mn-ea"/>
+                <a:cs typeface="+mn-cs"/>
+              </a:defRPr>
+            </a:lvl4pPr>
+            <a:lvl5pPr marL="2057400" indent="-228600" algn="l" defTabSz="914400" rtl="0" eaLnBrk="1" latinLnBrk="0" hangingPunct="1">
+              <a:spcBef>
+                <a:spcPct val="20000"/>
+              </a:spcBef>
+              <a:buFont typeface="Arial" panose="020B0604020202020204" pitchFamily="34" charset="0"/>
+              <a:buChar char="»"/>
+              <a:defRPr sz="2000" kern="1200">
+                <a:solidFill>
+                  <a:schemeClr val="tx1"/>
+                </a:solidFill>
+                <a:latin typeface="+mn-lt"/>
+                <a:ea typeface="+mn-ea"/>
+                <a:cs typeface="+mn-cs"/>
+              </a:defRPr>
+            </a:lvl5pPr>
+            <a:lvl6pPr marL="2514600" indent="-228600" algn="l" defTabSz="914400" rtl="0" eaLnBrk="1" latinLnBrk="0" hangingPunct="1">
+              <a:spcBef>
+                <a:spcPct val="20000"/>
+              </a:spcBef>
+              <a:buFont typeface="Arial" panose="020B0604020202020204" pitchFamily="34" charset="0"/>
+              <a:buChar char="•"/>
+              <a:defRPr sz="2000" kern="1200">
+                <a:solidFill>
+                  <a:schemeClr val="tx1"/>
+                </a:solidFill>
+                <a:latin typeface="+mn-lt"/>
+                <a:ea typeface="+mn-ea"/>
+                <a:cs typeface="+mn-cs"/>
+              </a:defRPr>
+            </a:lvl6pPr>
+            <a:lvl7pPr marL="2971800" indent="-228600" algn="l" defTabSz="914400" rtl="0" eaLnBrk="1" latinLnBrk="0" hangingPunct="1">
+              <a:spcBef>
+                <a:spcPct val="20000"/>
+              </a:spcBef>
+              <a:buFont typeface="Arial" panose="020B0604020202020204" pitchFamily="34" charset="0"/>
+              <a:buChar char="•"/>
+              <a:defRPr sz="2000" kern="1200">
+                <a:solidFill>
+                  <a:schemeClr val="tx1"/>
+                </a:solidFill>
+                <a:latin typeface="+mn-lt"/>
+                <a:ea typeface="+mn-ea"/>
+                <a:cs typeface="+mn-cs"/>
+              </a:defRPr>
+            </a:lvl7pPr>
+            <a:lvl8pPr marL="3429000" indent="-228600" algn="l" defTabSz="914400" rtl="0" eaLnBrk="1" latinLnBrk="0" hangingPunct="1">
+              <a:spcBef>
+                <a:spcPct val="20000"/>
+              </a:spcBef>
+              <a:buFont typeface="Arial" panose="020B0604020202020204" pitchFamily="34" charset="0"/>
+              <a:buChar char="•"/>
+              <a:defRPr sz="2000" kern="1200">
+                <a:solidFill>
+                  <a:schemeClr val="tx1"/>
+                </a:solidFill>
+                <a:latin typeface="+mn-lt"/>
+                <a:ea typeface="+mn-ea"/>
+                <a:cs typeface="+mn-cs"/>
+              </a:defRPr>
+            </a:lvl8pPr>
+            <a:lvl9pPr marL="3886200" indent="-228600" algn="l" defTabSz="914400" rtl="0" eaLnBrk="1" latinLnBrk="0" hangingPunct="1">
+              <a:spcBef>
+                <a:spcPct val="20000"/>
+              </a:spcBef>
+              <a:buFont typeface="Arial" panose="020B0604020202020204" pitchFamily="34" charset="0"/>
+              <a:buChar char="•"/>
+              <a:defRPr sz="2000" kern="1200">
+                <a:solidFill>
+                  <a:schemeClr val="tx1"/>
+                </a:solidFill>
+                <a:latin typeface="+mn-lt"/>
+                <a:ea typeface="+mn-ea"/>
+                <a:cs typeface="+mn-cs"/>
+              </a:defRPr>
+            </a:lvl9pPr>
+          </a:lstStyle>
+          <a:p>
+            <a:pPr marL="0" indent="0">
+              <a:buNone/>
+            </a:pPr>
+            <a:r>
+              <a:rPr lang="en-US" sz="1800" b="1" dirty="0" smtClean="0"/>
+              <a:t>BENEFITS </a:t>
+            </a:r>
+          </a:p>
+          <a:p>
+            <a:r>
+              <a:rPr lang="en-US" sz="1800" dirty="0" smtClean="0"/>
+              <a:t>Immediately testable.</a:t>
+            </a:r>
+          </a:p>
+          <a:p>
+            <a:r>
+              <a:rPr lang="en-US" sz="1800" dirty="0" smtClean="0"/>
+              <a:t>Navigate between different instances of state and debug for the changes.</a:t>
             </a:r>
             <a:endParaRPr lang="en-IN" sz="1800" dirty="0"/>
           </a:p>
@@ -4168,7 +4396,7 @@
     </p:spTree>
     <p:extLst>
       <p:ext uri="{BB962C8B-B14F-4D97-AF65-F5344CB8AC3E}">
-        <p14:creationId xmlns:p14="http://schemas.microsoft.com/office/powerpoint/2010/main" val="2112728077"/>
+        <p14:creationId xmlns:p14="http://schemas.microsoft.com/office/powerpoint/2010/main" val="1037780320"/>
       </p:ext>
     </p:extLst>
   </p:cSld>
@@ -4355,7 +4583,7 @@
           <a:p>
             <a:r>
               <a:rPr lang="en-US" sz="1800" dirty="0" smtClean="0"/>
-              <a:t>Handling changes using pure functions</a:t>
+              <a:t>TBD</a:t>
             </a:r>
             <a:endParaRPr lang="en-IN" sz="1800" dirty="0"/>
           </a:p>
@@ -5338,7 +5566,11 @@
           <a:p>
             <a:r>
               <a:rPr lang="en-US" dirty="0" smtClean="0"/>
-              <a:t>NGRX Architecture: Example</a:t>
+              <a:t>NGRX </a:t>
+            </a:r>
+            <a:r>
+              <a:rPr lang="en-US" dirty="0" smtClean="0"/>
+              <a:t>: LINKS/URLs</a:t>
             </a:r>
             <a:endParaRPr lang="en-US" dirty="0"/>
           </a:p>
@@ -5385,63 +5617,65 @@
           </a:fontRef>
         </p:style>
       </p:cxnSp>
-      <p:pic>
-        <p:nvPicPr>
-          <p:cNvPr id="8" name="Picture 7"/>
-          <p:cNvPicPr>
-            <a:picLocks noChangeAspect="1"/>
-          </p:cNvPicPr>
+      <p:sp>
+        <p:nvSpPr>
+          <p:cNvPr id="3" name="TextBox 2"/>
+          <p:cNvSpPr txBox="1"/>
           <p:nvPr/>
-        </p:nvPicPr>
-        <p:blipFill rotWithShape="1">
-          <a:blip r:embed="rId2"/>
-          <a:srcRect l="35275" r="41935" b="81696"/>
-          <a:stretch/>
-        </p:blipFill>
-        <p:spPr>
-          <a:xfrm>
-            <a:off x="1577788" y="3426701"/>
-            <a:ext cx="4655670" cy="2102229"/>
+        </p:nvSpPr>
+        <p:spPr>
+          <a:xfrm>
+            <a:off x="3906982" y="3075709"/>
+            <a:ext cx="184731" cy="369332"/>
           </a:xfrm>
           <a:prstGeom prst="rect">
             <a:avLst/>
           </a:prstGeom>
-        </p:spPr>
-      </p:pic>
-      <p:sp>
-        <p:nvSpPr>
-          <p:cNvPr id="9" name="Content Placeholder 1"/>
-          <p:cNvSpPr>
-            <a:spLocks noGrp="1"/>
-          </p:cNvSpPr>
-          <p:nvPr>
-            <p:ph idx="1"/>
-          </p:nvPr>
-        </p:nvSpPr>
-        <p:spPr>
-          <a:xfrm>
-            <a:off x="7275805" y="2799858"/>
-            <a:ext cx="4163159" cy="2341182"/>
-          </a:xfrm>
-        </p:spPr>
-        <p:txBody>
-          <a:bodyPr>
-            <a:noAutofit/>
+          <a:noFill/>
+        </p:spPr>
+        <p:txBody>
+          <a:bodyPr wrap="none" rtlCol="0">
+            <a:spAutoFit/>
           </a:bodyPr>
           <a:lstStyle/>
           <a:p>
-            <a:r>
-              <a:rPr lang="en-US" sz="1800" dirty="0" smtClean="0"/>
-              <a:t>CREATING MODEL</a:t>
-            </a:r>
-            <a:endParaRPr lang="en-IN" sz="1800" dirty="0"/>
+            <a:endParaRPr lang="en-IN" dirty="0"/>
+          </a:p>
+        </p:txBody>
+      </p:sp>
+      <p:sp>
+        <p:nvSpPr>
+          <p:cNvPr id="6" name="TextBox 5"/>
+          <p:cNvSpPr txBox="1"/>
+          <p:nvPr/>
+        </p:nvSpPr>
+        <p:spPr>
+          <a:xfrm>
+            <a:off x="2743200" y="3445041"/>
+            <a:ext cx="3369640" cy="369332"/>
+          </a:xfrm>
+          <a:prstGeom prst="rect">
+            <a:avLst/>
+          </a:prstGeom>
+          <a:noFill/>
+        </p:spPr>
+        <p:txBody>
+          <a:bodyPr wrap="none" rtlCol="0">
+            <a:spAutoFit/>
+          </a:bodyPr>
+          <a:lstStyle/>
+          <a:p>
+            <a:r>
+              <a:rPr lang="en-IN" dirty="0"/>
+              <a:t>https://github.com/ngrx/platform</a:t>
+            </a:r>
           </a:p>
         </p:txBody>
       </p:sp>
     </p:spTree>
     <p:extLst>
       <p:ext uri="{BB962C8B-B14F-4D97-AF65-F5344CB8AC3E}">
-        <p14:creationId xmlns:p14="http://schemas.microsoft.com/office/powerpoint/2010/main" val="584506771"/>
+        <p14:creationId xmlns:p14="http://schemas.microsoft.com/office/powerpoint/2010/main" val="408379790"/>
       </p:ext>
     </p:extLst>
   </p:cSld>
@@ -5581,76 +5815,9 @@
           </a:fontRef>
         </p:style>
       </p:cxnSp>
-      <p:sp>
-        <p:nvSpPr>
-          <p:cNvPr id="9" name="Content Placeholder 1"/>
-          <p:cNvSpPr>
-            <a:spLocks noGrp="1"/>
-          </p:cNvSpPr>
-          <p:nvPr>
-            <p:ph idx="1"/>
-          </p:nvPr>
-        </p:nvSpPr>
-        <p:spPr>
-          <a:xfrm>
-            <a:off x="7817226" y="2832453"/>
-            <a:ext cx="4163159" cy="2341182"/>
-          </a:xfrm>
-        </p:spPr>
-        <p:txBody>
-          <a:bodyPr>
-            <a:noAutofit/>
-          </a:bodyPr>
-          <a:lstStyle/>
-          <a:p>
-            <a:pPr marL="0" indent="0">
-              <a:buNone/>
-            </a:pPr>
-            <a:r>
-              <a:rPr lang="en-US" sz="1800" dirty="0" smtClean="0"/>
-              <a:t>CREATING AN ACTION</a:t>
-            </a:r>
-          </a:p>
-          <a:p>
-            <a:endParaRPr lang="en-US" sz="1800" dirty="0"/>
-          </a:p>
-          <a:p>
-            <a:pPr marL="0" indent="0">
-              <a:buNone/>
-            </a:pPr>
-            <a:r>
-              <a:rPr lang="en-US" sz="1800" dirty="0"/>
-              <a:t>An action in </a:t>
-            </a:r>
-            <a:r>
-              <a:rPr lang="en-US" sz="1800" dirty="0" err="1"/>
-              <a:t>Ngrx</a:t>
-            </a:r>
-            <a:r>
-              <a:rPr lang="en-US" sz="1800" dirty="0"/>
-              <a:t>/store is two things:</a:t>
-            </a:r>
-          </a:p>
-          <a:p>
-            <a:r>
-              <a:rPr lang="en-US" sz="1800" dirty="0"/>
-              <a:t>A type in the form of a string. It describes what's happening.</a:t>
-            </a:r>
-          </a:p>
-          <a:p>
-            <a:r>
-              <a:rPr lang="en-US" sz="1800" dirty="0"/>
-              <a:t>It contains an optional payload of data.</a:t>
-            </a:r>
-          </a:p>
-          <a:p>
-            <a:endParaRPr lang="en-IN" sz="1800" dirty="0"/>
-          </a:p>
-        </p:txBody>
-      </p:sp>
       <p:pic>
         <p:nvPicPr>
-          <p:cNvPr id="3" name="Picture 2"/>
+          <p:cNvPr id="8" name="Picture 7"/>
           <p:cNvPicPr>
             <a:picLocks noChangeAspect="1"/>
           </p:cNvPicPr>
@@ -5658,46 +5825,53 @@
         </p:nvPicPr>
         <p:blipFill rotWithShape="1">
           <a:blip r:embed="rId2"/>
-          <a:srcRect l="96" t="19360" r="83258" b="33882"/>
+          <a:srcRect l="35275" r="41935" b="81696"/>
           <a:stretch/>
         </p:blipFill>
         <p:spPr>
           <a:xfrm>
-            <a:off x="421104" y="3164305"/>
-            <a:ext cx="2165685" cy="3420508"/>
+            <a:off x="1577788" y="3426701"/>
+            <a:ext cx="4655670" cy="2102229"/>
           </a:xfrm>
           <a:prstGeom prst="rect">
             <a:avLst/>
           </a:prstGeom>
         </p:spPr>
       </p:pic>
-      <p:pic>
-        <p:nvPicPr>
-          <p:cNvPr id="10" name="Picture 9"/>
-          <p:cNvPicPr>
-            <a:picLocks noChangeAspect="1"/>
-          </p:cNvPicPr>
-          <p:nvPr/>
-        </p:nvPicPr>
-        <p:blipFill rotWithShape="1">
-          <a:blip r:embed="rId2"/>
-          <a:srcRect l="35248" t="117" r="27668" b="39851"/>
-          <a:stretch/>
-        </p:blipFill>
-        <p:spPr>
-          <a:xfrm>
-            <a:off x="2707105" y="2193287"/>
-            <a:ext cx="4824663" cy="4391526"/>
-          </a:xfrm>
-          <a:prstGeom prst="rect">
-            <a:avLst/>
-          </a:prstGeom>
-        </p:spPr>
-      </p:pic>
+      <p:sp>
+        <p:nvSpPr>
+          <p:cNvPr id="9" name="Content Placeholder 1"/>
+          <p:cNvSpPr>
+            <a:spLocks noGrp="1"/>
+          </p:cNvSpPr>
+          <p:nvPr>
+            <p:ph idx="1"/>
+          </p:nvPr>
+        </p:nvSpPr>
+        <p:spPr>
+          <a:xfrm>
+            <a:off x="7275805" y="2799858"/>
+            <a:ext cx="4163159" cy="2341182"/>
+          </a:xfrm>
+        </p:spPr>
+        <p:txBody>
+          <a:bodyPr>
+            <a:noAutofit/>
+          </a:bodyPr>
+          <a:lstStyle/>
+          <a:p>
+            <a:r>
+              <a:rPr lang="en-US" sz="1800" dirty="0" smtClean="0"/>
+              <a:t>CREATING MODEL</a:t>
+            </a:r>
+            <a:endParaRPr lang="en-IN" sz="1800" dirty="0"/>
+          </a:p>
+        </p:txBody>
+      </p:sp>
     </p:spTree>
     <p:extLst>
       <p:ext uri="{BB962C8B-B14F-4D97-AF65-F5344CB8AC3E}">
-        <p14:creationId xmlns:p14="http://schemas.microsoft.com/office/powerpoint/2010/main" val="845903311"/>
+        <p14:creationId xmlns:p14="http://schemas.microsoft.com/office/powerpoint/2010/main" val="584506771"/>
       </p:ext>
     </p:extLst>
   </p:cSld>
@@ -6415,7 +6589,7 @@
         <p:spPr>
           <a:xfrm>
             <a:off x="7817226" y="2832453"/>
-            <a:ext cx="4163159" cy="1679389"/>
+            <a:ext cx="4163159" cy="2341182"/>
           </a:xfrm>
         </p:spPr>
         <p:txBody>
@@ -6429,33 +6603,49 @@
             </a:pPr>
             <a:r>
               <a:rPr lang="en-US" sz="1800" dirty="0" smtClean="0"/>
-              <a:t>CREATING A REDUCER</a:t>
-            </a:r>
+              <a:t>CREATING AN ACTION</a:t>
+            </a:r>
+          </a:p>
+          <a:p>
             <a:endParaRPr lang="en-US" sz="1800" dirty="0"/>
           </a:p>
           <a:p>
+            <a:pPr marL="0" indent="0">
+              <a:buNone/>
+            </a:pPr>
             <a:r>
               <a:rPr lang="en-US" sz="1800" dirty="0"/>
-              <a:t>A reducer is what takes the incoming action and decides what to do with it. </a:t>
-            </a:r>
-            <a:endParaRPr lang="en-US" sz="1800" dirty="0" smtClean="0"/>
-          </a:p>
-          <a:p>
-            <a:r>
-              <a:rPr lang="en-US" sz="1800" dirty="0" smtClean="0"/>
-              <a:t>It </a:t>
+              <a:t>An action in </a:t>
+            </a:r>
+            <a:r>
+              <a:rPr lang="en-US" sz="1800" dirty="0" err="1"/>
+              <a:t>Ngrx</a:t>
             </a:r>
             <a:r>
               <a:rPr lang="en-US" sz="1800" dirty="0"/>
-              <a:t>takes the previous state and returns a new state based on the given action. </a:t>
-            </a:r>
+              <a:t>/store is two things:</a:t>
+            </a:r>
+          </a:p>
+          <a:p>
+            <a:r>
+              <a:rPr lang="en-US" sz="1800" dirty="0"/>
+              <a:t>A type in the form of a string. It describes what's happening.</a:t>
+            </a:r>
+          </a:p>
+          <a:p>
+            <a:r>
+              <a:rPr lang="en-US" sz="1800" dirty="0"/>
+              <a:t>It contains an optional payload of data.</a:t>
+            </a:r>
+          </a:p>
+          <a:p>
             <a:endParaRPr lang="en-IN" sz="1800" dirty="0"/>
           </a:p>
         </p:txBody>
       </p:sp>
       <p:pic>
         <p:nvPicPr>
-          <p:cNvPr id="6" name="Picture 5"/>
+          <p:cNvPr id="3" name="Picture 2"/>
           <p:cNvPicPr>
             <a:picLocks noChangeAspect="1"/>
           </p:cNvPicPr>
@@ -6463,13 +6653,36 @@
         </p:nvPicPr>
         <p:blipFill rotWithShape="1">
           <a:blip r:embed="rId2"/>
-          <a:srcRect l="4350" t="4276" r="37856" b="41118"/>
+          <a:srcRect l="96" t="19360" r="83258" b="33882"/>
           <a:stretch/>
         </p:blipFill>
         <p:spPr>
           <a:xfrm>
-            <a:off x="297490" y="2418348"/>
-            <a:ext cx="7519736" cy="3994484"/>
+            <a:off x="421104" y="3164305"/>
+            <a:ext cx="2165685" cy="3420508"/>
+          </a:xfrm>
+          <a:prstGeom prst="rect">
+            <a:avLst/>
+          </a:prstGeom>
+        </p:spPr>
+      </p:pic>
+      <p:pic>
+        <p:nvPicPr>
+          <p:cNvPr id="10" name="Picture 9"/>
+          <p:cNvPicPr>
+            <a:picLocks noChangeAspect="1"/>
+          </p:cNvPicPr>
+          <p:nvPr/>
+        </p:nvPicPr>
+        <p:blipFill rotWithShape="1">
+          <a:blip r:embed="rId2"/>
+          <a:srcRect l="35248" t="117" r="27668" b="39851"/>
+          <a:stretch/>
+        </p:blipFill>
+        <p:spPr>
+          <a:xfrm>
+            <a:off x="2707105" y="2193287"/>
+            <a:ext cx="4824663" cy="4391526"/>
           </a:xfrm>
           <a:prstGeom prst="rect">
             <a:avLst/>
@@ -6479,7 +6692,7 @@
     </p:spTree>
     <p:extLst>
       <p:ext uri="{BB962C8B-B14F-4D97-AF65-F5344CB8AC3E}">
-        <p14:creationId xmlns:p14="http://schemas.microsoft.com/office/powerpoint/2010/main" val="1402055838"/>
+        <p14:creationId xmlns:p14="http://schemas.microsoft.com/office/powerpoint/2010/main" val="845903311"/>
       </p:ext>
     </p:extLst>
   </p:cSld>
@@ -6646,16 +6859,57 @@
             </a:pPr>
             <a:r>
               <a:rPr lang="en-US" sz="1800" dirty="0" smtClean="0"/>
-              <a:t>CREATING AN APP STATE</a:t>
+              <a:t>CREATING A REDUCER</a:t>
+            </a:r>
+            <a:endParaRPr lang="en-US" sz="1800" dirty="0"/>
+          </a:p>
+          <a:p>
+            <a:r>
+              <a:rPr lang="en-US" sz="1800" dirty="0"/>
+              <a:t>A reducer is what takes the incoming action and decides what to do with it. </a:t>
+            </a:r>
+            <a:endParaRPr lang="en-US" sz="1800" dirty="0" smtClean="0"/>
+          </a:p>
+          <a:p>
+            <a:r>
+              <a:rPr lang="en-US" sz="1800" dirty="0" smtClean="0"/>
+              <a:t>It </a:t>
+            </a:r>
+            <a:r>
+              <a:rPr lang="en-US" sz="1800" dirty="0"/>
+              <a:t>takes the previous state and returns a new state based on the given action. </a:t>
             </a:r>
             <a:endParaRPr lang="en-IN" sz="1800" dirty="0"/>
           </a:p>
         </p:txBody>
       </p:sp>
+      <p:pic>
+        <p:nvPicPr>
+          <p:cNvPr id="6" name="Picture 5"/>
+          <p:cNvPicPr>
+            <a:picLocks noChangeAspect="1"/>
+          </p:cNvPicPr>
+          <p:nvPr/>
+        </p:nvPicPr>
+        <p:blipFill rotWithShape="1">
+          <a:blip r:embed="rId2"/>
+          <a:srcRect l="4350" t="4276" r="37856" b="41118"/>
+          <a:stretch/>
+        </p:blipFill>
+        <p:spPr>
+          <a:xfrm>
+            <a:off x="297490" y="2418348"/>
+            <a:ext cx="7519736" cy="3994484"/>
+          </a:xfrm>
+          <a:prstGeom prst="rect">
+            <a:avLst/>
+          </a:prstGeom>
+        </p:spPr>
+      </p:pic>
     </p:spTree>
     <p:extLst>
       <p:ext uri="{BB962C8B-B14F-4D97-AF65-F5344CB8AC3E}">
-        <p14:creationId xmlns:p14="http://schemas.microsoft.com/office/powerpoint/2010/main" val="3195332307"/>
+        <p14:creationId xmlns:p14="http://schemas.microsoft.com/office/powerpoint/2010/main" val="1402055838"/>
       </p:ext>
     </p:extLst>
   </p:cSld>
@@ -6822,7 +7076,7 @@
             </a:pPr>
             <a:r>
               <a:rPr lang="en-US" sz="1800" dirty="0" smtClean="0"/>
-              <a:t>UPDATE APP.MODULE</a:t>
+              <a:t>CREATING AN APP STATE</a:t>
             </a:r>
             <a:endParaRPr lang="en-IN" sz="1800" dirty="0"/>
           </a:p>
@@ -6831,7 +7085,7 @@
     </p:spTree>
     <p:extLst>
       <p:ext uri="{BB962C8B-B14F-4D97-AF65-F5344CB8AC3E}">
-        <p14:creationId xmlns:p14="http://schemas.microsoft.com/office/powerpoint/2010/main" val="1124813654"/>
+        <p14:creationId xmlns:p14="http://schemas.microsoft.com/office/powerpoint/2010/main" val="3195332307"/>
       </p:ext>
     </p:extLst>
   </p:cSld>
@@ -6998,7 +7252,7 @@
             </a:pPr>
             <a:r>
               <a:rPr lang="en-US" sz="1800" dirty="0" smtClean="0"/>
-              <a:t>READING FROM STORE</a:t>
+              <a:t>UPDATE APP.MODULE</a:t>
             </a:r>
             <a:endParaRPr lang="en-IN" sz="1800" dirty="0"/>
           </a:p>
@@ -7007,7 +7261,7 @@
     </p:spTree>
     <p:extLst>
       <p:ext uri="{BB962C8B-B14F-4D97-AF65-F5344CB8AC3E}">
-        <p14:creationId xmlns:p14="http://schemas.microsoft.com/office/powerpoint/2010/main" val="809110736"/>
+        <p14:creationId xmlns:p14="http://schemas.microsoft.com/office/powerpoint/2010/main" val="1124813654"/>
       </p:ext>
     </p:extLst>
   </p:cSld>
@@ -7174,7 +7428,7 @@
             </a:pPr>
             <a:r>
               <a:rPr lang="en-US" sz="1800" dirty="0" smtClean="0"/>
-              <a:t>WRITING TO STORE</a:t>
+              <a:t>READING FROM STORE</a:t>
             </a:r>
             <a:endParaRPr lang="en-IN" sz="1800" dirty="0"/>
           </a:p>
@@ -7183,7 +7437,7 @@
     </p:spTree>
     <p:extLst>
       <p:ext uri="{BB962C8B-B14F-4D97-AF65-F5344CB8AC3E}">
-        <p14:creationId xmlns:p14="http://schemas.microsoft.com/office/powerpoint/2010/main" val="782180235"/>
+        <p14:creationId xmlns:p14="http://schemas.microsoft.com/office/powerpoint/2010/main" val="809110736"/>
       </p:ext>
     </p:extLst>
   </p:cSld>
@@ -7219,6 +7473,182 @@
       </p:grpSpPr>
       <p:sp>
         <p:nvSpPr>
+          <p:cNvPr id="2" name="Slide Number Placeholder 1"/>
+          <p:cNvSpPr>
+            <a:spLocks noGrp="1"/>
+          </p:cNvSpPr>
+          <p:nvPr>
+            <p:ph type="sldNum" sz="quarter" idx="12"/>
+          </p:nvPr>
+        </p:nvSpPr>
+        <p:spPr>
+          <a:xfrm>
+            <a:off x="9213769" y="6324864"/>
+            <a:ext cx="2586183" cy="365125"/>
+          </a:xfrm>
+        </p:spPr>
+        <p:txBody>
+          <a:bodyPr/>
+          <a:lstStyle/>
+          <a:p>
+            <a:fld id="{22CADBEF-CB64-4529-9779-0A66BE038F96}" type="slidenum">
+              <a:rPr lang="en-IN" smtClean="0"/>
+              <a:pPr/>
+              <a:t>25</a:t>
+            </a:fld>
+            <a:endParaRPr lang="en-IN"/>
+          </a:p>
+        </p:txBody>
+      </p:sp>
+      <p:sp>
+        <p:nvSpPr>
+          <p:cNvPr id="5" name="Title 1">
+            <a:extLst>
+              <a:ext uri="{FF2B5EF4-FFF2-40B4-BE49-F238E27FC236}">
+                <a16:creationId xmlns:a16="http://schemas.microsoft.com/office/drawing/2014/main" id="{6CC0530D-B4D4-4517-80E1-D297D2A19555}"/>
+              </a:ext>
+            </a:extLst>
+          </p:cNvPr>
+          <p:cNvSpPr>
+            <a:spLocks noGrp="1"/>
+          </p:cNvSpPr>
+          <p:nvPr>
+            <p:ph type="title"/>
+          </p:nvPr>
+        </p:nvSpPr>
+        <p:spPr>
+          <a:xfrm>
+            <a:off x="1457739" y="1027046"/>
+            <a:ext cx="10114829" cy="588989"/>
+          </a:xfrm>
+        </p:spPr>
+        <p:txBody>
+          <a:bodyPr>
+            <a:normAutofit fontScale="90000"/>
+          </a:bodyPr>
+          <a:lstStyle/>
+          <a:p>
+            <a:r>
+              <a:rPr lang="en-US" dirty="0" smtClean="0"/>
+              <a:t>NGRX Architecture: Example</a:t>
+            </a:r>
+            <a:endParaRPr lang="en-US" dirty="0"/>
+          </a:p>
+        </p:txBody>
+      </p:sp>
+      <p:cxnSp>
+        <p:nvCxnSpPr>
+          <p:cNvPr id="7" name="Straight Connector 6">
+            <a:extLst>
+              <a:ext uri="{FF2B5EF4-FFF2-40B4-BE49-F238E27FC236}">
+                <a16:creationId xmlns:a16="http://schemas.microsoft.com/office/drawing/2014/main" id="{3515CC8D-5F4A-422E-A715-4030E5DE5E45}"/>
+              </a:ext>
+            </a:extLst>
+          </p:cNvPr>
+          <p:cNvCxnSpPr/>
+          <p:nvPr/>
+        </p:nvCxnSpPr>
+        <p:spPr>
+          <a:xfrm>
+            <a:off x="1577788" y="1748118"/>
+            <a:ext cx="9861176" cy="0"/>
+          </a:xfrm>
+          <a:prstGeom prst="line">
+            <a:avLst/>
+          </a:prstGeom>
+          <a:ln w="28575">
+            <a:solidFill>
+              <a:srgbClr val="EA2073"/>
+            </a:solidFill>
+          </a:ln>
+        </p:spPr>
+        <p:style>
+          <a:lnRef idx="1">
+            <a:schemeClr val="accent1"/>
+          </a:lnRef>
+          <a:fillRef idx="0">
+            <a:schemeClr val="accent1"/>
+          </a:fillRef>
+          <a:effectRef idx="0">
+            <a:schemeClr val="accent1"/>
+          </a:effectRef>
+          <a:fontRef idx="minor">
+            <a:schemeClr val="tx1"/>
+          </a:fontRef>
+        </p:style>
+      </p:cxnSp>
+      <p:sp>
+        <p:nvSpPr>
+          <p:cNvPr id="9" name="Content Placeholder 1"/>
+          <p:cNvSpPr>
+            <a:spLocks noGrp="1"/>
+          </p:cNvSpPr>
+          <p:nvPr>
+            <p:ph idx="1"/>
+          </p:nvPr>
+        </p:nvSpPr>
+        <p:spPr>
+          <a:xfrm>
+            <a:off x="7817226" y="2832453"/>
+            <a:ext cx="4163159" cy="1679389"/>
+          </a:xfrm>
+        </p:spPr>
+        <p:txBody>
+          <a:bodyPr>
+            <a:noAutofit/>
+          </a:bodyPr>
+          <a:lstStyle/>
+          <a:p>
+            <a:pPr marL="0" indent="0">
+              <a:buNone/>
+            </a:pPr>
+            <a:r>
+              <a:rPr lang="en-US" sz="1800" dirty="0" smtClean="0"/>
+              <a:t>WRITING TO STORE</a:t>
+            </a:r>
+            <a:endParaRPr lang="en-IN" sz="1800" dirty="0"/>
+          </a:p>
+        </p:txBody>
+      </p:sp>
+    </p:spTree>
+    <p:extLst>
+      <p:ext uri="{BB962C8B-B14F-4D97-AF65-F5344CB8AC3E}">
+        <p14:creationId xmlns:p14="http://schemas.microsoft.com/office/powerpoint/2010/main" val="782180235"/>
+      </p:ext>
+    </p:extLst>
+  </p:cSld>
+  <p:clrMapOvr>
+    <a:masterClrMapping/>
+  </p:clrMapOvr>
+  <p:timing>
+    <p:tnLst>
+      <p:par>
+        <p:cTn id="1" dur="indefinite" restart="never" nodeType="tmRoot"/>
+      </p:par>
+    </p:tnLst>
+  </p:timing>
+</p:sld>
+</file>
+
+<file path=ppt/slides/slide26.xml><?xml version="1.0" encoding="utf-8"?>
+<p:sld xmlns:a="http://schemas.openxmlformats.org/drawingml/2006/main" xmlns:r="http://schemas.openxmlformats.org/officeDocument/2006/relationships" xmlns:p="http://schemas.openxmlformats.org/presentationml/2006/main">
+  <p:cSld>
+    <p:spTree>
+      <p:nvGrpSpPr>
+        <p:cNvPr id="1" name=""/>
+        <p:cNvGrpSpPr/>
+        <p:nvPr/>
+      </p:nvGrpSpPr>
+      <p:grpSpPr>
+        <a:xfrm>
+          <a:off x="0" y="0"/>
+          <a:ext cx="0" cy="0"/>
+          <a:chOff x="0" y="0"/>
+          <a:chExt cx="0" cy="0"/>
+        </a:xfrm>
+      </p:grpSpPr>
+      <p:sp>
+        <p:nvSpPr>
           <p:cNvPr id="4" name="Slide Number Placeholder 3">
             <a:extLst>
               <a:ext uri="{FF2B5EF4-FFF2-40B4-BE49-F238E27FC236}">
@@ -7246,7 +7676,7 @@
             <a:fld id="{22CADBEF-CB64-4529-9779-0A66BE038F96}" type="slidenum">
               <a:rPr lang="en-IN" smtClean="0"/>
               <a:pPr/>
-              <a:t>25</a:t>
+              <a:t>26</a:t>
             </a:fld>
             <a:endParaRPr lang="en-IN"/>
           </a:p>
@@ -7561,221 +7991,6 @@
 </p:sld>
 </file>
 
-<file path=ppt/slides/slide26.xml><?xml version="1.0" encoding="utf-8"?>
-<p:sld xmlns:a="http://schemas.openxmlformats.org/drawingml/2006/main" xmlns:r="http://schemas.openxmlformats.org/officeDocument/2006/relationships" xmlns:p="http://schemas.openxmlformats.org/presentationml/2006/main">
-  <p:cSld>
-    <p:spTree>
-      <p:nvGrpSpPr>
-        <p:cNvPr id="1" name=""/>
-        <p:cNvGrpSpPr/>
-        <p:nvPr/>
-      </p:nvGrpSpPr>
-      <p:grpSpPr>
-        <a:xfrm>
-          <a:off x="0" y="0"/>
-          <a:ext cx="0" cy="0"/>
-          <a:chOff x="0" y="0"/>
-          <a:chExt cx="0" cy="0"/>
-        </a:xfrm>
-      </p:grpSpPr>
-      <p:sp>
-        <p:nvSpPr>
-          <p:cNvPr id="2" name="Title 1"/>
-          <p:cNvSpPr>
-            <a:spLocks noGrp="1"/>
-          </p:cNvSpPr>
-          <p:nvPr>
-            <p:ph type="title"/>
-          </p:nvPr>
-        </p:nvSpPr>
-        <p:spPr/>
-        <p:txBody>
-          <a:bodyPr/>
-          <a:lstStyle/>
-          <a:p>
-            <a:endParaRPr lang="en-IN"/>
-          </a:p>
-        </p:txBody>
-      </p:sp>
-      <p:sp>
-        <p:nvSpPr>
-          <p:cNvPr id="4" name="Slide Number Placeholder 3"/>
-          <p:cNvSpPr>
-            <a:spLocks noGrp="1"/>
-          </p:cNvSpPr>
-          <p:nvPr>
-            <p:ph type="sldNum" sz="quarter" idx="12"/>
-          </p:nvPr>
-        </p:nvSpPr>
-        <p:spPr/>
-        <p:txBody>
-          <a:bodyPr/>
-          <a:lstStyle/>
-          <a:p>
-            <a:fld id="{22CADBEF-CB64-4529-9779-0A66BE038F96}" type="slidenum">
-              <a:rPr lang="en-IN" smtClean="0"/>
-              <a:pPr/>
-              <a:t>26</a:t>
-            </a:fld>
-            <a:endParaRPr lang="en-IN"/>
-          </a:p>
-        </p:txBody>
-      </p:sp>
-      <p:sp>
-        <p:nvSpPr>
-          <p:cNvPr id="5" name="Content Placeholder 4"/>
-          <p:cNvSpPr>
-            <a:spLocks noGrp="1"/>
-          </p:cNvSpPr>
-          <p:nvPr>
-            <p:ph idx="1"/>
-          </p:nvPr>
-        </p:nvSpPr>
-        <p:spPr>
-          <a:xfrm>
-            <a:off x="609601" y="1600202"/>
-            <a:ext cx="10972800" cy="2462213"/>
-          </a:xfrm>
-          <a:prstGeom prst="rect">
-            <a:avLst/>
-          </a:prstGeom>
-        </p:spPr>
-        <p:txBody>
-          <a:bodyPr wrap="square">
-            <a:spAutoFit/>
-          </a:bodyPr>
-          <a:lstStyle/>
-          <a:p>
-            <a:r>
-              <a:rPr lang="en-IN" sz="1100" dirty="0">
-                <a:hlinkClick r:id="rId2"/>
-              </a:rPr>
-              <a:t>https://www.intertech.com/Blog/ngrx-tutorial-actions-reducers-and-effects</a:t>
-            </a:r>
-            <a:r>
-              <a:rPr lang="en-IN" sz="1100" dirty="0" smtClean="0">
-                <a:hlinkClick r:id="rId2"/>
-              </a:rPr>
-              <a:t>/</a:t>
-            </a:r>
-            <a:endParaRPr lang="en-IN" sz="1100" dirty="0" smtClean="0"/>
-          </a:p>
-          <a:p>
-            <a:endParaRPr lang="en-IN" sz="1100" dirty="0"/>
-          </a:p>
-          <a:p>
-            <a:r>
-              <a:rPr lang="en-IN" sz="1100" dirty="0">
-                <a:hlinkClick r:id="rId3"/>
-              </a:rPr>
-              <a:t>https://www.intertech.com/Blog/ngrx-tutorial-quickly-adding-ngrx-to-your-angular-6-project</a:t>
-            </a:r>
-            <a:r>
-              <a:rPr lang="en-IN" sz="1100" dirty="0" smtClean="0">
-                <a:hlinkClick r:id="rId3"/>
-              </a:rPr>
-              <a:t>/</a:t>
-            </a:r>
-            <a:endParaRPr lang="en-IN" sz="1100" dirty="0" smtClean="0"/>
-          </a:p>
-          <a:p>
-            <a:endParaRPr lang="en-IN" sz="1100" dirty="0"/>
-          </a:p>
-          <a:p>
-            <a:r>
-              <a:rPr lang="en-IN" sz="1100" dirty="0">
-                <a:hlinkClick r:id="rId4"/>
-              </a:rPr>
-              <a:t>https://</a:t>
-            </a:r>
-            <a:r>
-              <a:rPr lang="en-IN" sz="1100" dirty="0" smtClean="0">
-                <a:hlinkClick r:id="rId4"/>
-              </a:rPr>
-              <a:t>medium.com/frontend-fun/angular-ngrx-a-clean-and-clear-introduction-4ed61c89c1fc</a:t>
-            </a:r>
-            <a:endParaRPr lang="en-IN" sz="1100" dirty="0" smtClean="0"/>
-          </a:p>
-          <a:p>
-            <a:endParaRPr lang="en-IN" sz="1100" dirty="0"/>
-          </a:p>
-          <a:p>
-            <a:r>
-              <a:rPr lang="en-IN" sz="1100" u="sng" dirty="0" smtClean="0">
-                <a:hlinkClick r:id="rId5"/>
-              </a:rPr>
-              <a:t>https</a:t>
-            </a:r>
-            <a:r>
-              <a:rPr lang="en-IN" sz="1100" u="sng" dirty="0">
-                <a:hlinkClick r:id="rId5"/>
-              </a:rPr>
-              <a:t>://</a:t>
-            </a:r>
-            <a:r>
-              <a:rPr lang="en-IN" sz="1100" u="sng" dirty="0" smtClean="0">
-                <a:hlinkClick r:id="rId5"/>
-              </a:rPr>
-              <a:t>stackoverflow.com/questions/52471796/what-is-state-management-in-angular-and-why-should-i-use-it</a:t>
-            </a:r>
-            <a:endParaRPr lang="en-IN" sz="1100" u="sng" dirty="0" smtClean="0"/>
-          </a:p>
-          <a:p>
-            <a:r>
-              <a:rPr lang="en-IN" sz="1100" dirty="0" smtClean="0">
-                <a:hlinkClick r:id="rId6"/>
-              </a:rPr>
-              <a:t/>
-            </a:r>
-            <a:br>
-              <a:rPr lang="en-IN" sz="1100" dirty="0" smtClean="0">
-                <a:hlinkClick r:id="rId6"/>
-              </a:rPr>
-            </a:br>
-            <a:r>
-              <a:rPr lang="en-IN" sz="1100" dirty="0" smtClean="0">
-                <a:hlinkClick r:id="rId6"/>
-              </a:rPr>
-              <a:t>https</a:t>
-            </a:r>
-            <a:r>
-              <a:rPr lang="en-IN" sz="1100" dirty="0">
-                <a:hlinkClick r:id="rId6"/>
-              </a:rPr>
-              <a:t>://</a:t>
-            </a:r>
-            <a:r>
-              <a:rPr lang="en-IN" sz="1100" dirty="0" smtClean="0">
-                <a:hlinkClick r:id="rId6"/>
-              </a:rPr>
-              <a:t>itnext.io/ngrx-best-practices-for-enterprise-angular-applications-6f00bcdf36d7</a:t>
-            </a:r>
-            <a:endParaRPr lang="en-IN" sz="1100" dirty="0" smtClean="0"/>
-          </a:p>
-          <a:p>
-            <a:endParaRPr lang="en-IN" sz="1100" dirty="0"/>
-          </a:p>
-          <a:p>
-            <a:endParaRPr lang="en-IN" sz="1100" dirty="0" smtClean="0"/>
-          </a:p>
-          <a:p>
-            <a:endParaRPr lang="en-IN" sz="1100" dirty="0"/>
-          </a:p>
-        </p:txBody>
-      </p:sp>
-    </p:spTree>
-    <p:extLst>
-      <p:ext uri="{BB962C8B-B14F-4D97-AF65-F5344CB8AC3E}">
-        <p14:creationId xmlns:p14="http://schemas.microsoft.com/office/powerpoint/2010/main" val="107218773"/>
-      </p:ext>
-    </p:extLst>
-  </p:cSld>
-  <p:clrMapOvr>
-    <a:masterClrMapping/>
-  </p:clrMapOvr>
-</p:sld>
-</file>
-
 <file path=ppt/slides/slide27.xml><?xml version="1.0" encoding="utf-8"?>
 <p:sld xmlns:a="http://schemas.openxmlformats.org/drawingml/2006/main" xmlns:r="http://schemas.openxmlformats.org/officeDocument/2006/relationships" xmlns:p="http://schemas.openxmlformats.org/presentationml/2006/main">
   <p:cSld>
@@ -7795,6 +8010,221 @@
       </p:grpSpPr>
       <p:sp>
         <p:nvSpPr>
+          <p:cNvPr id="2" name="Title 1"/>
+          <p:cNvSpPr>
+            <a:spLocks noGrp="1"/>
+          </p:cNvSpPr>
+          <p:nvPr>
+            <p:ph type="title"/>
+          </p:nvPr>
+        </p:nvSpPr>
+        <p:spPr/>
+        <p:txBody>
+          <a:bodyPr/>
+          <a:lstStyle/>
+          <a:p>
+            <a:endParaRPr lang="en-IN"/>
+          </a:p>
+        </p:txBody>
+      </p:sp>
+      <p:sp>
+        <p:nvSpPr>
+          <p:cNvPr id="4" name="Slide Number Placeholder 3"/>
+          <p:cNvSpPr>
+            <a:spLocks noGrp="1"/>
+          </p:cNvSpPr>
+          <p:nvPr>
+            <p:ph type="sldNum" sz="quarter" idx="12"/>
+          </p:nvPr>
+        </p:nvSpPr>
+        <p:spPr/>
+        <p:txBody>
+          <a:bodyPr/>
+          <a:lstStyle/>
+          <a:p>
+            <a:fld id="{22CADBEF-CB64-4529-9779-0A66BE038F96}" type="slidenum">
+              <a:rPr lang="en-IN" smtClean="0"/>
+              <a:pPr/>
+              <a:t>27</a:t>
+            </a:fld>
+            <a:endParaRPr lang="en-IN"/>
+          </a:p>
+        </p:txBody>
+      </p:sp>
+      <p:sp>
+        <p:nvSpPr>
+          <p:cNvPr id="5" name="Content Placeholder 4"/>
+          <p:cNvSpPr>
+            <a:spLocks noGrp="1"/>
+          </p:cNvSpPr>
+          <p:nvPr>
+            <p:ph idx="1"/>
+          </p:nvPr>
+        </p:nvSpPr>
+        <p:spPr>
+          <a:xfrm>
+            <a:off x="609601" y="1600202"/>
+            <a:ext cx="10972800" cy="2462213"/>
+          </a:xfrm>
+          <a:prstGeom prst="rect">
+            <a:avLst/>
+          </a:prstGeom>
+        </p:spPr>
+        <p:txBody>
+          <a:bodyPr wrap="square">
+            <a:spAutoFit/>
+          </a:bodyPr>
+          <a:lstStyle/>
+          <a:p>
+            <a:r>
+              <a:rPr lang="en-IN" sz="1100" dirty="0">
+                <a:hlinkClick r:id="rId2"/>
+              </a:rPr>
+              <a:t>https://www.intertech.com/Blog/ngrx-tutorial-actions-reducers-and-effects</a:t>
+            </a:r>
+            <a:r>
+              <a:rPr lang="en-IN" sz="1100" dirty="0" smtClean="0">
+                <a:hlinkClick r:id="rId2"/>
+              </a:rPr>
+              <a:t>/</a:t>
+            </a:r>
+            <a:endParaRPr lang="en-IN" sz="1100" dirty="0" smtClean="0"/>
+          </a:p>
+          <a:p>
+            <a:endParaRPr lang="en-IN" sz="1100" dirty="0"/>
+          </a:p>
+          <a:p>
+            <a:r>
+              <a:rPr lang="en-IN" sz="1100" dirty="0">
+                <a:hlinkClick r:id="rId3"/>
+              </a:rPr>
+              <a:t>https://www.intertech.com/Blog/ngrx-tutorial-quickly-adding-ngrx-to-your-angular-6-project</a:t>
+            </a:r>
+            <a:r>
+              <a:rPr lang="en-IN" sz="1100" dirty="0" smtClean="0">
+                <a:hlinkClick r:id="rId3"/>
+              </a:rPr>
+              <a:t>/</a:t>
+            </a:r>
+            <a:endParaRPr lang="en-IN" sz="1100" dirty="0" smtClean="0"/>
+          </a:p>
+          <a:p>
+            <a:endParaRPr lang="en-IN" sz="1100" dirty="0"/>
+          </a:p>
+          <a:p>
+            <a:r>
+              <a:rPr lang="en-IN" sz="1100" dirty="0">
+                <a:hlinkClick r:id="rId4"/>
+              </a:rPr>
+              <a:t>https://</a:t>
+            </a:r>
+            <a:r>
+              <a:rPr lang="en-IN" sz="1100" dirty="0" smtClean="0">
+                <a:hlinkClick r:id="rId4"/>
+              </a:rPr>
+              <a:t>medium.com/frontend-fun/angular-ngrx-a-clean-and-clear-introduction-4ed61c89c1fc</a:t>
+            </a:r>
+            <a:endParaRPr lang="en-IN" sz="1100" dirty="0" smtClean="0"/>
+          </a:p>
+          <a:p>
+            <a:endParaRPr lang="en-IN" sz="1100" dirty="0"/>
+          </a:p>
+          <a:p>
+            <a:r>
+              <a:rPr lang="en-IN" sz="1100" u="sng" dirty="0" smtClean="0">
+                <a:hlinkClick r:id="rId5"/>
+              </a:rPr>
+              <a:t>https</a:t>
+            </a:r>
+            <a:r>
+              <a:rPr lang="en-IN" sz="1100" u="sng" dirty="0">
+                <a:hlinkClick r:id="rId5"/>
+              </a:rPr>
+              <a:t>://</a:t>
+            </a:r>
+            <a:r>
+              <a:rPr lang="en-IN" sz="1100" u="sng" dirty="0" smtClean="0">
+                <a:hlinkClick r:id="rId5"/>
+              </a:rPr>
+              <a:t>stackoverflow.com/questions/52471796/what-is-state-management-in-angular-and-why-should-i-use-it</a:t>
+            </a:r>
+            <a:endParaRPr lang="en-IN" sz="1100" u="sng" dirty="0" smtClean="0"/>
+          </a:p>
+          <a:p>
+            <a:r>
+              <a:rPr lang="en-IN" sz="1100" dirty="0" smtClean="0">
+                <a:hlinkClick r:id="rId6"/>
+              </a:rPr>
+              <a:t/>
+            </a:r>
+            <a:br>
+              <a:rPr lang="en-IN" sz="1100" dirty="0" smtClean="0">
+                <a:hlinkClick r:id="rId6"/>
+              </a:rPr>
+            </a:br>
+            <a:r>
+              <a:rPr lang="en-IN" sz="1100" dirty="0" smtClean="0">
+                <a:hlinkClick r:id="rId6"/>
+              </a:rPr>
+              <a:t>https</a:t>
+            </a:r>
+            <a:r>
+              <a:rPr lang="en-IN" sz="1100" dirty="0">
+                <a:hlinkClick r:id="rId6"/>
+              </a:rPr>
+              <a:t>://</a:t>
+            </a:r>
+            <a:r>
+              <a:rPr lang="en-IN" sz="1100" dirty="0" smtClean="0">
+                <a:hlinkClick r:id="rId6"/>
+              </a:rPr>
+              <a:t>itnext.io/ngrx-best-practices-for-enterprise-angular-applications-6f00bcdf36d7</a:t>
+            </a:r>
+            <a:endParaRPr lang="en-IN" sz="1100" dirty="0" smtClean="0"/>
+          </a:p>
+          <a:p>
+            <a:endParaRPr lang="en-IN" sz="1100" dirty="0"/>
+          </a:p>
+          <a:p>
+            <a:endParaRPr lang="en-IN" sz="1100" dirty="0" smtClean="0"/>
+          </a:p>
+          <a:p>
+            <a:endParaRPr lang="en-IN" sz="1100" dirty="0"/>
+          </a:p>
+        </p:txBody>
+      </p:sp>
+    </p:spTree>
+    <p:extLst>
+      <p:ext uri="{BB962C8B-B14F-4D97-AF65-F5344CB8AC3E}">
+        <p14:creationId xmlns:p14="http://schemas.microsoft.com/office/powerpoint/2010/main" val="107218773"/>
+      </p:ext>
+    </p:extLst>
+  </p:cSld>
+  <p:clrMapOvr>
+    <a:masterClrMapping/>
+  </p:clrMapOvr>
+</p:sld>
+</file>
+
+<file path=ppt/slides/slide28.xml><?xml version="1.0" encoding="utf-8"?>
+<p:sld xmlns:a="http://schemas.openxmlformats.org/drawingml/2006/main" xmlns:r="http://schemas.openxmlformats.org/officeDocument/2006/relationships" xmlns:p="http://schemas.openxmlformats.org/presentationml/2006/main">
+  <p:cSld>
+    <p:spTree>
+      <p:nvGrpSpPr>
+        <p:cNvPr id="1" name=""/>
+        <p:cNvGrpSpPr/>
+        <p:nvPr/>
+      </p:nvGrpSpPr>
+      <p:grpSpPr>
+        <a:xfrm>
+          <a:off x="0" y="0"/>
+          <a:ext cx="0" cy="0"/>
+          <a:chOff x="0" y="0"/>
+          <a:chExt cx="0" cy="0"/>
+        </a:xfrm>
+      </p:grpSpPr>
+      <p:sp>
+        <p:nvSpPr>
           <p:cNvPr id="4" name="Slide Number Placeholder 3">
             <a:extLst>
               <a:ext uri="{FF2B5EF4-FFF2-40B4-BE49-F238E27FC236}">
@@ -7822,7 +8252,7 @@
             <a:fld id="{22CADBEF-CB64-4529-9779-0A66BE038F96}" type="slidenum">
               <a:rPr lang="en-IN" smtClean="0"/>
               <a:pPr/>
-              <a:t>27</a:t>
+              <a:t>28</a:t>
             </a:fld>
             <a:endParaRPr lang="en-IN"/>
           </a:p>
@@ -7924,6 +8354,273 @@
               <a:rPr lang="en-IN" smtClean="0"/>
               <a:pPr/>
               <a:t>3</a:t>
+            </a:fld>
+            <a:endParaRPr lang="en-IN"/>
+          </a:p>
+        </p:txBody>
+      </p:sp>
+      <p:sp>
+        <p:nvSpPr>
+          <p:cNvPr id="5" name="Title 1">
+            <a:extLst>
+              <a:ext uri="{FF2B5EF4-FFF2-40B4-BE49-F238E27FC236}">
+                <a16:creationId xmlns:a16="http://schemas.microsoft.com/office/drawing/2014/main" id="{6CC0530D-B4D4-4517-80E1-D297D2A19555}"/>
+              </a:ext>
+            </a:extLst>
+          </p:cNvPr>
+          <p:cNvSpPr>
+            <a:spLocks noGrp="1"/>
+          </p:cNvSpPr>
+          <p:nvPr>
+            <p:ph type="title"/>
+          </p:nvPr>
+        </p:nvSpPr>
+        <p:spPr>
+          <a:xfrm>
+            <a:off x="1457739" y="1027046"/>
+            <a:ext cx="10114829" cy="588989"/>
+          </a:xfrm>
+        </p:spPr>
+        <p:txBody>
+          <a:bodyPr>
+            <a:normAutofit fontScale="90000"/>
+          </a:bodyPr>
+          <a:lstStyle/>
+          <a:p>
+            <a:r>
+              <a:rPr lang="en-US" dirty="0" err="1" smtClean="0"/>
+              <a:t>NgRx</a:t>
+            </a:r>
+            <a:r>
+              <a:rPr lang="en-US" dirty="0"/>
+              <a:t> </a:t>
+            </a:r>
+            <a:r>
+              <a:rPr lang="en-US" dirty="0" smtClean="0"/>
+              <a:t>Packages</a:t>
+            </a:r>
+            <a:endParaRPr lang="en-US" dirty="0"/>
+          </a:p>
+        </p:txBody>
+      </p:sp>
+      <p:cxnSp>
+        <p:nvCxnSpPr>
+          <p:cNvPr id="7" name="Straight Connector 6">
+            <a:extLst>
+              <a:ext uri="{FF2B5EF4-FFF2-40B4-BE49-F238E27FC236}">
+                <a16:creationId xmlns:a16="http://schemas.microsoft.com/office/drawing/2014/main" id="{3515CC8D-5F4A-422E-A715-4030E5DE5E45}"/>
+              </a:ext>
+            </a:extLst>
+          </p:cNvPr>
+          <p:cNvCxnSpPr/>
+          <p:nvPr/>
+        </p:nvCxnSpPr>
+        <p:spPr>
+          <a:xfrm>
+            <a:off x="1577788" y="1748118"/>
+            <a:ext cx="9861176" cy="0"/>
+          </a:xfrm>
+          <a:prstGeom prst="line">
+            <a:avLst/>
+          </a:prstGeom>
+          <a:ln w="28575">
+            <a:solidFill>
+              <a:srgbClr val="EA2073"/>
+            </a:solidFill>
+          </a:ln>
+        </p:spPr>
+        <p:style>
+          <a:lnRef idx="1">
+            <a:schemeClr val="accent1"/>
+          </a:lnRef>
+          <a:fillRef idx="0">
+            <a:schemeClr val="accent1"/>
+          </a:fillRef>
+          <a:effectRef idx="0">
+            <a:schemeClr val="accent1"/>
+          </a:effectRef>
+          <a:fontRef idx="minor">
+            <a:schemeClr val="tx1"/>
+          </a:fontRef>
+        </p:style>
+      </p:cxnSp>
+      <p:sp>
+        <p:nvSpPr>
+          <p:cNvPr id="13" name="Content Placeholder 1"/>
+          <p:cNvSpPr>
+            <a:spLocks noGrp="1"/>
+          </p:cNvSpPr>
+          <p:nvPr>
+            <p:ph idx="1"/>
+          </p:nvPr>
+        </p:nvSpPr>
+        <p:spPr>
+          <a:xfrm>
+            <a:off x="1981201" y="3150203"/>
+            <a:ext cx="8792746" cy="2474742"/>
+          </a:xfrm>
+        </p:spPr>
+        <p:txBody>
+          <a:bodyPr>
+            <a:noAutofit/>
+          </a:bodyPr>
+          <a:lstStyle/>
+          <a:p>
+            <a:r>
+              <a:rPr lang="en-US" sz="1800" dirty="0"/>
+              <a:t>Store - </a:t>
+            </a:r>
+            <a:r>
+              <a:rPr lang="en-US" sz="1800" dirty="0" err="1"/>
+              <a:t>RxJS</a:t>
+            </a:r>
+            <a:r>
+              <a:rPr lang="en-US" sz="1800" dirty="0"/>
+              <a:t> powered state management for Angular apps, inspired by </a:t>
+            </a:r>
+            <a:r>
+              <a:rPr lang="en-US" sz="1800" dirty="0" err="1"/>
+              <a:t>Redux</a:t>
+            </a:r>
+            <a:r>
+              <a:rPr lang="en-US" sz="1800" dirty="0"/>
+              <a:t>.</a:t>
+            </a:r>
+          </a:p>
+          <a:p>
+            <a:r>
+              <a:rPr lang="en-US" sz="1800" dirty="0"/>
+              <a:t>Store </a:t>
+            </a:r>
+            <a:r>
+              <a:rPr lang="en-US" sz="1800" dirty="0" err="1"/>
+              <a:t>Devtools</a:t>
+            </a:r>
+            <a:r>
+              <a:rPr lang="en-US" sz="1800" dirty="0"/>
+              <a:t> - Instrumentation for @</a:t>
+            </a:r>
+            <a:r>
+              <a:rPr lang="en-US" sz="1800" dirty="0" err="1"/>
+              <a:t>ngrx</a:t>
+            </a:r>
+            <a:r>
+              <a:rPr lang="en-US" sz="1800" dirty="0"/>
+              <a:t>/store enabling time-travel debugging.</a:t>
+            </a:r>
+          </a:p>
+          <a:p>
+            <a:r>
+              <a:rPr lang="en-US" sz="1800" dirty="0"/>
+              <a:t>Effects - Side effect model for @</a:t>
+            </a:r>
+            <a:r>
+              <a:rPr lang="en-US" sz="1800" dirty="0" err="1"/>
+              <a:t>ngrx</a:t>
+            </a:r>
+            <a:r>
+              <a:rPr lang="en-US" sz="1800" dirty="0"/>
+              <a:t>/store.</a:t>
+            </a:r>
+          </a:p>
+          <a:p>
+            <a:r>
+              <a:rPr lang="en-US" sz="1800" dirty="0"/>
+              <a:t>Router Store - Bindings to connect the Angular Router to @</a:t>
+            </a:r>
+            <a:r>
+              <a:rPr lang="en-US" sz="1800" dirty="0" err="1"/>
+              <a:t>ngrx</a:t>
+            </a:r>
+            <a:r>
+              <a:rPr lang="en-US" sz="1800" dirty="0"/>
+              <a:t>/store.</a:t>
+            </a:r>
+          </a:p>
+          <a:p>
+            <a:r>
+              <a:rPr lang="en-US" sz="1800" dirty="0"/>
+              <a:t>Entity - Entity State adapter for managing record collections.</a:t>
+            </a:r>
+          </a:p>
+          <a:p>
+            <a:r>
+              <a:rPr lang="en-US" sz="1800" dirty="0"/>
+              <a:t>Schematics - Scaffolding library for Angular applications using </a:t>
+            </a:r>
+            <a:r>
+              <a:rPr lang="en-US" sz="1800" dirty="0" err="1"/>
+              <a:t>NgRx</a:t>
+            </a:r>
+            <a:r>
+              <a:rPr lang="en-US" sz="1800" dirty="0"/>
+              <a:t> libraries.</a:t>
+            </a:r>
+            <a:endParaRPr lang="en-IN" sz="1800" dirty="0"/>
+          </a:p>
+        </p:txBody>
+      </p:sp>
+    </p:spTree>
+    <p:extLst>
+      <p:ext uri="{BB962C8B-B14F-4D97-AF65-F5344CB8AC3E}">
+        <p14:creationId xmlns:p14="http://schemas.microsoft.com/office/powerpoint/2010/main" val="2424994274"/>
+      </p:ext>
+    </p:extLst>
+  </p:cSld>
+  <p:clrMapOvr>
+    <a:masterClrMapping/>
+  </p:clrMapOvr>
+  <p:timing>
+    <p:tnLst>
+      <p:par>
+        <p:cTn id="1" dur="indefinite" restart="never" nodeType="tmRoot"/>
+      </p:par>
+    </p:tnLst>
+  </p:timing>
+</p:sld>
+</file>
+
+<file path=ppt/slides/slide4.xml><?xml version="1.0" encoding="utf-8"?>
+<p:sld xmlns:a="http://schemas.openxmlformats.org/drawingml/2006/main" xmlns:r="http://schemas.openxmlformats.org/officeDocument/2006/relationships" xmlns:p="http://schemas.openxmlformats.org/presentationml/2006/main">
+  <p:cSld>
+    <p:spTree>
+      <p:nvGrpSpPr>
+        <p:cNvPr id="1" name=""/>
+        <p:cNvGrpSpPr/>
+        <p:nvPr/>
+      </p:nvGrpSpPr>
+      <p:grpSpPr>
+        <a:xfrm>
+          <a:off x="0" y="0"/>
+          <a:ext cx="0" cy="0"/>
+          <a:chOff x="0" y="0"/>
+          <a:chExt cx="0" cy="0"/>
+        </a:xfrm>
+      </p:grpSpPr>
+      <p:sp>
+        <p:nvSpPr>
+          <p:cNvPr id="2" name="Slide Number Placeholder 1"/>
+          <p:cNvSpPr>
+            <a:spLocks noGrp="1"/>
+          </p:cNvSpPr>
+          <p:nvPr>
+            <p:ph type="sldNum" sz="quarter" idx="12"/>
+          </p:nvPr>
+        </p:nvSpPr>
+        <p:spPr>
+          <a:xfrm>
+            <a:off x="9213769" y="6324864"/>
+            <a:ext cx="2586183" cy="365125"/>
+          </a:xfrm>
+        </p:spPr>
+        <p:txBody>
+          <a:bodyPr/>
+          <a:lstStyle/>
+          <a:p>
+            <a:fld id="{22CADBEF-CB64-4529-9779-0A66BE038F96}" type="slidenum">
+              <a:rPr lang="en-IN" smtClean="0"/>
+              <a:pPr/>
+              <a:t>4</a:t>
             </a:fld>
             <a:endParaRPr lang="en-IN"/>
           </a:p>
@@ -8287,7 +8984,7 @@
 </p:sld>
 </file>
 
-<file path=ppt/slides/slide4.xml><?xml version="1.0" encoding="utf-8"?>
+<file path=ppt/slides/slide5.xml><?xml version="1.0" encoding="utf-8"?>
 <p:sld xmlns:a="http://schemas.openxmlformats.org/drawingml/2006/main" xmlns:r="http://schemas.openxmlformats.org/officeDocument/2006/relationships" xmlns:p="http://schemas.openxmlformats.org/presentationml/2006/main">
   <p:cSld>
     <p:spTree>
@@ -8327,7 +9024,7 @@
             <a:fld id="{22CADBEF-CB64-4529-9779-0A66BE038F96}" type="slidenum">
               <a:rPr lang="en-IN" smtClean="0"/>
               <a:pPr/>
-              <a:t>4</a:t>
+              <a:t>5</a:t>
             </a:fld>
             <a:endParaRPr lang="en-IN"/>
           </a:p>
@@ -8664,7 +9361,7 @@
 </p:sld>
 </file>
 
-<file path=ppt/slides/slide5.xml><?xml version="1.0" encoding="utf-8"?>
+<file path=ppt/slides/slide6.xml><?xml version="1.0" encoding="utf-8"?>
 <p:sld xmlns:a="http://schemas.openxmlformats.org/drawingml/2006/main" xmlns:r="http://schemas.openxmlformats.org/officeDocument/2006/relationships" xmlns:p="http://schemas.openxmlformats.org/presentationml/2006/main">
   <p:cSld>
     <p:spTree>
@@ -8704,7 +9401,7 @@
             <a:fld id="{22CADBEF-CB64-4529-9779-0A66BE038F96}" type="slidenum">
               <a:rPr lang="en-IN" smtClean="0"/>
               <a:pPr/>
-              <a:t>5</a:t>
+              <a:t>6</a:t>
             </a:fld>
             <a:endParaRPr lang="en-IN"/>
           </a:p>
@@ -8973,337 +9670,6 @@
     <p:extLst>
       <p:ext uri="{BB962C8B-B14F-4D97-AF65-F5344CB8AC3E}">
         <p14:creationId xmlns:p14="http://schemas.microsoft.com/office/powerpoint/2010/main" val="3736700317"/>
-      </p:ext>
-    </p:extLst>
-  </p:cSld>
-  <p:clrMapOvr>
-    <a:masterClrMapping/>
-  </p:clrMapOvr>
-  <p:timing>
-    <p:tnLst>
-      <p:par>
-        <p:cTn id="1" dur="indefinite" restart="never" nodeType="tmRoot"/>
-      </p:par>
-    </p:tnLst>
-  </p:timing>
-</p:sld>
-</file>
-
-<file path=ppt/slides/slide6.xml><?xml version="1.0" encoding="utf-8"?>
-<p:sld xmlns:a="http://schemas.openxmlformats.org/drawingml/2006/main" xmlns:r="http://schemas.openxmlformats.org/officeDocument/2006/relationships" xmlns:p="http://schemas.openxmlformats.org/presentationml/2006/main">
-  <p:cSld>
-    <p:spTree>
-      <p:nvGrpSpPr>
-        <p:cNvPr id="1" name=""/>
-        <p:cNvGrpSpPr/>
-        <p:nvPr/>
-      </p:nvGrpSpPr>
-      <p:grpSpPr>
-        <a:xfrm>
-          <a:off x="0" y="0"/>
-          <a:ext cx="0" cy="0"/>
-          <a:chOff x="0" y="0"/>
-          <a:chExt cx="0" cy="0"/>
-        </a:xfrm>
-      </p:grpSpPr>
-      <p:sp>
-        <p:nvSpPr>
-          <p:cNvPr id="2" name="Slide Number Placeholder 1"/>
-          <p:cNvSpPr>
-            <a:spLocks noGrp="1"/>
-          </p:cNvSpPr>
-          <p:nvPr>
-            <p:ph type="sldNum" sz="quarter" idx="12"/>
-          </p:nvPr>
-        </p:nvSpPr>
-        <p:spPr>
-          <a:xfrm>
-            <a:off x="9213769" y="6324864"/>
-            <a:ext cx="2586183" cy="365125"/>
-          </a:xfrm>
-        </p:spPr>
-        <p:txBody>
-          <a:bodyPr/>
-          <a:lstStyle/>
-          <a:p>
-            <a:fld id="{22CADBEF-CB64-4529-9779-0A66BE038F96}" type="slidenum">
-              <a:rPr lang="en-IN" smtClean="0"/>
-              <a:pPr/>
-              <a:t>6</a:t>
-            </a:fld>
-            <a:endParaRPr lang="en-IN"/>
-          </a:p>
-        </p:txBody>
-      </p:sp>
-      <p:sp>
-        <p:nvSpPr>
-          <p:cNvPr id="5" name="Title 1">
-            <a:extLst>
-              <a:ext uri="{FF2B5EF4-FFF2-40B4-BE49-F238E27FC236}">
-                <a16:creationId xmlns:a16="http://schemas.microsoft.com/office/drawing/2014/main" id="{6CC0530D-B4D4-4517-80E1-D297D2A19555}"/>
-              </a:ext>
-            </a:extLst>
-          </p:cNvPr>
-          <p:cNvSpPr>
-            <a:spLocks noGrp="1"/>
-          </p:cNvSpPr>
-          <p:nvPr>
-            <p:ph type="title"/>
-          </p:nvPr>
-        </p:nvSpPr>
-        <p:spPr>
-          <a:xfrm>
-            <a:off x="1457739" y="1027046"/>
-            <a:ext cx="10114829" cy="588989"/>
-          </a:xfrm>
-        </p:spPr>
-        <p:txBody>
-          <a:bodyPr>
-            <a:normAutofit fontScale="90000"/>
-          </a:bodyPr>
-          <a:lstStyle/>
-          <a:p>
-            <a:r>
-              <a:rPr lang="en-US" dirty="0" smtClean="0"/>
-              <a:t>The Core Principles</a:t>
-            </a:r>
-            <a:endParaRPr lang="en-US" dirty="0"/>
-          </a:p>
-        </p:txBody>
-      </p:sp>
-      <p:cxnSp>
-        <p:nvCxnSpPr>
-          <p:cNvPr id="7" name="Straight Connector 6">
-            <a:extLst>
-              <a:ext uri="{FF2B5EF4-FFF2-40B4-BE49-F238E27FC236}">
-                <a16:creationId xmlns:a16="http://schemas.microsoft.com/office/drawing/2014/main" id="{3515CC8D-5F4A-422E-A715-4030E5DE5E45}"/>
-              </a:ext>
-            </a:extLst>
-          </p:cNvPr>
-          <p:cNvCxnSpPr/>
-          <p:nvPr/>
-        </p:nvCxnSpPr>
-        <p:spPr>
-          <a:xfrm>
-            <a:off x="1577788" y="1748118"/>
-            <a:ext cx="9861176" cy="0"/>
-          </a:xfrm>
-          <a:prstGeom prst="line">
-            <a:avLst/>
-          </a:prstGeom>
-          <a:ln w="28575">
-            <a:solidFill>
-              <a:srgbClr val="EA2073"/>
-            </a:solidFill>
-          </a:ln>
-        </p:spPr>
-        <p:style>
-          <a:lnRef idx="1">
-            <a:schemeClr val="accent1"/>
-          </a:lnRef>
-          <a:fillRef idx="0">
-            <a:schemeClr val="accent1"/>
-          </a:fillRef>
-          <a:effectRef idx="0">
-            <a:schemeClr val="accent1"/>
-          </a:effectRef>
-          <a:fontRef idx="minor">
-            <a:schemeClr val="tx1"/>
-          </a:fontRef>
-        </p:style>
-      </p:cxnSp>
-      <p:pic>
-        <p:nvPicPr>
-          <p:cNvPr id="10" name="Picture 9"/>
-          <p:cNvPicPr>
-            <a:picLocks noChangeAspect="1"/>
-          </p:cNvPicPr>
-          <p:nvPr/>
-        </p:nvPicPr>
-        <p:blipFill rotWithShape="1">
-          <a:blip r:embed="rId2"/>
-          <a:srcRect l="68908" t="48661" r="17739" b="29732"/>
-          <a:stretch/>
-        </p:blipFill>
-        <p:spPr>
-          <a:xfrm>
-            <a:off x="8652271" y="4370259"/>
-            <a:ext cx="1694445" cy="1541562"/>
-          </a:xfrm>
-          <a:prstGeom prst="rect">
-            <a:avLst/>
-          </a:prstGeom>
-        </p:spPr>
-      </p:pic>
-      <p:sp>
-        <p:nvSpPr>
-          <p:cNvPr id="13" name="Content Placeholder 1"/>
-          <p:cNvSpPr>
-            <a:spLocks noGrp="1"/>
-          </p:cNvSpPr>
-          <p:nvPr>
-            <p:ph idx="1"/>
-          </p:nvPr>
-        </p:nvSpPr>
-        <p:spPr>
-          <a:xfrm>
-            <a:off x="1577788" y="2799858"/>
-            <a:ext cx="5722655" cy="2341182"/>
-          </a:xfrm>
-        </p:spPr>
-        <p:txBody>
-          <a:bodyPr>
-            <a:noAutofit/>
-          </a:bodyPr>
-          <a:lstStyle/>
-          <a:p>
-            <a:r>
-              <a:rPr lang="en-US" sz="1800" dirty="0"/>
-              <a:t>Since we have </a:t>
-            </a:r>
-            <a:r>
-              <a:rPr lang="en-US" sz="1800" dirty="0" smtClean="0"/>
-              <a:t>a </a:t>
-            </a:r>
-            <a:r>
-              <a:rPr lang="en-US" sz="1800" dirty="0" smtClean="0">
-                <a:solidFill>
-                  <a:schemeClr val="accent2">
-                    <a:lumMod val="75000"/>
-                  </a:schemeClr>
-                </a:solidFill>
-                <a:uFill>
-                  <a:solidFill>
-                    <a:schemeClr val="accent4">
-                      <a:lumMod val="40000"/>
-                      <a:lumOff val="60000"/>
-                    </a:schemeClr>
-                  </a:solidFill>
-                </a:uFill>
-              </a:rPr>
-              <a:t>SINGLE SOURCE OF TRUTH</a:t>
-            </a:r>
-            <a:r>
-              <a:rPr lang="en-US" sz="1800" u="sng" dirty="0" smtClean="0">
-                <a:solidFill>
-                  <a:schemeClr val="accent2">
-                    <a:lumMod val="75000"/>
-                  </a:schemeClr>
-                </a:solidFill>
-                <a:uFill>
-                  <a:solidFill>
-                    <a:schemeClr val="accent4">
-                      <a:lumMod val="40000"/>
-                      <a:lumOff val="60000"/>
-                    </a:schemeClr>
-                  </a:solidFill>
-                </a:uFill>
-              </a:rPr>
-              <a:t> </a:t>
-            </a:r>
-            <a:r>
-              <a:rPr lang="en-US" sz="1800" dirty="0" smtClean="0"/>
-              <a:t>and </a:t>
-            </a:r>
-            <a:r>
-              <a:rPr lang="en-US" sz="1800" dirty="0"/>
-              <a:t>you can’t directly change the </a:t>
-            </a:r>
-            <a:r>
-              <a:rPr lang="en-US" sz="1800" dirty="0" smtClean="0"/>
-              <a:t>state (</a:t>
-            </a:r>
-            <a:r>
-              <a:rPr lang="en-US" sz="1800" dirty="0" smtClean="0">
-                <a:solidFill>
-                  <a:schemeClr val="accent2">
-                    <a:lumMod val="75000"/>
-                  </a:schemeClr>
-                </a:solidFill>
-              </a:rPr>
-              <a:t>STATE IS READ-ONLY</a:t>
-            </a:r>
-            <a:r>
-              <a:rPr lang="en-US" sz="1800" dirty="0" smtClean="0"/>
-              <a:t>), </a:t>
-            </a:r>
-            <a:r>
-              <a:rPr lang="en-US" sz="1800" dirty="0"/>
-              <a:t>applications are going to behave more consistently.</a:t>
-            </a:r>
-          </a:p>
-          <a:p>
-            <a:r>
-              <a:rPr lang="en-US" sz="1800" dirty="0"/>
-              <a:t>Using the </a:t>
-            </a:r>
-            <a:r>
-              <a:rPr lang="en-US" sz="1800" dirty="0" err="1"/>
-              <a:t>redux</a:t>
-            </a:r>
-            <a:r>
-              <a:rPr lang="en-US" sz="1800" dirty="0"/>
-              <a:t> pattern gives us a lot of cool features to make debugging easier.</a:t>
-            </a:r>
-          </a:p>
-          <a:p>
-            <a:r>
-              <a:rPr lang="en-US" sz="1800" dirty="0"/>
-              <a:t>Easier to test because we </a:t>
-            </a:r>
-            <a:r>
-              <a:rPr lang="en-US" sz="1800" dirty="0" smtClean="0"/>
-              <a:t>are</a:t>
-            </a:r>
-            <a:r>
-              <a:rPr lang="en-US" sz="1800" dirty="0" smtClean="0">
-                <a:solidFill>
-                  <a:schemeClr val="accent2">
-                    <a:lumMod val="75000"/>
-                  </a:schemeClr>
-                </a:solidFill>
-              </a:rPr>
-              <a:t> HANDLING CHANGES USING PURE FUNCTIONS</a:t>
-            </a:r>
-            <a:r>
-              <a:rPr lang="en-US" sz="1800" dirty="0" smtClean="0"/>
-              <a:t> in </a:t>
-            </a:r>
-            <a:r>
-              <a:rPr lang="en-US" sz="1800" dirty="0"/>
-              <a:t>the state. </a:t>
-            </a:r>
-            <a:endParaRPr lang="en-IN" sz="1800" dirty="0"/>
-          </a:p>
-        </p:txBody>
-      </p:sp>
-      <p:pic>
-        <p:nvPicPr>
-          <p:cNvPr id="3" name="Picture 2"/>
-          <p:cNvPicPr>
-            <a:picLocks noChangeAspect="1"/>
-          </p:cNvPicPr>
-          <p:nvPr/>
-        </p:nvPicPr>
-        <p:blipFill rotWithShape="1">
-          <a:blip r:embed="rId3"/>
-          <a:srcRect l="43809" t="39018" r="43842" b="39554"/>
-          <a:stretch/>
-        </p:blipFill>
-        <p:spPr>
-          <a:xfrm>
-            <a:off x="8652271" y="2468948"/>
-            <a:ext cx="1606732" cy="1567543"/>
-          </a:xfrm>
-          <a:prstGeom prst="rect">
-            <a:avLst/>
-          </a:prstGeom>
-        </p:spPr>
-      </p:pic>
-    </p:spTree>
-    <p:extLst>
-      <p:ext uri="{BB962C8B-B14F-4D97-AF65-F5344CB8AC3E}">
-        <p14:creationId xmlns:p14="http://schemas.microsoft.com/office/powerpoint/2010/main" val="2107876579"/>
       </p:ext>
     </p:extLst>
   </p:cSld>
@@ -9361,6 +9727,337 @@
               <a:rPr lang="en-IN" smtClean="0"/>
               <a:pPr/>
               <a:t>7</a:t>
+            </a:fld>
+            <a:endParaRPr lang="en-IN"/>
+          </a:p>
+        </p:txBody>
+      </p:sp>
+      <p:sp>
+        <p:nvSpPr>
+          <p:cNvPr id="5" name="Title 1">
+            <a:extLst>
+              <a:ext uri="{FF2B5EF4-FFF2-40B4-BE49-F238E27FC236}">
+                <a16:creationId xmlns:a16="http://schemas.microsoft.com/office/drawing/2014/main" id="{6CC0530D-B4D4-4517-80E1-D297D2A19555}"/>
+              </a:ext>
+            </a:extLst>
+          </p:cNvPr>
+          <p:cNvSpPr>
+            <a:spLocks noGrp="1"/>
+          </p:cNvSpPr>
+          <p:nvPr>
+            <p:ph type="title"/>
+          </p:nvPr>
+        </p:nvSpPr>
+        <p:spPr>
+          <a:xfrm>
+            <a:off x="1457739" y="1027046"/>
+            <a:ext cx="10114829" cy="588989"/>
+          </a:xfrm>
+        </p:spPr>
+        <p:txBody>
+          <a:bodyPr>
+            <a:normAutofit fontScale="90000"/>
+          </a:bodyPr>
+          <a:lstStyle/>
+          <a:p>
+            <a:r>
+              <a:rPr lang="en-US" dirty="0" smtClean="0"/>
+              <a:t>The Core Principles</a:t>
+            </a:r>
+            <a:endParaRPr lang="en-US" dirty="0"/>
+          </a:p>
+        </p:txBody>
+      </p:sp>
+      <p:cxnSp>
+        <p:nvCxnSpPr>
+          <p:cNvPr id="7" name="Straight Connector 6">
+            <a:extLst>
+              <a:ext uri="{FF2B5EF4-FFF2-40B4-BE49-F238E27FC236}">
+                <a16:creationId xmlns:a16="http://schemas.microsoft.com/office/drawing/2014/main" id="{3515CC8D-5F4A-422E-A715-4030E5DE5E45}"/>
+              </a:ext>
+            </a:extLst>
+          </p:cNvPr>
+          <p:cNvCxnSpPr/>
+          <p:nvPr/>
+        </p:nvCxnSpPr>
+        <p:spPr>
+          <a:xfrm>
+            <a:off x="1577788" y="1748118"/>
+            <a:ext cx="9861176" cy="0"/>
+          </a:xfrm>
+          <a:prstGeom prst="line">
+            <a:avLst/>
+          </a:prstGeom>
+          <a:ln w="28575">
+            <a:solidFill>
+              <a:srgbClr val="EA2073"/>
+            </a:solidFill>
+          </a:ln>
+        </p:spPr>
+        <p:style>
+          <a:lnRef idx="1">
+            <a:schemeClr val="accent1"/>
+          </a:lnRef>
+          <a:fillRef idx="0">
+            <a:schemeClr val="accent1"/>
+          </a:fillRef>
+          <a:effectRef idx="0">
+            <a:schemeClr val="accent1"/>
+          </a:effectRef>
+          <a:fontRef idx="minor">
+            <a:schemeClr val="tx1"/>
+          </a:fontRef>
+        </p:style>
+      </p:cxnSp>
+      <p:pic>
+        <p:nvPicPr>
+          <p:cNvPr id="10" name="Picture 9"/>
+          <p:cNvPicPr>
+            <a:picLocks noChangeAspect="1"/>
+          </p:cNvPicPr>
+          <p:nvPr/>
+        </p:nvPicPr>
+        <p:blipFill rotWithShape="1">
+          <a:blip r:embed="rId2"/>
+          <a:srcRect l="68908" t="48661" r="17739" b="29732"/>
+          <a:stretch/>
+        </p:blipFill>
+        <p:spPr>
+          <a:xfrm>
+            <a:off x="8652271" y="4370259"/>
+            <a:ext cx="1694445" cy="1541562"/>
+          </a:xfrm>
+          <a:prstGeom prst="rect">
+            <a:avLst/>
+          </a:prstGeom>
+        </p:spPr>
+      </p:pic>
+      <p:sp>
+        <p:nvSpPr>
+          <p:cNvPr id="13" name="Content Placeholder 1"/>
+          <p:cNvSpPr>
+            <a:spLocks noGrp="1"/>
+          </p:cNvSpPr>
+          <p:nvPr>
+            <p:ph idx="1"/>
+          </p:nvPr>
+        </p:nvSpPr>
+        <p:spPr>
+          <a:xfrm>
+            <a:off x="1577788" y="2799858"/>
+            <a:ext cx="5722655" cy="2341182"/>
+          </a:xfrm>
+        </p:spPr>
+        <p:txBody>
+          <a:bodyPr>
+            <a:noAutofit/>
+          </a:bodyPr>
+          <a:lstStyle/>
+          <a:p>
+            <a:r>
+              <a:rPr lang="en-US" sz="1800" dirty="0"/>
+              <a:t>Since we have </a:t>
+            </a:r>
+            <a:r>
+              <a:rPr lang="en-US" sz="1800" dirty="0" smtClean="0"/>
+              <a:t>a </a:t>
+            </a:r>
+            <a:r>
+              <a:rPr lang="en-US" sz="1800" dirty="0" smtClean="0">
+                <a:solidFill>
+                  <a:schemeClr val="accent2">
+                    <a:lumMod val="75000"/>
+                  </a:schemeClr>
+                </a:solidFill>
+                <a:uFill>
+                  <a:solidFill>
+                    <a:schemeClr val="accent4">
+                      <a:lumMod val="40000"/>
+                      <a:lumOff val="60000"/>
+                    </a:schemeClr>
+                  </a:solidFill>
+                </a:uFill>
+              </a:rPr>
+              <a:t>SINGLE SOURCE OF TRUTH</a:t>
+            </a:r>
+            <a:r>
+              <a:rPr lang="en-US" sz="1800" u="sng" dirty="0" smtClean="0">
+                <a:solidFill>
+                  <a:schemeClr val="accent2">
+                    <a:lumMod val="75000"/>
+                  </a:schemeClr>
+                </a:solidFill>
+                <a:uFill>
+                  <a:solidFill>
+                    <a:schemeClr val="accent4">
+                      <a:lumMod val="40000"/>
+                      <a:lumOff val="60000"/>
+                    </a:schemeClr>
+                  </a:solidFill>
+                </a:uFill>
+              </a:rPr>
+              <a:t> </a:t>
+            </a:r>
+            <a:r>
+              <a:rPr lang="en-US" sz="1800" dirty="0" smtClean="0"/>
+              <a:t>and </a:t>
+            </a:r>
+            <a:r>
+              <a:rPr lang="en-US" sz="1800" dirty="0"/>
+              <a:t>you can’t directly change the </a:t>
+            </a:r>
+            <a:r>
+              <a:rPr lang="en-US" sz="1800" dirty="0" smtClean="0"/>
+              <a:t>state (</a:t>
+            </a:r>
+            <a:r>
+              <a:rPr lang="en-US" sz="1800" dirty="0" smtClean="0">
+                <a:solidFill>
+                  <a:schemeClr val="accent2">
+                    <a:lumMod val="75000"/>
+                  </a:schemeClr>
+                </a:solidFill>
+              </a:rPr>
+              <a:t>STATE IS READ-ONLY</a:t>
+            </a:r>
+            <a:r>
+              <a:rPr lang="en-US" sz="1800" dirty="0" smtClean="0"/>
+              <a:t>), </a:t>
+            </a:r>
+            <a:r>
+              <a:rPr lang="en-US" sz="1800" dirty="0"/>
+              <a:t>applications are going to behave more consistently.</a:t>
+            </a:r>
+          </a:p>
+          <a:p>
+            <a:r>
+              <a:rPr lang="en-US" sz="1800" dirty="0"/>
+              <a:t>Using the </a:t>
+            </a:r>
+            <a:r>
+              <a:rPr lang="en-US" sz="1800" dirty="0" err="1"/>
+              <a:t>redux</a:t>
+            </a:r>
+            <a:r>
+              <a:rPr lang="en-US" sz="1800" dirty="0"/>
+              <a:t> pattern gives us a lot of cool features to make debugging easier.</a:t>
+            </a:r>
+          </a:p>
+          <a:p>
+            <a:r>
+              <a:rPr lang="en-US" sz="1800" dirty="0"/>
+              <a:t>Easier to test because we </a:t>
+            </a:r>
+            <a:r>
+              <a:rPr lang="en-US" sz="1800" dirty="0" smtClean="0"/>
+              <a:t>are</a:t>
+            </a:r>
+            <a:r>
+              <a:rPr lang="en-US" sz="1800" dirty="0" smtClean="0">
+                <a:solidFill>
+                  <a:schemeClr val="accent2">
+                    <a:lumMod val="75000"/>
+                  </a:schemeClr>
+                </a:solidFill>
+              </a:rPr>
+              <a:t> HANDLING CHANGES USING PURE FUNCTIONS</a:t>
+            </a:r>
+            <a:r>
+              <a:rPr lang="en-US" sz="1800" dirty="0" smtClean="0"/>
+              <a:t> in </a:t>
+            </a:r>
+            <a:r>
+              <a:rPr lang="en-US" sz="1800" dirty="0"/>
+              <a:t>the state. </a:t>
+            </a:r>
+            <a:endParaRPr lang="en-IN" sz="1800" dirty="0"/>
+          </a:p>
+        </p:txBody>
+      </p:sp>
+      <p:pic>
+        <p:nvPicPr>
+          <p:cNvPr id="3" name="Picture 2"/>
+          <p:cNvPicPr>
+            <a:picLocks noChangeAspect="1"/>
+          </p:cNvPicPr>
+          <p:nvPr/>
+        </p:nvPicPr>
+        <p:blipFill rotWithShape="1">
+          <a:blip r:embed="rId3"/>
+          <a:srcRect l="43809" t="39018" r="43842" b="39554"/>
+          <a:stretch/>
+        </p:blipFill>
+        <p:spPr>
+          <a:xfrm>
+            <a:off x="8652271" y="2468948"/>
+            <a:ext cx="1606732" cy="1567543"/>
+          </a:xfrm>
+          <a:prstGeom prst="rect">
+            <a:avLst/>
+          </a:prstGeom>
+        </p:spPr>
+      </p:pic>
+    </p:spTree>
+    <p:extLst>
+      <p:ext uri="{BB962C8B-B14F-4D97-AF65-F5344CB8AC3E}">
+        <p14:creationId xmlns:p14="http://schemas.microsoft.com/office/powerpoint/2010/main" val="2107876579"/>
+      </p:ext>
+    </p:extLst>
+  </p:cSld>
+  <p:clrMapOvr>
+    <a:masterClrMapping/>
+  </p:clrMapOvr>
+  <p:timing>
+    <p:tnLst>
+      <p:par>
+        <p:cTn id="1" dur="indefinite" restart="never" nodeType="tmRoot"/>
+      </p:par>
+    </p:tnLst>
+  </p:timing>
+</p:sld>
+</file>
+
+<file path=ppt/slides/slide8.xml><?xml version="1.0" encoding="utf-8"?>
+<p:sld xmlns:a="http://schemas.openxmlformats.org/drawingml/2006/main" xmlns:r="http://schemas.openxmlformats.org/officeDocument/2006/relationships" xmlns:p="http://schemas.openxmlformats.org/presentationml/2006/main">
+  <p:cSld>
+    <p:spTree>
+      <p:nvGrpSpPr>
+        <p:cNvPr id="1" name=""/>
+        <p:cNvGrpSpPr/>
+        <p:nvPr/>
+      </p:nvGrpSpPr>
+      <p:grpSpPr>
+        <a:xfrm>
+          <a:off x="0" y="0"/>
+          <a:ext cx="0" cy="0"/>
+          <a:chOff x="0" y="0"/>
+          <a:chExt cx="0" cy="0"/>
+        </a:xfrm>
+      </p:grpSpPr>
+      <p:sp>
+        <p:nvSpPr>
+          <p:cNvPr id="2" name="Slide Number Placeholder 1"/>
+          <p:cNvSpPr>
+            <a:spLocks noGrp="1"/>
+          </p:cNvSpPr>
+          <p:nvPr>
+            <p:ph type="sldNum" sz="quarter" idx="12"/>
+          </p:nvPr>
+        </p:nvSpPr>
+        <p:spPr>
+          <a:xfrm>
+            <a:off x="9213769" y="6324864"/>
+            <a:ext cx="2586183" cy="365125"/>
+          </a:xfrm>
+        </p:spPr>
+        <p:txBody>
+          <a:bodyPr/>
+          <a:lstStyle/>
+          <a:p>
+            <a:fld id="{22CADBEF-CB64-4529-9779-0A66BE038F96}" type="slidenum">
+              <a:rPr lang="en-IN" smtClean="0"/>
+              <a:pPr/>
+              <a:t>8</a:t>
             </a:fld>
             <a:endParaRPr lang="en-IN"/>
           </a:p>
@@ -9746,7 +10443,7 @@
 </p:sld>
 </file>
 
-<file path=ppt/slides/slide8.xml><?xml version="1.0" encoding="utf-8"?>
+<file path=ppt/slides/slide9.xml><?xml version="1.0" encoding="utf-8"?>
 <p:sld xmlns:a="http://schemas.openxmlformats.org/drawingml/2006/main" xmlns:r="http://schemas.openxmlformats.org/officeDocument/2006/relationships" xmlns:p="http://schemas.openxmlformats.org/presentationml/2006/main">
   <p:cSld>
     <p:spTree>
@@ -9786,7 +10483,7 @@
             <a:fld id="{22CADBEF-CB64-4529-9779-0A66BE038F96}" type="slidenum">
               <a:rPr lang="en-IN" smtClean="0"/>
               <a:pPr/>
-              <a:t>8</a:t>
+              <a:t>9</a:t>
             </a:fld>
             <a:endParaRPr lang="en-IN"/>
           </a:p>
@@ -10180,471 +10877,6 @@
     <p:extLst>
       <p:ext uri="{BB962C8B-B14F-4D97-AF65-F5344CB8AC3E}">
         <p14:creationId xmlns:p14="http://schemas.microsoft.com/office/powerpoint/2010/main" val="3736635337"/>
-      </p:ext>
-    </p:extLst>
-  </p:cSld>
-  <p:clrMapOvr>
-    <a:masterClrMapping/>
-  </p:clrMapOvr>
-  <p:timing>
-    <p:tnLst>
-      <p:par>
-        <p:cTn id="1" dur="indefinite" restart="never" nodeType="tmRoot"/>
-      </p:par>
-    </p:tnLst>
-  </p:timing>
-</p:sld>
-</file>
-
-<file path=ppt/slides/slide9.xml><?xml version="1.0" encoding="utf-8"?>
-<p:sld xmlns:a="http://schemas.openxmlformats.org/drawingml/2006/main" xmlns:r="http://schemas.openxmlformats.org/officeDocument/2006/relationships" xmlns:p="http://schemas.openxmlformats.org/presentationml/2006/main">
-  <p:cSld>
-    <p:spTree>
-      <p:nvGrpSpPr>
-        <p:cNvPr id="1" name=""/>
-        <p:cNvGrpSpPr/>
-        <p:nvPr/>
-      </p:nvGrpSpPr>
-      <p:grpSpPr>
-        <a:xfrm>
-          <a:off x="0" y="0"/>
-          <a:ext cx="0" cy="0"/>
-          <a:chOff x="0" y="0"/>
-          <a:chExt cx="0" cy="0"/>
-        </a:xfrm>
-      </p:grpSpPr>
-      <p:sp>
-        <p:nvSpPr>
-          <p:cNvPr id="2" name="Slide Number Placeholder 1"/>
-          <p:cNvSpPr>
-            <a:spLocks noGrp="1"/>
-          </p:cNvSpPr>
-          <p:nvPr>
-            <p:ph type="sldNum" sz="quarter" idx="12"/>
-          </p:nvPr>
-        </p:nvSpPr>
-        <p:spPr>
-          <a:xfrm>
-            <a:off x="9213769" y="6324864"/>
-            <a:ext cx="2586183" cy="365125"/>
-          </a:xfrm>
-        </p:spPr>
-        <p:txBody>
-          <a:bodyPr/>
-          <a:lstStyle/>
-          <a:p>
-            <a:fld id="{22CADBEF-CB64-4529-9779-0A66BE038F96}" type="slidenum">
-              <a:rPr lang="en-IN" smtClean="0"/>
-              <a:pPr/>
-              <a:t>9</a:t>
-            </a:fld>
-            <a:endParaRPr lang="en-IN"/>
-          </a:p>
-        </p:txBody>
-      </p:sp>
-      <p:sp>
-        <p:nvSpPr>
-          <p:cNvPr id="5" name="Title 1">
-            <a:extLst>
-              <a:ext uri="{FF2B5EF4-FFF2-40B4-BE49-F238E27FC236}">
-                <a16:creationId xmlns:a16="http://schemas.microsoft.com/office/drawing/2014/main" id="{6CC0530D-B4D4-4517-80E1-D297D2A19555}"/>
-              </a:ext>
-            </a:extLst>
-          </p:cNvPr>
-          <p:cNvSpPr>
-            <a:spLocks noGrp="1"/>
-          </p:cNvSpPr>
-          <p:nvPr>
-            <p:ph type="title"/>
-          </p:nvPr>
-        </p:nvSpPr>
-        <p:spPr>
-          <a:xfrm>
-            <a:off x="1457739" y="1027046"/>
-            <a:ext cx="10114829" cy="588989"/>
-          </a:xfrm>
-        </p:spPr>
-        <p:txBody>
-          <a:bodyPr>
-            <a:normAutofit fontScale="90000"/>
-          </a:bodyPr>
-          <a:lstStyle/>
-          <a:p>
-            <a:r>
-              <a:rPr lang="en-US" dirty="0" smtClean="0"/>
-              <a:t>Principles – </a:t>
-            </a:r>
-            <a:r>
-              <a:rPr lang="en-US" sz="4000" dirty="0"/>
-              <a:t>Handling changes using pure functions</a:t>
-            </a:r>
-            <a:endParaRPr lang="en-IN" sz="4000" dirty="0"/>
-          </a:p>
-        </p:txBody>
-      </p:sp>
-      <p:cxnSp>
-        <p:nvCxnSpPr>
-          <p:cNvPr id="7" name="Straight Connector 6">
-            <a:extLst>
-              <a:ext uri="{FF2B5EF4-FFF2-40B4-BE49-F238E27FC236}">
-                <a16:creationId xmlns:a16="http://schemas.microsoft.com/office/drawing/2014/main" id="{3515CC8D-5F4A-422E-A715-4030E5DE5E45}"/>
-              </a:ext>
-            </a:extLst>
-          </p:cNvPr>
-          <p:cNvCxnSpPr/>
-          <p:nvPr/>
-        </p:nvCxnSpPr>
-        <p:spPr>
-          <a:xfrm>
-            <a:off x="1577788" y="1748118"/>
-            <a:ext cx="9861176" cy="0"/>
-          </a:xfrm>
-          <a:prstGeom prst="line">
-            <a:avLst/>
-          </a:prstGeom>
-          <a:ln w="28575">
-            <a:solidFill>
-              <a:srgbClr val="EA2073"/>
-            </a:solidFill>
-          </a:ln>
-        </p:spPr>
-        <p:style>
-          <a:lnRef idx="1">
-            <a:schemeClr val="accent1"/>
-          </a:lnRef>
-          <a:fillRef idx="0">
-            <a:schemeClr val="accent1"/>
-          </a:fillRef>
-          <a:effectRef idx="0">
-            <a:schemeClr val="accent1"/>
-          </a:effectRef>
-          <a:fontRef idx="minor">
-            <a:schemeClr val="tx1"/>
-          </a:fontRef>
-        </p:style>
-      </p:cxnSp>
-      <p:pic>
-        <p:nvPicPr>
-          <p:cNvPr id="11" name="Picture 10"/>
-          <p:cNvPicPr>
-            <a:picLocks noChangeAspect="1"/>
-          </p:cNvPicPr>
-          <p:nvPr/>
-        </p:nvPicPr>
-        <p:blipFill rotWithShape="1">
-          <a:blip r:embed="rId2"/>
-          <a:srcRect l="41801" t="37767" r="41734" b="35805"/>
-          <a:stretch/>
-        </p:blipFill>
-        <p:spPr>
-          <a:xfrm>
-            <a:off x="1457739" y="4184976"/>
-            <a:ext cx="2142309" cy="1933303"/>
-          </a:xfrm>
-          <a:prstGeom prst="rect">
-            <a:avLst/>
-          </a:prstGeom>
-        </p:spPr>
-      </p:pic>
-      <p:sp>
-        <p:nvSpPr>
-          <p:cNvPr id="14" name="Content Placeholder 1"/>
-          <p:cNvSpPr>
-            <a:spLocks noGrp="1"/>
-          </p:cNvSpPr>
-          <p:nvPr>
-            <p:ph idx="1"/>
-          </p:nvPr>
-        </p:nvSpPr>
-        <p:spPr>
-          <a:xfrm>
-            <a:off x="1577788" y="2197958"/>
-            <a:ext cx="9355839" cy="1714071"/>
-          </a:xfrm>
-        </p:spPr>
-        <p:txBody>
-          <a:bodyPr>
-            <a:noAutofit/>
-          </a:bodyPr>
-          <a:lstStyle/>
-          <a:p>
-            <a:pPr marL="0" indent="0">
-              <a:buNone/>
-            </a:pPr>
-            <a:r>
-              <a:rPr lang="en-US" sz="1800" dirty="0"/>
-              <a:t>The operation triggered by dispatching an action is going to be a pure function called, within the </a:t>
-            </a:r>
-            <a:r>
-              <a:rPr lang="en-US" sz="1800" dirty="0" err="1"/>
-              <a:t>redux</a:t>
-            </a:r>
-            <a:r>
-              <a:rPr lang="en-US" sz="1800" dirty="0"/>
-              <a:t> architecture, reducers.</a:t>
-            </a:r>
-            <a:br>
-              <a:rPr lang="en-US" sz="1800" dirty="0"/>
-            </a:br>
-            <a:r>
-              <a:rPr lang="en-US" sz="1800" dirty="0"/>
-              <a:t/>
-            </a:r>
-            <a:br>
-              <a:rPr lang="en-US" sz="1800" dirty="0"/>
-            </a:br>
-            <a:r>
-              <a:rPr lang="en-US" sz="1800" dirty="0"/>
-              <a:t>Reducers are pure functions that are the only ones that can change state.  They aren’t really changing state but making a copy of existing state and changing one or more properties on the new state.</a:t>
-            </a:r>
-            <a:endParaRPr lang="en-IN" sz="1800" dirty="0"/>
-          </a:p>
-        </p:txBody>
-      </p:sp>
-      <p:sp>
-        <p:nvSpPr>
-          <p:cNvPr id="8" name="Content Placeholder 1"/>
-          <p:cNvSpPr txBox="1">
-            <a:spLocks/>
-          </p:cNvSpPr>
-          <p:nvPr/>
-        </p:nvSpPr>
-        <p:spPr>
-          <a:xfrm>
-            <a:off x="4062361" y="4160954"/>
-            <a:ext cx="7376603" cy="2346472"/>
-          </a:xfrm>
-          <a:prstGeom prst="rect">
-            <a:avLst/>
-          </a:prstGeom>
-        </p:spPr>
-        <p:txBody>
-          <a:bodyPr vert="horz" lIns="91440" tIns="45720" rIns="91440" bIns="45720" rtlCol="0">
-            <a:noAutofit/>
-          </a:bodyPr>
-          <a:lstStyle>
-            <a:lvl1pPr marL="342900" indent="-342900" algn="l" defTabSz="914400" rtl="0" eaLnBrk="1" latinLnBrk="0" hangingPunct="1">
-              <a:spcBef>
-                <a:spcPct val="20000"/>
-              </a:spcBef>
-              <a:buFont typeface="Arial" panose="020B0604020202020204" pitchFamily="34" charset="0"/>
-              <a:buChar char="•"/>
-              <a:defRPr sz="3200" kern="1200">
-                <a:solidFill>
-                  <a:schemeClr val="tx1"/>
-                </a:solidFill>
-                <a:latin typeface="+mn-lt"/>
-                <a:ea typeface="+mn-ea"/>
-                <a:cs typeface="+mn-cs"/>
-              </a:defRPr>
-            </a:lvl1pPr>
-            <a:lvl2pPr marL="742950" indent="-285750" algn="l" defTabSz="914400" rtl="0" eaLnBrk="1" latinLnBrk="0" hangingPunct="1">
-              <a:spcBef>
-                <a:spcPct val="20000"/>
-              </a:spcBef>
-              <a:buFont typeface="Arial" panose="020B0604020202020204" pitchFamily="34" charset="0"/>
-              <a:buChar char="–"/>
-              <a:defRPr sz="2800" kern="1200">
-                <a:solidFill>
-                  <a:schemeClr val="tx1"/>
-                </a:solidFill>
-                <a:latin typeface="+mn-lt"/>
-                <a:ea typeface="+mn-ea"/>
-                <a:cs typeface="+mn-cs"/>
-              </a:defRPr>
-            </a:lvl2pPr>
-            <a:lvl3pPr marL="1143000" indent="-228600" algn="l" defTabSz="914400" rtl="0" eaLnBrk="1" latinLnBrk="0" hangingPunct="1">
-              <a:spcBef>
-                <a:spcPct val="20000"/>
-              </a:spcBef>
-              <a:buFont typeface="Arial" panose="020B0604020202020204" pitchFamily="34" charset="0"/>
-              <a:buChar char="•"/>
-              <a:defRPr sz="2400" kern="1200">
-                <a:solidFill>
-                  <a:schemeClr val="tx1"/>
-                </a:solidFill>
-                <a:latin typeface="+mn-lt"/>
-                <a:ea typeface="+mn-ea"/>
-                <a:cs typeface="+mn-cs"/>
-              </a:defRPr>
-            </a:lvl3pPr>
-            <a:lvl4pPr marL="1600200" indent="-228600" algn="l" defTabSz="914400" rtl="0" eaLnBrk="1" latinLnBrk="0" hangingPunct="1">
-              <a:spcBef>
-                <a:spcPct val="20000"/>
-              </a:spcBef>
-              <a:buFont typeface="Arial" panose="020B0604020202020204" pitchFamily="34" charset="0"/>
-              <a:buChar char="–"/>
-              <a:defRPr sz="2000" kern="1200">
-                <a:solidFill>
-                  <a:schemeClr val="tx1"/>
-                </a:solidFill>
-                <a:latin typeface="+mn-lt"/>
-                <a:ea typeface="+mn-ea"/>
-                <a:cs typeface="+mn-cs"/>
-              </a:defRPr>
-            </a:lvl4pPr>
-            <a:lvl5pPr marL="2057400" indent="-228600" algn="l" defTabSz="914400" rtl="0" eaLnBrk="1" latinLnBrk="0" hangingPunct="1">
-              <a:spcBef>
-                <a:spcPct val="20000"/>
-              </a:spcBef>
-              <a:buFont typeface="Arial" panose="020B0604020202020204" pitchFamily="34" charset="0"/>
-              <a:buChar char="»"/>
-              <a:defRPr sz="2000" kern="1200">
-                <a:solidFill>
-                  <a:schemeClr val="tx1"/>
-                </a:solidFill>
-                <a:latin typeface="+mn-lt"/>
-                <a:ea typeface="+mn-ea"/>
-                <a:cs typeface="+mn-cs"/>
-              </a:defRPr>
-            </a:lvl5pPr>
-            <a:lvl6pPr marL="2514600" indent="-228600" algn="l" defTabSz="914400" rtl="0" eaLnBrk="1" latinLnBrk="0" hangingPunct="1">
-              <a:spcBef>
-                <a:spcPct val="20000"/>
-              </a:spcBef>
-              <a:buFont typeface="Arial" panose="020B0604020202020204" pitchFamily="34" charset="0"/>
-              <a:buChar char="•"/>
-              <a:defRPr sz="2000" kern="1200">
-                <a:solidFill>
-                  <a:schemeClr val="tx1"/>
-                </a:solidFill>
-                <a:latin typeface="+mn-lt"/>
-                <a:ea typeface="+mn-ea"/>
-                <a:cs typeface="+mn-cs"/>
-              </a:defRPr>
-            </a:lvl6pPr>
-            <a:lvl7pPr marL="2971800" indent="-228600" algn="l" defTabSz="914400" rtl="0" eaLnBrk="1" latinLnBrk="0" hangingPunct="1">
-              <a:spcBef>
-                <a:spcPct val="20000"/>
-              </a:spcBef>
-              <a:buFont typeface="Arial" panose="020B0604020202020204" pitchFamily="34" charset="0"/>
-              <a:buChar char="•"/>
-              <a:defRPr sz="2000" kern="1200">
-                <a:solidFill>
-                  <a:schemeClr val="tx1"/>
-                </a:solidFill>
-                <a:latin typeface="+mn-lt"/>
-                <a:ea typeface="+mn-ea"/>
-                <a:cs typeface="+mn-cs"/>
-              </a:defRPr>
-            </a:lvl7pPr>
-            <a:lvl8pPr marL="3429000" indent="-228600" algn="l" defTabSz="914400" rtl="0" eaLnBrk="1" latinLnBrk="0" hangingPunct="1">
-              <a:spcBef>
-                <a:spcPct val="20000"/>
-              </a:spcBef>
-              <a:buFont typeface="Arial" panose="020B0604020202020204" pitchFamily="34" charset="0"/>
-              <a:buChar char="•"/>
-              <a:defRPr sz="2000" kern="1200">
-                <a:solidFill>
-                  <a:schemeClr val="tx1"/>
-                </a:solidFill>
-                <a:latin typeface="+mn-lt"/>
-                <a:ea typeface="+mn-ea"/>
-                <a:cs typeface="+mn-cs"/>
-              </a:defRPr>
-            </a:lvl8pPr>
-            <a:lvl9pPr marL="3886200" indent="-228600" algn="l" defTabSz="914400" rtl="0" eaLnBrk="1" latinLnBrk="0" hangingPunct="1">
-              <a:spcBef>
-                <a:spcPct val="20000"/>
-              </a:spcBef>
-              <a:buFont typeface="Arial" panose="020B0604020202020204" pitchFamily="34" charset="0"/>
-              <a:buChar char="•"/>
-              <a:defRPr sz="2000" kern="1200">
-                <a:solidFill>
-                  <a:schemeClr val="tx1"/>
-                </a:solidFill>
-                <a:latin typeface="+mn-lt"/>
-                <a:ea typeface="+mn-ea"/>
-                <a:cs typeface="+mn-cs"/>
-              </a:defRPr>
-            </a:lvl9pPr>
-          </a:lstStyle>
-          <a:p>
-            <a:pPr marL="0" indent="0">
-              <a:buNone/>
-            </a:pPr>
-            <a:r>
-              <a:rPr lang="en-US" sz="1800" b="1" dirty="0" smtClean="0"/>
-              <a:t>BENEFITS </a:t>
-            </a:r>
-          </a:p>
-          <a:p>
-            <a:r>
-              <a:rPr lang="en-US" sz="1800" dirty="0" smtClean="0"/>
-              <a:t>All </a:t>
-            </a:r>
-            <a:r>
-              <a:rPr lang="en-US" sz="1800" dirty="0"/>
-              <a:t>changes are centralized and happen one by one in a strict order, there are no subtle race conditions to watch out </a:t>
-            </a:r>
-            <a:r>
-              <a:rPr lang="en-US" sz="1800" dirty="0" smtClean="0"/>
-              <a:t>for.</a:t>
-            </a:r>
-          </a:p>
-          <a:p>
-            <a:r>
-              <a:rPr lang="en-US" sz="1800" dirty="0"/>
-              <a:t>A</a:t>
-            </a:r>
-            <a:r>
-              <a:rPr lang="en-US" sz="1800" dirty="0" smtClean="0"/>
-              <a:t>ny </a:t>
-            </a:r>
-            <a:r>
-              <a:rPr lang="en-US" sz="1800" dirty="0"/>
-              <a:t>change to the state is going to happen only in one place. This has a great impact on debugging and testing</a:t>
-            </a:r>
-            <a:r>
-              <a:rPr lang="en-US" sz="1800" dirty="0" smtClean="0"/>
-              <a:t>.</a:t>
-            </a:r>
-          </a:p>
-          <a:p>
-            <a:r>
-              <a:rPr lang="en-US" sz="1800" dirty="0"/>
-              <a:t>I</a:t>
-            </a:r>
-            <a:r>
-              <a:rPr lang="en-US" sz="1800" dirty="0" smtClean="0"/>
-              <a:t>f </a:t>
-            </a:r>
-            <a:r>
-              <a:rPr lang="en-US" sz="1800" dirty="0"/>
-              <a:t>a </a:t>
-            </a:r>
-            <a:r>
-              <a:rPr lang="en-US" sz="1800" dirty="0" smtClean="0"/>
-              <a:t>particular </a:t>
-            </a:r>
-            <a:r>
-              <a:rPr lang="en-US" sz="1800" dirty="0"/>
-              <a:t>action is </a:t>
-            </a:r>
-            <a:r>
-              <a:rPr lang="en-US" sz="1800" dirty="0" smtClean="0"/>
-              <a:t>dispatched, the </a:t>
-            </a:r>
-            <a:r>
-              <a:rPr lang="en-US" sz="1800" dirty="0"/>
-              <a:t>operation in the state is always the same. </a:t>
-            </a:r>
-            <a:r>
-              <a:rPr lang="en-US" sz="1800" dirty="0" smtClean="0"/>
-              <a:t>It also helps in </a:t>
-            </a:r>
-            <a:r>
-              <a:rPr lang="en-US" sz="1800" dirty="0"/>
-              <a:t>debugging and testing.</a:t>
-            </a:r>
-            <a:endParaRPr lang="en-IN" sz="1800" dirty="0"/>
-          </a:p>
-        </p:txBody>
-      </p:sp>
-    </p:spTree>
-    <p:extLst>
-      <p:ext uri="{BB962C8B-B14F-4D97-AF65-F5344CB8AC3E}">
-        <p14:creationId xmlns:p14="http://schemas.microsoft.com/office/powerpoint/2010/main" val="1037780320"/>
       </p:ext>
     </p:extLst>
   </p:cSld>

--- a/NGRX_tech_session.pptx
+++ b/NGRX_tech_session.pptx
@@ -5,7 +5,7 @@
     <p:sldMasterId id="2147483660" r:id="rId4"/>
   </p:sldMasterIdLst>
   <p:notesMasterIdLst>
-    <p:notesMasterId r:id="rId33"/>
+    <p:notesMasterId r:id="rId25"/>
   </p:notesMasterIdLst>
   <p:sldIdLst>
     <p:sldId id="389" r:id="rId5"/>
@@ -21,21 +21,13 @@
     <p:sldId id="417" r:id="rId15"/>
     <p:sldId id="403" r:id="rId16"/>
     <p:sldId id="404" r:id="rId17"/>
-    <p:sldId id="405" r:id="rId18"/>
-    <p:sldId id="406" r:id="rId19"/>
-    <p:sldId id="407" r:id="rId20"/>
-    <p:sldId id="408" r:id="rId21"/>
+    <p:sldId id="425" r:id="rId18"/>
+    <p:sldId id="426" r:id="rId19"/>
+    <p:sldId id="427" r:id="rId20"/>
+    <p:sldId id="428" r:id="rId21"/>
     <p:sldId id="424" r:id="rId22"/>
-    <p:sldId id="409" r:id="rId23"/>
-    <p:sldId id="410" r:id="rId24"/>
-    <p:sldId id="411" r:id="rId25"/>
-    <p:sldId id="412" r:id="rId26"/>
-    <p:sldId id="413" r:id="rId27"/>
-    <p:sldId id="414" r:id="rId28"/>
-    <p:sldId id="415" r:id="rId29"/>
-    <p:sldId id="398" r:id="rId30"/>
-    <p:sldId id="416" r:id="rId31"/>
-    <p:sldId id="396" r:id="rId32"/>
+    <p:sldId id="396" r:id="rId23"/>
+    <p:sldId id="416" r:id="rId24"/>
   </p:sldIdLst>
   <p:sldSz cx="12192000" cy="6858000"/>
   <p:notesSz cx="6858000" cy="9144000"/>
@@ -3902,7 +3894,7 @@
         <p:spPr>
           <a:xfrm>
             <a:off x="244368" y="3546223"/>
-            <a:ext cx="6344687" cy="646331"/>
+            <a:ext cx="6344687" cy="1200329"/>
           </a:xfrm>
           <a:prstGeom prst="rect">
             <a:avLst/>
@@ -3929,15 +3921,22 @@
                   <a:schemeClr val="bg1"/>
                 </a:solidFill>
               </a:rPr>
-              <a:t>State </a:t>
-            </a:r>
-            <a:r>
+              <a:t/>
+            </a:r>
+            <a:br>
               <a:rPr lang="en-US" sz="3600" dirty="0" smtClean="0">
                 <a:solidFill>
                   <a:schemeClr val="bg1"/>
                 </a:solidFill>
               </a:rPr>
-              <a:t>management </a:t>
+            </a:br>
+            <a:r>
+              <a:rPr lang="en-US" sz="3600" dirty="0" smtClean="0">
+                <a:solidFill>
+                  <a:schemeClr val="bg1"/>
+                </a:solidFill>
+              </a:rPr>
+              <a:t>State management of Angular </a:t>
             </a:r>
             <a:endParaRPr lang="en-US" sz="6000" dirty="0">
               <a:solidFill>
@@ -4638,7 +4637,7 @@
         </p:nvSpPr>
         <p:spPr>
           <a:xfrm>
-            <a:off x="9213769" y="6324864"/>
+            <a:off x="7113493" y="5781938"/>
             <a:ext cx="2586183" cy="365125"/>
           </a:xfrm>
         </p:spPr>
@@ -4685,7 +4684,11 @@
           <a:p>
             <a:r>
               <a:rPr lang="en-US" dirty="0" smtClean="0"/>
-              <a:t>NGRX Architecture</a:t>
+              <a:t>NGRX Store: </a:t>
+            </a:r>
+            <a:r>
+              <a:rPr lang="en-US" dirty="0" smtClean="0"/>
+              <a:t>Architecture</a:t>
             </a:r>
             <a:endParaRPr lang="en-US" dirty="0"/>
           </a:p>
@@ -4732,29 +4735,787 @@
           </a:fontRef>
         </p:style>
       </p:cxnSp>
-      <p:pic>
-        <p:nvPicPr>
-          <p:cNvPr id="4" name="Picture 3"/>
-          <p:cNvPicPr>
-            <a:picLocks noChangeAspect="1"/>
-          </p:cNvPicPr>
-          <p:nvPr/>
-        </p:nvPicPr>
-        <p:blipFill rotWithShape="1">
-          <a:blip r:embed="rId2"/>
-          <a:srcRect l="25838" t="22232" r="25971" b="21875"/>
-          <a:stretch/>
-        </p:blipFill>
-        <p:spPr>
-          <a:xfrm>
-            <a:off x="3095897" y="2104106"/>
-            <a:ext cx="6270172" cy="4088674"/>
+      <p:sp>
+        <p:nvSpPr>
+          <p:cNvPr id="3" name="Rounded Rectangle 2"/>
+          <p:cNvSpPr/>
+          <p:nvPr/>
+        </p:nvSpPr>
+        <p:spPr>
+          <a:xfrm>
+            <a:off x="2776518" y="2283401"/>
+            <a:ext cx="2507673" cy="554182"/>
+          </a:xfrm>
+          <a:prstGeom prst="roundRect">
+            <a:avLst/>
+          </a:prstGeom>
+          <a:gradFill flip="none" rotWithShape="1">
+            <a:gsLst>
+              <a:gs pos="0">
+                <a:schemeClr val="accent1">
+                  <a:shade val="30000"/>
+                  <a:satMod val="115000"/>
+                </a:schemeClr>
+              </a:gs>
+              <a:gs pos="50000">
+                <a:schemeClr val="accent1">
+                  <a:shade val="67500"/>
+                  <a:satMod val="115000"/>
+                </a:schemeClr>
+              </a:gs>
+              <a:gs pos="100000">
+                <a:schemeClr val="accent1">
+                  <a:shade val="100000"/>
+                  <a:satMod val="115000"/>
+                </a:schemeClr>
+              </a:gs>
+            </a:gsLst>
+            <a:lin ang="10800000" scaled="1"/>
+            <a:tileRect/>
+          </a:gradFill>
+        </p:spPr>
+        <p:style>
+          <a:lnRef idx="2">
+            <a:schemeClr val="accent1">
+              <a:shade val="50000"/>
+            </a:schemeClr>
+          </a:lnRef>
+          <a:fillRef idx="1">
+            <a:schemeClr val="accent1"/>
+          </a:fillRef>
+          <a:effectRef idx="0">
+            <a:schemeClr val="accent1"/>
+          </a:effectRef>
+          <a:fontRef idx="minor">
+            <a:schemeClr val="lt1"/>
+          </a:fontRef>
+        </p:style>
+        <p:txBody>
+          <a:bodyPr rtlCol="0" anchor="ctr"/>
+          <a:lstStyle/>
+          <a:p>
+            <a:pPr algn="ctr"/>
+            <a:r>
+              <a:rPr lang="en-IN" dirty="0" smtClean="0"/>
+              <a:t>REDUCERS</a:t>
+            </a:r>
+            <a:endParaRPr lang="en-IN" dirty="0"/>
+          </a:p>
+        </p:txBody>
+      </p:sp>
+      <p:sp>
+        <p:nvSpPr>
+          <p:cNvPr id="8" name="Rounded Rectangle 7"/>
+          <p:cNvSpPr/>
+          <p:nvPr/>
+        </p:nvSpPr>
+        <p:spPr>
+          <a:xfrm>
+            <a:off x="7403942" y="2283401"/>
+            <a:ext cx="2507673" cy="554182"/>
+          </a:xfrm>
+          <a:prstGeom prst="roundRect">
+            <a:avLst/>
+          </a:prstGeom>
+          <a:gradFill flip="none" rotWithShape="1">
+            <a:gsLst>
+              <a:gs pos="0">
+                <a:schemeClr val="accent1">
+                  <a:shade val="30000"/>
+                  <a:satMod val="115000"/>
+                </a:schemeClr>
+              </a:gs>
+              <a:gs pos="50000">
+                <a:schemeClr val="accent1">
+                  <a:shade val="67500"/>
+                  <a:satMod val="115000"/>
+                </a:schemeClr>
+              </a:gs>
+              <a:gs pos="100000">
+                <a:schemeClr val="accent1">
+                  <a:shade val="100000"/>
+                  <a:satMod val="115000"/>
+                </a:schemeClr>
+              </a:gs>
+            </a:gsLst>
+            <a:lin ang="10800000" scaled="1"/>
+            <a:tileRect/>
+          </a:gradFill>
+        </p:spPr>
+        <p:style>
+          <a:lnRef idx="2">
+            <a:schemeClr val="accent1">
+              <a:shade val="50000"/>
+            </a:schemeClr>
+          </a:lnRef>
+          <a:fillRef idx="1">
+            <a:schemeClr val="accent1"/>
+          </a:fillRef>
+          <a:effectRef idx="0">
+            <a:schemeClr val="accent1"/>
+          </a:effectRef>
+          <a:fontRef idx="minor">
+            <a:schemeClr val="lt1"/>
+          </a:fontRef>
+        </p:style>
+        <p:txBody>
+          <a:bodyPr rtlCol="0" anchor="ctr"/>
+          <a:lstStyle/>
+          <a:p>
+            <a:pPr algn="ctr"/>
+            <a:r>
+              <a:rPr lang="en-IN" dirty="0" smtClean="0"/>
+              <a:t>STORE</a:t>
+            </a:r>
+            <a:endParaRPr lang="en-IN" dirty="0"/>
+          </a:p>
+        </p:txBody>
+      </p:sp>
+      <p:sp>
+        <p:nvSpPr>
+          <p:cNvPr id="9" name="Rounded Rectangle 8"/>
+          <p:cNvSpPr/>
+          <p:nvPr/>
+        </p:nvSpPr>
+        <p:spPr>
+          <a:xfrm>
+            <a:off x="7403942" y="4149548"/>
+            <a:ext cx="2507673" cy="554182"/>
+          </a:xfrm>
+          <a:prstGeom prst="roundRect">
+            <a:avLst/>
+          </a:prstGeom>
+          <a:gradFill flip="none" rotWithShape="1">
+            <a:gsLst>
+              <a:gs pos="0">
+                <a:schemeClr val="accent1">
+                  <a:shade val="30000"/>
+                  <a:satMod val="115000"/>
+                </a:schemeClr>
+              </a:gs>
+              <a:gs pos="50000">
+                <a:schemeClr val="accent1">
+                  <a:shade val="67500"/>
+                  <a:satMod val="115000"/>
+                </a:schemeClr>
+              </a:gs>
+              <a:gs pos="100000">
+                <a:schemeClr val="accent1">
+                  <a:shade val="100000"/>
+                  <a:satMod val="115000"/>
+                </a:schemeClr>
+              </a:gs>
+            </a:gsLst>
+            <a:lin ang="10800000" scaled="1"/>
+            <a:tileRect/>
+          </a:gradFill>
+        </p:spPr>
+        <p:style>
+          <a:lnRef idx="2">
+            <a:schemeClr val="accent1">
+              <a:shade val="50000"/>
+            </a:schemeClr>
+          </a:lnRef>
+          <a:fillRef idx="1">
+            <a:schemeClr val="accent1"/>
+          </a:fillRef>
+          <a:effectRef idx="0">
+            <a:schemeClr val="accent1"/>
+          </a:effectRef>
+          <a:fontRef idx="minor">
+            <a:schemeClr val="lt1"/>
+          </a:fontRef>
+        </p:style>
+        <p:txBody>
+          <a:bodyPr rtlCol="0" anchor="ctr"/>
+          <a:lstStyle/>
+          <a:p>
+            <a:pPr algn="ctr"/>
+            <a:r>
+              <a:rPr lang="en-IN" dirty="0" smtClean="0"/>
+              <a:t>COMPONENT</a:t>
+            </a:r>
+            <a:endParaRPr lang="en-IN" dirty="0"/>
+          </a:p>
+        </p:txBody>
+      </p:sp>
+      <p:sp>
+        <p:nvSpPr>
+          <p:cNvPr id="10" name="Rounded Rectangle 9"/>
+          <p:cNvSpPr/>
+          <p:nvPr/>
+        </p:nvSpPr>
+        <p:spPr>
+          <a:xfrm>
+            <a:off x="7403942" y="5592881"/>
+            <a:ext cx="2507673" cy="554182"/>
+          </a:xfrm>
+          <a:prstGeom prst="roundRect">
+            <a:avLst/>
+          </a:prstGeom>
+          <a:gradFill flip="none" rotWithShape="1">
+            <a:gsLst>
+              <a:gs pos="0">
+                <a:schemeClr val="accent1">
+                  <a:shade val="30000"/>
+                  <a:satMod val="115000"/>
+                </a:schemeClr>
+              </a:gs>
+              <a:gs pos="50000">
+                <a:schemeClr val="accent1">
+                  <a:shade val="67500"/>
+                  <a:satMod val="115000"/>
+                </a:schemeClr>
+              </a:gs>
+              <a:gs pos="100000">
+                <a:schemeClr val="accent1">
+                  <a:shade val="100000"/>
+                  <a:satMod val="115000"/>
+                </a:schemeClr>
+              </a:gs>
+            </a:gsLst>
+            <a:lin ang="10800000" scaled="1"/>
+            <a:tileRect/>
+          </a:gradFill>
+        </p:spPr>
+        <p:style>
+          <a:lnRef idx="2">
+            <a:schemeClr val="accent1">
+              <a:shade val="50000"/>
+            </a:schemeClr>
+          </a:lnRef>
+          <a:fillRef idx="1">
+            <a:schemeClr val="accent1"/>
+          </a:fillRef>
+          <a:effectRef idx="0">
+            <a:schemeClr val="accent1"/>
+          </a:effectRef>
+          <a:fontRef idx="minor">
+            <a:schemeClr val="lt1"/>
+          </a:fontRef>
+        </p:style>
+        <p:txBody>
+          <a:bodyPr rtlCol="0" anchor="ctr"/>
+          <a:lstStyle/>
+          <a:p>
+            <a:pPr algn="ctr"/>
+            <a:r>
+              <a:rPr lang="en-IN" dirty="0" smtClean="0"/>
+              <a:t>SERVICES</a:t>
+            </a:r>
+            <a:endParaRPr lang="en-IN" dirty="0"/>
+          </a:p>
+        </p:txBody>
+      </p:sp>
+      <p:sp>
+        <p:nvSpPr>
+          <p:cNvPr id="11" name="Rounded Rectangle 10"/>
+          <p:cNvSpPr/>
+          <p:nvPr/>
+        </p:nvSpPr>
+        <p:spPr>
+          <a:xfrm>
+            <a:off x="2776518" y="5592881"/>
+            <a:ext cx="2507673" cy="554182"/>
+          </a:xfrm>
+          <a:prstGeom prst="roundRect">
+            <a:avLst/>
+          </a:prstGeom>
+          <a:gradFill flip="none" rotWithShape="1">
+            <a:gsLst>
+              <a:gs pos="0">
+                <a:schemeClr val="accent1">
+                  <a:shade val="30000"/>
+                  <a:satMod val="115000"/>
+                </a:schemeClr>
+              </a:gs>
+              <a:gs pos="50000">
+                <a:schemeClr val="accent1">
+                  <a:shade val="67500"/>
+                  <a:satMod val="115000"/>
+                </a:schemeClr>
+              </a:gs>
+              <a:gs pos="100000">
+                <a:schemeClr val="accent1">
+                  <a:shade val="100000"/>
+                  <a:satMod val="115000"/>
+                </a:schemeClr>
+              </a:gs>
+            </a:gsLst>
+            <a:lin ang="10800000" scaled="1"/>
+            <a:tileRect/>
+          </a:gradFill>
+        </p:spPr>
+        <p:style>
+          <a:lnRef idx="2">
+            <a:schemeClr val="accent1">
+              <a:shade val="50000"/>
+            </a:schemeClr>
+          </a:lnRef>
+          <a:fillRef idx="1">
+            <a:schemeClr val="accent1"/>
+          </a:fillRef>
+          <a:effectRef idx="0">
+            <a:schemeClr val="accent1"/>
+          </a:effectRef>
+          <a:fontRef idx="minor">
+            <a:schemeClr val="lt1"/>
+          </a:fontRef>
+        </p:style>
+        <p:txBody>
+          <a:bodyPr rtlCol="0" anchor="ctr"/>
+          <a:lstStyle/>
+          <a:p>
+            <a:pPr algn="ctr"/>
+            <a:r>
+              <a:rPr lang="en-IN" dirty="0" smtClean="0"/>
+              <a:t>EFFECTS</a:t>
+            </a:r>
+            <a:endParaRPr lang="en-IN" dirty="0"/>
+          </a:p>
+        </p:txBody>
+      </p:sp>
+      <p:cxnSp>
+        <p:nvCxnSpPr>
+          <p:cNvPr id="12" name="Straight Arrow Connector 11"/>
+          <p:cNvCxnSpPr>
+            <a:stCxn id="3" idx="3"/>
+            <a:endCxn id="8" idx="1"/>
+          </p:cNvCxnSpPr>
+          <p:nvPr/>
+        </p:nvCxnSpPr>
+        <p:spPr>
+          <a:xfrm>
+            <a:off x="5284191" y="2560492"/>
+            <a:ext cx="2119751" cy="0"/>
+          </a:xfrm>
+          <a:prstGeom prst="straightConnector1">
+            <a:avLst/>
+          </a:prstGeom>
+          <a:ln>
+            <a:tailEnd type="triangle"/>
+          </a:ln>
+        </p:spPr>
+        <p:style>
+          <a:lnRef idx="3">
+            <a:schemeClr val="accent1"/>
+          </a:lnRef>
+          <a:fillRef idx="0">
+            <a:schemeClr val="accent1"/>
+          </a:fillRef>
+          <a:effectRef idx="2">
+            <a:schemeClr val="accent1"/>
+          </a:effectRef>
+          <a:fontRef idx="minor">
+            <a:schemeClr val="tx1"/>
+          </a:fontRef>
+        </p:style>
+      </p:cxnSp>
+      <p:cxnSp>
+        <p:nvCxnSpPr>
+          <p:cNvPr id="15" name="Straight Arrow Connector 14"/>
+          <p:cNvCxnSpPr>
+            <a:stCxn id="11" idx="0"/>
+            <a:endCxn id="3" idx="2"/>
+          </p:cNvCxnSpPr>
+          <p:nvPr/>
+        </p:nvCxnSpPr>
+        <p:spPr>
+          <a:xfrm flipV="1">
+            <a:off x="4030355" y="2837583"/>
+            <a:ext cx="0" cy="2755298"/>
+          </a:xfrm>
+          <a:prstGeom prst="straightConnector1">
+            <a:avLst/>
+          </a:prstGeom>
+          <a:ln>
+            <a:tailEnd type="triangle"/>
+          </a:ln>
+        </p:spPr>
+        <p:style>
+          <a:lnRef idx="3">
+            <a:schemeClr val="accent1"/>
+          </a:lnRef>
+          <a:fillRef idx="0">
+            <a:schemeClr val="accent1"/>
+          </a:fillRef>
+          <a:effectRef idx="2">
+            <a:schemeClr val="accent1"/>
+          </a:effectRef>
+          <a:fontRef idx="minor">
+            <a:schemeClr val="tx1"/>
+          </a:fontRef>
+        </p:style>
+      </p:cxnSp>
+      <p:cxnSp>
+        <p:nvCxnSpPr>
+          <p:cNvPr id="17" name="Elbow Connector 16"/>
+          <p:cNvCxnSpPr>
+            <a:stCxn id="9" idx="1"/>
+          </p:cNvCxnSpPr>
+          <p:nvPr/>
+        </p:nvCxnSpPr>
+        <p:spPr>
+          <a:xfrm rot="10800000">
+            <a:off x="4536052" y="2837585"/>
+            <a:ext cx="2867891" cy="1589055"/>
+          </a:xfrm>
+          <a:prstGeom prst="bentConnector3">
+            <a:avLst>
+              <a:gd name="adj1" fmla="val 99758"/>
+            </a:avLst>
+          </a:prstGeom>
+          <a:ln>
+            <a:tailEnd type="triangle"/>
+          </a:ln>
+        </p:spPr>
+        <p:style>
+          <a:lnRef idx="3">
+            <a:schemeClr val="accent1"/>
+          </a:lnRef>
+          <a:fillRef idx="0">
+            <a:schemeClr val="accent1"/>
+          </a:fillRef>
+          <a:effectRef idx="2">
+            <a:schemeClr val="accent1"/>
+          </a:effectRef>
+          <a:fontRef idx="minor">
+            <a:schemeClr val="tx1"/>
+          </a:fontRef>
+        </p:style>
+      </p:cxnSp>
+      <p:cxnSp>
+        <p:nvCxnSpPr>
+          <p:cNvPr id="30" name="Straight Arrow Connector 29"/>
+          <p:cNvCxnSpPr/>
+          <p:nvPr/>
+        </p:nvCxnSpPr>
+        <p:spPr>
+          <a:xfrm>
+            <a:off x="4840851" y="4426639"/>
+            <a:ext cx="0" cy="1166242"/>
+          </a:xfrm>
+          <a:prstGeom prst="straightConnector1">
+            <a:avLst/>
+          </a:prstGeom>
+          <a:ln w="9525" cap="flat" cmpd="sng" algn="ctr">
+            <a:solidFill>
+              <a:schemeClr val="accent1"/>
+            </a:solidFill>
+            <a:prstDash val="dash"/>
+            <a:round/>
+            <a:headEnd type="none" w="med" len="med"/>
+            <a:tailEnd type="none" w="med" len="med"/>
+          </a:ln>
+        </p:spPr>
+        <p:style>
+          <a:lnRef idx="0">
+            <a:scrgbClr r="0" g="0" b="0"/>
+          </a:lnRef>
+          <a:fillRef idx="0">
+            <a:scrgbClr r="0" g="0" b="0"/>
+          </a:fillRef>
+          <a:effectRef idx="0">
+            <a:scrgbClr r="0" g="0" b="0"/>
+          </a:effectRef>
+          <a:fontRef idx="minor">
+            <a:schemeClr val="tx1"/>
+          </a:fontRef>
+        </p:style>
+      </p:cxnSp>
+      <p:cxnSp>
+        <p:nvCxnSpPr>
+          <p:cNvPr id="32" name="Straight Arrow Connector 31"/>
+          <p:cNvCxnSpPr/>
+          <p:nvPr/>
+        </p:nvCxnSpPr>
+        <p:spPr>
+          <a:xfrm>
+            <a:off x="415636" y="0"/>
+            <a:ext cx="914400" cy="914400"/>
+          </a:xfrm>
+          <a:prstGeom prst="straightConnector1">
+            <a:avLst/>
+          </a:prstGeom>
+          <a:ln>
+            <a:tailEnd type="triangle"/>
+          </a:ln>
+        </p:spPr>
+        <p:style>
+          <a:lnRef idx="1">
+            <a:schemeClr val="accent1"/>
+          </a:lnRef>
+          <a:fillRef idx="0">
+            <a:schemeClr val="accent1"/>
+          </a:fillRef>
+          <a:effectRef idx="0">
+            <a:schemeClr val="accent1"/>
+          </a:effectRef>
+          <a:fontRef idx="minor">
+            <a:schemeClr val="tx1"/>
+          </a:fontRef>
+        </p:style>
+      </p:cxnSp>
+      <p:cxnSp>
+        <p:nvCxnSpPr>
+          <p:cNvPr id="34" name="Straight Arrow Connector 33"/>
+          <p:cNvCxnSpPr/>
+          <p:nvPr/>
+        </p:nvCxnSpPr>
+        <p:spPr>
+          <a:xfrm>
+            <a:off x="4840851" y="5523608"/>
+            <a:ext cx="0" cy="69273"/>
+          </a:xfrm>
+          <a:prstGeom prst="straightConnector1">
+            <a:avLst/>
+          </a:prstGeom>
+          <a:ln>
+            <a:tailEnd type="triangle"/>
+          </a:ln>
+        </p:spPr>
+        <p:style>
+          <a:lnRef idx="1">
+            <a:schemeClr val="accent1"/>
+          </a:lnRef>
+          <a:fillRef idx="0">
+            <a:schemeClr val="accent1"/>
+          </a:fillRef>
+          <a:effectRef idx="0">
+            <a:schemeClr val="accent1"/>
+          </a:effectRef>
+          <a:fontRef idx="minor">
+            <a:schemeClr val="tx1"/>
+          </a:fontRef>
+        </p:style>
+      </p:cxnSp>
+      <p:cxnSp>
+        <p:nvCxnSpPr>
+          <p:cNvPr id="36" name="Straight Connector 35"/>
+          <p:cNvCxnSpPr>
+            <a:stCxn id="10" idx="1"/>
+            <a:endCxn id="11" idx="3"/>
+          </p:cNvCxnSpPr>
+          <p:nvPr/>
+        </p:nvCxnSpPr>
+        <p:spPr>
+          <a:xfrm flipH="1">
+            <a:off x="5284191" y="5869972"/>
+            <a:ext cx="2119751" cy="0"/>
+          </a:xfrm>
+          <a:prstGeom prst="line">
+            <a:avLst/>
+          </a:prstGeom>
+          <a:ln w="9525" cap="flat" cmpd="sng" algn="ctr">
+            <a:solidFill>
+              <a:schemeClr val="accent1"/>
+            </a:solidFill>
+            <a:prstDash val="dash"/>
+            <a:round/>
+            <a:headEnd type="none" w="med" len="med"/>
+            <a:tailEnd type="none" w="med" len="med"/>
+          </a:ln>
+        </p:spPr>
+        <p:style>
+          <a:lnRef idx="0">
+            <a:scrgbClr r="0" g="0" b="0"/>
+          </a:lnRef>
+          <a:fillRef idx="0">
+            <a:scrgbClr r="0" g="0" b="0"/>
+          </a:fillRef>
+          <a:effectRef idx="0">
+            <a:scrgbClr r="0" g="0" b="0"/>
+          </a:effectRef>
+          <a:fontRef idx="minor">
+            <a:schemeClr val="tx1"/>
+          </a:fontRef>
+        </p:style>
+      </p:cxnSp>
+      <p:cxnSp>
+        <p:nvCxnSpPr>
+          <p:cNvPr id="38" name="Straight Arrow Connector 37"/>
+          <p:cNvCxnSpPr>
+            <a:endCxn id="11" idx="3"/>
+          </p:cNvCxnSpPr>
+          <p:nvPr/>
+        </p:nvCxnSpPr>
+        <p:spPr>
+          <a:xfrm flipH="1">
+            <a:off x="5284191" y="5869972"/>
+            <a:ext cx="110842" cy="0"/>
+          </a:xfrm>
+          <a:prstGeom prst="straightConnector1">
+            <a:avLst/>
+          </a:prstGeom>
+          <a:ln>
+            <a:tailEnd type="triangle"/>
+          </a:ln>
+        </p:spPr>
+        <p:style>
+          <a:lnRef idx="1">
+            <a:schemeClr val="accent1"/>
+          </a:lnRef>
+          <a:fillRef idx="0">
+            <a:schemeClr val="accent1"/>
+          </a:fillRef>
+          <a:effectRef idx="0">
+            <a:schemeClr val="accent1"/>
+          </a:effectRef>
+          <a:fontRef idx="minor">
+            <a:schemeClr val="tx1"/>
+          </a:fontRef>
+        </p:style>
+      </p:cxnSp>
+      <p:sp>
+        <p:nvSpPr>
+          <p:cNvPr id="39" name="TextBox 38"/>
+          <p:cNvSpPr txBox="1"/>
+          <p:nvPr/>
+        </p:nvSpPr>
+        <p:spPr>
+          <a:xfrm>
+            <a:off x="5772351" y="2375826"/>
+            <a:ext cx="1144288" cy="369332"/>
           </a:xfrm>
           <a:prstGeom prst="rect">
             <a:avLst/>
           </a:prstGeom>
-        </p:spPr>
-      </p:pic>
+          <a:solidFill>
+            <a:schemeClr val="bg1"/>
+          </a:solidFill>
+          <a:ln>
+            <a:solidFill>
+              <a:schemeClr val="tx1"/>
+            </a:solidFill>
+            <a:prstDash val="dash"/>
+          </a:ln>
+        </p:spPr>
+        <p:txBody>
+          <a:bodyPr wrap="none" rtlCol="0">
+            <a:spAutoFit/>
+          </a:bodyPr>
+          <a:lstStyle/>
+          <a:p>
+            <a:r>
+              <a:rPr lang="en-IN" dirty="0" smtClean="0"/>
+              <a:t>New State</a:t>
+            </a:r>
+            <a:endParaRPr lang="en-IN" dirty="0"/>
+          </a:p>
+        </p:txBody>
+      </p:sp>
+      <p:cxnSp>
+        <p:nvCxnSpPr>
+          <p:cNvPr id="41" name="Straight Arrow Connector 40"/>
+          <p:cNvCxnSpPr>
+            <a:stCxn id="8" idx="2"/>
+            <a:endCxn id="9" idx="0"/>
+          </p:cNvCxnSpPr>
+          <p:nvPr/>
+        </p:nvCxnSpPr>
+        <p:spPr>
+          <a:xfrm>
+            <a:off x="8657779" y="2837583"/>
+            <a:ext cx="0" cy="1311965"/>
+          </a:xfrm>
+          <a:prstGeom prst="straightConnector1">
+            <a:avLst/>
+          </a:prstGeom>
+          <a:ln>
+            <a:tailEnd type="triangle"/>
+          </a:ln>
+        </p:spPr>
+        <p:style>
+          <a:lnRef idx="3">
+            <a:schemeClr val="accent1"/>
+          </a:lnRef>
+          <a:fillRef idx="0">
+            <a:schemeClr val="accent1"/>
+          </a:fillRef>
+          <a:effectRef idx="2">
+            <a:schemeClr val="accent1"/>
+          </a:effectRef>
+          <a:fontRef idx="minor">
+            <a:schemeClr val="tx1"/>
+          </a:fontRef>
+        </p:style>
+      </p:cxnSp>
+      <p:sp>
+        <p:nvSpPr>
+          <p:cNvPr id="42" name="TextBox 41"/>
+          <p:cNvSpPr txBox="1"/>
+          <p:nvPr/>
+        </p:nvSpPr>
+        <p:spPr>
+          <a:xfrm>
+            <a:off x="8154910" y="3287233"/>
+            <a:ext cx="1034450" cy="369332"/>
+          </a:xfrm>
+          <a:prstGeom prst="rect">
+            <a:avLst/>
+          </a:prstGeom>
+          <a:solidFill>
+            <a:schemeClr val="bg1"/>
+          </a:solidFill>
+          <a:ln>
+            <a:solidFill>
+              <a:schemeClr val="tx1"/>
+            </a:solidFill>
+            <a:prstDash val="dash"/>
+          </a:ln>
+        </p:spPr>
+        <p:txBody>
+          <a:bodyPr wrap="none" rtlCol="0">
+            <a:spAutoFit/>
+          </a:bodyPr>
+          <a:lstStyle/>
+          <a:p>
+            <a:r>
+              <a:rPr lang="en-IN" dirty="0" smtClean="0"/>
+              <a:t>Selectors</a:t>
+            </a:r>
+            <a:endParaRPr lang="en-IN" dirty="0"/>
+          </a:p>
+        </p:txBody>
+      </p:sp>
+      <p:sp>
+        <p:nvSpPr>
+          <p:cNvPr id="43" name="TextBox 42"/>
+          <p:cNvSpPr txBox="1"/>
+          <p:nvPr/>
+        </p:nvSpPr>
+        <p:spPr>
+          <a:xfrm>
+            <a:off x="3749249" y="3287233"/>
+            <a:ext cx="1090363" cy="369332"/>
+          </a:xfrm>
+          <a:prstGeom prst="rect">
+            <a:avLst/>
+          </a:prstGeom>
+          <a:solidFill>
+            <a:schemeClr val="bg1"/>
+          </a:solidFill>
+          <a:ln>
+            <a:solidFill>
+              <a:schemeClr val="tx1"/>
+            </a:solidFill>
+            <a:prstDash val="dash"/>
+          </a:ln>
+        </p:spPr>
+        <p:txBody>
+          <a:bodyPr wrap="none" rtlCol="0">
+            <a:spAutoFit/>
+          </a:bodyPr>
+          <a:lstStyle/>
+          <a:p>
+            <a:r>
+              <a:rPr lang="en-IN" dirty="0" smtClean="0"/>
+              <a:t>  Actions  </a:t>
+            </a:r>
+            <a:endParaRPr lang="en-IN" dirty="0"/>
+          </a:p>
+        </p:txBody>
+      </p:sp>
     </p:spTree>
     <p:extLst>
       <p:ext uri="{BB962C8B-B14F-4D97-AF65-F5344CB8AC3E}">
@@ -4898,6 +5659,1283 @@
           </a:fontRef>
         </p:style>
       </p:cxnSp>
+      <p:sp>
+        <p:nvSpPr>
+          <p:cNvPr id="9" name="TextBox 8"/>
+          <p:cNvSpPr txBox="1"/>
+          <p:nvPr/>
+        </p:nvSpPr>
+        <p:spPr>
+          <a:xfrm>
+            <a:off x="6594764" y="2105891"/>
+            <a:ext cx="4844200" cy="1200329"/>
+          </a:xfrm>
+          <a:prstGeom prst="rect">
+            <a:avLst/>
+          </a:prstGeom>
+          <a:noFill/>
+        </p:spPr>
+        <p:txBody>
+          <a:bodyPr wrap="square" rtlCol="0">
+            <a:spAutoFit/>
+          </a:bodyPr>
+          <a:lstStyle/>
+          <a:p>
+            <a:r>
+              <a:rPr lang="en-US" dirty="0"/>
+              <a:t>Actions express </a:t>
+            </a:r>
+            <a:r>
+              <a:rPr lang="en-US" i="1" dirty="0"/>
+              <a:t>unique events</a:t>
+            </a:r>
+            <a:r>
+              <a:rPr lang="en-US" dirty="0"/>
+              <a:t> that happen throughout your application</a:t>
+            </a:r>
+            <a:r>
+              <a:rPr lang="en-US" dirty="0" smtClean="0"/>
+              <a:t>. It </a:t>
+            </a:r>
+            <a:r>
+              <a:rPr lang="en-US" dirty="0"/>
+              <a:t>help you to understand how events are handled in your application.</a:t>
+            </a:r>
+            <a:endParaRPr lang="en-IN" dirty="0"/>
+          </a:p>
+        </p:txBody>
+      </p:sp>
+      <p:sp>
+        <p:nvSpPr>
+          <p:cNvPr id="10" name="TextBox 9"/>
+          <p:cNvSpPr txBox="1"/>
+          <p:nvPr/>
+        </p:nvSpPr>
+        <p:spPr>
+          <a:xfrm>
+            <a:off x="6728368" y="3574827"/>
+            <a:ext cx="4844200" cy="923330"/>
+          </a:xfrm>
+          <a:prstGeom prst="rect">
+            <a:avLst/>
+          </a:prstGeom>
+          <a:noFill/>
+        </p:spPr>
+        <p:txBody>
+          <a:bodyPr wrap="square" rtlCol="0">
+            <a:spAutoFit/>
+          </a:bodyPr>
+          <a:lstStyle/>
+          <a:p>
+            <a:r>
+              <a:rPr lang="en-US" i="1" dirty="0"/>
+              <a:t>Actions are classes that </a:t>
+            </a:r>
+            <a:r>
+              <a:rPr lang="en-US" i="1" dirty="0" smtClean="0"/>
+              <a:t>implements </a:t>
+            </a:r>
+            <a:r>
+              <a:rPr lang="en-US" i="1" dirty="0"/>
+              <a:t>the NGRX Action interface. These Action classes have two </a:t>
+            </a:r>
+            <a:r>
+              <a:rPr lang="en-US" i="1" dirty="0" smtClean="0"/>
+              <a:t>properties – Type &amp; Payload</a:t>
+            </a:r>
+            <a:endParaRPr lang="en-IN" dirty="0"/>
+          </a:p>
+        </p:txBody>
+      </p:sp>
+      <p:sp>
+        <p:nvSpPr>
+          <p:cNvPr id="11" name="Rectangle 10"/>
+          <p:cNvSpPr/>
+          <p:nvPr/>
+        </p:nvSpPr>
+        <p:spPr>
+          <a:xfrm>
+            <a:off x="6594764" y="4766764"/>
+            <a:ext cx="3070595" cy="2031325"/>
+          </a:xfrm>
+          <a:prstGeom prst="rect">
+            <a:avLst/>
+          </a:prstGeom>
+        </p:spPr>
+        <p:txBody>
+          <a:bodyPr wrap="square">
+            <a:spAutoFit/>
+          </a:bodyPr>
+          <a:lstStyle/>
+          <a:p>
+            <a:r>
+              <a:rPr lang="en-IN" dirty="0">
+                <a:solidFill>
+                  <a:srgbClr val="666600"/>
+                </a:solidFill>
+                <a:latin typeface="Droid Sans Mono"/>
+              </a:rPr>
+              <a:t>{</a:t>
+            </a:r>
+            <a:r>
+              <a:rPr lang="en-IN" dirty="0">
+                <a:solidFill>
+                  <a:srgbClr val="000000"/>
+                </a:solidFill>
+                <a:latin typeface="Droid Sans Mono"/>
+              </a:rPr>
+              <a:t> </a:t>
+            </a:r>
+            <a:endParaRPr lang="en-IN" dirty="0" smtClean="0">
+              <a:solidFill>
+                <a:srgbClr val="000000"/>
+              </a:solidFill>
+              <a:latin typeface="Droid Sans Mono"/>
+            </a:endParaRPr>
+          </a:p>
+          <a:p>
+            <a:r>
+              <a:rPr lang="en-IN" dirty="0">
+                <a:solidFill>
+                  <a:srgbClr val="000000"/>
+                </a:solidFill>
+                <a:latin typeface="Droid Sans Mono"/>
+              </a:rPr>
+              <a:t> </a:t>
+            </a:r>
+            <a:r>
+              <a:rPr lang="en-IN" dirty="0" smtClean="0">
+                <a:solidFill>
+                  <a:srgbClr val="000000"/>
+                </a:solidFill>
+                <a:latin typeface="Droid Sans Mono"/>
+              </a:rPr>
+              <a:t>   type</a:t>
+            </a:r>
+            <a:r>
+              <a:rPr lang="en-IN" dirty="0">
+                <a:solidFill>
+                  <a:srgbClr val="666600"/>
+                </a:solidFill>
+                <a:latin typeface="Droid Sans Mono"/>
+              </a:rPr>
+              <a:t>:</a:t>
+            </a:r>
+            <a:r>
+              <a:rPr lang="en-IN" dirty="0">
+                <a:solidFill>
+                  <a:srgbClr val="000000"/>
+                </a:solidFill>
+                <a:latin typeface="Droid Sans Mono"/>
+              </a:rPr>
+              <a:t> </a:t>
+            </a:r>
+            <a:r>
+              <a:rPr lang="en-IN" dirty="0">
+                <a:solidFill>
+                  <a:srgbClr val="880000"/>
+                </a:solidFill>
+                <a:latin typeface="Droid Sans Mono"/>
+              </a:rPr>
+              <a:t>'[Login Page] Login'</a:t>
+            </a:r>
+            <a:r>
+              <a:rPr lang="en-IN" dirty="0">
+                <a:solidFill>
+                  <a:srgbClr val="666600"/>
+                </a:solidFill>
+                <a:latin typeface="Droid Sans Mono"/>
+              </a:rPr>
+              <a:t>,</a:t>
+            </a:r>
+            <a:r>
+              <a:rPr lang="en-IN" dirty="0">
+                <a:solidFill>
+                  <a:srgbClr val="000000"/>
+                </a:solidFill>
+                <a:latin typeface="Droid Sans Mono"/>
+              </a:rPr>
+              <a:t> </a:t>
+            </a:r>
+            <a:endParaRPr lang="en-IN" dirty="0" smtClean="0">
+              <a:solidFill>
+                <a:srgbClr val="000000"/>
+              </a:solidFill>
+              <a:latin typeface="Droid Sans Mono"/>
+            </a:endParaRPr>
+          </a:p>
+          <a:p>
+            <a:r>
+              <a:rPr lang="en-IN" dirty="0" smtClean="0">
+                <a:solidFill>
+                  <a:srgbClr val="000000"/>
+                </a:solidFill>
+                <a:latin typeface="Droid Sans Mono"/>
+              </a:rPr>
+              <a:t>    payload</a:t>
+            </a:r>
+            <a:r>
+              <a:rPr lang="en-IN" dirty="0">
+                <a:solidFill>
+                  <a:srgbClr val="666600"/>
+                </a:solidFill>
+                <a:latin typeface="Droid Sans Mono"/>
+              </a:rPr>
+              <a:t>:</a:t>
+            </a:r>
+            <a:r>
+              <a:rPr lang="en-IN" dirty="0">
+                <a:solidFill>
+                  <a:srgbClr val="000000"/>
+                </a:solidFill>
+                <a:latin typeface="Droid Sans Mono"/>
+              </a:rPr>
+              <a:t> </a:t>
+            </a:r>
+            <a:r>
+              <a:rPr lang="en-IN" dirty="0">
+                <a:solidFill>
+                  <a:srgbClr val="666600"/>
+                </a:solidFill>
+                <a:latin typeface="Droid Sans Mono"/>
+              </a:rPr>
+              <a:t>{</a:t>
+            </a:r>
+            <a:r>
+              <a:rPr lang="en-IN" dirty="0">
+                <a:solidFill>
+                  <a:srgbClr val="000000"/>
+                </a:solidFill>
+                <a:latin typeface="Droid Sans Mono"/>
+              </a:rPr>
+              <a:t> </a:t>
+            </a:r>
+            <a:endParaRPr lang="en-IN" dirty="0" smtClean="0">
+              <a:solidFill>
+                <a:srgbClr val="000000"/>
+              </a:solidFill>
+              <a:latin typeface="Droid Sans Mono"/>
+            </a:endParaRPr>
+          </a:p>
+          <a:p>
+            <a:r>
+              <a:rPr lang="en-IN" dirty="0" smtClean="0">
+                <a:solidFill>
+                  <a:srgbClr val="000000"/>
+                </a:solidFill>
+                <a:latin typeface="Droid Sans Mono"/>
+              </a:rPr>
+              <a:t>          username</a:t>
+            </a:r>
+            <a:r>
+              <a:rPr lang="en-IN" dirty="0">
+                <a:solidFill>
+                  <a:srgbClr val="666600"/>
+                </a:solidFill>
+                <a:latin typeface="Droid Sans Mono"/>
+              </a:rPr>
+              <a:t>:</a:t>
+            </a:r>
+            <a:r>
+              <a:rPr lang="en-IN" dirty="0">
+                <a:solidFill>
+                  <a:srgbClr val="000000"/>
+                </a:solidFill>
+                <a:latin typeface="Droid Sans Mono"/>
+              </a:rPr>
+              <a:t> string</a:t>
+            </a:r>
+            <a:r>
+              <a:rPr lang="en-IN" dirty="0">
+                <a:solidFill>
+                  <a:srgbClr val="666600"/>
+                </a:solidFill>
+                <a:latin typeface="Droid Sans Mono"/>
+              </a:rPr>
+              <a:t>;</a:t>
+            </a:r>
+            <a:r>
+              <a:rPr lang="en-IN" dirty="0">
+                <a:solidFill>
+                  <a:srgbClr val="000000"/>
+                </a:solidFill>
+                <a:latin typeface="Droid Sans Mono"/>
+              </a:rPr>
+              <a:t> </a:t>
+            </a:r>
+            <a:endParaRPr lang="en-IN" dirty="0" smtClean="0">
+              <a:solidFill>
+                <a:srgbClr val="000000"/>
+              </a:solidFill>
+              <a:latin typeface="Droid Sans Mono"/>
+            </a:endParaRPr>
+          </a:p>
+          <a:p>
+            <a:r>
+              <a:rPr lang="en-IN" dirty="0" smtClean="0">
+                <a:solidFill>
+                  <a:srgbClr val="000000"/>
+                </a:solidFill>
+                <a:latin typeface="Droid Sans Mono"/>
+              </a:rPr>
+              <a:t>          password</a:t>
+            </a:r>
+            <a:r>
+              <a:rPr lang="en-IN" dirty="0">
+                <a:solidFill>
+                  <a:srgbClr val="666600"/>
+                </a:solidFill>
+                <a:latin typeface="Droid Sans Mono"/>
+              </a:rPr>
+              <a:t>:</a:t>
+            </a:r>
+            <a:r>
+              <a:rPr lang="en-IN" dirty="0">
+                <a:solidFill>
+                  <a:srgbClr val="000000"/>
+                </a:solidFill>
+                <a:latin typeface="Droid Sans Mono"/>
+              </a:rPr>
+              <a:t> string</a:t>
+            </a:r>
+            <a:r>
+              <a:rPr lang="en-IN" dirty="0">
+                <a:solidFill>
+                  <a:srgbClr val="666600"/>
+                </a:solidFill>
+                <a:latin typeface="Droid Sans Mono"/>
+              </a:rPr>
+              <a:t>;</a:t>
+            </a:r>
+            <a:r>
+              <a:rPr lang="en-IN" dirty="0">
+                <a:solidFill>
+                  <a:srgbClr val="000000"/>
+                </a:solidFill>
+                <a:latin typeface="Droid Sans Mono"/>
+              </a:rPr>
+              <a:t> </a:t>
+            </a:r>
+            <a:endParaRPr lang="en-IN" dirty="0" smtClean="0">
+              <a:solidFill>
+                <a:srgbClr val="000000"/>
+              </a:solidFill>
+              <a:latin typeface="Droid Sans Mono"/>
+            </a:endParaRPr>
+          </a:p>
+          <a:p>
+            <a:r>
+              <a:rPr lang="en-IN" dirty="0" smtClean="0">
+                <a:solidFill>
+                  <a:srgbClr val="666600"/>
+                </a:solidFill>
+                <a:latin typeface="Droid Sans Mono"/>
+              </a:rPr>
+              <a:t>     }</a:t>
+            </a:r>
+            <a:r>
+              <a:rPr lang="en-IN" dirty="0" smtClean="0">
+                <a:solidFill>
+                  <a:srgbClr val="000000"/>
+                </a:solidFill>
+                <a:latin typeface="Droid Sans Mono"/>
+              </a:rPr>
+              <a:t> </a:t>
+            </a:r>
+          </a:p>
+          <a:p>
+            <a:r>
+              <a:rPr lang="en-IN" dirty="0" smtClean="0">
+                <a:solidFill>
+                  <a:srgbClr val="666600"/>
+                </a:solidFill>
+                <a:latin typeface="Droid Sans Mono"/>
+              </a:rPr>
+              <a:t>}</a:t>
+            </a:r>
+            <a:endParaRPr lang="en-IN" dirty="0"/>
+          </a:p>
+        </p:txBody>
+      </p:sp>
+      <p:sp>
+        <p:nvSpPr>
+          <p:cNvPr id="12" name="Slide Number Placeholder 1"/>
+          <p:cNvSpPr txBox="1">
+            <a:spLocks/>
+          </p:cNvSpPr>
+          <p:nvPr/>
+        </p:nvSpPr>
+        <p:spPr>
+          <a:xfrm>
+            <a:off x="4727476" y="5781938"/>
+            <a:ext cx="2586183" cy="365125"/>
+          </a:xfrm>
+          <a:prstGeom prst="rect">
+            <a:avLst/>
+          </a:prstGeom>
+        </p:spPr>
+        <p:txBody>
+          <a:bodyPr vert="horz" lIns="91440" tIns="45720" rIns="91440" bIns="45720" rtlCol="0" anchor="ctr"/>
+          <a:lstStyle>
+            <a:defPPr>
+              <a:defRPr lang="en-US"/>
+            </a:defPPr>
+            <a:lvl1pPr marL="0" algn="r" defTabSz="914400" rtl="0" eaLnBrk="1" latinLnBrk="0" hangingPunct="1">
+              <a:defRPr sz="1400" b="1" kern="1200">
+                <a:solidFill>
+                  <a:schemeClr val="bg1"/>
+                </a:solidFill>
+                <a:latin typeface="+mn-lt"/>
+                <a:ea typeface="+mn-ea"/>
+                <a:cs typeface="+mn-cs"/>
+              </a:defRPr>
+            </a:lvl1pPr>
+            <a:lvl2pPr marL="457200" algn="l" defTabSz="914400" rtl="0" eaLnBrk="1" latinLnBrk="0" hangingPunct="1">
+              <a:defRPr sz="1800" kern="1200">
+                <a:solidFill>
+                  <a:schemeClr val="tx1"/>
+                </a:solidFill>
+                <a:latin typeface="+mn-lt"/>
+                <a:ea typeface="+mn-ea"/>
+                <a:cs typeface="+mn-cs"/>
+              </a:defRPr>
+            </a:lvl2pPr>
+            <a:lvl3pPr marL="914400" algn="l" defTabSz="914400" rtl="0" eaLnBrk="1" latinLnBrk="0" hangingPunct="1">
+              <a:defRPr sz="1800" kern="1200">
+                <a:solidFill>
+                  <a:schemeClr val="tx1"/>
+                </a:solidFill>
+                <a:latin typeface="+mn-lt"/>
+                <a:ea typeface="+mn-ea"/>
+                <a:cs typeface="+mn-cs"/>
+              </a:defRPr>
+            </a:lvl3pPr>
+            <a:lvl4pPr marL="1371600" algn="l" defTabSz="914400" rtl="0" eaLnBrk="1" latinLnBrk="0" hangingPunct="1">
+              <a:defRPr sz="1800" kern="1200">
+                <a:solidFill>
+                  <a:schemeClr val="tx1"/>
+                </a:solidFill>
+                <a:latin typeface="+mn-lt"/>
+                <a:ea typeface="+mn-ea"/>
+                <a:cs typeface="+mn-cs"/>
+              </a:defRPr>
+            </a:lvl4pPr>
+            <a:lvl5pPr marL="1828800" algn="l" defTabSz="914400" rtl="0" eaLnBrk="1" latinLnBrk="0" hangingPunct="1">
+              <a:defRPr sz="1800" kern="1200">
+                <a:solidFill>
+                  <a:schemeClr val="tx1"/>
+                </a:solidFill>
+                <a:latin typeface="+mn-lt"/>
+                <a:ea typeface="+mn-ea"/>
+                <a:cs typeface="+mn-cs"/>
+              </a:defRPr>
+            </a:lvl5pPr>
+            <a:lvl6pPr marL="2286000" algn="l" defTabSz="914400" rtl="0" eaLnBrk="1" latinLnBrk="0" hangingPunct="1">
+              <a:defRPr sz="1800" kern="1200">
+                <a:solidFill>
+                  <a:schemeClr val="tx1"/>
+                </a:solidFill>
+                <a:latin typeface="+mn-lt"/>
+                <a:ea typeface="+mn-ea"/>
+                <a:cs typeface="+mn-cs"/>
+              </a:defRPr>
+            </a:lvl6pPr>
+            <a:lvl7pPr marL="2743200" algn="l" defTabSz="914400" rtl="0" eaLnBrk="1" latinLnBrk="0" hangingPunct="1">
+              <a:defRPr sz="1800" kern="1200">
+                <a:solidFill>
+                  <a:schemeClr val="tx1"/>
+                </a:solidFill>
+                <a:latin typeface="+mn-lt"/>
+                <a:ea typeface="+mn-ea"/>
+                <a:cs typeface="+mn-cs"/>
+              </a:defRPr>
+            </a:lvl7pPr>
+            <a:lvl8pPr marL="3200400" algn="l" defTabSz="914400" rtl="0" eaLnBrk="1" latinLnBrk="0" hangingPunct="1">
+              <a:defRPr sz="1800" kern="1200">
+                <a:solidFill>
+                  <a:schemeClr val="tx1"/>
+                </a:solidFill>
+                <a:latin typeface="+mn-lt"/>
+                <a:ea typeface="+mn-ea"/>
+                <a:cs typeface="+mn-cs"/>
+              </a:defRPr>
+            </a:lvl8pPr>
+            <a:lvl9pPr marL="3657600" algn="l" defTabSz="914400" rtl="0" eaLnBrk="1" latinLnBrk="0" hangingPunct="1">
+              <a:defRPr sz="1800" kern="1200">
+                <a:solidFill>
+                  <a:schemeClr val="tx1"/>
+                </a:solidFill>
+                <a:latin typeface="+mn-lt"/>
+                <a:ea typeface="+mn-ea"/>
+                <a:cs typeface="+mn-cs"/>
+              </a:defRPr>
+            </a:lvl9pPr>
+          </a:lstStyle>
+          <a:p>
+            <a:fld id="{22CADBEF-CB64-4529-9779-0A66BE038F96}" type="slidenum">
+              <a:rPr lang="en-IN" smtClean="0"/>
+              <a:pPr/>
+              <a:t>12</a:t>
+            </a:fld>
+            <a:endParaRPr lang="en-IN"/>
+          </a:p>
+        </p:txBody>
+      </p:sp>
+      <p:sp>
+        <p:nvSpPr>
+          <p:cNvPr id="13" name="Rounded Rectangle 12"/>
+          <p:cNvSpPr/>
+          <p:nvPr/>
+        </p:nvSpPr>
+        <p:spPr>
+          <a:xfrm>
+            <a:off x="1465216" y="2283401"/>
+            <a:ext cx="1432957" cy="554182"/>
+          </a:xfrm>
+          <a:prstGeom prst="roundRect">
+            <a:avLst/>
+          </a:prstGeom>
+          <a:gradFill flip="none" rotWithShape="1">
+            <a:gsLst>
+              <a:gs pos="0">
+                <a:schemeClr val="accent1">
+                  <a:shade val="30000"/>
+                  <a:satMod val="115000"/>
+                </a:schemeClr>
+              </a:gs>
+              <a:gs pos="50000">
+                <a:schemeClr val="accent1">
+                  <a:shade val="67500"/>
+                  <a:satMod val="115000"/>
+                </a:schemeClr>
+              </a:gs>
+              <a:gs pos="100000">
+                <a:schemeClr val="accent1">
+                  <a:shade val="100000"/>
+                  <a:satMod val="115000"/>
+                </a:schemeClr>
+              </a:gs>
+            </a:gsLst>
+            <a:lin ang="10800000" scaled="1"/>
+            <a:tileRect/>
+          </a:gradFill>
+        </p:spPr>
+        <p:style>
+          <a:lnRef idx="2">
+            <a:schemeClr val="accent1">
+              <a:shade val="50000"/>
+            </a:schemeClr>
+          </a:lnRef>
+          <a:fillRef idx="1">
+            <a:schemeClr val="accent1"/>
+          </a:fillRef>
+          <a:effectRef idx="0">
+            <a:schemeClr val="accent1"/>
+          </a:effectRef>
+          <a:fontRef idx="minor">
+            <a:schemeClr val="lt1"/>
+          </a:fontRef>
+        </p:style>
+        <p:txBody>
+          <a:bodyPr rtlCol="0" anchor="ctr"/>
+          <a:lstStyle/>
+          <a:p>
+            <a:pPr algn="ctr"/>
+            <a:r>
+              <a:rPr lang="en-IN" dirty="0" smtClean="0"/>
+              <a:t>REDUCERS</a:t>
+            </a:r>
+            <a:endParaRPr lang="en-IN" dirty="0"/>
+          </a:p>
+        </p:txBody>
+      </p:sp>
+      <p:sp>
+        <p:nvSpPr>
+          <p:cNvPr id="14" name="Rounded Rectangle 13"/>
+          <p:cNvSpPr/>
+          <p:nvPr/>
+        </p:nvSpPr>
+        <p:spPr>
+          <a:xfrm>
+            <a:off x="4530624" y="2283401"/>
+            <a:ext cx="998640" cy="554182"/>
+          </a:xfrm>
+          <a:prstGeom prst="roundRect">
+            <a:avLst/>
+          </a:prstGeom>
+          <a:solidFill>
+            <a:schemeClr val="accent1">
+              <a:lumMod val="40000"/>
+              <a:lumOff val="60000"/>
+            </a:schemeClr>
+          </a:solidFill>
+          <a:ln>
+            <a:solidFill>
+              <a:schemeClr val="accent1">
+                <a:lumMod val="20000"/>
+                <a:lumOff val="80000"/>
+              </a:schemeClr>
+            </a:solidFill>
+          </a:ln>
+        </p:spPr>
+        <p:style>
+          <a:lnRef idx="2">
+            <a:schemeClr val="accent1">
+              <a:shade val="50000"/>
+            </a:schemeClr>
+          </a:lnRef>
+          <a:fillRef idx="1">
+            <a:schemeClr val="accent1"/>
+          </a:fillRef>
+          <a:effectRef idx="0">
+            <a:schemeClr val="accent1"/>
+          </a:effectRef>
+          <a:fontRef idx="minor">
+            <a:schemeClr val="lt1"/>
+          </a:fontRef>
+        </p:style>
+        <p:txBody>
+          <a:bodyPr rtlCol="0" anchor="ctr"/>
+          <a:lstStyle/>
+          <a:p>
+            <a:pPr algn="ctr"/>
+            <a:r>
+              <a:rPr lang="en-IN" dirty="0" smtClean="0"/>
+              <a:t>STORE</a:t>
+            </a:r>
+            <a:endParaRPr lang="en-IN" dirty="0"/>
+          </a:p>
+        </p:txBody>
+      </p:sp>
+      <p:sp>
+        <p:nvSpPr>
+          <p:cNvPr id="15" name="Rounded Rectangle 14"/>
+          <p:cNvSpPr/>
+          <p:nvPr/>
+        </p:nvSpPr>
+        <p:spPr>
+          <a:xfrm>
+            <a:off x="3843339" y="4149548"/>
+            <a:ext cx="1685926" cy="554182"/>
+          </a:xfrm>
+          <a:prstGeom prst="roundRect">
+            <a:avLst/>
+          </a:prstGeom>
+          <a:gradFill flip="none" rotWithShape="1">
+            <a:gsLst>
+              <a:gs pos="0">
+                <a:schemeClr val="accent1">
+                  <a:shade val="30000"/>
+                  <a:satMod val="115000"/>
+                </a:schemeClr>
+              </a:gs>
+              <a:gs pos="50000">
+                <a:schemeClr val="accent1">
+                  <a:shade val="67500"/>
+                  <a:satMod val="115000"/>
+                </a:schemeClr>
+              </a:gs>
+              <a:gs pos="100000">
+                <a:schemeClr val="accent1">
+                  <a:shade val="100000"/>
+                  <a:satMod val="115000"/>
+                </a:schemeClr>
+              </a:gs>
+            </a:gsLst>
+            <a:lin ang="10800000" scaled="1"/>
+            <a:tileRect/>
+          </a:gradFill>
+        </p:spPr>
+        <p:style>
+          <a:lnRef idx="2">
+            <a:schemeClr val="accent1">
+              <a:shade val="50000"/>
+            </a:schemeClr>
+          </a:lnRef>
+          <a:fillRef idx="1">
+            <a:schemeClr val="accent1"/>
+          </a:fillRef>
+          <a:effectRef idx="0">
+            <a:schemeClr val="accent1"/>
+          </a:effectRef>
+          <a:fontRef idx="minor">
+            <a:schemeClr val="lt1"/>
+          </a:fontRef>
+        </p:style>
+        <p:txBody>
+          <a:bodyPr rtlCol="0" anchor="ctr"/>
+          <a:lstStyle/>
+          <a:p>
+            <a:pPr algn="ctr"/>
+            <a:r>
+              <a:rPr lang="en-IN" dirty="0" smtClean="0"/>
+              <a:t>COMPONENT</a:t>
+            </a:r>
+            <a:endParaRPr lang="en-IN" dirty="0"/>
+          </a:p>
+        </p:txBody>
+      </p:sp>
+      <p:sp>
+        <p:nvSpPr>
+          <p:cNvPr id="16" name="Rounded Rectangle 15"/>
+          <p:cNvSpPr/>
+          <p:nvPr/>
+        </p:nvSpPr>
+        <p:spPr>
+          <a:xfrm>
+            <a:off x="3889957" y="5592881"/>
+            <a:ext cx="1639307" cy="554182"/>
+          </a:xfrm>
+          <a:prstGeom prst="roundRect">
+            <a:avLst/>
+          </a:prstGeom>
+          <a:solidFill>
+            <a:schemeClr val="accent1">
+              <a:lumMod val="40000"/>
+              <a:lumOff val="60000"/>
+            </a:schemeClr>
+          </a:solidFill>
+          <a:ln>
+            <a:solidFill>
+              <a:schemeClr val="accent1">
+                <a:lumMod val="20000"/>
+                <a:lumOff val="80000"/>
+              </a:schemeClr>
+            </a:solidFill>
+          </a:ln>
+        </p:spPr>
+        <p:style>
+          <a:lnRef idx="2">
+            <a:schemeClr val="accent1">
+              <a:shade val="50000"/>
+            </a:schemeClr>
+          </a:lnRef>
+          <a:fillRef idx="1">
+            <a:schemeClr val="accent1"/>
+          </a:fillRef>
+          <a:effectRef idx="0">
+            <a:schemeClr val="accent1"/>
+          </a:effectRef>
+          <a:fontRef idx="minor">
+            <a:schemeClr val="lt1"/>
+          </a:fontRef>
+        </p:style>
+        <p:txBody>
+          <a:bodyPr rtlCol="0" anchor="ctr"/>
+          <a:lstStyle/>
+          <a:p>
+            <a:pPr algn="ctr"/>
+            <a:r>
+              <a:rPr lang="en-IN" dirty="0" smtClean="0"/>
+              <a:t>SERVICES</a:t>
+            </a:r>
+            <a:endParaRPr lang="en-IN" dirty="0"/>
+          </a:p>
+        </p:txBody>
+      </p:sp>
+      <p:sp>
+        <p:nvSpPr>
+          <p:cNvPr id="17" name="Rounded Rectangle 16"/>
+          <p:cNvSpPr/>
+          <p:nvPr/>
+        </p:nvSpPr>
+        <p:spPr>
+          <a:xfrm>
+            <a:off x="1457738" y="5592881"/>
+            <a:ext cx="1440435" cy="554182"/>
+          </a:xfrm>
+          <a:prstGeom prst="roundRect">
+            <a:avLst/>
+          </a:prstGeom>
+          <a:solidFill>
+            <a:schemeClr val="accent1">
+              <a:lumMod val="40000"/>
+              <a:lumOff val="60000"/>
+            </a:schemeClr>
+          </a:solidFill>
+          <a:ln>
+            <a:solidFill>
+              <a:schemeClr val="accent1">
+                <a:lumMod val="20000"/>
+                <a:lumOff val="80000"/>
+              </a:schemeClr>
+            </a:solidFill>
+          </a:ln>
+        </p:spPr>
+        <p:style>
+          <a:lnRef idx="2">
+            <a:schemeClr val="accent1">
+              <a:shade val="50000"/>
+            </a:schemeClr>
+          </a:lnRef>
+          <a:fillRef idx="1">
+            <a:schemeClr val="accent1"/>
+          </a:fillRef>
+          <a:effectRef idx="0">
+            <a:schemeClr val="accent1"/>
+          </a:effectRef>
+          <a:fontRef idx="minor">
+            <a:schemeClr val="lt1"/>
+          </a:fontRef>
+        </p:style>
+        <p:txBody>
+          <a:bodyPr rtlCol="0" anchor="ctr"/>
+          <a:lstStyle/>
+          <a:p>
+            <a:pPr algn="ctr"/>
+            <a:r>
+              <a:rPr lang="en-IN" dirty="0" smtClean="0"/>
+              <a:t>EFFECTS</a:t>
+            </a:r>
+            <a:endParaRPr lang="en-IN" dirty="0"/>
+          </a:p>
+        </p:txBody>
+      </p:sp>
+      <p:cxnSp>
+        <p:nvCxnSpPr>
+          <p:cNvPr id="18" name="Straight Arrow Connector 17"/>
+          <p:cNvCxnSpPr>
+            <a:stCxn id="13" idx="3"/>
+          </p:cNvCxnSpPr>
+          <p:nvPr/>
+        </p:nvCxnSpPr>
+        <p:spPr>
+          <a:xfrm>
+            <a:off x="2898173" y="2560492"/>
+            <a:ext cx="1632450" cy="0"/>
+          </a:xfrm>
+          <a:prstGeom prst="straightConnector1">
+            <a:avLst/>
+          </a:prstGeom>
+          <a:ln>
+            <a:solidFill>
+              <a:schemeClr val="bg1">
+                <a:lumMod val="95000"/>
+              </a:schemeClr>
+            </a:solidFill>
+            <a:tailEnd type="triangle"/>
+          </a:ln>
+        </p:spPr>
+        <p:style>
+          <a:lnRef idx="3">
+            <a:schemeClr val="accent1"/>
+          </a:lnRef>
+          <a:fillRef idx="0">
+            <a:schemeClr val="accent1"/>
+          </a:fillRef>
+          <a:effectRef idx="2">
+            <a:schemeClr val="accent1"/>
+          </a:effectRef>
+          <a:fontRef idx="minor">
+            <a:schemeClr val="tx1"/>
+          </a:fontRef>
+        </p:style>
+      </p:cxnSp>
+      <p:cxnSp>
+        <p:nvCxnSpPr>
+          <p:cNvPr id="19" name="Straight Arrow Connector 18"/>
+          <p:cNvCxnSpPr>
+            <a:stCxn id="17" idx="0"/>
+            <a:endCxn id="13" idx="2"/>
+          </p:cNvCxnSpPr>
+          <p:nvPr/>
+        </p:nvCxnSpPr>
+        <p:spPr>
+          <a:xfrm flipV="1">
+            <a:off x="2177956" y="2837583"/>
+            <a:ext cx="3739" cy="2755298"/>
+          </a:xfrm>
+          <a:prstGeom prst="straightConnector1">
+            <a:avLst/>
+          </a:prstGeom>
+          <a:ln>
+            <a:solidFill>
+              <a:schemeClr val="accent1">
+                <a:lumMod val="20000"/>
+                <a:lumOff val="80000"/>
+              </a:schemeClr>
+            </a:solidFill>
+            <a:tailEnd type="triangle"/>
+          </a:ln>
+        </p:spPr>
+        <p:style>
+          <a:lnRef idx="3">
+            <a:schemeClr val="accent1"/>
+          </a:lnRef>
+          <a:fillRef idx="0">
+            <a:schemeClr val="accent1"/>
+          </a:fillRef>
+          <a:effectRef idx="2">
+            <a:schemeClr val="accent1"/>
+          </a:effectRef>
+          <a:fontRef idx="minor">
+            <a:schemeClr val="tx1"/>
+          </a:fontRef>
+        </p:style>
+      </p:cxnSp>
+      <p:cxnSp>
+        <p:nvCxnSpPr>
+          <p:cNvPr id="20" name="Elbow Connector 19"/>
+          <p:cNvCxnSpPr>
+            <a:stCxn id="15" idx="1"/>
+          </p:cNvCxnSpPr>
+          <p:nvPr/>
+        </p:nvCxnSpPr>
+        <p:spPr>
+          <a:xfrm rot="10800000">
+            <a:off x="2484635" y="2837583"/>
+            <a:ext cx="1358705" cy="1589056"/>
+          </a:xfrm>
+          <a:prstGeom prst="bentConnector2">
+            <a:avLst/>
+          </a:prstGeom>
+          <a:ln>
+            <a:tailEnd type="triangle"/>
+          </a:ln>
+        </p:spPr>
+        <p:style>
+          <a:lnRef idx="3">
+            <a:schemeClr val="accent1"/>
+          </a:lnRef>
+          <a:fillRef idx="0">
+            <a:schemeClr val="accent1"/>
+          </a:fillRef>
+          <a:effectRef idx="2">
+            <a:schemeClr val="accent1"/>
+          </a:effectRef>
+          <a:fontRef idx="minor">
+            <a:schemeClr val="tx1"/>
+          </a:fontRef>
+        </p:style>
+      </p:cxnSp>
+      <p:cxnSp>
+        <p:nvCxnSpPr>
+          <p:cNvPr id="21" name="Straight Arrow Connector 20"/>
+          <p:cNvCxnSpPr/>
+          <p:nvPr/>
+        </p:nvCxnSpPr>
+        <p:spPr>
+          <a:xfrm>
+            <a:off x="2524877" y="4426639"/>
+            <a:ext cx="0" cy="1166242"/>
+          </a:xfrm>
+          <a:prstGeom prst="straightConnector1">
+            <a:avLst/>
+          </a:prstGeom>
+          <a:ln w="9525" cap="flat" cmpd="sng" algn="ctr">
+            <a:solidFill>
+              <a:schemeClr val="accent1"/>
+            </a:solidFill>
+            <a:prstDash val="dash"/>
+            <a:round/>
+            <a:headEnd type="none" w="med" len="med"/>
+            <a:tailEnd type="none" w="med" len="med"/>
+          </a:ln>
+        </p:spPr>
+        <p:style>
+          <a:lnRef idx="0">
+            <a:scrgbClr r="0" g="0" b="0"/>
+          </a:lnRef>
+          <a:fillRef idx="0">
+            <a:scrgbClr r="0" g="0" b="0"/>
+          </a:fillRef>
+          <a:effectRef idx="0">
+            <a:scrgbClr r="0" g="0" b="0"/>
+          </a:effectRef>
+          <a:fontRef idx="minor">
+            <a:schemeClr val="tx1"/>
+          </a:fontRef>
+        </p:style>
+      </p:cxnSp>
+      <p:cxnSp>
+        <p:nvCxnSpPr>
+          <p:cNvPr id="22" name="Straight Arrow Connector 21"/>
+          <p:cNvCxnSpPr/>
+          <p:nvPr/>
+        </p:nvCxnSpPr>
+        <p:spPr>
+          <a:xfrm>
+            <a:off x="2532537" y="5523608"/>
+            <a:ext cx="0" cy="69273"/>
+          </a:xfrm>
+          <a:prstGeom prst="straightConnector1">
+            <a:avLst/>
+          </a:prstGeom>
+          <a:ln>
+            <a:tailEnd type="triangle"/>
+          </a:ln>
+        </p:spPr>
+        <p:style>
+          <a:lnRef idx="1">
+            <a:schemeClr val="accent1"/>
+          </a:lnRef>
+          <a:fillRef idx="0">
+            <a:schemeClr val="accent1"/>
+          </a:fillRef>
+          <a:effectRef idx="0">
+            <a:schemeClr val="accent1"/>
+          </a:effectRef>
+          <a:fontRef idx="minor">
+            <a:schemeClr val="tx1"/>
+          </a:fontRef>
+        </p:style>
+      </p:cxnSp>
+      <p:cxnSp>
+        <p:nvCxnSpPr>
+          <p:cNvPr id="23" name="Straight Connector 22"/>
+          <p:cNvCxnSpPr>
+            <a:stCxn id="16" idx="1"/>
+            <a:endCxn id="17" idx="3"/>
+          </p:cNvCxnSpPr>
+          <p:nvPr/>
+        </p:nvCxnSpPr>
+        <p:spPr>
+          <a:xfrm flipH="1">
+            <a:off x="2898173" y="5869972"/>
+            <a:ext cx="991784" cy="0"/>
+          </a:xfrm>
+          <a:prstGeom prst="line">
+            <a:avLst/>
+          </a:prstGeom>
+          <a:ln w="9525" cap="flat" cmpd="sng" algn="ctr">
+            <a:solidFill>
+              <a:schemeClr val="accent1"/>
+            </a:solidFill>
+            <a:prstDash val="dash"/>
+            <a:round/>
+            <a:headEnd type="none" w="med" len="med"/>
+            <a:tailEnd type="none" w="med" len="med"/>
+          </a:ln>
+        </p:spPr>
+        <p:style>
+          <a:lnRef idx="0">
+            <a:scrgbClr r="0" g="0" b="0"/>
+          </a:lnRef>
+          <a:fillRef idx="0">
+            <a:scrgbClr r="0" g="0" b="0"/>
+          </a:fillRef>
+          <a:effectRef idx="0">
+            <a:scrgbClr r="0" g="0" b="0"/>
+          </a:effectRef>
+          <a:fontRef idx="minor">
+            <a:schemeClr val="tx1"/>
+          </a:fontRef>
+        </p:style>
+      </p:cxnSp>
+      <p:cxnSp>
+        <p:nvCxnSpPr>
+          <p:cNvPr id="24" name="Straight Arrow Connector 23"/>
+          <p:cNvCxnSpPr>
+            <a:endCxn id="17" idx="3"/>
+          </p:cNvCxnSpPr>
+          <p:nvPr/>
+        </p:nvCxnSpPr>
+        <p:spPr>
+          <a:xfrm flipH="1">
+            <a:off x="2898173" y="5869972"/>
+            <a:ext cx="110844" cy="0"/>
+          </a:xfrm>
+          <a:prstGeom prst="straightConnector1">
+            <a:avLst/>
+          </a:prstGeom>
+          <a:ln>
+            <a:tailEnd type="triangle"/>
+          </a:ln>
+        </p:spPr>
+        <p:style>
+          <a:lnRef idx="1">
+            <a:schemeClr val="accent1"/>
+          </a:lnRef>
+          <a:fillRef idx="0">
+            <a:schemeClr val="accent1"/>
+          </a:fillRef>
+          <a:effectRef idx="0">
+            <a:schemeClr val="accent1"/>
+          </a:effectRef>
+          <a:fontRef idx="minor">
+            <a:schemeClr val="tx1"/>
+          </a:fontRef>
+        </p:style>
+      </p:cxnSp>
+      <p:sp>
+        <p:nvSpPr>
+          <p:cNvPr id="25" name="TextBox 24"/>
+          <p:cNvSpPr txBox="1"/>
+          <p:nvPr/>
+        </p:nvSpPr>
+        <p:spPr>
+          <a:xfrm>
+            <a:off x="3058613" y="2375826"/>
+            <a:ext cx="1144288" cy="369332"/>
+          </a:xfrm>
+          <a:prstGeom prst="rect">
+            <a:avLst/>
+          </a:prstGeom>
+          <a:solidFill>
+            <a:schemeClr val="bg1"/>
+          </a:solidFill>
+          <a:ln>
+            <a:solidFill>
+              <a:schemeClr val="tx1"/>
+            </a:solidFill>
+            <a:prstDash val="dash"/>
+          </a:ln>
+        </p:spPr>
+        <p:txBody>
+          <a:bodyPr wrap="none" rtlCol="0">
+            <a:spAutoFit/>
+          </a:bodyPr>
+          <a:lstStyle/>
+          <a:p>
+            <a:r>
+              <a:rPr lang="en-IN" dirty="0" smtClean="0">
+                <a:solidFill>
+                  <a:schemeClr val="bg1">
+                    <a:lumMod val="65000"/>
+                  </a:schemeClr>
+                </a:solidFill>
+              </a:rPr>
+              <a:t>New State</a:t>
+            </a:r>
+            <a:endParaRPr lang="en-IN" dirty="0">
+              <a:solidFill>
+                <a:schemeClr val="bg1">
+                  <a:lumMod val="65000"/>
+                </a:schemeClr>
+              </a:solidFill>
+            </a:endParaRPr>
+          </a:p>
+        </p:txBody>
+      </p:sp>
+      <p:cxnSp>
+        <p:nvCxnSpPr>
+          <p:cNvPr id="26" name="Straight Arrow Connector 25"/>
+          <p:cNvCxnSpPr>
+            <a:stCxn id="14" idx="2"/>
+            <a:endCxn id="15" idx="0"/>
+          </p:cNvCxnSpPr>
+          <p:nvPr/>
+        </p:nvCxnSpPr>
+        <p:spPr>
+          <a:xfrm flipH="1">
+            <a:off x="4686302" y="2837583"/>
+            <a:ext cx="343642" cy="1311965"/>
+          </a:xfrm>
+          <a:prstGeom prst="straightConnector1">
+            <a:avLst/>
+          </a:prstGeom>
+          <a:ln>
+            <a:solidFill>
+              <a:schemeClr val="bg1">
+                <a:lumMod val="95000"/>
+              </a:schemeClr>
+            </a:solidFill>
+            <a:tailEnd type="triangle"/>
+          </a:ln>
+        </p:spPr>
+        <p:style>
+          <a:lnRef idx="3">
+            <a:schemeClr val="accent1"/>
+          </a:lnRef>
+          <a:fillRef idx="0">
+            <a:schemeClr val="accent1"/>
+          </a:fillRef>
+          <a:effectRef idx="2">
+            <a:schemeClr val="accent1"/>
+          </a:effectRef>
+          <a:fontRef idx="minor">
+            <a:schemeClr val="tx1"/>
+          </a:fontRef>
+        </p:style>
+      </p:cxnSp>
+      <p:sp>
+        <p:nvSpPr>
+          <p:cNvPr id="27" name="TextBox 26"/>
+          <p:cNvSpPr txBox="1"/>
+          <p:nvPr/>
+        </p:nvSpPr>
+        <p:spPr>
+          <a:xfrm>
+            <a:off x="4327481" y="3301168"/>
+            <a:ext cx="1034450" cy="369332"/>
+          </a:xfrm>
+          <a:prstGeom prst="rect">
+            <a:avLst/>
+          </a:prstGeom>
+          <a:solidFill>
+            <a:schemeClr val="bg1"/>
+          </a:solidFill>
+          <a:ln>
+            <a:solidFill>
+              <a:schemeClr val="tx1"/>
+            </a:solidFill>
+            <a:prstDash val="dash"/>
+          </a:ln>
+        </p:spPr>
+        <p:txBody>
+          <a:bodyPr wrap="none" rtlCol="0">
+            <a:spAutoFit/>
+          </a:bodyPr>
+          <a:lstStyle/>
+          <a:p>
+            <a:r>
+              <a:rPr lang="en-IN" dirty="0" smtClean="0">
+                <a:solidFill>
+                  <a:schemeClr val="bg1">
+                    <a:lumMod val="65000"/>
+                  </a:schemeClr>
+                </a:solidFill>
+              </a:rPr>
+              <a:t>Selectors</a:t>
+            </a:r>
+            <a:endParaRPr lang="en-IN" dirty="0">
+              <a:solidFill>
+                <a:schemeClr val="bg1">
+                  <a:lumMod val="65000"/>
+                </a:schemeClr>
+              </a:solidFill>
+            </a:endParaRPr>
+          </a:p>
+        </p:txBody>
+      </p:sp>
+      <p:sp>
+        <p:nvSpPr>
+          <p:cNvPr id="28" name="TextBox 27"/>
+          <p:cNvSpPr txBox="1"/>
+          <p:nvPr/>
+        </p:nvSpPr>
+        <p:spPr>
+          <a:xfrm>
+            <a:off x="1760042" y="3289520"/>
+            <a:ext cx="1090363" cy="369332"/>
+          </a:xfrm>
+          <a:prstGeom prst="rect">
+            <a:avLst/>
+          </a:prstGeom>
+          <a:solidFill>
+            <a:srgbClr val="FFC000"/>
+          </a:solidFill>
+          <a:ln>
+            <a:solidFill>
+              <a:schemeClr val="tx1"/>
+            </a:solidFill>
+            <a:prstDash val="dash"/>
+          </a:ln>
+        </p:spPr>
+        <p:txBody>
+          <a:bodyPr wrap="none" rtlCol="0">
+            <a:spAutoFit/>
+          </a:bodyPr>
+          <a:lstStyle/>
+          <a:p>
+            <a:r>
+              <a:rPr lang="en-IN" dirty="0" smtClean="0"/>
+              <a:t>  Actions  </a:t>
+            </a:r>
+            <a:endParaRPr lang="en-IN" dirty="0"/>
+          </a:p>
+        </p:txBody>
+      </p:sp>
     </p:spTree>
     <p:extLst>
       <p:ext uri="{BB962C8B-B14F-4D97-AF65-F5344CB8AC3E}">
@@ -4994,7 +7032,11 @@
           <a:p>
             <a:r>
               <a:rPr lang="en-US" dirty="0" smtClean="0"/>
-              <a:t>NGRX Architecture: Reducers</a:t>
+              <a:t>NGRX Architecture: </a:t>
+            </a:r>
+            <a:r>
+              <a:rPr lang="en-US" dirty="0" smtClean="0"/>
+              <a:t>Reducer</a:t>
             </a:r>
             <a:endParaRPr lang="en-US" dirty="0"/>
           </a:p>
@@ -5041,10 +7083,1266 @@
           </a:fontRef>
         </p:style>
       </p:cxnSp>
+      <p:sp>
+        <p:nvSpPr>
+          <p:cNvPr id="9" name="TextBox 8"/>
+          <p:cNvSpPr txBox="1"/>
+          <p:nvPr/>
+        </p:nvSpPr>
+        <p:spPr>
+          <a:xfrm>
+            <a:off x="6163073" y="1993326"/>
+            <a:ext cx="5752261" cy="369332"/>
+          </a:xfrm>
+          <a:prstGeom prst="rect">
+            <a:avLst/>
+          </a:prstGeom>
+          <a:noFill/>
+        </p:spPr>
+        <p:txBody>
+          <a:bodyPr wrap="square" rtlCol="0">
+            <a:spAutoFit/>
+          </a:bodyPr>
+          <a:lstStyle/>
+          <a:p>
+            <a:r>
+              <a:rPr lang="en-US" dirty="0" smtClean="0"/>
+              <a:t>Case A:  When the Actions does not trigger an effect</a:t>
+            </a:r>
+            <a:endParaRPr lang="en-IN" dirty="0"/>
+          </a:p>
+        </p:txBody>
+      </p:sp>
+      <p:sp>
+        <p:nvSpPr>
+          <p:cNvPr id="10" name="TextBox 9"/>
+          <p:cNvSpPr txBox="1"/>
+          <p:nvPr/>
+        </p:nvSpPr>
+        <p:spPr>
+          <a:xfrm>
+            <a:off x="6111810" y="2543267"/>
+            <a:ext cx="5803524" cy="1200329"/>
+          </a:xfrm>
+          <a:prstGeom prst="rect">
+            <a:avLst/>
+          </a:prstGeom>
+          <a:noFill/>
+        </p:spPr>
+        <p:txBody>
+          <a:bodyPr wrap="square" rtlCol="0">
+            <a:spAutoFit/>
+          </a:bodyPr>
+          <a:lstStyle/>
+          <a:p>
+            <a:r>
+              <a:rPr lang="en-US" i="1" dirty="0" smtClean="0"/>
+              <a:t>Reducer analyses the action (usually using Switch statement) and return a new state that is going to be the result of merging the old state with the value that changed by calling the action.</a:t>
+            </a:r>
+            <a:endParaRPr lang="en-IN" dirty="0"/>
+          </a:p>
+        </p:txBody>
+      </p:sp>
+      <p:sp>
+        <p:nvSpPr>
+          <p:cNvPr id="12" name="Slide Number Placeholder 1"/>
+          <p:cNvSpPr txBox="1">
+            <a:spLocks/>
+          </p:cNvSpPr>
+          <p:nvPr/>
+        </p:nvSpPr>
+        <p:spPr>
+          <a:xfrm>
+            <a:off x="4727476" y="5781938"/>
+            <a:ext cx="2586183" cy="365125"/>
+          </a:xfrm>
+          <a:prstGeom prst="rect">
+            <a:avLst/>
+          </a:prstGeom>
+        </p:spPr>
+        <p:txBody>
+          <a:bodyPr vert="horz" lIns="91440" tIns="45720" rIns="91440" bIns="45720" rtlCol="0" anchor="ctr"/>
+          <a:lstStyle>
+            <a:defPPr>
+              <a:defRPr lang="en-US"/>
+            </a:defPPr>
+            <a:lvl1pPr marL="0" algn="r" defTabSz="914400" rtl="0" eaLnBrk="1" latinLnBrk="0" hangingPunct="1">
+              <a:defRPr sz="1400" b="1" kern="1200">
+                <a:solidFill>
+                  <a:schemeClr val="bg1"/>
+                </a:solidFill>
+                <a:latin typeface="+mn-lt"/>
+                <a:ea typeface="+mn-ea"/>
+                <a:cs typeface="+mn-cs"/>
+              </a:defRPr>
+            </a:lvl1pPr>
+            <a:lvl2pPr marL="457200" algn="l" defTabSz="914400" rtl="0" eaLnBrk="1" latinLnBrk="0" hangingPunct="1">
+              <a:defRPr sz="1800" kern="1200">
+                <a:solidFill>
+                  <a:schemeClr val="tx1"/>
+                </a:solidFill>
+                <a:latin typeface="+mn-lt"/>
+                <a:ea typeface="+mn-ea"/>
+                <a:cs typeface="+mn-cs"/>
+              </a:defRPr>
+            </a:lvl2pPr>
+            <a:lvl3pPr marL="914400" algn="l" defTabSz="914400" rtl="0" eaLnBrk="1" latinLnBrk="0" hangingPunct="1">
+              <a:defRPr sz="1800" kern="1200">
+                <a:solidFill>
+                  <a:schemeClr val="tx1"/>
+                </a:solidFill>
+                <a:latin typeface="+mn-lt"/>
+                <a:ea typeface="+mn-ea"/>
+                <a:cs typeface="+mn-cs"/>
+              </a:defRPr>
+            </a:lvl3pPr>
+            <a:lvl4pPr marL="1371600" algn="l" defTabSz="914400" rtl="0" eaLnBrk="1" latinLnBrk="0" hangingPunct="1">
+              <a:defRPr sz="1800" kern="1200">
+                <a:solidFill>
+                  <a:schemeClr val="tx1"/>
+                </a:solidFill>
+                <a:latin typeface="+mn-lt"/>
+                <a:ea typeface="+mn-ea"/>
+                <a:cs typeface="+mn-cs"/>
+              </a:defRPr>
+            </a:lvl4pPr>
+            <a:lvl5pPr marL="1828800" algn="l" defTabSz="914400" rtl="0" eaLnBrk="1" latinLnBrk="0" hangingPunct="1">
+              <a:defRPr sz="1800" kern="1200">
+                <a:solidFill>
+                  <a:schemeClr val="tx1"/>
+                </a:solidFill>
+                <a:latin typeface="+mn-lt"/>
+                <a:ea typeface="+mn-ea"/>
+                <a:cs typeface="+mn-cs"/>
+              </a:defRPr>
+            </a:lvl5pPr>
+            <a:lvl6pPr marL="2286000" algn="l" defTabSz="914400" rtl="0" eaLnBrk="1" latinLnBrk="0" hangingPunct="1">
+              <a:defRPr sz="1800" kern="1200">
+                <a:solidFill>
+                  <a:schemeClr val="tx1"/>
+                </a:solidFill>
+                <a:latin typeface="+mn-lt"/>
+                <a:ea typeface="+mn-ea"/>
+                <a:cs typeface="+mn-cs"/>
+              </a:defRPr>
+            </a:lvl6pPr>
+            <a:lvl7pPr marL="2743200" algn="l" defTabSz="914400" rtl="0" eaLnBrk="1" latinLnBrk="0" hangingPunct="1">
+              <a:defRPr sz="1800" kern="1200">
+                <a:solidFill>
+                  <a:schemeClr val="tx1"/>
+                </a:solidFill>
+                <a:latin typeface="+mn-lt"/>
+                <a:ea typeface="+mn-ea"/>
+                <a:cs typeface="+mn-cs"/>
+              </a:defRPr>
+            </a:lvl7pPr>
+            <a:lvl8pPr marL="3200400" algn="l" defTabSz="914400" rtl="0" eaLnBrk="1" latinLnBrk="0" hangingPunct="1">
+              <a:defRPr sz="1800" kern="1200">
+                <a:solidFill>
+                  <a:schemeClr val="tx1"/>
+                </a:solidFill>
+                <a:latin typeface="+mn-lt"/>
+                <a:ea typeface="+mn-ea"/>
+                <a:cs typeface="+mn-cs"/>
+              </a:defRPr>
+            </a:lvl8pPr>
+            <a:lvl9pPr marL="3657600" algn="l" defTabSz="914400" rtl="0" eaLnBrk="1" latinLnBrk="0" hangingPunct="1">
+              <a:defRPr sz="1800" kern="1200">
+                <a:solidFill>
+                  <a:schemeClr val="tx1"/>
+                </a:solidFill>
+                <a:latin typeface="+mn-lt"/>
+                <a:ea typeface="+mn-ea"/>
+                <a:cs typeface="+mn-cs"/>
+              </a:defRPr>
+            </a:lvl9pPr>
+          </a:lstStyle>
+          <a:p>
+            <a:fld id="{22CADBEF-CB64-4529-9779-0A66BE038F96}" type="slidenum">
+              <a:rPr lang="en-IN" smtClean="0"/>
+              <a:pPr/>
+              <a:t>14</a:t>
+            </a:fld>
+            <a:endParaRPr lang="en-IN"/>
+          </a:p>
+        </p:txBody>
+      </p:sp>
+      <p:sp>
+        <p:nvSpPr>
+          <p:cNvPr id="13" name="Rounded Rectangle 12"/>
+          <p:cNvSpPr/>
+          <p:nvPr/>
+        </p:nvSpPr>
+        <p:spPr>
+          <a:xfrm>
+            <a:off x="1465216" y="2283401"/>
+            <a:ext cx="1432957" cy="554182"/>
+          </a:xfrm>
+          <a:prstGeom prst="roundRect">
+            <a:avLst/>
+          </a:prstGeom>
+        </p:spPr>
+        <p:style>
+          <a:lnRef idx="2">
+            <a:schemeClr val="accent1">
+              <a:shade val="50000"/>
+            </a:schemeClr>
+          </a:lnRef>
+          <a:fillRef idx="1">
+            <a:schemeClr val="accent1"/>
+          </a:fillRef>
+          <a:effectRef idx="0">
+            <a:schemeClr val="accent1"/>
+          </a:effectRef>
+          <a:fontRef idx="minor">
+            <a:schemeClr val="lt1"/>
+          </a:fontRef>
+        </p:style>
+        <p:txBody>
+          <a:bodyPr rtlCol="0" anchor="ctr"/>
+          <a:lstStyle/>
+          <a:p>
+            <a:pPr algn="ctr"/>
+            <a:r>
+              <a:rPr lang="en-IN" dirty="0" smtClean="0"/>
+              <a:t>REDUCERS</a:t>
+            </a:r>
+            <a:endParaRPr lang="en-IN" dirty="0"/>
+          </a:p>
+        </p:txBody>
+      </p:sp>
+      <p:sp>
+        <p:nvSpPr>
+          <p:cNvPr id="14" name="Rounded Rectangle 13"/>
+          <p:cNvSpPr/>
+          <p:nvPr/>
+        </p:nvSpPr>
+        <p:spPr>
+          <a:xfrm>
+            <a:off x="4530624" y="2283401"/>
+            <a:ext cx="998640" cy="554182"/>
+          </a:xfrm>
+          <a:prstGeom prst="roundRect">
+            <a:avLst/>
+          </a:prstGeom>
+          <a:solidFill>
+            <a:schemeClr val="accent1">
+              <a:lumMod val="40000"/>
+              <a:lumOff val="60000"/>
+            </a:schemeClr>
+          </a:solidFill>
+          <a:ln>
+            <a:solidFill>
+              <a:schemeClr val="accent1">
+                <a:lumMod val="20000"/>
+                <a:lumOff val="80000"/>
+              </a:schemeClr>
+            </a:solidFill>
+          </a:ln>
+        </p:spPr>
+        <p:style>
+          <a:lnRef idx="2">
+            <a:schemeClr val="accent1">
+              <a:shade val="50000"/>
+            </a:schemeClr>
+          </a:lnRef>
+          <a:fillRef idx="1">
+            <a:schemeClr val="accent1"/>
+          </a:fillRef>
+          <a:effectRef idx="0">
+            <a:schemeClr val="accent1"/>
+          </a:effectRef>
+          <a:fontRef idx="minor">
+            <a:schemeClr val="lt1"/>
+          </a:fontRef>
+        </p:style>
+        <p:txBody>
+          <a:bodyPr rtlCol="0" anchor="ctr"/>
+          <a:lstStyle/>
+          <a:p>
+            <a:pPr algn="ctr"/>
+            <a:r>
+              <a:rPr lang="en-IN" dirty="0" smtClean="0"/>
+              <a:t>STORE</a:t>
+            </a:r>
+            <a:endParaRPr lang="en-IN" dirty="0"/>
+          </a:p>
+        </p:txBody>
+      </p:sp>
+      <p:sp>
+        <p:nvSpPr>
+          <p:cNvPr id="15" name="Rounded Rectangle 14"/>
+          <p:cNvSpPr/>
+          <p:nvPr/>
+        </p:nvSpPr>
+        <p:spPr>
+          <a:xfrm>
+            <a:off x="3843339" y="4149548"/>
+            <a:ext cx="1685926" cy="554182"/>
+          </a:xfrm>
+          <a:prstGeom prst="roundRect">
+            <a:avLst/>
+          </a:prstGeom>
+        </p:spPr>
+        <p:style>
+          <a:lnRef idx="2">
+            <a:schemeClr val="accent1">
+              <a:shade val="50000"/>
+            </a:schemeClr>
+          </a:lnRef>
+          <a:fillRef idx="1">
+            <a:schemeClr val="accent1"/>
+          </a:fillRef>
+          <a:effectRef idx="0">
+            <a:schemeClr val="accent1"/>
+          </a:effectRef>
+          <a:fontRef idx="minor">
+            <a:schemeClr val="lt1"/>
+          </a:fontRef>
+        </p:style>
+        <p:txBody>
+          <a:bodyPr rtlCol="0" anchor="ctr"/>
+          <a:lstStyle/>
+          <a:p>
+            <a:pPr algn="ctr"/>
+            <a:r>
+              <a:rPr lang="en-IN" dirty="0" smtClean="0"/>
+              <a:t>COMPONENT</a:t>
+            </a:r>
+            <a:endParaRPr lang="en-IN" dirty="0"/>
+          </a:p>
+        </p:txBody>
+      </p:sp>
+      <p:sp>
+        <p:nvSpPr>
+          <p:cNvPr id="16" name="Rounded Rectangle 15"/>
+          <p:cNvSpPr/>
+          <p:nvPr/>
+        </p:nvSpPr>
+        <p:spPr>
+          <a:xfrm>
+            <a:off x="3889957" y="5592881"/>
+            <a:ext cx="1639307" cy="554182"/>
+          </a:xfrm>
+          <a:prstGeom prst="roundRect">
+            <a:avLst/>
+          </a:prstGeom>
+          <a:solidFill>
+            <a:schemeClr val="accent1">
+              <a:lumMod val="40000"/>
+              <a:lumOff val="60000"/>
+            </a:schemeClr>
+          </a:solidFill>
+          <a:ln>
+            <a:solidFill>
+              <a:schemeClr val="accent1">
+                <a:lumMod val="20000"/>
+                <a:lumOff val="80000"/>
+              </a:schemeClr>
+            </a:solidFill>
+          </a:ln>
+        </p:spPr>
+        <p:style>
+          <a:lnRef idx="2">
+            <a:schemeClr val="accent1">
+              <a:shade val="50000"/>
+            </a:schemeClr>
+          </a:lnRef>
+          <a:fillRef idx="1">
+            <a:schemeClr val="accent1"/>
+          </a:fillRef>
+          <a:effectRef idx="0">
+            <a:schemeClr val="accent1"/>
+          </a:effectRef>
+          <a:fontRef idx="minor">
+            <a:schemeClr val="lt1"/>
+          </a:fontRef>
+        </p:style>
+        <p:txBody>
+          <a:bodyPr rtlCol="0" anchor="ctr"/>
+          <a:lstStyle/>
+          <a:p>
+            <a:pPr algn="ctr"/>
+            <a:r>
+              <a:rPr lang="en-IN" dirty="0" smtClean="0"/>
+              <a:t>SERVICES</a:t>
+            </a:r>
+            <a:endParaRPr lang="en-IN" dirty="0"/>
+          </a:p>
+        </p:txBody>
+      </p:sp>
+      <p:sp>
+        <p:nvSpPr>
+          <p:cNvPr id="17" name="Rounded Rectangle 16"/>
+          <p:cNvSpPr/>
+          <p:nvPr/>
+        </p:nvSpPr>
+        <p:spPr>
+          <a:xfrm>
+            <a:off x="1457738" y="5592881"/>
+            <a:ext cx="1440435" cy="554182"/>
+          </a:xfrm>
+          <a:prstGeom prst="roundRect">
+            <a:avLst/>
+          </a:prstGeom>
+          <a:solidFill>
+            <a:schemeClr val="accent1">
+              <a:lumMod val="40000"/>
+              <a:lumOff val="60000"/>
+            </a:schemeClr>
+          </a:solidFill>
+          <a:ln>
+            <a:solidFill>
+              <a:schemeClr val="accent1">
+                <a:lumMod val="20000"/>
+                <a:lumOff val="80000"/>
+              </a:schemeClr>
+            </a:solidFill>
+          </a:ln>
+        </p:spPr>
+        <p:style>
+          <a:lnRef idx="2">
+            <a:schemeClr val="accent1">
+              <a:shade val="50000"/>
+            </a:schemeClr>
+          </a:lnRef>
+          <a:fillRef idx="1">
+            <a:schemeClr val="accent1"/>
+          </a:fillRef>
+          <a:effectRef idx="0">
+            <a:schemeClr val="accent1"/>
+          </a:effectRef>
+          <a:fontRef idx="minor">
+            <a:schemeClr val="lt1"/>
+          </a:fontRef>
+        </p:style>
+        <p:txBody>
+          <a:bodyPr rtlCol="0" anchor="ctr"/>
+          <a:lstStyle/>
+          <a:p>
+            <a:pPr algn="ctr"/>
+            <a:r>
+              <a:rPr lang="en-IN" dirty="0" smtClean="0"/>
+              <a:t>EFFECTS</a:t>
+            </a:r>
+            <a:endParaRPr lang="en-IN" dirty="0"/>
+          </a:p>
+        </p:txBody>
+      </p:sp>
+      <p:cxnSp>
+        <p:nvCxnSpPr>
+          <p:cNvPr id="18" name="Straight Arrow Connector 17"/>
+          <p:cNvCxnSpPr>
+            <a:stCxn id="13" idx="3"/>
+          </p:cNvCxnSpPr>
+          <p:nvPr/>
+        </p:nvCxnSpPr>
+        <p:spPr>
+          <a:xfrm>
+            <a:off x="2898173" y="2560492"/>
+            <a:ext cx="1632450" cy="0"/>
+          </a:xfrm>
+          <a:prstGeom prst="straightConnector1">
+            <a:avLst/>
+          </a:prstGeom>
+          <a:ln>
+            <a:tailEnd type="triangle"/>
+          </a:ln>
+        </p:spPr>
+        <p:style>
+          <a:lnRef idx="3">
+            <a:schemeClr val="accent1"/>
+          </a:lnRef>
+          <a:fillRef idx="0">
+            <a:schemeClr val="accent1"/>
+          </a:fillRef>
+          <a:effectRef idx="2">
+            <a:schemeClr val="accent1"/>
+          </a:effectRef>
+          <a:fontRef idx="minor">
+            <a:schemeClr val="tx1"/>
+          </a:fontRef>
+        </p:style>
+      </p:cxnSp>
+      <p:cxnSp>
+        <p:nvCxnSpPr>
+          <p:cNvPr id="19" name="Straight Arrow Connector 18"/>
+          <p:cNvCxnSpPr>
+            <a:stCxn id="17" idx="0"/>
+            <a:endCxn id="13" idx="2"/>
+          </p:cNvCxnSpPr>
+          <p:nvPr/>
+        </p:nvCxnSpPr>
+        <p:spPr>
+          <a:xfrm flipV="1">
+            <a:off x="2177956" y="2837583"/>
+            <a:ext cx="3739" cy="2755298"/>
+          </a:xfrm>
+          <a:prstGeom prst="straightConnector1">
+            <a:avLst/>
+          </a:prstGeom>
+          <a:ln>
+            <a:solidFill>
+              <a:schemeClr val="accent1">
+                <a:lumMod val="20000"/>
+                <a:lumOff val="80000"/>
+              </a:schemeClr>
+            </a:solidFill>
+            <a:tailEnd type="triangle"/>
+          </a:ln>
+        </p:spPr>
+        <p:style>
+          <a:lnRef idx="3">
+            <a:schemeClr val="accent1"/>
+          </a:lnRef>
+          <a:fillRef idx="0">
+            <a:schemeClr val="accent1"/>
+          </a:fillRef>
+          <a:effectRef idx="2">
+            <a:schemeClr val="accent1"/>
+          </a:effectRef>
+          <a:fontRef idx="minor">
+            <a:schemeClr val="tx1"/>
+          </a:fontRef>
+        </p:style>
+      </p:cxnSp>
+      <p:cxnSp>
+        <p:nvCxnSpPr>
+          <p:cNvPr id="20" name="Elbow Connector 19"/>
+          <p:cNvCxnSpPr>
+            <a:stCxn id="15" idx="1"/>
+          </p:cNvCxnSpPr>
+          <p:nvPr/>
+        </p:nvCxnSpPr>
+        <p:spPr>
+          <a:xfrm rot="10800000">
+            <a:off x="2484635" y="2837583"/>
+            <a:ext cx="1358705" cy="1589056"/>
+          </a:xfrm>
+          <a:prstGeom prst="bentConnector2">
+            <a:avLst/>
+          </a:prstGeom>
+          <a:ln>
+            <a:tailEnd type="triangle"/>
+          </a:ln>
+        </p:spPr>
+        <p:style>
+          <a:lnRef idx="3">
+            <a:schemeClr val="accent1"/>
+          </a:lnRef>
+          <a:fillRef idx="0">
+            <a:schemeClr val="accent1"/>
+          </a:fillRef>
+          <a:effectRef idx="2">
+            <a:schemeClr val="accent1"/>
+          </a:effectRef>
+          <a:fontRef idx="minor">
+            <a:schemeClr val="tx1"/>
+          </a:fontRef>
+        </p:style>
+      </p:cxnSp>
+      <p:cxnSp>
+        <p:nvCxnSpPr>
+          <p:cNvPr id="21" name="Straight Arrow Connector 20"/>
+          <p:cNvCxnSpPr/>
+          <p:nvPr/>
+        </p:nvCxnSpPr>
+        <p:spPr>
+          <a:xfrm>
+            <a:off x="2524877" y="4426639"/>
+            <a:ext cx="0" cy="1166242"/>
+          </a:xfrm>
+          <a:prstGeom prst="straightConnector1">
+            <a:avLst/>
+          </a:prstGeom>
+          <a:ln w="9525" cap="flat" cmpd="sng" algn="ctr">
+            <a:solidFill>
+              <a:schemeClr val="accent1"/>
+            </a:solidFill>
+            <a:prstDash val="dash"/>
+            <a:round/>
+            <a:headEnd type="none" w="med" len="med"/>
+            <a:tailEnd type="none" w="med" len="med"/>
+          </a:ln>
+        </p:spPr>
+        <p:style>
+          <a:lnRef idx="0">
+            <a:scrgbClr r="0" g="0" b="0"/>
+          </a:lnRef>
+          <a:fillRef idx="0">
+            <a:scrgbClr r="0" g="0" b="0"/>
+          </a:fillRef>
+          <a:effectRef idx="0">
+            <a:scrgbClr r="0" g="0" b="0"/>
+          </a:effectRef>
+          <a:fontRef idx="minor">
+            <a:schemeClr val="tx1"/>
+          </a:fontRef>
+        </p:style>
+      </p:cxnSp>
+      <p:cxnSp>
+        <p:nvCxnSpPr>
+          <p:cNvPr id="22" name="Straight Arrow Connector 21"/>
+          <p:cNvCxnSpPr/>
+          <p:nvPr/>
+        </p:nvCxnSpPr>
+        <p:spPr>
+          <a:xfrm>
+            <a:off x="2532537" y="5523608"/>
+            <a:ext cx="0" cy="69273"/>
+          </a:xfrm>
+          <a:prstGeom prst="straightConnector1">
+            <a:avLst/>
+          </a:prstGeom>
+          <a:ln>
+            <a:tailEnd type="triangle"/>
+          </a:ln>
+        </p:spPr>
+        <p:style>
+          <a:lnRef idx="1">
+            <a:schemeClr val="accent1"/>
+          </a:lnRef>
+          <a:fillRef idx="0">
+            <a:schemeClr val="accent1"/>
+          </a:fillRef>
+          <a:effectRef idx="0">
+            <a:schemeClr val="accent1"/>
+          </a:effectRef>
+          <a:fontRef idx="minor">
+            <a:schemeClr val="tx1"/>
+          </a:fontRef>
+        </p:style>
+      </p:cxnSp>
+      <p:cxnSp>
+        <p:nvCxnSpPr>
+          <p:cNvPr id="23" name="Straight Connector 22"/>
+          <p:cNvCxnSpPr>
+            <a:stCxn id="16" idx="1"/>
+            <a:endCxn id="17" idx="3"/>
+          </p:cNvCxnSpPr>
+          <p:nvPr/>
+        </p:nvCxnSpPr>
+        <p:spPr>
+          <a:xfrm flipH="1">
+            <a:off x="2898173" y="5869972"/>
+            <a:ext cx="991784" cy="0"/>
+          </a:xfrm>
+          <a:prstGeom prst="line">
+            <a:avLst/>
+          </a:prstGeom>
+          <a:ln w="9525" cap="flat" cmpd="sng" algn="ctr">
+            <a:solidFill>
+              <a:schemeClr val="accent1"/>
+            </a:solidFill>
+            <a:prstDash val="dash"/>
+            <a:round/>
+            <a:headEnd type="none" w="med" len="med"/>
+            <a:tailEnd type="none" w="med" len="med"/>
+          </a:ln>
+        </p:spPr>
+        <p:style>
+          <a:lnRef idx="0">
+            <a:scrgbClr r="0" g="0" b="0"/>
+          </a:lnRef>
+          <a:fillRef idx="0">
+            <a:scrgbClr r="0" g="0" b="0"/>
+          </a:fillRef>
+          <a:effectRef idx="0">
+            <a:scrgbClr r="0" g="0" b="0"/>
+          </a:effectRef>
+          <a:fontRef idx="minor">
+            <a:schemeClr val="tx1"/>
+          </a:fontRef>
+        </p:style>
+      </p:cxnSp>
+      <p:cxnSp>
+        <p:nvCxnSpPr>
+          <p:cNvPr id="24" name="Straight Arrow Connector 23"/>
+          <p:cNvCxnSpPr>
+            <a:endCxn id="17" idx="3"/>
+          </p:cNvCxnSpPr>
+          <p:nvPr/>
+        </p:nvCxnSpPr>
+        <p:spPr>
+          <a:xfrm flipH="1">
+            <a:off x="2898173" y="5869972"/>
+            <a:ext cx="110844" cy="0"/>
+          </a:xfrm>
+          <a:prstGeom prst="straightConnector1">
+            <a:avLst/>
+          </a:prstGeom>
+          <a:ln>
+            <a:tailEnd type="triangle"/>
+          </a:ln>
+        </p:spPr>
+        <p:style>
+          <a:lnRef idx="1">
+            <a:schemeClr val="accent1"/>
+          </a:lnRef>
+          <a:fillRef idx="0">
+            <a:schemeClr val="accent1"/>
+          </a:fillRef>
+          <a:effectRef idx="0">
+            <a:schemeClr val="accent1"/>
+          </a:effectRef>
+          <a:fontRef idx="minor">
+            <a:schemeClr val="tx1"/>
+          </a:fontRef>
+        </p:style>
+      </p:cxnSp>
+      <p:sp>
+        <p:nvSpPr>
+          <p:cNvPr id="25" name="TextBox 24"/>
+          <p:cNvSpPr txBox="1"/>
+          <p:nvPr/>
+        </p:nvSpPr>
+        <p:spPr>
+          <a:xfrm>
+            <a:off x="3058613" y="2375826"/>
+            <a:ext cx="1144288" cy="369332"/>
+          </a:xfrm>
+          <a:prstGeom prst="rect">
+            <a:avLst/>
+          </a:prstGeom>
+          <a:solidFill>
+            <a:schemeClr val="bg1"/>
+          </a:solidFill>
+          <a:ln>
+            <a:solidFill>
+              <a:schemeClr val="tx1"/>
+            </a:solidFill>
+            <a:prstDash val="dash"/>
+          </a:ln>
+        </p:spPr>
+        <p:txBody>
+          <a:bodyPr wrap="none" rtlCol="0">
+            <a:spAutoFit/>
+          </a:bodyPr>
+          <a:lstStyle/>
+          <a:p>
+            <a:r>
+              <a:rPr lang="en-IN" dirty="0" smtClean="0"/>
+              <a:t>New State</a:t>
+            </a:r>
+            <a:endParaRPr lang="en-IN" dirty="0"/>
+          </a:p>
+        </p:txBody>
+      </p:sp>
+      <p:cxnSp>
+        <p:nvCxnSpPr>
+          <p:cNvPr id="26" name="Straight Arrow Connector 25"/>
+          <p:cNvCxnSpPr>
+            <a:stCxn id="14" idx="2"/>
+            <a:endCxn id="15" idx="0"/>
+          </p:cNvCxnSpPr>
+          <p:nvPr/>
+        </p:nvCxnSpPr>
+        <p:spPr>
+          <a:xfrm flipH="1">
+            <a:off x="4686302" y="2837583"/>
+            <a:ext cx="343642" cy="1311965"/>
+          </a:xfrm>
+          <a:prstGeom prst="straightConnector1">
+            <a:avLst/>
+          </a:prstGeom>
+          <a:ln>
+            <a:solidFill>
+              <a:schemeClr val="bg1">
+                <a:lumMod val="95000"/>
+              </a:schemeClr>
+            </a:solidFill>
+            <a:tailEnd type="triangle"/>
+          </a:ln>
+        </p:spPr>
+        <p:style>
+          <a:lnRef idx="3">
+            <a:schemeClr val="accent1"/>
+          </a:lnRef>
+          <a:fillRef idx="0">
+            <a:schemeClr val="accent1"/>
+          </a:fillRef>
+          <a:effectRef idx="2">
+            <a:schemeClr val="accent1"/>
+          </a:effectRef>
+          <a:fontRef idx="minor">
+            <a:schemeClr val="tx1"/>
+          </a:fontRef>
+        </p:style>
+      </p:cxnSp>
+      <p:sp>
+        <p:nvSpPr>
+          <p:cNvPr id="27" name="TextBox 26"/>
+          <p:cNvSpPr txBox="1"/>
+          <p:nvPr/>
+        </p:nvSpPr>
+        <p:spPr>
+          <a:xfrm>
+            <a:off x="4327481" y="3301168"/>
+            <a:ext cx="1034450" cy="369332"/>
+          </a:xfrm>
+          <a:prstGeom prst="rect">
+            <a:avLst/>
+          </a:prstGeom>
+          <a:solidFill>
+            <a:schemeClr val="bg1"/>
+          </a:solidFill>
+          <a:ln>
+            <a:solidFill>
+              <a:schemeClr val="tx1"/>
+            </a:solidFill>
+            <a:prstDash val="dash"/>
+          </a:ln>
+        </p:spPr>
+        <p:txBody>
+          <a:bodyPr wrap="none" rtlCol="0">
+            <a:spAutoFit/>
+          </a:bodyPr>
+          <a:lstStyle/>
+          <a:p>
+            <a:r>
+              <a:rPr lang="en-IN" dirty="0" smtClean="0">
+                <a:solidFill>
+                  <a:schemeClr val="bg1">
+                    <a:lumMod val="65000"/>
+                  </a:schemeClr>
+                </a:solidFill>
+              </a:rPr>
+              <a:t>Selectors</a:t>
+            </a:r>
+            <a:endParaRPr lang="en-IN" dirty="0">
+              <a:solidFill>
+                <a:schemeClr val="bg1">
+                  <a:lumMod val="65000"/>
+                </a:schemeClr>
+              </a:solidFill>
+            </a:endParaRPr>
+          </a:p>
+        </p:txBody>
+      </p:sp>
+      <p:sp>
+        <p:nvSpPr>
+          <p:cNvPr id="28" name="TextBox 27"/>
+          <p:cNvSpPr txBox="1"/>
+          <p:nvPr/>
+        </p:nvSpPr>
+        <p:spPr>
+          <a:xfrm>
+            <a:off x="1760042" y="3289520"/>
+            <a:ext cx="1090363" cy="369332"/>
+          </a:xfrm>
+          <a:prstGeom prst="rect">
+            <a:avLst/>
+          </a:prstGeom>
+          <a:solidFill>
+            <a:srgbClr val="FFC000"/>
+          </a:solidFill>
+          <a:ln>
+            <a:solidFill>
+              <a:schemeClr val="tx1"/>
+            </a:solidFill>
+            <a:prstDash val="dash"/>
+          </a:ln>
+        </p:spPr>
+        <p:txBody>
+          <a:bodyPr wrap="none" rtlCol="0">
+            <a:spAutoFit/>
+          </a:bodyPr>
+          <a:lstStyle/>
+          <a:p>
+            <a:r>
+              <a:rPr lang="en-IN" dirty="0" smtClean="0"/>
+              <a:t>  Actions  </a:t>
+            </a:r>
+            <a:endParaRPr lang="en-IN" dirty="0"/>
+          </a:p>
+        </p:txBody>
+      </p:sp>
+      <p:sp>
+        <p:nvSpPr>
+          <p:cNvPr id="4" name="Oval 3"/>
+          <p:cNvSpPr/>
+          <p:nvPr/>
+        </p:nvSpPr>
+        <p:spPr>
+          <a:xfrm>
+            <a:off x="2589219" y="3903492"/>
+            <a:ext cx="225654" cy="225654"/>
+          </a:xfrm>
+          <a:prstGeom prst="ellipse">
+            <a:avLst/>
+          </a:prstGeom>
+        </p:spPr>
+        <p:style>
+          <a:lnRef idx="1">
+            <a:schemeClr val="accent2"/>
+          </a:lnRef>
+          <a:fillRef idx="3">
+            <a:schemeClr val="accent2"/>
+          </a:fillRef>
+          <a:effectRef idx="2">
+            <a:schemeClr val="accent2"/>
+          </a:effectRef>
+          <a:fontRef idx="minor">
+            <a:schemeClr val="lt1"/>
+          </a:fontRef>
+        </p:style>
+        <p:txBody>
+          <a:bodyPr rtlCol="0" anchor="ctr"/>
+          <a:lstStyle/>
+          <a:p>
+            <a:pPr algn="ctr"/>
+            <a:r>
+              <a:rPr lang="en-IN" dirty="0" smtClean="0"/>
+              <a:t>A</a:t>
+            </a:r>
+            <a:endParaRPr lang="en-IN" dirty="0"/>
+          </a:p>
+        </p:txBody>
+      </p:sp>
+      <p:sp>
+        <p:nvSpPr>
+          <p:cNvPr id="29" name="Oval 28"/>
+          <p:cNvSpPr/>
+          <p:nvPr/>
+        </p:nvSpPr>
+        <p:spPr>
+          <a:xfrm>
+            <a:off x="2615271" y="4791523"/>
+            <a:ext cx="225654" cy="225654"/>
+          </a:xfrm>
+          <a:prstGeom prst="ellipse">
+            <a:avLst/>
+          </a:prstGeom>
+          <a:solidFill>
+            <a:schemeClr val="bg1">
+              <a:lumMod val="75000"/>
+            </a:schemeClr>
+          </a:solidFill>
+          <a:ln>
+            <a:solidFill>
+              <a:schemeClr val="bg1">
+                <a:lumMod val="65000"/>
+              </a:schemeClr>
+            </a:solidFill>
+          </a:ln>
+        </p:spPr>
+        <p:style>
+          <a:lnRef idx="1">
+            <a:schemeClr val="accent2"/>
+          </a:lnRef>
+          <a:fillRef idx="3">
+            <a:schemeClr val="accent2"/>
+          </a:fillRef>
+          <a:effectRef idx="2">
+            <a:schemeClr val="accent2"/>
+          </a:effectRef>
+          <a:fontRef idx="minor">
+            <a:schemeClr val="lt1"/>
+          </a:fontRef>
+        </p:style>
+        <p:txBody>
+          <a:bodyPr rtlCol="0" anchor="ctr"/>
+          <a:lstStyle/>
+          <a:p>
+            <a:pPr algn="ctr"/>
+            <a:r>
+              <a:rPr lang="en-IN" dirty="0" smtClean="0"/>
+              <a:t>B</a:t>
+            </a:r>
+            <a:endParaRPr lang="en-IN" dirty="0"/>
+          </a:p>
+        </p:txBody>
+      </p:sp>
+      <p:sp>
+        <p:nvSpPr>
+          <p:cNvPr id="6" name="Oval 5"/>
+          <p:cNvSpPr/>
+          <p:nvPr/>
+        </p:nvSpPr>
+        <p:spPr>
+          <a:xfrm>
+            <a:off x="10001602" y="4441695"/>
+            <a:ext cx="1674582" cy="1674582"/>
+          </a:xfrm>
+          <a:prstGeom prst="ellipse">
+            <a:avLst/>
+          </a:prstGeom>
+          <a:solidFill>
+            <a:schemeClr val="accent1">
+              <a:lumMod val="50000"/>
+            </a:schemeClr>
+          </a:solidFill>
+        </p:spPr>
+        <p:style>
+          <a:lnRef idx="2">
+            <a:schemeClr val="accent1">
+              <a:shade val="50000"/>
+            </a:schemeClr>
+          </a:lnRef>
+          <a:fillRef idx="1">
+            <a:schemeClr val="accent1"/>
+          </a:fillRef>
+          <a:effectRef idx="0">
+            <a:schemeClr val="accent1"/>
+          </a:effectRef>
+          <a:fontRef idx="minor">
+            <a:schemeClr val="lt1"/>
+          </a:fontRef>
+        </p:style>
+        <p:txBody>
+          <a:bodyPr rtlCol="0" anchor="ctr"/>
+          <a:lstStyle/>
+          <a:p>
+            <a:pPr algn="ctr"/>
+            <a:r>
+              <a:rPr lang="en-IN" dirty="0" smtClean="0"/>
+              <a:t>REDUCERS</a:t>
+            </a:r>
+            <a:endParaRPr lang="en-IN" dirty="0"/>
+          </a:p>
+        </p:txBody>
+      </p:sp>
+      <p:sp>
+        <p:nvSpPr>
+          <p:cNvPr id="30" name="Oval 29"/>
+          <p:cNvSpPr/>
+          <p:nvPr/>
+        </p:nvSpPr>
+        <p:spPr>
+          <a:xfrm>
+            <a:off x="6928142" y="3924205"/>
+            <a:ext cx="1289065" cy="1289065"/>
+          </a:xfrm>
+          <a:prstGeom prst="ellipse">
+            <a:avLst/>
+          </a:prstGeom>
+          <a:gradFill flip="none" rotWithShape="1">
+            <a:gsLst>
+              <a:gs pos="0">
+                <a:schemeClr val="accent1">
+                  <a:lumMod val="75000"/>
+                  <a:shade val="30000"/>
+                  <a:satMod val="115000"/>
+                </a:schemeClr>
+              </a:gs>
+              <a:gs pos="50000">
+                <a:schemeClr val="accent1">
+                  <a:lumMod val="75000"/>
+                  <a:shade val="67500"/>
+                  <a:satMod val="115000"/>
+                </a:schemeClr>
+              </a:gs>
+              <a:gs pos="100000">
+                <a:schemeClr val="accent1">
+                  <a:lumMod val="75000"/>
+                  <a:shade val="100000"/>
+                  <a:satMod val="115000"/>
+                </a:schemeClr>
+              </a:gs>
+            </a:gsLst>
+            <a:lin ang="0" scaled="1"/>
+            <a:tileRect/>
+          </a:gradFill>
+          <a:ln>
+            <a:solidFill>
+              <a:schemeClr val="accent1">
+                <a:lumMod val="60000"/>
+                <a:lumOff val="40000"/>
+              </a:schemeClr>
+            </a:solidFill>
+          </a:ln>
+        </p:spPr>
+        <p:style>
+          <a:lnRef idx="2">
+            <a:schemeClr val="accent1">
+              <a:shade val="50000"/>
+            </a:schemeClr>
+          </a:lnRef>
+          <a:fillRef idx="1">
+            <a:schemeClr val="accent1"/>
+          </a:fillRef>
+          <a:effectRef idx="0">
+            <a:schemeClr val="accent1"/>
+          </a:effectRef>
+          <a:fontRef idx="minor">
+            <a:schemeClr val="lt1"/>
+          </a:fontRef>
+        </p:style>
+        <p:txBody>
+          <a:bodyPr rtlCol="0" anchor="ctr"/>
+          <a:lstStyle/>
+          <a:p>
+            <a:pPr algn="ctr"/>
+            <a:r>
+              <a:rPr lang="en-IN" sz="1200" dirty="0" smtClean="0"/>
+              <a:t>PREVIOUS</a:t>
+            </a:r>
+          </a:p>
+          <a:p>
+            <a:pPr algn="ctr"/>
+            <a:r>
+              <a:rPr lang="en-IN" dirty="0" smtClean="0"/>
+              <a:t>STATE</a:t>
+            </a:r>
+            <a:endParaRPr lang="en-IN" dirty="0"/>
+          </a:p>
+        </p:txBody>
+      </p:sp>
+      <p:sp>
+        <p:nvSpPr>
+          <p:cNvPr id="34" name="Oval 33"/>
+          <p:cNvSpPr/>
+          <p:nvPr/>
+        </p:nvSpPr>
+        <p:spPr>
+          <a:xfrm>
+            <a:off x="6928142" y="5523608"/>
+            <a:ext cx="1289065" cy="1289065"/>
+          </a:xfrm>
+          <a:prstGeom prst="ellipse">
+            <a:avLst/>
+          </a:prstGeom>
+          <a:gradFill flip="none" rotWithShape="1">
+            <a:gsLst>
+              <a:gs pos="0">
+                <a:schemeClr val="accent1">
+                  <a:lumMod val="75000"/>
+                  <a:shade val="30000"/>
+                  <a:satMod val="115000"/>
+                </a:schemeClr>
+              </a:gs>
+              <a:gs pos="50000">
+                <a:schemeClr val="accent1">
+                  <a:lumMod val="75000"/>
+                  <a:shade val="67500"/>
+                  <a:satMod val="115000"/>
+                </a:schemeClr>
+              </a:gs>
+              <a:gs pos="100000">
+                <a:schemeClr val="accent1">
+                  <a:lumMod val="75000"/>
+                  <a:shade val="100000"/>
+                  <a:satMod val="115000"/>
+                </a:schemeClr>
+              </a:gs>
+            </a:gsLst>
+            <a:lin ang="0" scaled="1"/>
+            <a:tileRect/>
+          </a:gradFill>
+          <a:ln>
+            <a:solidFill>
+              <a:schemeClr val="accent1">
+                <a:lumMod val="60000"/>
+                <a:lumOff val="40000"/>
+              </a:schemeClr>
+            </a:solidFill>
+          </a:ln>
+        </p:spPr>
+        <p:style>
+          <a:lnRef idx="2">
+            <a:schemeClr val="accent1">
+              <a:shade val="50000"/>
+            </a:schemeClr>
+          </a:lnRef>
+          <a:fillRef idx="1">
+            <a:schemeClr val="accent1"/>
+          </a:fillRef>
+          <a:effectRef idx="0">
+            <a:schemeClr val="accent1"/>
+          </a:effectRef>
+          <a:fontRef idx="minor">
+            <a:schemeClr val="lt1"/>
+          </a:fontRef>
+        </p:style>
+        <p:txBody>
+          <a:bodyPr rtlCol="0" anchor="ctr"/>
+          <a:lstStyle/>
+          <a:p>
+            <a:pPr algn="ctr"/>
+            <a:r>
+              <a:rPr lang="en-IN" dirty="0" smtClean="0"/>
+              <a:t>ACTION</a:t>
+            </a:r>
+            <a:endParaRPr lang="en-IN" dirty="0"/>
+          </a:p>
+        </p:txBody>
+      </p:sp>
+      <p:cxnSp>
+        <p:nvCxnSpPr>
+          <p:cNvPr id="36" name="Straight Arrow Connector 35"/>
+          <p:cNvCxnSpPr>
+            <a:stCxn id="30" idx="6"/>
+            <a:endCxn id="6" idx="2"/>
+          </p:cNvCxnSpPr>
+          <p:nvPr/>
+        </p:nvCxnSpPr>
+        <p:spPr>
+          <a:xfrm>
+            <a:off x="8217207" y="4568738"/>
+            <a:ext cx="1784395" cy="710248"/>
+          </a:xfrm>
+          <a:prstGeom prst="straightConnector1">
+            <a:avLst/>
+          </a:prstGeom>
+          <a:ln>
+            <a:tailEnd type="triangle"/>
+          </a:ln>
+        </p:spPr>
+        <p:style>
+          <a:lnRef idx="1">
+            <a:schemeClr val="accent1"/>
+          </a:lnRef>
+          <a:fillRef idx="0">
+            <a:schemeClr val="accent1"/>
+          </a:fillRef>
+          <a:effectRef idx="0">
+            <a:schemeClr val="accent1"/>
+          </a:effectRef>
+          <a:fontRef idx="minor">
+            <a:schemeClr val="tx1"/>
+          </a:fontRef>
+        </p:style>
+      </p:cxnSp>
+      <p:cxnSp>
+        <p:nvCxnSpPr>
+          <p:cNvPr id="38" name="Straight Arrow Connector 37"/>
+          <p:cNvCxnSpPr>
+            <a:stCxn id="34" idx="6"/>
+            <a:endCxn id="6" idx="2"/>
+          </p:cNvCxnSpPr>
+          <p:nvPr/>
+        </p:nvCxnSpPr>
+        <p:spPr>
+          <a:xfrm flipV="1">
+            <a:off x="8217207" y="5278986"/>
+            <a:ext cx="1784395" cy="889155"/>
+          </a:xfrm>
+          <a:prstGeom prst="straightConnector1">
+            <a:avLst/>
+          </a:prstGeom>
+          <a:ln>
+            <a:tailEnd type="triangle"/>
+          </a:ln>
+        </p:spPr>
+        <p:style>
+          <a:lnRef idx="1">
+            <a:schemeClr val="accent1"/>
+          </a:lnRef>
+          <a:fillRef idx="0">
+            <a:schemeClr val="accent1"/>
+          </a:fillRef>
+          <a:effectRef idx="0">
+            <a:schemeClr val="accent1"/>
+          </a:effectRef>
+          <a:fontRef idx="minor">
+            <a:schemeClr val="tx1"/>
+          </a:fontRef>
+        </p:style>
+      </p:cxnSp>
     </p:spTree>
     <p:extLst>
       <p:ext uri="{BB962C8B-B14F-4D97-AF65-F5344CB8AC3E}">
-        <p14:creationId xmlns:p14="http://schemas.microsoft.com/office/powerpoint/2010/main" val="2841424713"/>
+        <p14:creationId xmlns:p14="http://schemas.microsoft.com/office/powerpoint/2010/main" val="813486982"/>
       </p:ext>
     </p:extLst>
   </p:cSld>
@@ -5137,7 +8435,11 @@
           <a:p>
             <a:r>
               <a:rPr lang="en-US" dirty="0" smtClean="0"/>
-              <a:t>NGRX Architecture: Selectors</a:t>
+              <a:t>NGRX Architecture: </a:t>
+            </a:r>
+            <a:r>
+              <a:rPr lang="en-US" dirty="0" smtClean="0"/>
+              <a:t>Effects</a:t>
             </a:r>
             <a:endParaRPr lang="en-US" dirty="0"/>
           </a:p>
@@ -5184,10 +8486,1044 @@
           </a:fontRef>
         </p:style>
       </p:cxnSp>
+      <p:sp>
+        <p:nvSpPr>
+          <p:cNvPr id="9" name="TextBox 8"/>
+          <p:cNvSpPr txBox="1"/>
+          <p:nvPr/>
+        </p:nvSpPr>
+        <p:spPr>
+          <a:xfrm>
+            <a:off x="6163073" y="1993326"/>
+            <a:ext cx="5752261" cy="369332"/>
+          </a:xfrm>
+          <a:prstGeom prst="rect">
+            <a:avLst/>
+          </a:prstGeom>
+          <a:noFill/>
+        </p:spPr>
+        <p:txBody>
+          <a:bodyPr wrap="square" rtlCol="0">
+            <a:spAutoFit/>
+          </a:bodyPr>
+          <a:lstStyle/>
+          <a:p>
+            <a:r>
+              <a:rPr lang="en-US" dirty="0" smtClean="0"/>
+              <a:t>Case B:  When the Actions triggers an effect</a:t>
+            </a:r>
+            <a:endParaRPr lang="en-IN" dirty="0"/>
+          </a:p>
+        </p:txBody>
+      </p:sp>
+      <p:sp>
+        <p:nvSpPr>
+          <p:cNvPr id="10" name="TextBox 9"/>
+          <p:cNvSpPr txBox="1"/>
+          <p:nvPr/>
+        </p:nvSpPr>
+        <p:spPr>
+          <a:xfrm>
+            <a:off x="6111810" y="2543267"/>
+            <a:ext cx="5803524" cy="923330"/>
+          </a:xfrm>
+          <a:prstGeom prst="rect">
+            <a:avLst/>
+          </a:prstGeom>
+          <a:noFill/>
+        </p:spPr>
+        <p:txBody>
+          <a:bodyPr wrap="square" rtlCol="0">
+            <a:spAutoFit/>
+          </a:bodyPr>
+          <a:lstStyle/>
+          <a:p>
+            <a:r>
+              <a:rPr lang="en-US" i="1" dirty="0" smtClean="0"/>
+              <a:t>EFFECTS allows us to deal with side-effects caused from dispatching an action outside angular components or the </a:t>
+            </a:r>
+            <a:r>
+              <a:rPr lang="en-US" i="1" dirty="0" err="1" smtClean="0"/>
+              <a:t>ngrx</a:t>
+            </a:r>
+            <a:r>
+              <a:rPr lang="en-US" i="1" dirty="0" smtClean="0"/>
+              <a:t> store.</a:t>
+            </a:r>
+            <a:endParaRPr lang="en-IN" dirty="0"/>
+          </a:p>
+        </p:txBody>
+      </p:sp>
+      <p:sp>
+        <p:nvSpPr>
+          <p:cNvPr id="12" name="Slide Number Placeholder 1"/>
+          <p:cNvSpPr txBox="1">
+            <a:spLocks/>
+          </p:cNvSpPr>
+          <p:nvPr/>
+        </p:nvSpPr>
+        <p:spPr>
+          <a:xfrm>
+            <a:off x="4727476" y="5781938"/>
+            <a:ext cx="2586183" cy="365125"/>
+          </a:xfrm>
+          <a:prstGeom prst="rect">
+            <a:avLst/>
+          </a:prstGeom>
+        </p:spPr>
+        <p:txBody>
+          <a:bodyPr vert="horz" lIns="91440" tIns="45720" rIns="91440" bIns="45720" rtlCol="0" anchor="ctr"/>
+          <a:lstStyle>
+            <a:defPPr>
+              <a:defRPr lang="en-US"/>
+            </a:defPPr>
+            <a:lvl1pPr marL="0" algn="r" defTabSz="914400" rtl="0" eaLnBrk="1" latinLnBrk="0" hangingPunct="1">
+              <a:defRPr sz="1400" b="1" kern="1200">
+                <a:solidFill>
+                  <a:schemeClr val="bg1"/>
+                </a:solidFill>
+                <a:latin typeface="+mn-lt"/>
+                <a:ea typeface="+mn-ea"/>
+                <a:cs typeface="+mn-cs"/>
+              </a:defRPr>
+            </a:lvl1pPr>
+            <a:lvl2pPr marL="457200" algn="l" defTabSz="914400" rtl="0" eaLnBrk="1" latinLnBrk="0" hangingPunct="1">
+              <a:defRPr sz="1800" kern="1200">
+                <a:solidFill>
+                  <a:schemeClr val="tx1"/>
+                </a:solidFill>
+                <a:latin typeface="+mn-lt"/>
+                <a:ea typeface="+mn-ea"/>
+                <a:cs typeface="+mn-cs"/>
+              </a:defRPr>
+            </a:lvl2pPr>
+            <a:lvl3pPr marL="914400" algn="l" defTabSz="914400" rtl="0" eaLnBrk="1" latinLnBrk="0" hangingPunct="1">
+              <a:defRPr sz="1800" kern="1200">
+                <a:solidFill>
+                  <a:schemeClr val="tx1"/>
+                </a:solidFill>
+                <a:latin typeface="+mn-lt"/>
+                <a:ea typeface="+mn-ea"/>
+                <a:cs typeface="+mn-cs"/>
+              </a:defRPr>
+            </a:lvl3pPr>
+            <a:lvl4pPr marL="1371600" algn="l" defTabSz="914400" rtl="0" eaLnBrk="1" latinLnBrk="0" hangingPunct="1">
+              <a:defRPr sz="1800" kern="1200">
+                <a:solidFill>
+                  <a:schemeClr val="tx1"/>
+                </a:solidFill>
+                <a:latin typeface="+mn-lt"/>
+                <a:ea typeface="+mn-ea"/>
+                <a:cs typeface="+mn-cs"/>
+              </a:defRPr>
+            </a:lvl4pPr>
+            <a:lvl5pPr marL="1828800" algn="l" defTabSz="914400" rtl="0" eaLnBrk="1" latinLnBrk="0" hangingPunct="1">
+              <a:defRPr sz="1800" kern="1200">
+                <a:solidFill>
+                  <a:schemeClr val="tx1"/>
+                </a:solidFill>
+                <a:latin typeface="+mn-lt"/>
+                <a:ea typeface="+mn-ea"/>
+                <a:cs typeface="+mn-cs"/>
+              </a:defRPr>
+            </a:lvl5pPr>
+            <a:lvl6pPr marL="2286000" algn="l" defTabSz="914400" rtl="0" eaLnBrk="1" latinLnBrk="0" hangingPunct="1">
+              <a:defRPr sz="1800" kern="1200">
+                <a:solidFill>
+                  <a:schemeClr val="tx1"/>
+                </a:solidFill>
+                <a:latin typeface="+mn-lt"/>
+                <a:ea typeface="+mn-ea"/>
+                <a:cs typeface="+mn-cs"/>
+              </a:defRPr>
+            </a:lvl6pPr>
+            <a:lvl7pPr marL="2743200" algn="l" defTabSz="914400" rtl="0" eaLnBrk="1" latinLnBrk="0" hangingPunct="1">
+              <a:defRPr sz="1800" kern="1200">
+                <a:solidFill>
+                  <a:schemeClr val="tx1"/>
+                </a:solidFill>
+                <a:latin typeface="+mn-lt"/>
+                <a:ea typeface="+mn-ea"/>
+                <a:cs typeface="+mn-cs"/>
+              </a:defRPr>
+            </a:lvl7pPr>
+            <a:lvl8pPr marL="3200400" algn="l" defTabSz="914400" rtl="0" eaLnBrk="1" latinLnBrk="0" hangingPunct="1">
+              <a:defRPr sz="1800" kern="1200">
+                <a:solidFill>
+                  <a:schemeClr val="tx1"/>
+                </a:solidFill>
+                <a:latin typeface="+mn-lt"/>
+                <a:ea typeface="+mn-ea"/>
+                <a:cs typeface="+mn-cs"/>
+              </a:defRPr>
+            </a:lvl8pPr>
+            <a:lvl9pPr marL="3657600" algn="l" defTabSz="914400" rtl="0" eaLnBrk="1" latinLnBrk="0" hangingPunct="1">
+              <a:defRPr sz="1800" kern="1200">
+                <a:solidFill>
+                  <a:schemeClr val="tx1"/>
+                </a:solidFill>
+                <a:latin typeface="+mn-lt"/>
+                <a:ea typeface="+mn-ea"/>
+                <a:cs typeface="+mn-cs"/>
+              </a:defRPr>
+            </a:lvl9pPr>
+          </a:lstStyle>
+          <a:p>
+            <a:fld id="{22CADBEF-CB64-4529-9779-0A66BE038F96}" type="slidenum">
+              <a:rPr lang="en-IN" smtClean="0"/>
+              <a:pPr/>
+              <a:t>15</a:t>
+            </a:fld>
+            <a:endParaRPr lang="en-IN"/>
+          </a:p>
+        </p:txBody>
+      </p:sp>
+      <p:sp>
+        <p:nvSpPr>
+          <p:cNvPr id="13" name="Rounded Rectangle 12"/>
+          <p:cNvSpPr/>
+          <p:nvPr/>
+        </p:nvSpPr>
+        <p:spPr>
+          <a:xfrm>
+            <a:off x="1465216" y="2283401"/>
+            <a:ext cx="1432957" cy="554182"/>
+          </a:xfrm>
+          <a:prstGeom prst="roundRect">
+            <a:avLst/>
+          </a:prstGeom>
+        </p:spPr>
+        <p:style>
+          <a:lnRef idx="2">
+            <a:schemeClr val="accent1">
+              <a:shade val="50000"/>
+            </a:schemeClr>
+          </a:lnRef>
+          <a:fillRef idx="1">
+            <a:schemeClr val="accent1"/>
+          </a:fillRef>
+          <a:effectRef idx="0">
+            <a:schemeClr val="accent1"/>
+          </a:effectRef>
+          <a:fontRef idx="minor">
+            <a:schemeClr val="lt1"/>
+          </a:fontRef>
+        </p:style>
+        <p:txBody>
+          <a:bodyPr rtlCol="0" anchor="ctr"/>
+          <a:lstStyle/>
+          <a:p>
+            <a:pPr algn="ctr"/>
+            <a:r>
+              <a:rPr lang="en-IN" dirty="0" smtClean="0"/>
+              <a:t>REDUCERS</a:t>
+            </a:r>
+            <a:endParaRPr lang="en-IN" dirty="0"/>
+          </a:p>
+        </p:txBody>
+      </p:sp>
+      <p:sp>
+        <p:nvSpPr>
+          <p:cNvPr id="14" name="Rounded Rectangle 13"/>
+          <p:cNvSpPr/>
+          <p:nvPr/>
+        </p:nvSpPr>
+        <p:spPr>
+          <a:xfrm>
+            <a:off x="4530624" y="2283401"/>
+            <a:ext cx="998640" cy="554182"/>
+          </a:xfrm>
+          <a:prstGeom prst="roundRect">
+            <a:avLst/>
+          </a:prstGeom>
+          <a:solidFill>
+            <a:schemeClr val="accent1">
+              <a:lumMod val="40000"/>
+              <a:lumOff val="60000"/>
+            </a:schemeClr>
+          </a:solidFill>
+          <a:ln>
+            <a:solidFill>
+              <a:schemeClr val="accent1">
+                <a:lumMod val="20000"/>
+                <a:lumOff val="80000"/>
+              </a:schemeClr>
+            </a:solidFill>
+          </a:ln>
+        </p:spPr>
+        <p:style>
+          <a:lnRef idx="2">
+            <a:schemeClr val="accent1">
+              <a:shade val="50000"/>
+            </a:schemeClr>
+          </a:lnRef>
+          <a:fillRef idx="1">
+            <a:schemeClr val="accent1"/>
+          </a:fillRef>
+          <a:effectRef idx="0">
+            <a:schemeClr val="accent1"/>
+          </a:effectRef>
+          <a:fontRef idx="minor">
+            <a:schemeClr val="lt1"/>
+          </a:fontRef>
+        </p:style>
+        <p:txBody>
+          <a:bodyPr rtlCol="0" anchor="ctr"/>
+          <a:lstStyle/>
+          <a:p>
+            <a:pPr algn="ctr"/>
+            <a:r>
+              <a:rPr lang="en-IN" dirty="0" smtClean="0"/>
+              <a:t>STORE</a:t>
+            </a:r>
+            <a:endParaRPr lang="en-IN" dirty="0"/>
+          </a:p>
+        </p:txBody>
+      </p:sp>
+      <p:sp>
+        <p:nvSpPr>
+          <p:cNvPr id="15" name="Rounded Rectangle 14"/>
+          <p:cNvSpPr/>
+          <p:nvPr/>
+        </p:nvSpPr>
+        <p:spPr>
+          <a:xfrm>
+            <a:off x="3843339" y="4149548"/>
+            <a:ext cx="1685926" cy="554182"/>
+          </a:xfrm>
+          <a:prstGeom prst="roundRect">
+            <a:avLst/>
+          </a:prstGeom>
+        </p:spPr>
+        <p:style>
+          <a:lnRef idx="2">
+            <a:schemeClr val="accent1">
+              <a:shade val="50000"/>
+            </a:schemeClr>
+          </a:lnRef>
+          <a:fillRef idx="1">
+            <a:schemeClr val="accent1"/>
+          </a:fillRef>
+          <a:effectRef idx="0">
+            <a:schemeClr val="accent1"/>
+          </a:effectRef>
+          <a:fontRef idx="minor">
+            <a:schemeClr val="lt1"/>
+          </a:fontRef>
+        </p:style>
+        <p:txBody>
+          <a:bodyPr rtlCol="0" anchor="ctr"/>
+          <a:lstStyle/>
+          <a:p>
+            <a:pPr algn="ctr"/>
+            <a:r>
+              <a:rPr lang="en-IN" dirty="0" smtClean="0"/>
+              <a:t>COMPONENT</a:t>
+            </a:r>
+            <a:endParaRPr lang="en-IN" dirty="0"/>
+          </a:p>
+        </p:txBody>
+      </p:sp>
+      <p:sp>
+        <p:nvSpPr>
+          <p:cNvPr id="16" name="Rounded Rectangle 15"/>
+          <p:cNvSpPr/>
+          <p:nvPr/>
+        </p:nvSpPr>
+        <p:spPr>
+          <a:xfrm>
+            <a:off x="3889957" y="5592881"/>
+            <a:ext cx="1639307" cy="554182"/>
+          </a:xfrm>
+          <a:prstGeom prst="roundRect">
+            <a:avLst/>
+          </a:prstGeom>
+          <a:solidFill>
+            <a:schemeClr val="accent1"/>
+          </a:solidFill>
+          <a:ln>
+            <a:solidFill>
+              <a:schemeClr val="accent1">
+                <a:lumMod val="50000"/>
+              </a:schemeClr>
+            </a:solidFill>
+          </a:ln>
+        </p:spPr>
+        <p:style>
+          <a:lnRef idx="2">
+            <a:schemeClr val="accent1">
+              <a:shade val="50000"/>
+            </a:schemeClr>
+          </a:lnRef>
+          <a:fillRef idx="1">
+            <a:schemeClr val="accent1"/>
+          </a:fillRef>
+          <a:effectRef idx="0">
+            <a:schemeClr val="accent1"/>
+          </a:effectRef>
+          <a:fontRef idx="minor">
+            <a:schemeClr val="lt1"/>
+          </a:fontRef>
+        </p:style>
+        <p:txBody>
+          <a:bodyPr rtlCol="0" anchor="ctr"/>
+          <a:lstStyle/>
+          <a:p>
+            <a:pPr algn="ctr"/>
+            <a:r>
+              <a:rPr lang="en-IN" dirty="0" smtClean="0"/>
+              <a:t>SERVICES</a:t>
+            </a:r>
+            <a:endParaRPr lang="en-IN" dirty="0"/>
+          </a:p>
+        </p:txBody>
+      </p:sp>
+      <p:sp>
+        <p:nvSpPr>
+          <p:cNvPr id="17" name="Rounded Rectangle 16"/>
+          <p:cNvSpPr/>
+          <p:nvPr/>
+        </p:nvSpPr>
+        <p:spPr>
+          <a:xfrm>
+            <a:off x="1457738" y="5592881"/>
+            <a:ext cx="1440435" cy="554182"/>
+          </a:xfrm>
+          <a:prstGeom prst="roundRect">
+            <a:avLst/>
+          </a:prstGeom>
+          <a:solidFill>
+            <a:schemeClr val="accent1"/>
+          </a:solidFill>
+          <a:ln>
+            <a:solidFill>
+              <a:schemeClr val="accent1">
+                <a:lumMod val="50000"/>
+              </a:schemeClr>
+            </a:solidFill>
+          </a:ln>
+        </p:spPr>
+        <p:style>
+          <a:lnRef idx="2">
+            <a:schemeClr val="accent1">
+              <a:shade val="50000"/>
+            </a:schemeClr>
+          </a:lnRef>
+          <a:fillRef idx="1">
+            <a:schemeClr val="accent1"/>
+          </a:fillRef>
+          <a:effectRef idx="0">
+            <a:schemeClr val="accent1"/>
+          </a:effectRef>
+          <a:fontRef idx="minor">
+            <a:schemeClr val="lt1"/>
+          </a:fontRef>
+        </p:style>
+        <p:txBody>
+          <a:bodyPr rtlCol="0" anchor="ctr"/>
+          <a:lstStyle/>
+          <a:p>
+            <a:pPr algn="ctr"/>
+            <a:r>
+              <a:rPr lang="en-IN" dirty="0" smtClean="0"/>
+              <a:t>EFFECTS</a:t>
+            </a:r>
+            <a:endParaRPr lang="en-IN" dirty="0"/>
+          </a:p>
+        </p:txBody>
+      </p:sp>
+      <p:cxnSp>
+        <p:nvCxnSpPr>
+          <p:cNvPr id="18" name="Straight Arrow Connector 17"/>
+          <p:cNvCxnSpPr>
+            <a:stCxn id="13" idx="3"/>
+          </p:cNvCxnSpPr>
+          <p:nvPr/>
+        </p:nvCxnSpPr>
+        <p:spPr>
+          <a:xfrm>
+            <a:off x="2898173" y="2560492"/>
+            <a:ext cx="1632450" cy="0"/>
+          </a:xfrm>
+          <a:prstGeom prst="straightConnector1">
+            <a:avLst/>
+          </a:prstGeom>
+          <a:ln>
+            <a:tailEnd type="triangle"/>
+          </a:ln>
+        </p:spPr>
+        <p:style>
+          <a:lnRef idx="3">
+            <a:schemeClr val="accent1"/>
+          </a:lnRef>
+          <a:fillRef idx="0">
+            <a:schemeClr val="accent1"/>
+          </a:fillRef>
+          <a:effectRef idx="2">
+            <a:schemeClr val="accent1"/>
+          </a:effectRef>
+          <a:fontRef idx="minor">
+            <a:schemeClr val="tx1"/>
+          </a:fontRef>
+        </p:style>
+      </p:cxnSp>
+      <p:cxnSp>
+        <p:nvCxnSpPr>
+          <p:cNvPr id="19" name="Straight Arrow Connector 18"/>
+          <p:cNvCxnSpPr>
+            <a:stCxn id="17" idx="0"/>
+            <a:endCxn id="13" idx="2"/>
+          </p:cNvCxnSpPr>
+          <p:nvPr/>
+        </p:nvCxnSpPr>
+        <p:spPr>
+          <a:xfrm flipV="1">
+            <a:off x="2177956" y="2837583"/>
+            <a:ext cx="3739" cy="2755298"/>
+          </a:xfrm>
+          <a:prstGeom prst="straightConnector1">
+            <a:avLst/>
+          </a:prstGeom>
+          <a:ln>
+            <a:solidFill>
+              <a:schemeClr val="accent1"/>
+            </a:solidFill>
+            <a:tailEnd type="triangle"/>
+          </a:ln>
+        </p:spPr>
+        <p:style>
+          <a:lnRef idx="3">
+            <a:schemeClr val="accent1"/>
+          </a:lnRef>
+          <a:fillRef idx="0">
+            <a:schemeClr val="accent1"/>
+          </a:fillRef>
+          <a:effectRef idx="2">
+            <a:schemeClr val="accent1"/>
+          </a:effectRef>
+          <a:fontRef idx="minor">
+            <a:schemeClr val="tx1"/>
+          </a:fontRef>
+        </p:style>
+      </p:cxnSp>
+      <p:cxnSp>
+        <p:nvCxnSpPr>
+          <p:cNvPr id="20" name="Elbow Connector 19"/>
+          <p:cNvCxnSpPr/>
+          <p:nvPr/>
+        </p:nvCxnSpPr>
+        <p:spPr>
+          <a:xfrm rot="5400000" flipH="1" flipV="1">
+            <a:off x="1694365" y="3630043"/>
+            <a:ext cx="1596583" cy="11667"/>
+          </a:xfrm>
+          <a:prstGeom prst="bentConnector3">
+            <a:avLst>
+              <a:gd name="adj1" fmla="val 50000"/>
+            </a:avLst>
+          </a:prstGeom>
+          <a:ln>
+            <a:solidFill>
+              <a:schemeClr val="bg1">
+                <a:lumMod val="85000"/>
+              </a:schemeClr>
+            </a:solidFill>
+            <a:tailEnd type="triangle"/>
+          </a:ln>
+        </p:spPr>
+        <p:style>
+          <a:lnRef idx="3">
+            <a:schemeClr val="accent1"/>
+          </a:lnRef>
+          <a:fillRef idx="0">
+            <a:schemeClr val="accent1"/>
+          </a:fillRef>
+          <a:effectRef idx="2">
+            <a:schemeClr val="accent1"/>
+          </a:effectRef>
+          <a:fontRef idx="minor">
+            <a:schemeClr val="tx1"/>
+          </a:fontRef>
+        </p:style>
+      </p:cxnSp>
+      <p:cxnSp>
+        <p:nvCxnSpPr>
+          <p:cNvPr id="23" name="Straight Connector 22"/>
+          <p:cNvCxnSpPr>
+            <a:stCxn id="16" idx="1"/>
+            <a:endCxn id="17" idx="3"/>
+          </p:cNvCxnSpPr>
+          <p:nvPr/>
+        </p:nvCxnSpPr>
+        <p:spPr>
+          <a:xfrm flipH="1">
+            <a:off x="2898173" y="5869972"/>
+            <a:ext cx="991784" cy="0"/>
+          </a:xfrm>
+          <a:prstGeom prst="line">
+            <a:avLst/>
+          </a:prstGeom>
+          <a:ln w="9525" cap="flat" cmpd="sng" algn="ctr">
+            <a:solidFill>
+              <a:schemeClr val="accent1"/>
+            </a:solidFill>
+            <a:prstDash val="dash"/>
+            <a:round/>
+            <a:headEnd type="none" w="med" len="med"/>
+            <a:tailEnd type="none" w="med" len="med"/>
+          </a:ln>
+        </p:spPr>
+        <p:style>
+          <a:lnRef idx="0">
+            <a:scrgbClr r="0" g="0" b="0"/>
+          </a:lnRef>
+          <a:fillRef idx="0">
+            <a:scrgbClr r="0" g="0" b="0"/>
+          </a:fillRef>
+          <a:effectRef idx="0">
+            <a:scrgbClr r="0" g="0" b="0"/>
+          </a:effectRef>
+          <a:fontRef idx="minor">
+            <a:schemeClr val="tx1"/>
+          </a:fontRef>
+        </p:style>
+      </p:cxnSp>
+      <p:cxnSp>
+        <p:nvCxnSpPr>
+          <p:cNvPr id="24" name="Straight Arrow Connector 23"/>
+          <p:cNvCxnSpPr>
+            <a:endCxn id="17" idx="3"/>
+          </p:cNvCxnSpPr>
+          <p:nvPr/>
+        </p:nvCxnSpPr>
+        <p:spPr>
+          <a:xfrm flipH="1">
+            <a:off x="2898173" y="5869972"/>
+            <a:ext cx="110844" cy="0"/>
+          </a:xfrm>
+          <a:prstGeom prst="straightConnector1">
+            <a:avLst/>
+          </a:prstGeom>
+          <a:ln>
+            <a:tailEnd type="triangle"/>
+          </a:ln>
+        </p:spPr>
+        <p:style>
+          <a:lnRef idx="1">
+            <a:schemeClr val="accent1"/>
+          </a:lnRef>
+          <a:fillRef idx="0">
+            <a:schemeClr val="accent1"/>
+          </a:fillRef>
+          <a:effectRef idx="0">
+            <a:schemeClr val="accent1"/>
+          </a:effectRef>
+          <a:fontRef idx="minor">
+            <a:schemeClr val="tx1"/>
+          </a:fontRef>
+        </p:style>
+      </p:cxnSp>
+      <p:sp>
+        <p:nvSpPr>
+          <p:cNvPr id="25" name="TextBox 24"/>
+          <p:cNvSpPr txBox="1"/>
+          <p:nvPr/>
+        </p:nvSpPr>
+        <p:spPr>
+          <a:xfrm>
+            <a:off x="3058613" y="2375826"/>
+            <a:ext cx="1144288" cy="369332"/>
+          </a:xfrm>
+          <a:prstGeom prst="rect">
+            <a:avLst/>
+          </a:prstGeom>
+          <a:solidFill>
+            <a:schemeClr val="bg1"/>
+          </a:solidFill>
+          <a:ln>
+            <a:solidFill>
+              <a:schemeClr val="tx1"/>
+            </a:solidFill>
+            <a:prstDash val="dash"/>
+          </a:ln>
+        </p:spPr>
+        <p:txBody>
+          <a:bodyPr wrap="none" rtlCol="0">
+            <a:spAutoFit/>
+          </a:bodyPr>
+          <a:lstStyle/>
+          <a:p>
+            <a:r>
+              <a:rPr lang="en-IN" dirty="0" smtClean="0"/>
+              <a:t>New State</a:t>
+            </a:r>
+            <a:endParaRPr lang="en-IN" dirty="0"/>
+          </a:p>
+        </p:txBody>
+      </p:sp>
+      <p:cxnSp>
+        <p:nvCxnSpPr>
+          <p:cNvPr id="26" name="Straight Arrow Connector 25"/>
+          <p:cNvCxnSpPr>
+            <a:stCxn id="14" idx="2"/>
+            <a:endCxn id="15" idx="0"/>
+          </p:cNvCxnSpPr>
+          <p:nvPr/>
+        </p:nvCxnSpPr>
+        <p:spPr>
+          <a:xfrm flipH="1">
+            <a:off x="4686302" y="2837583"/>
+            <a:ext cx="343642" cy="1311965"/>
+          </a:xfrm>
+          <a:prstGeom prst="straightConnector1">
+            <a:avLst/>
+          </a:prstGeom>
+          <a:ln>
+            <a:solidFill>
+              <a:schemeClr val="bg1">
+                <a:lumMod val="95000"/>
+              </a:schemeClr>
+            </a:solidFill>
+            <a:tailEnd type="triangle"/>
+          </a:ln>
+        </p:spPr>
+        <p:style>
+          <a:lnRef idx="3">
+            <a:schemeClr val="accent1"/>
+          </a:lnRef>
+          <a:fillRef idx="0">
+            <a:schemeClr val="accent1"/>
+          </a:fillRef>
+          <a:effectRef idx="2">
+            <a:schemeClr val="accent1"/>
+          </a:effectRef>
+          <a:fontRef idx="minor">
+            <a:schemeClr val="tx1"/>
+          </a:fontRef>
+        </p:style>
+      </p:cxnSp>
+      <p:sp>
+        <p:nvSpPr>
+          <p:cNvPr id="27" name="TextBox 26"/>
+          <p:cNvSpPr txBox="1"/>
+          <p:nvPr/>
+        </p:nvSpPr>
+        <p:spPr>
+          <a:xfrm>
+            <a:off x="4327481" y="3301168"/>
+            <a:ext cx="1034450" cy="369332"/>
+          </a:xfrm>
+          <a:prstGeom prst="rect">
+            <a:avLst/>
+          </a:prstGeom>
+          <a:solidFill>
+            <a:schemeClr val="bg1"/>
+          </a:solidFill>
+          <a:ln>
+            <a:solidFill>
+              <a:schemeClr val="tx1"/>
+            </a:solidFill>
+            <a:prstDash val="dash"/>
+          </a:ln>
+        </p:spPr>
+        <p:txBody>
+          <a:bodyPr wrap="none" rtlCol="0">
+            <a:spAutoFit/>
+          </a:bodyPr>
+          <a:lstStyle/>
+          <a:p>
+            <a:r>
+              <a:rPr lang="en-IN" dirty="0" smtClean="0">
+                <a:solidFill>
+                  <a:schemeClr val="bg1">
+                    <a:lumMod val="65000"/>
+                  </a:schemeClr>
+                </a:solidFill>
+              </a:rPr>
+              <a:t>Selectors</a:t>
+            </a:r>
+            <a:endParaRPr lang="en-IN" dirty="0">
+              <a:solidFill>
+                <a:schemeClr val="bg1">
+                  <a:lumMod val="65000"/>
+                </a:schemeClr>
+              </a:solidFill>
+            </a:endParaRPr>
+          </a:p>
+        </p:txBody>
+      </p:sp>
+      <p:sp>
+        <p:nvSpPr>
+          <p:cNvPr id="28" name="TextBox 27"/>
+          <p:cNvSpPr txBox="1"/>
+          <p:nvPr/>
+        </p:nvSpPr>
+        <p:spPr>
+          <a:xfrm>
+            <a:off x="1760042" y="3289520"/>
+            <a:ext cx="1090363" cy="369332"/>
+          </a:xfrm>
+          <a:prstGeom prst="rect">
+            <a:avLst/>
+          </a:prstGeom>
+          <a:solidFill>
+            <a:srgbClr val="FFC000"/>
+          </a:solidFill>
+          <a:ln>
+            <a:solidFill>
+              <a:schemeClr val="tx1"/>
+            </a:solidFill>
+            <a:prstDash val="dash"/>
+          </a:ln>
+        </p:spPr>
+        <p:txBody>
+          <a:bodyPr wrap="none" rtlCol="0">
+            <a:spAutoFit/>
+          </a:bodyPr>
+          <a:lstStyle/>
+          <a:p>
+            <a:r>
+              <a:rPr lang="en-IN" dirty="0" smtClean="0"/>
+              <a:t>  Actions  </a:t>
+            </a:r>
+            <a:endParaRPr lang="en-IN" dirty="0"/>
+          </a:p>
+        </p:txBody>
+      </p:sp>
+      <p:sp>
+        <p:nvSpPr>
+          <p:cNvPr id="29" name="Oval 28"/>
+          <p:cNvSpPr/>
+          <p:nvPr/>
+        </p:nvSpPr>
+        <p:spPr>
+          <a:xfrm>
+            <a:off x="2615053" y="3905264"/>
+            <a:ext cx="225654" cy="225654"/>
+          </a:xfrm>
+          <a:prstGeom prst="ellipse">
+            <a:avLst/>
+          </a:prstGeom>
+          <a:solidFill>
+            <a:schemeClr val="bg1">
+              <a:lumMod val="75000"/>
+            </a:schemeClr>
+          </a:solidFill>
+          <a:ln>
+            <a:solidFill>
+              <a:schemeClr val="bg1">
+                <a:lumMod val="65000"/>
+              </a:schemeClr>
+            </a:solidFill>
+          </a:ln>
+        </p:spPr>
+        <p:style>
+          <a:lnRef idx="1">
+            <a:schemeClr val="accent2"/>
+          </a:lnRef>
+          <a:fillRef idx="3">
+            <a:schemeClr val="accent2"/>
+          </a:fillRef>
+          <a:effectRef idx="2">
+            <a:schemeClr val="accent2"/>
+          </a:effectRef>
+          <a:fontRef idx="minor">
+            <a:schemeClr val="lt1"/>
+          </a:fontRef>
+        </p:style>
+        <p:txBody>
+          <a:bodyPr rtlCol="0" anchor="ctr"/>
+          <a:lstStyle/>
+          <a:p>
+            <a:pPr algn="ctr"/>
+            <a:r>
+              <a:rPr lang="en-IN" dirty="0"/>
+              <a:t>A</a:t>
+            </a:r>
+            <a:endParaRPr lang="en-IN" dirty="0"/>
+          </a:p>
+        </p:txBody>
+      </p:sp>
+      <p:sp>
+        <p:nvSpPr>
+          <p:cNvPr id="31" name="Oval 30"/>
+          <p:cNvSpPr/>
+          <p:nvPr/>
+        </p:nvSpPr>
+        <p:spPr>
+          <a:xfrm>
+            <a:off x="2645491" y="4805591"/>
+            <a:ext cx="225654" cy="225654"/>
+          </a:xfrm>
+          <a:prstGeom prst="ellipse">
+            <a:avLst/>
+          </a:prstGeom>
+        </p:spPr>
+        <p:style>
+          <a:lnRef idx="1">
+            <a:schemeClr val="accent2"/>
+          </a:lnRef>
+          <a:fillRef idx="3">
+            <a:schemeClr val="accent2"/>
+          </a:fillRef>
+          <a:effectRef idx="2">
+            <a:schemeClr val="accent2"/>
+          </a:effectRef>
+          <a:fontRef idx="minor">
+            <a:schemeClr val="lt1"/>
+          </a:fontRef>
+        </p:style>
+        <p:txBody>
+          <a:bodyPr rtlCol="0" anchor="ctr"/>
+          <a:lstStyle/>
+          <a:p>
+            <a:pPr algn="ctr"/>
+            <a:r>
+              <a:rPr lang="en-IN" dirty="0"/>
+              <a:t>B</a:t>
+            </a:r>
+          </a:p>
+        </p:txBody>
+      </p:sp>
+      <p:cxnSp>
+        <p:nvCxnSpPr>
+          <p:cNvPr id="11" name="Straight Connector 10"/>
+          <p:cNvCxnSpPr>
+            <a:endCxn id="15" idx="1"/>
+          </p:cNvCxnSpPr>
+          <p:nvPr/>
+        </p:nvCxnSpPr>
+        <p:spPr>
+          <a:xfrm flipV="1">
+            <a:off x="2484631" y="4426639"/>
+            <a:ext cx="1358708" cy="15056"/>
+          </a:xfrm>
+          <a:prstGeom prst="line">
+            <a:avLst/>
+          </a:prstGeom>
+        </p:spPr>
+        <p:style>
+          <a:lnRef idx="3">
+            <a:schemeClr val="accent1"/>
+          </a:lnRef>
+          <a:fillRef idx="0">
+            <a:schemeClr val="accent1"/>
+          </a:fillRef>
+          <a:effectRef idx="2">
+            <a:schemeClr val="accent1"/>
+          </a:effectRef>
+          <a:fontRef idx="minor">
+            <a:schemeClr val="tx1"/>
+          </a:fontRef>
+        </p:style>
+      </p:cxnSp>
+      <p:cxnSp>
+        <p:nvCxnSpPr>
+          <p:cNvPr id="37" name="Straight Arrow Connector 36"/>
+          <p:cNvCxnSpPr/>
+          <p:nvPr/>
+        </p:nvCxnSpPr>
+        <p:spPr>
+          <a:xfrm flipH="1">
+            <a:off x="2472968" y="4434167"/>
+            <a:ext cx="11663" cy="1158714"/>
+          </a:xfrm>
+          <a:prstGeom prst="straightConnector1">
+            <a:avLst/>
+          </a:prstGeom>
+          <a:ln>
+            <a:tailEnd type="triangle"/>
+          </a:ln>
+        </p:spPr>
+        <p:style>
+          <a:lnRef idx="3">
+            <a:schemeClr val="accent1"/>
+          </a:lnRef>
+          <a:fillRef idx="0">
+            <a:schemeClr val="accent1"/>
+          </a:fillRef>
+          <a:effectRef idx="2">
+            <a:schemeClr val="accent1"/>
+          </a:effectRef>
+          <a:fontRef idx="minor">
+            <a:schemeClr val="tx1"/>
+          </a:fontRef>
+        </p:style>
+      </p:cxnSp>
+      <p:sp>
+        <p:nvSpPr>
+          <p:cNvPr id="39" name="TextBox 38"/>
+          <p:cNvSpPr txBox="1"/>
+          <p:nvPr/>
+        </p:nvSpPr>
+        <p:spPr>
+          <a:xfrm>
+            <a:off x="6111810" y="3815311"/>
+            <a:ext cx="5803524" cy="2031325"/>
+          </a:xfrm>
+          <a:prstGeom prst="rect">
+            <a:avLst/>
+          </a:prstGeom>
+          <a:noFill/>
+        </p:spPr>
+        <p:txBody>
+          <a:bodyPr wrap="square" rtlCol="0">
+            <a:spAutoFit/>
+          </a:bodyPr>
+          <a:lstStyle/>
+          <a:p>
+            <a:r>
+              <a:rPr lang="en-US" dirty="0" smtClean="0"/>
+              <a:t>STEPS:</a:t>
+            </a:r>
+          </a:p>
+          <a:p>
+            <a:pPr marL="285750" indent="-285750">
+              <a:buFont typeface="Arial" panose="020B0604020202020204" pitchFamily="34" charset="0"/>
+              <a:buChar char="•"/>
+            </a:pPr>
+            <a:r>
+              <a:rPr lang="en-US" dirty="0" smtClean="0"/>
+              <a:t>Effects listens if any action is dispatched</a:t>
+            </a:r>
+          </a:p>
+          <a:p>
+            <a:pPr marL="285750" indent="-285750">
+              <a:buFont typeface="Arial" panose="020B0604020202020204" pitchFamily="34" charset="0"/>
+              <a:buChar char="•"/>
+            </a:pPr>
+            <a:r>
+              <a:rPr lang="en-US" dirty="0" smtClean="0"/>
+              <a:t>It checks if the action is one of the actions type, it has a case for (similar to Reducers)</a:t>
+            </a:r>
+          </a:p>
+          <a:p>
+            <a:pPr marL="285750" indent="-285750">
+              <a:buFont typeface="Arial" panose="020B0604020202020204" pitchFamily="34" charset="0"/>
+              <a:buChar char="•"/>
+            </a:pPr>
+            <a:r>
+              <a:rPr lang="en-US" dirty="0" smtClean="0"/>
+              <a:t>Perform a side-effect (get/Post data to an API)</a:t>
+            </a:r>
+          </a:p>
+          <a:p>
+            <a:pPr marL="285750" indent="-285750">
+              <a:buFont typeface="Arial" panose="020B0604020202020204" pitchFamily="34" charset="0"/>
+              <a:buChar char="•"/>
+            </a:pPr>
+            <a:r>
+              <a:rPr lang="en-US" dirty="0" smtClean="0"/>
+              <a:t>Once the side effects are finished, a new “State-result” action gets fired by the effect to reducer.</a:t>
+            </a:r>
+            <a:endParaRPr lang="en-IN" dirty="0"/>
+          </a:p>
+        </p:txBody>
+      </p:sp>
     </p:spTree>
     <p:extLst>
       <p:ext uri="{BB962C8B-B14F-4D97-AF65-F5344CB8AC3E}">
-        <p14:creationId xmlns:p14="http://schemas.microsoft.com/office/powerpoint/2010/main" val="1889163053"/>
+        <p14:creationId xmlns:p14="http://schemas.microsoft.com/office/powerpoint/2010/main" val="3476075842"/>
       </p:ext>
     </p:extLst>
   </p:cSld>
@@ -5280,7 +9616,11 @@
           <a:p>
             <a:r>
               <a:rPr lang="en-US" dirty="0" smtClean="0"/>
-              <a:t>NGRX Architecture: Store</a:t>
+              <a:t>NGRX Architecture: </a:t>
+            </a:r>
+            <a:r>
+              <a:rPr lang="en-US" dirty="0" smtClean="0"/>
+              <a:t>Store</a:t>
             </a:r>
             <a:endParaRPr lang="en-US" dirty="0"/>
           </a:p>
@@ -5327,10 +9667,933 @@
           </a:fontRef>
         </p:style>
       </p:cxnSp>
+      <p:sp>
+        <p:nvSpPr>
+          <p:cNvPr id="10" name="TextBox 9"/>
+          <p:cNvSpPr txBox="1"/>
+          <p:nvPr/>
+        </p:nvSpPr>
+        <p:spPr>
+          <a:xfrm>
+            <a:off x="6372228" y="3386431"/>
+            <a:ext cx="5207354" cy="923330"/>
+          </a:xfrm>
+          <a:prstGeom prst="rect">
+            <a:avLst/>
+          </a:prstGeom>
+          <a:noFill/>
+        </p:spPr>
+        <p:txBody>
+          <a:bodyPr wrap="square" rtlCol="0">
+            <a:spAutoFit/>
+          </a:bodyPr>
+          <a:lstStyle/>
+          <a:p>
+            <a:pPr marL="285750" indent="-285750">
+              <a:buFont typeface="Arial" panose="020B0604020202020204" pitchFamily="34" charset="0"/>
+              <a:buChar char="•"/>
+            </a:pPr>
+            <a:r>
+              <a:rPr lang="en-US" dirty="0" smtClean="0"/>
+              <a:t>It holds the APPLICATION STATE</a:t>
+            </a:r>
+            <a:endParaRPr lang="en-IN" dirty="0"/>
+          </a:p>
+          <a:p>
+            <a:pPr marL="285750" indent="-285750">
+              <a:buFont typeface="Arial" panose="020B0604020202020204" pitchFamily="34" charset="0"/>
+              <a:buChar char="•"/>
+            </a:pPr>
+            <a:r>
+              <a:rPr lang="en-IN" dirty="0" smtClean="0"/>
+              <a:t>It finds and executes the appropriate reducer after an action is dispatched.</a:t>
+            </a:r>
+            <a:endParaRPr lang="en-US" dirty="0" smtClean="0"/>
+          </a:p>
+        </p:txBody>
+      </p:sp>
+      <p:sp>
+        <p:nvSpPr>
+          <p:cNvPr id="12" name="Slide Number Placeholder 1"/>
+          <p:cNvSpPr txBox="1">
+            <a:spLocks/>
+          </p:cNvSpPr>
+          <p:nvPr/>
+        </p:nvSpPr>
+        <p:spPr>
+          <a:xfrm>
+            <a:off x="4727476" y="5781938"/>
+            <a:ext cx="2586183" cy="365125"/>
+          </a:xfrm>
+          <a:prstGeom prst="rect">
+            <a:avLst/>
+          </a:prstGeom>
+        </p:spPr>
+        <p:txBody>
+          <a:bodyPr vert="horz" lIns="91440" tIns="45720" rIns="91440" bIns="45720" rtlCol="0" anchor="ctr"/>
+          <a:lstStyle>
+            <a:defPPr>
+              <a:defRPr lang="en-US"/>
+            </a:defPPr>
+            <a:lvl1pPr marL="0" algn="r" defTabSz="914400" rtl="0" eaLnBrk="1" latinLnBrk="0" hangingPunct="1">
+              <a:defRPr sz="1400" b="1" kern="1200">
+                <a:solidFill>
+                  <a:schemeClr val="bg1"/>
+                </a:solidFill>
+                <a:latin typeface="+mn-lt"/>
+                <a:ea typeface="+mn-ea"/>
+                <a:cs typeface="+mn-cs"/>
+              </a:defRPr>
+            </a:lvl1pPr>
+            <a:lvl2pPr marL="457200" algn="l" defTabSz="914400" rtl="0" eaLnBrk="1" latinLnBrk="0" hangingPunct="1">
+              <a:defRPr sz="1800" kern="1200">
+                <a:solidFill>
+                  <a:schemeClr val="tx1"/>
+                </a:solidFill>
+                <a:latin typeface="+mn-lt"/>
+                <a:ea typeface="+mn-ea"/>
+                <a:cs typeface="+mn-cs"/>
+              </a:defRPr>
+            </a:lvl2pPr>
+            <a:lvl3pPr marL="914400" algn="l" defTabSz="914400" rtl="0" eaLnBrk="1" latinLnBrk="0" hangingPunct="1">
+              <a:defRPr sz="1800" kern="1200">
+                <a:solidFill>
+                  <a:schemeClr val="tx1"/>
+                </a:solidFill>
+                <a:latin typeface="+mn-lt"/>
+                <a:ea typeface="+mn-ea"/>
+                <a:cs typeface="+mn-cs"/>
+              </a:defRPr>
+            </a:lvl3pPr>
+            <a:lvl4pPr marL="1371600" algn="l" defTabSz="914400" rtl="0" eaLnBrk="1" latinLnBrk="0" hangingPunct="1">
+              <a:defRPr sz="1800" kern="1200">
+                <a:solidFill>
+                  <a:schemeClr val="tx1"/>
+                </a:solidFill>
+                <a:latin typeface="+mn-lt"/>
+                <a:ea typeface="+mn-ea"/>
+                <a:cs typeface="+mn-cs"/>
+              </a:defRPr>
+            </a:lvl4pPr>
+            <a:lvl5pPr marL="1828800" algn="l" defTabSz="914400" rtl="0" eaLnBrk="1" latinLnBrk="0" hangingPunct="1">
+              <a:defRPr sz="1800" kern="1200">
+                <a:solidFill>
+                  <a:schemeClr val="tx1"/>
+                </a:solidFill>
+                <a:latin typeface="+mn-lt"/>
+                <a:ea typeface="+mn-ea"/>
+                <a:cs typeface="+mn-cs"/>
+              </a:defRPr>
+            </a:lvl5pPr>
+            <a:lvl6pPr marL="2286000" algn="l" defTabSz="914400" rtl="0" eaLnBrk="1" latinLnBrk="0" hangingPunct="1">
+              <a:defRPr sz="1800" kern="1200">
+                <a:solidFill>
+                  <a:schemeClr val="tx1"/>
+                </a:solidFill>
+                <a:latin typeface="+mn-lt"/>
+                <a:ea typeface="+mn-ea"/>
+                <a:cs typeface="+mn-cs"/>
+              </a:defRPr>
+            </a:lvl6pPr>
+            <a:lvl7pPr marL="2743200" algn="l" defTabSz="914400" rtl="0" eaLnBrk="1" latinLnBrk="0" hangingPunct="1">
+              <a:defRPr sz="1800" kern="1200">
+                <a:solidFill>
+                  <a:schemeClr val="tx1"/>
+                </a:solidFill>
+                <a:latin typeface="+mn-lt"/>
+                <a:ea typeface="+mn-ea"/>
+                <a:cs typeface="+mn-cs"/>
+              </a:defRPr>
+            </a:lvl7pPr>
+            <a:lvl8pPr marL="3200400" algn="l" defTabSz="914400" rtl="0" eaLnBrk="1" latinLnBrk="0" hangingPunct="1">
+              <a:defRPr sz="1800" kern="1200">
+                <a:solidFill>
+                  <a:schemeClr val="tx1"/>
+                </a:solidFill>
+                <a:latin typeface="+mn-lt"/>
+                <a:ea typeface="+mn-ea"/>
+                <a:cs typeface="+mn-cs"/>
+              </a:defRPr>
+            </a:lvl8pPr>
+            <a:lvl9pPr marL="3657600" algn="l" defTabSz="914400" rtl="0" eaLnBrk="1" latinLnBrk="0" hangingPunct="1">
+              <a:defRPr sz="1800" kern="1200">
+                <a:solidFill>
+                  <a:schemeClr val="tx1"/>
+                </a:solidFill>
+                <a:latin typeface="+mn-lt"/>
+                <a:ea typeface="+mn-ea"/>
+                <a:cs typeface="+mn-cs"/>
+              </a:defRPr>
+            </a:lvl9pPr>
+          </a:lstStyle>
+          <a:p>
+            <a:fld id="{22CADBEF-CB64-4529-9779-0A66BE038F96}" type="slidenum">
+              <a:rPr lang="en-IN" smtClean="0"/>
+              <a:pPr/>
+              <a:t>16</a:t>
+            </a:fld>
+            <a:endParaRPr lang="en-IN"/>
+          </a:p>
+        </p:txBody>
+      </p:sp>
+      <p:sp>
+        <p:nvSpPr>
+          <p:cNvPr id="13" name="Rounded Rectangle 12"/>
+          <p:cNvSpPr/>
+          <p:nvPr/>
+        </p:nvSpPr>
+        <p:spPr>
+          <a:xfrm>
+            <a:off x="1465216" y="2283401"/>
+            <a:ext cx="1432957" cy="554182"/>
+          </a:xfrm>
+          <a:prstGeom prst="roundRect">
+            <a:avLst/>
+          </a:prstGeom>
+        </p:spPr>
+        <p:style>
+          <a:lnRef idx="2">
+            <a:schemeClr val="accent1">
+              <a:shade val="50000"/>
+            </a:schemeClr>
+          </a:lnRef>
+          <a:fillRef idx="1">
+            <a:schemeClr val="accent1"/>
+          </a:fillRef>
+          <a:effectRef idx="0">
+            <a:schemeClr val="accent1"/>
+          </a:effectRef>
+          <a:fontRef idx="minor">
+            <a:schemeClr val="lt1"/>
+          </a:fontRef>
+        </p:style>
+        <p:txBody>
+          <a:bodyPr rtlCol="0" anchor="ctr"/>
+          <a:lstStyle/>
+          <a:p>
+            <a:pPr algn="ctr"/>
+            <a:r>
+              <a:rPr lang="en-IN" dirty="0" smtClean="0"/>
+              <a:t>REDUCERS</a:t>
+            </a:r>
+            <a:endParaRPr lang="en-IN" dirty="0"/>
+          </a:p>
+        </p:txBody>
+      </p:sp>
+      <p:sp>
+        <p:nvSpPr>
+          <p:cNvPr id="14" name="Rounded Rectangle 13"/>
+          <p:cNvSpPr/>
+          <p:nvPr/>
+        </p:nvSpPr>
+        <p:spPr>
+          <a:xfrm>
+            <a:off x="4530624" y="2283401"/>
+            <a:ext cx="998640" cy="554182"/>
+          </a:xfrm>
+          <a:prstGeom prst="roundRect">
+            <a:avLst/>
+          </a:prstGeom>
+          <a:solidFill>
+            <a:schemeClr val="accent1"/>
+          </a:solidFill>
+          <a:ln>
+            <a:solidFill>
+              <a:schemeClr val="accent1">
+                <a:lumMod val="50000"/>
+              </a:schemeClr>
+            </a:solidFill>
+          </a:ln>
+        </p:spPr>
+        <p:style>
+          <a:lnRef idx="2">
+            <a:schemeClr val="accent1">
+              <a:shade val="50000"/>
+            </a:schemeClr>
+          </a:lnRef>
+          <a:fillRef idx="1">
+            <a:schemeClr val="accent1"/>
+          </a:fillRef>
+          <a:effectRef idx="0">
+            <a:schemeClr val="accent1"/>
+          </a:effectRef>
+          <a:fontRef idx="minor">
+            <a:schemeClr val="lt1"/>
+          </a:fontRef>
+        </p:style>
+        <p:txBody>
+          <a:bodyPr rtlCol="0" anchor="ctr"/>
+          <a:lstStyle/>
+          <a:p>
+            <a:pPr algn="ctr"/>
+            <a:r>
+              <a:rPr lang="en-IN" dirty="0" smtClean="0"/>
+              <a:t>STORE</a:t>
+            </a:r>
+            <a:endParaRPr lang="en-IN" dirty="0"/>
+          </a:p>
+        </p:txBody>
+      </p:sp>
+      <p:sp>
+        <p:nvSpPr>
+          <p:cNvPr id="15" name="Rounded Rectangle 14"/>
+          <p:cNvSpPr/>
+          <p:nvPr/>
+        </p:nvSpPr>
+        <p:spPr>
+          <a:xfrm>
+            <a:off x="3843339" y="4149548"/>
+            <a:ext cx="1685926" cy="554182"/>
+          </a:xfrm>
+          <a:prstGeom prst="roundRect">
+            <a:avLst/>
+          </a:prstGeom>
+        </p:spPr>
+        <p:style>
+          <a:lnRef idx="2">
+            <a:schemeClr val="accent1">
+              <a:shade val="50000"/>
+            </a:schemeClr>
+          </a:lnRef>
+          <a:fillRef idx="1">
+            <a:schemeClr val="accent1"/>
+          </a:fillRef>
+          <a:effectRef idx="0">
+            <a:schemeClr val="accent1"/>
+          </a:effectRef>
+          <a:fontRef idx="minor">
+            <a:schemeClr val="lt1"/>
+          </a:fontRef>
+        </p:style>
+        <p:txBody>
+          <a:bodyPr rtlCol="0" anchor="ctr"/>
+          <a:lstStyle/>
+          <a:p>
+            <a:pPr algn="ctr"/>
+            <a:r>
+              <a:rPr lang="en-IN" dirty="0" smtClean="0"/>
+              <a:t>COMPONENT</a:t>
+            </a:r>
+            <a:endParaRPr lang="en-IN" dirty="0"/>
+          </a:p>
+        </p:txBody>
+      </p:sp>
+      <p:sp>
+        <p:nvSpPr>
+          <p:cNvPr id="16" name="Rounded Rectangle 15"/>
+          <p:cNvSpPr/>
+          <p:nvPr/>
+        </p:nvSpPr>
+        <p:spPr>
+          <a:xfrm>
+            <a:off x="3889957" y="5592881"/>
+            <a:ext cx="1639307" cy="554182"/>
+          </a:xfrm>
+          <a:prstGeom prst="roundRect">
+            <a:avLst/>
+          </a:prstGeom>
+          <a:solidFill>
+            <a:schemeClr val="accent1"/>
+          </a:solidFill>
+          <a:ln>
+            <a:solidFill>
+              <a:schemeClr val="accent1">
+                <a:lumMod val="50000"/>
+              </a:schemeClr>
+            </a:solidFill>
+          </a:ln>
+        </p:spPr>
+        <p:style>
+          <a:lnRef idx="2">
+            <a:schemeClr val="accent1">
+              <a:shade val="50000"/>
+            </a:schemeClr>
+          </a:lnRef>
+          <a:fillRef idx="1">
+            <a:schemeClr val="accent1"/>
+          </a:fillRef>
+          <a:effectRef idx="0">
+            <a:schemeClr val="accent1"/>
+          </a:effectRef>
+          <a:fontRef idx="minor">
+            <a:schemeClr val="lt1"/>
+          </a:fontRef>
+        </p:style>
+        <p:txBody>
+          <a:bodyPr rtlCol="0" anchor="ctr"/>
+          <a:lstStyle/>
+          <a:p>
+            <a:pPr algn="ctr"/>
+            <a:r>
+              <a:rPr lang="en-IN" dirty="0" smtClean="0"/>
+              <a:t>SERVICES</a:t>
+            </a:r>
+            <a:endParaRPr lang="en-IN" dirty="0"/>
+          </a:p>
+        </p:txBody>
+      </p:sp>
+      <p:sp>
+        <p:nvSpPr>
+          <p:cNvPr id="17" name="Rounded Rectangle 16"/>
+          <p:cNvSpPr/>
+          <p:nvPr/>
+        </p:nvSpPr>
+        <p:spPr>
+          <a:xfrm>
+            <a:off x="1457738" y="5592881"/>
+            <a:ext cx="1440435" cy="554182"/>
+          </a:xfrm>
+          <a:prstGeom prst="roundRect">
+            <a:avLst/>
+          </a:prstGeom>
+          <a:solidFill>
+            <a:schemeClr val="accent1"/>
+          </a:solidFill>
+          <a:ln>
+            <a:solidFill>
+              <a:schemeClr val="accent1">
+                <a:lumMod val="50000"/>
+              </a:schemeClr>
+            </a:solidFill>
+          </a:ln>
+        </p:spPr>
+        <p:style>
+          <a:lnRef idx="2">
+            <a:schemeClr val="accent1">
+              <a:shade val="50000"/>
+            </a:schemeClr>
+          </a:lnRef>
+          <a:fillRef idx="1">
+            <a:schemeClr val="accent1"/>
+          </a:fillRef>
+          <a:effectRef idx="0">
+            <a:schemeClr val="accent1"/>
+          </a:effectRef>
+          <a:fontRef idx="minor">
+            <a:schemeClr val="lt1"/>
+          </a:fontRef>
+        </p:style>
+        <p:txBody>
+          <a:bodyPr rtlCol="0" anchor="ctr"/>
+          <a:lstStyle/>
+          <a:p>
+            <a:pPr algn="ctr"/>
+            <a:r>
+              <a:rPr lang="en-IN" dirty="0" smtClean="0"/>
+              <a:t>EFFECTS</a:t>
+            </a:r>
+            <a:endParaRPr lang="en-IN" dirty="0"/>
+          </a:p>
+        </p:txBody>
+      </p:sp>
+      <p:cxnSp>
+        <p:nvCxnSpPr>
+          <p:cNvPr id="18" name="Straight Arrow Connector 17"/>
+          <p:cNvCxnSpPr>
+            <a:stCxn id="13" idx="3"/>
+          </p:cNvCxnSpPr>
+          <p:nvPr/>
+        </p:nvCxnSpPr>
+        <p:spPr>
+          <a:xfrm>
+            <a:off x="2898173" y="2560492"/>
+            <a:ext cx="1632450" cy="0"/>
+          </a:xfrm>
+          <a:prstGeom prst="straightConnector1">
+            <a:avLst/>
+          </a:prstGeom>
+          <a:ln>
+            <a:tailEnd type="triangle"/>
+          </a:ln>
+        </p:spPr>
+        <p:style>
+          <a:lnRef idx="3">
+            <a:schemeClr val="accent1"/>
+          </a:lnRef>
+          <a:fillRef idx="0">
+            <a:schemeClr val="accent1"/>
+          </a:fillRef>
+          <a:effectRef idx="2">
+            <a:schemeClr val="accent1"/>
+          </a:effectRef>
+          <a:fontRef idx="minor">
+            <a:schemeClr val="tx1"/>
+          </a:fontRef>
+        </p:style>
+      </p:cxnSp>
+      <p:cxnSp>
+        <p:nvCxnSpPr>
+          <p:cNvPr id="19" name="Straight Arrow Connector 18"/>
+          <p:cNvCxnSpPr>
+            <a:stCxn id="17" idx="0"/>
+            <a:endCxn id="13" idx="2"/>
+          </p:cNvCxnSpPr>
+          <p:nvPr/>
+        </p:nvCxnSpPr>
+        <p:spPr>
+          <a:xfrm flipV="1">
+            <a:off x="2177956" y="2837583"/>
+            <a:ext cx="3739" cy="2755298"/>
+          </a:xfrm>
+          <a:prstGeom prst="straightConnector1">
+            <a:avLst/>
+          </a:prstGeom>
+          <a:ln>
+            <a:solidFill>
+              <a:schemeClr val="accent1"/>
+            </a:solidFill>
+            <a:tailEnd type="triangle"/>
+          </a:ln>
+        </p:spPr>
+        <p:style>
+          <a:lnRef idx="3">
+            <a:schemeClr val="accent1"/>
+          </a:lnRef>
+          <a:fillRef idx="0">
+            <a:schemeClr val="accent1"/>
+          </a:fillRef>
+          <a:effectRef idx="2">
+            <a:schemeClr val="accent1"/>
+          </a:effectRef>
+          <a:fontRef idx="minor">
+            <a:schemeClr val="tx1"/>
+          </a:fontRef>
+        </p:style>
+      </p:cxnSp>
+      <p:cxnSp>
+        <p:nvCxnSpPr>
+          <p:cNvPr id="20" name="Elbow Connector 19"/>
+          <p:cNvCxnSpPr/>
+          <p:nvPr/>
+        </p:nvCxnSpPr>
+        <p:spPr>
+          <a:xfrm rot="5400000" flipH="1" flipV="1">
+            <a:off x="1694365" y="3630043"/>
+            <a:ext cx="1596583" cy="11667"/>
+          </a:xfrm>
+          <a:prstGeom prst="bentConnector3">
+            <a:avLst>
+              <a:gd name="adj1" fmla="val 50000"/>
+            </a:avLst>
+          </a:prstGeom>
+          <a:ln>
+            <a:solidFill>
+              <a:schemeClr val="accent1"/>
+            </a:solidFill>
+            <a:tailEnd type="triangle"/>
+          </a:ln>
+        </p:spPr>
+        <p:style>
+          <a:lnRef idx="3">
+            <a:schemeClr val="accent1"/>
+          </a:lnRef>
+          <a:fillRef idx="0">
+            <a:schemeClr val="accent1"/>
+          </a:fillRef>
+          <a:effectRef idx="2">
+            <a:schemeClr val="accent1"/>
+          </a:effectRef>
+          <a:fontRef idx="minor">
+            <a:schemeClr val="tx1"/>
+          </a:fontRef>
+        </p:style>
+      </p:cxnSp>
+      <p:cxnSp>
+        <p:nvCxnSpPr>
+          <p:cNvPr id="23" name="Straight Connector 22"/>
+          <p:cNvCxnSpPr>
+            <a:stCxn id="16" idx="1"/>
+            <a:endCxn id="17" idx="3"/>
+          </p:cNvCxnSpPr>
+          <p:nvPr/>
+        </p:nvCxnSpPr>
+        <p:spPr>
+          <a:xfrm flipH="1">
+            <a:off x="2898173" y="5869972"/>
+            <a:ext cx="991784" cy="0"/>
+          </a:xfrm>
+          <a:prstGeom prst="line">
+            <a:avLst/>
+          </a:prstGeom>
+          <a:ln w="9525" cap="flat" cmpd="sng" algn="ctr">
+            <a:solidFill>
+              <a:schemeClr val="accent1"/>
+            </a:solidFill>
+            <a:prstDash val="dash"/>
+            <a:round/>
+            <a:headEnd type="none" w="med" len="med"/>
+            <a:tailEnd type="none" w="med" len="med"/>
+          </a:ln>
+        </p:spPr>
+        <p:style>
+          <a:lnRef idx="0">
+            <a:scrgbClr r="0" g="0" b="0"/>
+          </a:lnRef>
+          <a:fillRef idx="0">
+            <a:scrgbClr r="0" g="0" b="0"/>
+          </a:fillRef>
+          <a:effectRef idx="0">
+            <a:scrgbClr r="0" g="0" b="0"/>
+          </a:effectRef>
+          <a:fontRef idx="minor">
+            <a:schemeClr val="tx1"/>
+          </a:fontRef>
+        </p:style>
+      </p:cxnSp>
+      <p:cxnSp>
+        <p:nvCxnSpPr>
+          <p:cNvPr id="24" name="Straight Arrow Connector 23"/>
+          <p:cNvCxnSpPr>
+            <a:endCxn id="17" idx="3"/>
+          </p:cNvCxnSpPr>
+          <p:nvPr/>
+        </p:nvCxnSpPr>
+        <p:spPr>
+          <a:xfrm flipH="1">
+            <a:off x="2898173" y="5869972"/>
+            <a:ext cx="110844" cy="0"/>
+          </a:xfrm>
+          <a:prstGeom prst="straightConnector1">
+            <a:avLst/>
+          </a:prstGeom>
+          <a:ln>
+            <a:tailEnd type="triangle"/>
+          </a:ln>
+        </p:spPr>
+        <p:style>
+          <a:lnRef idx="1">
+            <a:schemeClr val="accent1"/>
+          </a:lnRef>
+          <a:fillRef idx="0">
+            <a:schemeClr val="accent1"/>
+          </a:fillRef>
+          <a:effectRef idx="0">
+            <a:schemeClr val="accent1"/>
+          </a:effectRef>
+          <a:fontRef idx="minor">
+            <a:schemeClr val="tx1"/>
+          </a:fontRef>
+        </p:style>
+      </p:cxnSp>
+      <p:sp>
+        <p:nvSpPr>
+          <p:cNvPr id="25" name="TextBox 24"/>
+          <p:cNvSpPr txBox="1"/>
+          <p:nvPr/>
+        </p:nvSpPr>
+        <p:spPr>
+          <a:xfrm>
+            <a:off x="3058613" y="2375826"/>
+            <a:ext cx="1144288" cy="369332"/>
+          </a:xfrm>
+          <a:prstGeom prst="rect">
+            <a:avLst/>
+          </a:prstGeom>
+          <a:solidFill>
+            <a:srgbClr val="FFC000"/>
+          </a:solidFill>
+          <a:ln>
+            <a:solidFill>
+              <a:schemeClr val="tx1"/>
+            </a:solidFill>
+            <a:prstDash val="dash"/>
+          </a:ln>
+        </p:spPr>
+        <p:txBody>
+          <a:bodyPr wrap="none" rtlCol="0">
+            <a:spAutoFit/>
+          </a:bodyPr>
+          <a:lstStyle/>
+          <a:p>
+            <a:r>
+              <a:rPr lang="en-IN" dirty="0" smtClean="0"/>
+              <a:t>New State</a:t>
+            </a:r>
+            <a:endParaRPr lang="en-IN" dirty="0"/>
+          </a:p>
+        </p:txBody>
+      </p:sp>
+      <p:cxnSp>
+        <p:nvCxnSpPr>
+          <p:cNvPr id="26" name="Straight Arrow Connector 25"/>
+          <p:cNvCxnSpPr>
+            <a:stCxn id="14" idx="2"/>
+            <a:endCxn id="15" idx="0"/>
+          </p:cNvCxnSpPr>
+          <p:nvPr/>
+        </p:nvCxnSpPr>
+        <p:spPr>
+          <a:xfrm flipH="1">
+            <a:off x="4686302" y="2837583"/>
+            <a:ext cx="343642" cy="1311965"/>
+          </a:xfrm>
+          <a:prstGeom prst="straightConnector1">
+            <a:avLst/>
+          </a:prstGeom>
+          <a:ln>
+            <a:solidFill>
+              <a:schemeClr val="bg1">
+                <a:lumMod val="95000"/>
+              </a:schemeClr>
+            </a:solidFill>
+            <a:tailEnd type="triangle"/>
+          </a:ln>
+        </p:spPr>
+        <p:style>
+          <a:lnRef idx="3">
+            <a:schemeClr val="accent1"/>
+          </a:lnRef>
+          <a:fillRef idx="0">
+            <a:schemeClr val="accent1"/>
+          </a:fillRef>
+          <a:effectRef idx="2">
+            <a:schemeClr val="accent1"/>
+          </a:effectRef>
+          <a:fontRef idx="minor">
+            <a:schemeClr val="tx1"/>
+          </a:fontRef>
+        </p:style>
+      </p:cxnSp>
+      <p:sp>
+        <p:nvSpPr>
+          <p:cNvPr id="27" name="TextBox 26"/>
+          <p:cNvSpPr txBox="1"/>
+          <p:nvPr/>
+        </p:nvSpPr>
+        <p:spPr>
+          <a:xfrm>
+            <a:off x="4327481" y="3301168"/>
+            <a:ext cx="1034450" cy="369332"/>
+          </a:xfrm>
+          <a:prstGeom prst="rect">
+            <a:avLst/>
+          </a:prstGeom>
+          <a:solidFill>
+            <a:schemeClr val="bg1"/>
+          </a:solidFill>
+          <a:ln>
+            <a:solidFill>
+              <a:schemeClr val="tx1"/>
+            </a:solidFill>
+            <a:prstDash val="dash"/>
+          </a:ln>
+        </p:spPr>
+        <p:txBody>
+          <a:bodyPr wrap="none" rtlCol="0">
+            <a:spAutoFit/>
+          </a:bodyPr>
+          <a:lstStyle/>
+          <a:p>
+            <a:r>
+              <a:rPr lang="en-IN" dirty="0" smtClean="0">
+                <a:solidFill>
+                  <a:schemeClr val="bg1">
+                    <a:lumMod val="65000"/>
+                  </a:schemeClr>
+                </a:solidFill>
+              </a:rPr>
+              <a:t>Selectors</a:t>
+            </a:r>
+            <a:endParaRPr lang="en-IN" dirty="0">
+              <a:solidFill>
+                <a:schemeClr val="bg1">
+                  <a:lumMod val="65000"/>
+                </a:schemeClr>
+              </a:solidFill>
+            </a:endParaRPr>
+          </a:p>
+        </p:txBody>
+      </p:sp>
+      <p:sp>
+        <p:nvSpPr>
+          <p:cNvPr id="28" name="TextBox 27"/>
+          <p:cNvSpPr txBox="1"/>
+          <p:nvPr/>
+        </p:nvSpPr>
+        <p:spPr>
+          <a:xfrm>
+            <a:off x="1760042" y="3289520"/>
+            <a:ext cx="1090363" cy="369332"/>
+          </a:xfrm>
+          <a:prstGeom prst="rect">
+            <a:avLst/>
+          </a:prstGeom>
+          <a:solidFill>
+            <a:srgbClr val="FFC000"/>
+          </a:solidFill>
+          <a:ln>
+            <a:solidFill>
+              <a:schemeClr val="tx1"/>
+            </a:solidFill>
+            <a:prstDash val="dash"/>
+          </a:ln>
+        </p:spPr>
+        <p:txBody>
+          <a:bodyPr wrap="none" rtlCol="0">
+            <a:spAutoFit/>
+          </a:bodyPr>
+          <a:lstStyle/>
+          <a:p>
+            <a:r>
+              <a:rPr lang="en-IN" dirty="0" smtClean="0"/>
+              <a:t>  Actions  </a:t>
+            </a:r>
+            <a:endParaRPr lang="en-IN" dirty="0"/>
+          </a:p>
+        </p:txBody>
+      </p:sp>
+      <p:sp>
+        <p:nvSpPr>
+          <p:cNvPr id="31" name="Oval 30"/>
+          <p:cNvSpPr/>
+          <p:nvPr/>
+        </p:nvSpPr>
+        <p:spPr>
+          <a:xfrm>
+            <a:off x="2645491" y="4805591"/>
+            <a:ext cx="225654" cy="225654"/>
+          </a:xfrm>
+          <a:prstGeom prst="ellipse">
+            <a:avLst/>
+          </a:prstGeom>
+        </p:spPr>
+        <p:style>
+          <a:lnRef idx="1">
+            <a:schemeClr val="accent2"/>
+          </a:lnRef>
+          <a:fillRef idx="3">
+            <a:schemeClr val="accent2"/>
+          </a:fillRef>
+          <a:effectRef idx="2">
+            <a:schemeClr val="accent2"/>
+          </a:effectRef>
+          <a:fontRef idx="minor">
+            <a:schemeClr val="lt1"/>
+          </a:fontRef>
+        </p:style>
+        <p:txBody>
+          <a:bodyPr rtlCol="0" anchor="ctr"/>
+          <a:lstStyle/>
+          <a:p>
+            <a:pPr algn="ctr"/>
+            <a:r>
+              <a:rPr lang="en-IN" dirty="0"/>
+              <a:t>B</a:t>
+            </a:r>
+          </a:p>
+        </p:txBody>
+      </p:sp>
+      <p:cxnSp>
+        <p:nvCxnSpPr>
+          <p:cNvPr id="11" name="Straight Connector 10"/>
+          <p:cNvCxnSpPr>
+            <a:endCxn id="15" idx="1"/>
+          </p:cNvCxnSpPr>
+          <p:nvPr/>
+        </p:nvCxnSpPr>
+        <p:spPr>
+          <a:xfrm flipV="1">
+            <a:off x="2484631" y="4426639"/>
+            <a:ext cx="1358708" cy="15056"/>
+          </a:xfrm>
+          <a:prstGeom prst="line">
+            <a:avLst/>
+          </a:prstGeom>
+        </p:spPr>
+        <p:style>
+          <a:lnRef idx="3">
+            <a:schemeClr val="accent1"/>
+          </a:lnRef>
+          <a:fillRef idx="0">
+            <a:schemeClr val="accent1"/>
+          </a:fillRef>
+          <a:effectRef idx="2">
+            <a:schemeClr val="accent1"/>
+          </a:effectRef>
+          <a:fontRef idx="minor">
+            <a:schemeClr val="tx1"/>
+          </a:fontRef>
+        </p:style>
+      </p:cxnSp>
+      <p:cxnSp>
+        <p:nvCxnSpPr>
+          <p:cNvPr id="37" name="Straight Arrow Connector 36"/>
+          <p:cNvCxnSpPr/>
+          <p:nvPr/>
+        </p:nvCxnSpPr>
+        <p:spPr>
+          <a:xfrm flipH="1">
+            <a:off x="2472968" y="4434167"/>
+            <a:ext cx="11663" cy="1158714"/>
+          </a:xfrm>
+          <a:prstGeom prst="straightConnector1">
+            <a:avLst/>
+          </a:prstGeom>
+          <a:ln>
+            <a:tailEnd type="triangle"/>
+          </a:ln>
+        </p:spPr>
+        <p:style>
+          <a:lnRef idx="3">
+            <a:schemeClr val="accent1"/>
+          </a:lnRef>
+          <a:fillRef idx="0">
+            <a:schemeClr val="accent1"/>
+          </a:fillRef>
+          <a:effectRef idx="2">
+            <a:schemeClr val="accent1"/>
+          </a:effectRef>
+          <a:fontRef idx="minor">
+            <a:schemeClr val="tx1"/>
+          </a:fontRef>
+        </p:style>
+      </p:cxnSp>
+      <p:sp>
+        <p:nvSpPr>
+          <p:cNvPr id="30" name="Oval 29"/>
+          <p:cNvSpPr/>
+          <p:nvPr/>
+        </p:nvSpPr>
+        <p:spPr>
+          <a:xfrm>
+            <a:off x="2644639" y="3903492"/>
+            <a:ext cx="225654" cy="225654"/>
+          </a:xfrm>
+          <a:prstGeom prst="ellipse">
+            <a:avLst/>
+          </a:prstGeom>
+        </p:spPr>
+        <p:style>
+          <a:lnRef idx="1">
+            <a:schemeClr val="accent2"/>
+          </a:lnRef>
+          <a:fillRef idx="3">
+            <a:schemeClr val="accent2"/>
+          </a:fillRef>
+          <a:effectRef idx="2">
+            <a:schemeClr val="accent2"/>
+          </a:effectRef>
+          <a:fontRef idx="minor">
+            <a:schemeClr val="lt1"/>
+          </a:fontRef>
+        </p:style>
+        <p:txBody>
+          <a:bodyPr rtlCol="0" anchor="ctr"/>
+          <a:lstStyle/>
+          <a:p>
+            <a:pPr algn="ctr"/>
+            <a:r>
+              <a:rPr lang="en-IN" dirty="0" smtClean="0"/>
+              <a:t>A</a:t>
+            </a:r>
+            <a:endParaRPr lang="en-IN" dirty="0"/>
+          </a:p>
+        </p:txBody>
+      </p:sp>
     </p:spTree>
     <p:extLst>
       <p:ext uri="{BB962C8B-B14F-4D97-AF65-F5344CB8AC3E}">
-        <p14:creationId xmlns:p14="http://schemas.microsoft.com/office/powerpoint/2010/main" val="4018652307"/>
+        <p14:creationId xmlns:p14="http://schemas.microsoft.com/office/powerpoint/2010/main" val="3944073219"/>
       </p:ext>
     </p:extLst>
   </p:cSld>
@@ -5423,7 +10686,11 @@
           <a:p>
             <a:r>
               <a:rPr lang="en-US" dirty="0" smtClean="0"/>
-              <a:t>NGRX Architecture: Effects</a:t>
+              <a:t>NGRX Architecture: </a:t>
+            </a:r>
+            <a:r>
+              <a:rPr lang="en-US" dirty="0" smtClean="0"/>
+              <a:t>Selectors</a:t>
             </a:r>
             <a:endParaRPr lang="en-US" dirty="0"/>
           </a:p>
@@ -5470,10 +10737,950 @@
           </a:fontRef>
         </p:style>
       </p:cxnSp>
+      <p:sp>
+        <p:nvSpPr>
+          <p:cNvPr id="10" name="TextBox 9"/>
+          <p:cNvSpPr txBox="1"/>
+          <p:nvPr/>
+        </p:nvSpPr>
+        <p:spPr>
+          <a:xfrm>
+            <a:off x="6231610" y="2835614"/>
+            <a:ext cx="5207354" cy="2585323"/>
+          </a:xfrm>
+          <a:prstGeom prst="rect">
+            <a:avLst/>
+          </a:prstGeom>
+          <a:noFill/>
+        </p:spPr>
+        <p:txBody>
+          <a:bodyPr wrap="square" rtlCol="0">
+            <a:spAutoFit/>
+          </a:bodyPr>
+          <a:lstStyle/>
+          <a:p>
+            <a:pPr marL="285750" indent="-285750">
+              <a:buFont typeface="Arial" panose="020B0604020202020204" pitchFamily="34" charset="0"/>
+              <a:buChar char="•"/>
+            </a:pPr>
+            <a:r>
+              <a:rPr lang="en-US" dirty="0" smtClean="0"/>
+              <a:t>Selectors are pure functions used for obtaining slices of store state.</a:t>
+            </a:r>
+          </a:p>
+          <a:p>
+            <a:pPr marL="285750" indent="-285750">
+              <a:buFont typeface="Arial" panose="020B0604020202020204" pitchFamily="34" charset="0"/>
+              <a:buChar char="•"/>
+            </a:pPr>
+            <a:endParaRPr lang="en-US" dirty="0"/>
+          </a:p>
+          <a:p>
+            <a:pPr marL="285750" indent="-285750">
+              <a:buFont typeface="Arial" panose="020B0604020202020204" pitchFamily="34" charset="0"/>
+              <a:buChar char="•"/>
+            </a:pPr>
+            <a:r>
+              <a:rPr lang="en-US" dirty="0" smtClean="0"/>
+              <a:t>It allows to decouple any state slice data transformation from the components.</a:t>
+            </a:r>
+          </a:p>
+          <a:p>
+            <a:pPr marL="285750" indent="-285750">
+              <a:buFont typeface="Arial" panose="020B0604020202020204" pitchFamily="34" charset="0"/>
+              <a:buChar char="•"/>
+            </a:pPr>
+            <a:endParaRPr lang="en-US" dirty="0"/>
+          </a:p>
+          <a:p>
+            <a:pPr marL="285750" indent="-285750">
+              <a:buFont typeface="Arial" panose="020B0604020202020204" pitchFamily="34" charset="0"/>
+              <a:buChar char="•"/>
+            </a:pPr>
+            <a:r>
+              <a:rPr lang="en-US" dirty="0" smtClean="0"/>
+              <a:t>It provides many features when selecting slices of state.</a:t>
+            </a:r>
+          </a:p>
+          <a:p>
+            <a:pPr marL="285750" indent="-285750">
+              <a:buFont typeface="Arial" panose="020B0604020202020204" pitchFamily="34" charset="0"/>
+              <a:buChar char="•"/>
+            </a:pPr>
+            <a:endParaRPr lang="en-US" dirty="0" smtClean="0"/>
+          </a:p>
+        </p:txBody>
+      </p:sp>
+      <p:sp>
+        <p:nvSpPr>
+          <p:cNvPr id="12" name="Slide Number Placeholder 1"/>
+          <p:cNvSpPr txBox="1">
+            <a:spLocks/>
+          </p:cNvSpPr>
+          <p:nvPr/>
+        </p:nvSpPr>
+        <p:spPr>
+          <a:xfrm>
+            <a:off x="4727476" y="5781938"/>
+            <a:ext cx="2586183" cy="365125"/>
+          </a:xfrm>
+          <a:prstGeom prst="rect">
+            <a:avLst/>
+          </a:prstGeom>
+        </p:spPr>
+        <p:txBody>
+          <a:bodyPr vert="horz" lIns="91440" tIns="45720" rIns="91440" bIns="45720" rtlCol="0" anchor="ctr"/>
+          <a:lstStyle>
+            <a:defPPr>
+              <a:defRPr lang="en-US"/>
+            </a:defPPr>
+            <a:lvl1pPr marL="0" algn="r" defTabSz="914400" rtl="0" eaLnBrk="1" latinLnBrk="0" hangingPunct="1">
+              <a:defRPr sz="1400" b="1" kern="1200">
+                <a:solidFill>
+                  <a:schemeClr val="bg1"/>
+                </a:solidFill>
+                <a:latin typeface="+mn-lt"/>
+                <a:ea typeface="+mn-ea"/>
+                <a:cs typeface="+mn-cs"/>
+              </a:defRPr>
+            </a:lvl1pPr>
+            <a:lvl2pPr marL="457200" algn="l" defTabSz="914400" rtl="0" eaLnBrk="1" latinLnBrk="0" hangingPunct="1">
+              <a:defRPr sz="1800" kern="1200">
+                <a:solidFill>
+                  <a:schemeClr val="tx1"/>
+                </a:solidFill>
+                <a:latin typeface="+mn-lt"/>
+                <a:ea typeface="+mn-ea"/>
+                <a:cs typeface="+mn-cs"/>
+              </a:defRPr>
+            </a:lvl2pPr>
+            <a:lvl3pPr marL="914400" algn="l" defTabSz="914400" rtl="0" eaLnBrk="1" latinLnBrk="0" hangingPunct="1">
+              <a:defRPr sz="1800" kern="1200">
+                <a:solidFill>
+                  <a:schemeClr val="tx1"/>
+                </a:solidFill>
+                <a:latin typeface="+mn-lt"/>
+                <a:ea typeface="+mn-ea"/>
+                <a:cs typeface="+mn-cs"/>
+              </a:defRPr>
+            </a:lvl3pPr>
+            <a:lvl4pPr marL="1371600" algn="l" defTabSz="914400" rtl="0" eaLnBrk="1" latinLnBrk="0" hangingPunct="1">
+              <a:defRPr sz="1800" kern="1200">
+                <a:solidFill>
+                  <a:schemeClr val="tx1"/>
+                </a:solidFill>
+                <a:latin typeface="+mn-lt"/>
+                <a:ea typeface="+mn-ea"/>
+                <a:cs typeface="+mn-cs"/>
+              </a:defRPr>
+            </a:lvl4pPr>
+            <a:lvl5pPr marL="1828800" algn="l" defTabSz="914400" rtl="0" eaLnBrk="1" latinLnBrk="0" hangingPunct="1">
+              <a:defRPr sz="1800" kern="1200">
+                <a:solidFill>
+                  <a:schemeClr val="tx1"/>
+                </a:solidFill>
+                <a:latin typeface="+mn-lt"/>
+                <a:ea typeface="+mn-ea"/>
+                <a:cs typeface="+mn-cs"/>
+              </a:defRPr>
+            </a:lvl5pPr>
+            <a:lvl6pPr marL="2286000" algn="l" defTabSz="914400" rtl="0" eaLnBrk="1" latinLnBrk="0" hangingPunct="1">
+              <a:defRPr sz="1800" kern="1200">
+                <a:solidFill>
+                  <a:schemeClr val="tx1"/>
+                </a:solidFill>
+                <a:latin typeface="+mn-lt"/>
+                <a:ea typeface="+mn-ea"/>
+                <a:cs typeface="+mn-cs"/>
+              </a:defRPr>
+            </a:lvl6pPr>
+            <a:lvl7pPr marL="2743200" algn="l" defTabSz="914400" rtl="0" eaLnBrk="1" latinLnBrk="0" hangingPunct="1">
+              <a:defRPr sz="1800" kern="1200">
+                <a:solidFill>
+                  <a:schemeClr val="tx1"/>
+                </a:solidFill>
+                <a:latin typeface="+mn-lt"/>
+                <a:ea typeface="+mn-ea"/>
+                <a:cs typeface="+mn-cs"/>
+              </a:defRPr>
+            </a:lvl7pPr>
+            <a:lvl8pPr marL="3200400" algn="l" defTabSz="914400" rtl="0" eaLnBrk="1" latinLnBrk="0" hangingPunct="1">
+              <a:defRPr sz="1800" kern="1200">
+                <a:solidFill>
+                  <a:schemeClr val="tx1"/>
+                </a:solidFill>
+                <a:latin typeface="+mn-lt"/>
+                <a:ea typeface="+mn-ea"/>
+                <a:cs typeface="+mn-cs"/>
+              </a:defRPr>
+            </a:lvl8pPr>
+            <a:lvl9pPr marL="3657600" algn="l" defTabSz="914400" rtl="0" eaLnBrk="1" latinLnBrk="0" hangingPunct="1">
+              <a:defRPr sz="1800" kern="1200">
+                <a:solidFill>
+                  <a:schemeClr val="tx1"/>
+                </a:solidFill>
+                <a:latin typeface="+mn-lt"/>
+                <a:ea typeface="+mn-ea"/>
+                <a:cs typeface="+mn-cs"/>
+              </a:defRPr>
+            </a:lvl9pPr>
+          </a:lstStyle>
+          <a:p>
+            <a:fld id="{22CADBEF-CB64-4529-9779-0A66BE038F96}" type="slidenum">
+              <a:rPr lang="en-IN" smtClean="0"/>
+              <a:pPr/>
+              <a:t>17</a:t>
+            </a:fld>
+            <a:endParaRPr lang="en-IN"/>
+          </a:p>
+        </p:txBody>
+      </p:sp>
+      <p:sp>
+        <p:nvSpPr>
+          <p:cNvPr id="13" name="Rounded Rectangle 12"/>
+          <p:cNvSpPr/>
+          <p:nvPr/>
+        </p:nvSpPr>
+        <p:spPr>
+          <a:xfrm>
+            <a:off x="1465216" y="2283401"/>
+            <a:ext cx="1432957" cy="554182"/>
+          </a:xfrm>
+          <a:prstGeom prst="roundRect">
+            <a:avLst/>
+          </a:prstGeom>
+        </p:spPr>
+        <p:style>
+          <a:lnRef idx="2">
+            <a:schemeClr val="accent1">
+              <a:shade val="50000"/>
+            </a:schemeClr>
+          </a:lnRef>
+          <a:fillRef idx="1">
+            <a:schemeClr val="accent1"/>
+          </a:fillRef>
+          <a:effectRef idx="0">
+            <a:schemeClr val="accent1"/>
+          </a:effectRef>
+          <a:fontRef idx="minor">
+            <a:schemeClr val="lt1"/>
+          </a:fontRef>
+        </p:style>
+        <p:txBody>
+          <a:bodyPr rtlCol="0" anchor="ctr"/>
+          <a:lstStyle/>
+          <a:p>
+            <a:pPr algn="ctr"/>
+            <a:r>
+              <a:rPr lang="en-IN" dirty="0" smtClean="0"/>
+              <a:t>REDUCERS</a:t>
+            </a:r>
+            <a:endParaRPr lang="en-IN" dirty="0"/>
+          </a:p>
+        </p:txBody>
+      </p:sp>
+      <p:sp>
+        <p:nvSpPr>
+          <p:cNvPr id="14" name="Rounded Rectangle 13"/>
+          <p:cNvSpPr/>
+          <p:nvPr/>
+        </p:nvSpPr>
+        <p:spPr>
+          <a:xfrm>
+            <a:off x="4530624" y="2283401"/>
+            <a:ext cx="998640" cy="554182"/>
+          </a:xfrm>
+          <a:prstGeom prst="roundRect">
+            <a:avLst/>
+          </a:prstGeom>
+          <a:solidFill>
+            <a:schemeClr val="accent1"/>
+          </a:solidFill>
+          <a:ln>
+            <a:solidFill>
+              <a:schemeClr val="accent1">
+                <a:lumMod val="50000"/>
+              </a:schemeClr>
+            </a:solidFill>
+          </a:ln>
+        </p:spPr>
+        <p:style>
+          <a:lnRef idx="2">
+            <a:schemeClr val="accent1">
+              <a:shade val="50000"/>
+            </a:schemeClr>
+          </a:lnRef>
+          <a:fillRef idx="1">
+            <a:schemeClr val="accent1"/>
+          </a:fillRef>
+          <a:effectRef idx="0">
+            <a:schemeClr val="accent1"/>
+          </a:effectRef>
+          <a:fontRef idx="minor">
+            <a:schemeClr val="lt1"/>
+          </a:fontRef>
+        </p:style>
+        <p:txBody>
+          <a:bodyPr rtlCol="0" anchor="ctr"/>
+          <a:lstStyle/>
+          <a:p>
+            <a:pPr algn="ctr"/>
+            <a:r>
+              <a:rPr lang="en-IN" dirty="0" smtClean="0"/>
+              <a:t>STORE</a:t>
+            </a:r>
+            <a:endParaRPr lang="en-IN" dirty="0"/>
+          </a:p>
+        </p:txBody>
+      </p:sp>
+      <p:sp>
+        <p:nvSpPr>
+          <p:cNvPr id="15" name="Rounded Rectangle 14"/>
+          <p:cNvSpPr/>
+          <p:nvPr/>
+        </p:nvSpPr>
+        <p:spPr>
+          <a:xfrm>
+            <a:off x="3843339" y="4149548"/>
+            <a:ext cx="1685926" cy="554182"/>
+          </a:xfrm>
+          <a:prstGeom prst="roundRect">
+            <a:avLst/>
+          </a:prstGeom>
+        </p:spPr>
+        <p:style>
+          <a:lnRef idx="2">
+            <a:schemeClr val="accent1">
+              <a:shade val="50000"/>
+            </a:schemeClr>
+          </a:lnRef>
+          <a:fillRef idx="1">
+            <a:schemeClr val="accent1"/>
+          </a:fillRef>
+          <a:effectRef idx="0">
+            <a:schemeClr val="accent1"/>
+          </a:effectRef>
+          <a:fontRef idx="minor">
+            <a:schemeClr val="lt1"/>
+          </a:fontRef>
+        </p:style>
+        <p:txBody>
+          <a:bodyPr rtlCol="0" anchor="ctr"/>
+          <a:lstStyle/>
+          <a:p>
+            <a:pPr algn="ctr"/>
+            <a:r>
+              <a:rPr lang="en-IN" dirty="0" smtClean="0"/>
+              <a:t>COMPONENT</a:t>
+            </a:r>
+            <a:endParaRPr lang="en-IN" dirty="0"/>
+          </a:p>
+        </p:txBody>
+      </p:sp>
+      <p:sp>
+        <p:nvSpPr>
+          <p:cNvPr id="16" name="Rounded Rectangle 15"/>
+          <p:cNvSpPr/>
+          <p:nvPr/>
+        </p:nvSpPr>
+        <p:spPr>
+          <a:xfrm>
+            <a:off x="3889957" y="5592881"/>
+            <a:ext cx="1639307" cy="554182"/>
+          </a:xfrm>
+          <a:prstGeom prst="roundRect">
+            <a:avLst/>
+          </a:prstGeom>
+          <a:solidFill>
+            <a:schemeClr val="accent1"/>
+          </a:solidFill>
+          <a:ln>
+            <a:solidFill>
+              <a:schemeClr val="accent1">
+                <a:lumMod val="50000"/>
+              </a:schemeClr>
+            </a:solidFill>
+          </a:ln>
+        </p:spPr>
+        <p:style>
+          <a:lnRef idx="2">
+            <a:schemeClr val="accent1">
+              <a:shade val="50000"/>
+            </a:schemeClr>
+          </a:lnRef>
+          <a:fillRef idx="1">
+            <a:schemeClr val="accent1"/>
+          </a:fillRef>
+          <a:effectRef idx="0">
+            <a:schemeClr val="accent1"/>
+          </a:effectRef>
+          <a:fontRef idx="minor">
+            <a:schemeClr val="lt1"/>
+          </a:fontRef>
+        </p:style>
+        <p:txBody>
+          <a:bodyPr rtlCol="0" anchor="ctr"/>
+          <a:lstStyle/>
+          <a:p>
+            <a:pPr algn="ctr"/>
+            <a:r>
+              <a:rPr lang="en-IN" dirty="0" smtClean="0"/>
+              <a:t>SERVICES</a:t>
+            </a:r>
+            <a:endParaRPr lang="en-IN" dirty="0"/>
+          </a:p>
+        </p:txBody>
+      </p:sp>
+      <p:sp>
+        <p:nvSpPr>
+          <p:cNvPr id="17" name="Rounded Rectangle 16"/>
+          <p:cNvSpPr/>
+          <p:nvPr/>
+        </p:nvSpPr>
+        <p:spPr>
+          <a:xfrm>
+            <a:off x="1457738" y="5592881"/>
+            <a:ext cx="1440435" cy="554182"/>
+          </a:xfrm>
+          <a:prstGeom prst="roundRect">
+            <a:avLst/>
+          </a:prstGeom>
+          <a:solidFill>
+            <a:schemeClr val="accent1"/>
+          </a:solidFill>
+          <a:ln>
+            <a:solidFill>
+              <a:schemeClr val="accent1">
+                <a:lumMod val="50000"/>
+              </a:schemeClr>
+            </a:solidFill>
+          </a:ln>
+        </p:spPr>
+        <p:style>
+          <a:lnRef idx="2">
+            <a:schemeClr val="accent1">
+              <a:shade val="50000"/>
+            </a:schemeClr>
+          </a:lnRef>
+          <a:fillRef idx="1">
+            <a:schemeClr val="accent1"/>
+          </a:fillRef>
+          <a:effectRef idx="0">
+            <a:schemeClr val="accent1"/>
+          </a:effectRef>
+          <a:fontRef idx="minor">
+            <a:schemeClr val="lt1"/>
+          </a:fontRef>
+        </p:style>
+        <p:txBody>
+          <a:bodyPr rtlCol="0" anchor="ctr"/>
+          <a:lstStyle/>
+          <a:p>
+            <a:pPr algn="ctr"/>
+            <a:r>
+              <a:rPr lang="en-IN" dirty="0" smtClean="0"/>
+              <a:t>EFFECTS</a:t>
+            </a:r>
+            <a:endParaRPr lang="en-IN" dirty="0"/>
+          </a:p>
+        </p:txBody>
+      </p:sp>
+      <p:cxnSp>
+        <p:nvCxnSpPr>
+          <p:cNvPr id="18" name="Straight Arrow Connector 17"/>
+          <p:cNvCxnSpPr>
+            <a:stCxn id="13" idx="3"/>
+          </p:cNvCxnSpPr>
+          <p:nvPr/>
+        </p:nvCxnSpPr>
+        <p:spPr>
+          <a:xfrm>
+            <a:off x="2898173" y="2560492"/>
+            <a:ext cx="1632450" cy="0"/>
+          </a:xfrm>
+          <a:prstGeom prst="straightConnector1">
+            <a:avLst/>
+          </a:prstGeom>
+          <a:ln>
+            <a:tailEnd type="triangle"/>
+          </a:ln>
+        </p:spPr>
+        <p:style>
+          <a:lnRef idx="3">
+            <a:schemeClr val="accent1"/>
+          </a:lnRef>
+          <a:fillRef idx="0">
+            <a:schemeClr val="accent1"/>
+          </a:fillRef>
+          <a:effectRef idx="2">
+            <a:schemeClr val="accent1"/>
+          </a:effectRef>
+          <a:fontRef idx="minor">
+            <a:schemeClr val="tx1"/>
+          </a:fontRef>
+        </p:style>
+      </p:cxnSp>
+      <p:cxnSp>
+        <p:nvCxnSpPr>
+          <p:cNvPr id="19" name="Straight Arrow Connector 18"/>
+          <p:cNvCxnSpPr>
+            <a:stCxn id="17" idx="0"/>
+            <a:endCxn id="13" idx="2"/>
+          </p:cNvCxnSpPr>
+          <p:nvPr/>
+        </p:nvCxnSpPr>
+        <p:spPr>
+          <a:xfrm flipV="1">
+            <a:off x="2177956" y="2837583"/>
+            <a:ext cx="3739" cy="2755298"/>
+          </a:xfrm>
+          <a:prstGeom prst="straightConnector1">
+            <a:avLst/>
+          </a:prstGeom>
+          <a:ln>
+            <a:solidFill>
+              <a:schemeClr val="accent1"/>
+            </a:solidFill>
+            <a:tailEnd type="triangle"/>
+          </a:ln>
+        </p:spPr>
+        <p:style>
+          <a:lnRef idx="3">
+            <a:schemeClr val="accent1"/>
+          </a:lnRef>
+          <a:fillRef idx="0">
+            <a:schemeClr val="accent1"/>
+          </a:fillRef>
+          <a:effectRef idx="2">
+            <a:schemeClr val="accent1"/>
+          </a:effectRef>
+          <a:fontRef idx="minor">
+            <a:schemeClr val="tx1"/>
+          </a:fontRef>
+        </p:style>
+      </p:cxnSp>
+      <p:cxnSp>
+        <p:nvCxnSpPr>
+          <p:cNvPr id="23" name="Straight Connector 22"/>
+          <p:cNvCxnSpPr>
+            <a:stCxn id="16" idx="1"/>
+            <a:endCxn id="17" idx="3"/>
+          </p:cNvCxnSpPr>
+          <p:nvPr/>
+        </p:nvCxnSpPr>
+        <p:spPr>
+          <a:xfrm flipH="1">
+            <a:off x="2898173" y="5869972"/>
+            <a:ext cx="991784" cy="0"/>
+          </a:xfrm>
+          <a:prstGeom prst="line">
+            <a:avLst/>
+          </a:prstGeom>
+          <a:ln w="9525" cap="flat" cmpd="sng" algn="ctr">
+            <a:solidFill>
+              <a:schemeClr val="accent1"/>
+            </a:solidFill>
+            <a:prstDash val="dash"/>
+            <a:round/>
+            <a:headEnd type="none" w="med" len="med"/>
+            <a:tailEnd type="none" w="med" len="med"/>
+          </a:ln>
+        </p:spPr>
+        <p:style>
+          <a:lnRef idx="0">
+            <a:scrgbClr r="0" g="0" b="0"/>
+          </a:lnRef>
+          <a:fillRef idx="0">
+            <a:scrgbClr r="0" g="0" b="0"/>
+          </a:fillRef>
+          <a:effectRef idx="0">
+            <a:scrgbClr r="0" g="0" b="0"/>
+          </a:effectRef>
+          <a:fontRef idx="minor">
+            <a:schemeClr val="tx1"/>
+          </a:fontRef>
+        </p:style>
+      </p:cxnSp>
+      <p:cxnSp>
+        <p:nvCxnSpPr>
+          <p:cNvPr id="24" name="Straight Arrow Connector 23"/>
+          <p:cNvCxnSpPr>
+            <a:endCxn id="17" idx="3"/>
+          </p:cNvCxnSpPr>
+          <p:nvPr/>
+        </p:nvCxnSpPr>
+        <p:spPr>
+          <a:xfrm flipH="1">
+            <a:off x="2898173" y="5869972"/>
+            <a:ext cx="110844" cy="0"/>
+          </a:xfrm>
+          <a:prstGeom prst="straightConnector1">
+            <a:avLst/>
+          </a:prstGeom>
+          <a:ln>
+            <a:tailEnd type="triangle"/>
+          </a:ln>
+        </p:spPr>
+        <p:style>
+          <a:lnRef idx="1">
+            <a:schemeClr val="accent1"/>
+          </a:lnRef>
+          <a:fillRef idx="0">
+            <a:schemeClr val="accent1"/>
+          </a:fillRef>
+          <a:effectRef idx="0">
+            <a:schemeClr val="accent1"/>
+          </a:effectRef>
+          <a:fontRef idx="minor">
+            <a:schemeClr val="tx1"/>
+          </a:fontRef>
+        </p:style>
+      </p:cxnSp>
+      <p:sp>
+        <p:nvSpPr>
+          <p:cNvPr id="25" name="TextBox 24"/>
+          <p:cNvSpPr txBox="1"/>
+          <p:nvPr/>
+        </p:nvSpPr>
+        <p:spPr>
+          <a:xfrm>
+            <a:off x="3058613" y="2375826"/>
+            <a:ext cx="1144288" cy="369332"/>
+          </a:xfrm>
+          <a:prstGeom prst="rect">
+            <a:avLst/>
+          </a:prstGeom>
+          <a:solidFill>
+            <a:srgbClr val="FFC000"/>
+          </a:solidFill>
+          <a:ln>
+            <a:solidFill>
+              <a:schemeClr val="tx1"/>
+            </a:solidFill>
+            <a:prstDash val="dash"/>
+          </a:ln>
+        </p:spPr>
+        <p:txBody>
+          <a:bodyPr wrap="none" rtlCol="0">
+            <a:spAutoFit/>
+          </a:bodyPr>
+          <a:lstStyle/>
+          <a:p>
+            <a:r>
+              <a:rPr lang="en-IN" dirty="0" smtClean="0"/>
+              <a:t>New State</a:t>
+            </a:r>
+            <a:endParaRPr lang="en-IN" dirty="0"/>
+          </a:p>
+        </p:txBody>
+      </p:sp>
+      <p:cxnSp>
+        <p:nvCxnSpPr>
+          <p:cNvPr id="26" name="Straight Arrow Connector 25"/>
+          <p:cNvCxnSpPr>
+            <a:stCxn id="14" idx="2"/>
+            <a:endCxn id="15" idx="0"/>
+          </p:cNvCxnSpPr>
+          <p:nvPr/>
+        </p:nvCxnSpPr>
+        <p:spPr>
+          <a:xfrm flipH="1">
+            <a:off x="4686302" y="2837583"/>
+            <a:ext cx="343642" cy="1311965"/>
+          </a:xfrm>
+          <a:prstGeom prst="straightConnector1">
+            <a:avLst/>
+          </a:prstGeom>
+          <a:ln>
+            <a:solidFill>
+              <a:schemeClr val="accent1">
+                <a:lumMod val="50000"/>
+              </a:schemeClr>
+            </a:solidFill>
+            <a:tailEnd type="triangle"/>
+          </a:ln>
+        </p:spPr>
+        <p:style>
+          <a:lnRef idx="3">
+            <a:schemeClr val="accent1"/>
+          </a:lnRef>
+          <a:fillRef idx="0">
+            <a:schemeClr val="accent1"/>
+          </a:fillRef>
+          <a:effectRef idx="2">
+            <a:schemeClr val="accent1"/>
+          </a:effectRef>
+          <a:fontRef idx="minor">
+            <a:schemeClr val="tx1"/>
+          </a:fontRef>
+        </p:style>
+      </p:cxnSp>
+      <p:sp>
+        <p:nvSpPr>
+          <p:cNvPr id="27" name="TextBox 26"/>
+          <p:cNvSpPr txBox="1"/>
+          <p:nvPr/>
+        </p:nvSpPr>
+        <p:spPr>
+          <a:xfrm>
+            <a:off x="4327481" y="3301168"/>
+            <a:ext cx="1034450" cy="369332"/>
+          </a:xfrm>
+          <a:prstGeom prst="rect">
+            <a:avLst/>
+          </a:prstGeom>
+          <a:solidFill>
+            <a:srgbClr val="FFC000"/>
+          </a:solidFill>
+          <a:ln>
+            <a:solidFill>
+              <a:schemeClr val="tx1"/>
+            </a:solidFill>
+            <a:prstDash val="dash"/>
+          </a:ln>
+        </p:spPr>
+        <p:txBody>
+          <a:bodyPr wrap="none" rtlCol="0">
+            <a:spAutoFit/>
+          </a:bodyPr>
+          <a:lstStyle/>
+          <a:p>
+            <a:r>
+              <a:rPr lang="en-IN" dirty="0" smtClean="0"/>
+              <a:t>Selectors</a:t>
+            </a:r>
+            <a:endParaRPr lang="en-IN" dirty="0"/>
+          </a:p>
+        </p:txBody>
+      </p:sp>
+      <p:sp>
+        <p:nvSpPr>
+          <p:cNvPr id="31" name="Oval 30"/>
+          <p:cNvSpPr/>
+          <p:nvPr/>
+        </p:nvSpPr>
+        <p:spPr>
+          <a:xfrm>
+            <a:off x="2645491" y="4805591"/>
+            <a:ext cx="225654" cy="225654"/>
+          </a:xfrm>
+          <a:prstGeom prst="ellipse">
+            <a:avLst/>
+          </a:prstGeom>
+        </p:spPr>
+        <p:style>
+          <a:lnRef idx="1">
+            <a:schemeClr val="accent2"/>
+          </a:lnRef>
+          <a:fillRef idx="3">
+            <a:schemeClr val="accent2"/>
+          </a:fillRef>
+          <a:effectRef idx="2">
+            <a:schemeClr val="accent2"/>
+          </a:effectRef>
+          <a:fontRef idx="minor">
+            <a:schemeClr val="lt1"/>
+          </a:fontRef>
+        </p:style>
+        <p:txBody>
+          <a:bodyPr rtlCol="0" anchor="ctr"/>
+          <a:lstStyle/>
+          <a:p>
+            <a:pPr algn="ctr"/>
+            <a:r>
+              <a:rPr lang="en-IN" dirty="0"/>
+              <a:t>B</a:t>
+            </a:r>
+          </a:p>
+        </p:txBody>
+      </p:sp>
+      <p:cxnSp>
+        <p:nvCxnSpPr>
+          <p:cNvPr id="11" name="Straight Connector 10"/>
+          <p:cNvCxnSpPr>
+            <a:endCxn id="15" idx="1"/>
+          </p:cNvCxnSpPr>
+          <p:nvPr/>
+        </p:nvCxnSpPr>
+        <p:spPr>
+          <a:xfrm flipV="1">
+            <a:off x="2484631" y="4426639"/>
+            <a:ext cx="1358708" cy="15056"/>
+          </a:xfrm>
+          <a:prstGeom prst="line">
+            <a:avLst/>
+          </a:prstGeom>
+        </p:spPr>
+        <p:style>
+          <a:lnRef idx="3">
+            <a:schemeClr val="accent1"/>
+          </a:lnRef>
+          <a:fillRef idx="0">
+            <a:schemeClr val="accent1"/>
+          </a:fillRef>
+          <a:effectRef idx="2">
+            <a:schemeClr val="accent1"/>
+          </a:effectRef>
+          <a:fontRef idx="minor">
+            <a:schemeClr val="tx1"/>
+          </a:fontRef>
+        </p:style>
+      </p:cxnSp>
+      <p:cxnSp>
+        <p:nvCxnSpPr>
+          <p:cNvPr id="32" name="Elbow Connector 31"/>
+          <p:cNvCxnSpPr/>
+          <p:nvPr/>
+        </p:nvCxnSpPr>
+        <p:spPr>
+          <a:xfrm rot="5400000" flipH="1" flipV="1">
+            <a:off x="1694365" y="3630043"/>
+            <a:ext cx="1596583" cy="11667"/>
+          </a:xfrm>
+          <a:prstGeom prst="bentConnector3">
+            <a:avLst>
+              <a:gd name="adj1" fmla="val 50000"/>
+            </a:avLst>
+          </a:prstGeom>
+          <a:ln>
+            <a:solidFill>
+              <a:schemeClr val="accent1"/>
+            </a:solidFill>
+            <a:tailEnd type="triangle"/>
+          </a:ln>
+        </p:spPr>
+        <p:style>
+          <a:lnRef idx="3">
+            <a:schemeClr val="accent1"/>
+          </a:lnRef>
+          <a:fillRef idx="0">
+            <a:schemeClr val="accent1"/>
+          </a:fillRef>
+          <a:effectRef idx="2">
+            <a:schemeClr val="accent1"/>
+          </a:effectRef>
+          <a:fontRef idx="minor">
+            <a:schemeClr val="tx1"/>
+          </a:fontRef>
+        </p:style>
+      </p:cxnSp>
+      <p:cxnSp>
+        <p:nvCxnSpPr>
+          <p:cNvPr id="33" name="Straight Arrow Connector 32"/>
+          <p:cNvCxnSpPr/>
+          <p:nvPr/>
+        </p:nvCxnSpPr>
+        <p:spPr>
+          <a:xfrm flipH="1">
+            <a:off x="2472968" y="4434167"/>
+            <a:ext cx="11663" cy="1158714"/>
+          </a:xfrm>
+          <a:prstGeom prst="straightConnector1">
+            <a:avLst/>
+          </a:prstGeom>
+          <a:ln>
+            <a:tailEnd type="triangle"/>
+          </a:ln>
+        </p:spPr>
+        <p:style>
+          <a:lnRef idx="3">
+            <a:schemeClr val="accent1"/>
+          </a:lnRef>
+          <a:fillRef idx="0">
+            <a:schemeClr val="accent1"/>
+          </a:fillRef>
+          <a:effectRef idx="2">
+            <a:schemeClr val="accent1"/>
+          </a:effectRef>
+          <a:fontRef idx="minor">
+            <a:schemeClr val="tx1"/>
+          </a:fontRef>
+        </p:style>
+      </p:cxnSp>
+      <p:sp>
+        <p:nvSpPr>
+          <p:cNvPr id="34" name="Oval 33"/>
+          <p:cNvSpPr/>
+          <p:nvPr/>
+        </p:nvSpPr>
+        <p:spPr>
+          <a:xfrm>
+            <a:off x="2644639" y="3903492"/>
+            <a:ext cx="225654" cy="225654"/>
+          </a:xfrm>
+          <a:prstGeom prst="ellipse">
+            <a:avLst/>
+          </a:prstGeom>
+        </p:spPr>
+        <p:style>
+          <a:lnRef idx="1">
+            <a:schemeClr val="accent2"/>
+          </a:lnRef>
+          <a:fillRef idx="3">
+            <a:schemeClr val="accent2"/>
+          </a:fillRef>
+          <a:effectRef idx="2">
+            <a:schemeClr val="accent2"/>
+          </a:effectRef>
+          <a:fontRef idx="minor">
+            <a:schemeClr val="lt1"/>
+          </a:fontRef>
+        </p:style>
+        <p:txBody>
+          <a:bodyPr rtlCol="0" anchor="ctr"/>
+          <a:lstStyle/>
+          <a:p>
+            <a:pPr algn="ctr"/>
+            <a:r>
+              <a:rPr lang="en-IN" dirty="0" smtClean="0"/>
+              <a:t>A</a:t>
+            </a:r>
+            <a:endParaRPr lang="en-IN" dirty="0"/>
+          </a:p>
+        </p:txBody>
+      </p:sp>
+      <p:sp>
+        <p:nvSpPr>
+          <p:cNvPr id="35" name="TextBox 34"/>
+          <p:cNvSpPr txBox="1"/>
+          <p:nvPr/>
+        </p:nvSpPr>
+        <p:spPr>
+          <a:xfrm>
+            <a:off x="1760042" y="3289520"/>
+            <a:ext cx="1090363" cy="369332"/>
+          </a:xfrm>
+          <a:prstGeom prst="rect">
+            <a:avLst/>
+          </a:prstGeom>
+          <a:solidFill>
+            <a:srgbClr val="FFC000"/>
+          </a:solidFill>
+          <a:ln>
+            <a:solidFill>
+              <a:schemeClr val="tx1"/>
+            </a:solidFill>
+            <a:prstDash val="dash"/>
+          </a:ln>
+        </p:spPr>
+        <p:txBody>
+          <a:bodyPr wrap="none" rtlCol="0">
+            <a:spAutoFit/>
+          </a:bodyPr>
+          <a:lstStyle/>
+          <a:p>
+            <a:r>
+              <a:rPr lang="en-IN" dirty="0" smtClean="0"/>
+              <a:t>  Actions  </a:t>
+            </a:r>
+            <a:endParaRPr lang="en-IN" dirty="0"/>
+          </a:p>
+        </p:txBody>
+      </p:sp>
     </p:spTree>
     <p:extLst>
       <p:ext uri="{BB962C8B-B14F-4D97-AF65-F5344CB8AC3E}">
-        <p14:creationId xmlns:p14="http://schemas.microsoft.com/office/powerpoint/2010/main" val="653389779"/>
+        <p14:creationId xmlns:p14="http://schemas.microsoft.com/office/powerpoint/2010/main" val="428139973"/>
       </p:ext>
     </p:extLst>
   </p:cSld>
@@ -5570,7 +11777,7 @@
             </a:r>
             <a:r>
               <a:rPr lang="en-US" dirty="0" smtClean="0"/>
-              <a:t>: LINKS/URLs</a:t>
+              <a:t>: URLs</a:t>
             </a:r>
             <a:endParaRPr lang="en-US" dirty="0"/>
           </a:p>
@@ -5651,7 +11858,7 @@
         </p:nvSpPr>
         <p:spPr>
           <a:xfrm>
-            <a:off x="2743200" y="3445041"/>
+            <a:off x="4433454" y="3535075"/>
             <a:ext cx="3369640" cy="369332"/>
           </a:xfrm>
           <a:prstGeom prst="rect">
@@ -5667,8 +11874,47 @@
           <a:p>
             <a:r>
               <a:rPr lang="en-IN" dirty="0"/>
-              <a:t>https://github.com/ngrx/platform</a:t>
-            </a:r>
+              <a:t>https://</a:t>
+            </a:r>
+            <a:r>
+              <a:rPr lang="en-IN" dirty="0" smtClean="0"/>
+              <a:t>github.com/ngrx/platform</a:t>
+            </a:r>
+            <a:endParaRPr lang="en-IN" dirty="0"/>
+          </a:p>
+        </p:txBody>
+      </p:sp>
+      <p:sp>
+        <p:nvSpPr>
+          <p:cNvPr id="8" name="TextBox 7"/>
+          <p:cNvSpPr txBox="1"/>
+          <p:nvPr/>
+        </p:nvSpPr>
+        <p:spPr>
+          <a:xfrm>
+            <a:off x="5176872" y="2891043"/>
+            <a:ext cx="1550296" cy="369332"/>
+          </a:xfrm>
+          <a:prstGeom prst="rect">
+            <a:avLst/>
+          </a:prstGeom>
+          <a:noFill/>
+        </p:spPr>
+        <p:txBody>
+          <a:bodyPr wrap="none" rtlCol="0">
+            <a:spAutoFit/>
+          </a:bodyPr>
+          <a:lstStyle/>
+          <a:p>
+            <a:r>
+              <a:rPr lang="en-IN" dirty="0"/>
+              <a:t>https://</a:t>
+            </a:r>
+            <a:r>
+              <a:rPr lang="en-IN" dirty="0" smtClean="0"/>
+              <a:t>ngrx.io</a:t>
+            </a:r>
+            <a:endParaRPr lang="en-IN" dirty="0"/>
           </a:p>
         </p:txBody>
       </p:sp>
@@ -5711,39 +11957,10 @@
       </p:grpSpPr>
       <p:sp>
         <p:nvSpPr>
-          <p:cNvPr id="2" name="Slide Number Placeholder 1"/>
-          <p:cNvSpPr>
-            <a:spLocks noGrp="1"/>
-          </p:cNvSpPr>
-          <p:nvPr>
-            <p:ph type="sldNum" sz="quarter" idx="12"/>
-          </p:nvPr>
-        </p:nvSpPr>
-        <p:spPr>
-          <a:xfrm>
-            <a:off x="9213769" y="6324864"/>
-            <a:ext cx="2586183" cy="365125"/>
-          </a:xfrm>
-        </p:spPr>
-        <p:txBody>
-          <a:bodyPr/>
-          <a:lstStyle/>
-          <a:p>
-            <a:fld id="{22CADBEF-CB64-4529-9779-0A66BE038F96}" type="slidenum">
-              <a:rPr lang="en-IN" smtClean="0"/>
-              <a:pPr/>
-              <a:t>19</a:t>
-            </a:fld>
-            <a:endParaRPr lang="en-IN"/>
-          </a:p>
-        </p:txBody>
-      </p:sp>
-      <p:sp>
-        <p:nvSpPr>
-          <p:cNvPr id="5" name="Title 1">
+          <p:cNvPr id="4" name="Slide Number Placeholder 3">
             <a:extLst>
               <a:ext uri="{FF2B5EF4-FFF2-40B4-BE49-F238E27FC236}">
-                <a16:creationId xmlns:a16="http://schemas.microsoft.com/office/drawing/2014/main" id="{6CC0530D-B4D4-4517-80E1-D297D2A19555}"/>
+                <a16:creationId xmlns:a16="http://schemas.microsoft.com/office/drawing/2014/main" id="{F329D0C7-8E3E-4985-B259-CB8447CFC635}"/>
               </a:ext>
             </a:extLst>
           </p:cNvPr>
@@ -5751,127 +11968,67 @@
             <a:spLocks noGrp="1"/>
           </p:cNvSpPr>
           <p:nvPr>
-            <p:ph type="title"/>
+            <p:ph type="sldNum" sz="quarter" idx="12"/>
           </p:nvPr>
         </p:nvSpPr>
         <p:spPr>
           <a:xfrm>
-            <a:off x="1457739" y="1027046"/>
-            <a:ext cx="10114829" cy="588989"/>
-          </a:xfrm>
-        </p:spPr>
-        <p:txBody>
-          <a:bodyPr>
-            <a:normAutofit fontScale="90000"/>
-          </a:bodyPr>
+            <a:off x="8965476" y="6313454"/>
+            <a:ext cx="2844800" cy="365125"/>
+          </a:xfrm>
+        </p:spPr>
+        <p:txBody>
+          <a:bodyPr/>
           <a:lstStyle/>
           <a:p>
-            <a:r>
-              <a:rPr lang="en-US" dirty="0" smtClean="0"/>
-              <a:t>NGRX Architecture: Example</a:t>
-            </a:r>
-            <a:endParaRPr lang="en-US" dirty="0"/>
-          </a:p>
-        </p:txBody>
-      </p:sp>
-      <p:cxnSp>
-        <p:nvCxnSpPr>
-          <p:cNvPr id="7" name="Straight Connector 6">
+            <a:fld id="{22CADBEF-CB64-4529-9779-0A66BE038F96}" type="slidenum">
+              <a:rPr lang="en-IN" smtClean="0"/>
+              <a:pPr/>
+              <a:t>19</a:t>
+            </a:fld>
+            <a:endParaRPr lang="en-IN"/>
+          </a:p>
+        </p:txBody>
+      </p:sp>
+      <p:sp>
+        <p:nvSpPr>
+          <p:cNvPr id="9" name="TextBox 8">
             <a:extLst>
               <a:ext uri="{FF2B5EF4-FFF2-40B4-BE49-F238E27FC236}">
-                <a16:creationId xmlns:a16="http://schemas.microsoft.com/office/drawing/2014/main" id="{3515CC8D-5F4A-422E-A715-4030E5DE5E45}"/>
+                <a16:creationId xmlns:a16="http://schemas.microsoft.com/office/drawing/2014/main" id="{53CF8C61-EA68-424A-A3D9-51469FD82A2A}"/>
               </a:ext>
             </a:extLst>
           </p:cNvPr>
-          <p:cNvCxnSpPr/>
-          <p:nvPr/>
-        </p:nvCxnSpPr>
-        <p:spPr>
-          <a:xfrm>
-            <a:off x="1577788" y="1748118"/>
-            <a:ext cx="9861176" cy="0"/>
-          </a:xfrm>
-          <a:prstGeom prst="line">
-            <a:avLst/>
-          </a:prstGeom>
-          <a:ln w="28575">
-            <a:solidFill>
-              <a:srgbClr val="EA2073"/>
-            </a:solidFill>
-          </a:ln>
-        </p:spPr>
-        <p:style>
-          <a:lnRef idx="1">
-            <a:schemeClr val="accent1"/>
-          </a:lnRef>
-          <a:fillRef idx="0">
-            <a:schemeClr val="accent1"/>
-          </a:fillRef>
-          <a:effectRef idx="0">
-            <a:schemeClr val="accent1"/>
-          </a:effectRef>
-          <a:fontRef idx="minor">
-            <a:schemeClr val="tx1"/>
-          </a:fontRef>
-        </p:style>
-      </p:cxnSp>
-      <p:pic>
-        <p:nvPicPr>
-          <p:cNvPr id="8" name="Picture 7"/>
-          <p:cNvPicPr>
-            <a:picLocks noChangeAspect="1"/>
-          </p:cNvPicPr>
-          <p:nvPr/>
-        </p:nvPicPr>
-        <p:blipFill rotWithShape="1">
-          <a:blip r:embed="rId2"/>
-          <a:srcRect l="35275" r="41935" b="81696"/>
-          <a:stretch/>
-        </p:blipFill>
-        <p:spPr>
-          <a:xfrm>
-            <a:off x="1577788" y="3426701"/>
-            <a:ext cx="4655670" cy="2102229"/>
+          <p:cNvSpPr txBox="1"/>
+          <p:nvPr/>
+        </p:nvSpPr>
+        <p:spPr>
+          <a:xfrm flipH="1">
+            <a:off x="5074922" y="2605653"/>
+            <a:ext cx="2340294" cy="646459"/>
           </a:xfrm>
           <a:prstGeom prst="rect">
             <a:avLst/>
           </a:prstGeom>
-        </p:spPr>
-      </p:pic>
-      <p:sp>
-        <p:nvSpPr>
-          <p:cNvPr id="9" name="Content Placeholder 1"/>
-          <p:cNvSpPr>
-            <a:spLocks noGrp="1"/>
-          </p:cNvSpPr>
-          <p:nvPr>
-            <p:ph idx="1"/>
-          </p:nvPr>
-        </p:nvSpPr>
-        <p:spPr>
-          <a:xfrm>
-            <a:off x="7275805" y="2799858"/>
-            <a:ext cx="4163159" cy="2341182"/>
-          </a:xfrm>
-        </p:spPr>
-        <p:txBody>
-          <a:bodyPr>
-            <a:noAutofit/>
+          <a:noFill/>
+        </p:spPr>
+        <p:txBody>
+          <a:bodyPr wrap="square" rtlCol="0">
+            <a:spAutoFit/>
           </a:bodyPr>
           <a:lstStyle/>
           <a:p>
             <a:r>
-              <a:rPr lang="en-US" sz="1800" dirty="0" smtClean="0"/>
-              <a:t>CREATING MODEL</a:t>
-            </a:r>
-            <a:endParaRPr lang="en-IN" sz="1800" dirty="0"/>
+              <a:rPr lang="en-IN" sz="3601" dirty="0"/>
+              <a:t>Thank You!</a:t>
+            </a:r>
           </a:p>
         </p:txBody>
       </p:sp>
     </p:spTree>
     <p:extLst>
       <p:ext uri="{BB962C8B-B14F-4D97-AF65-F5344CB8AC3E}">
-        <p14:creationId xmlns:p14="http://schemas.microsoft.com/office/powerpoint/2010/main" val="584506771"/>
+        <p14:creationId xmlns:p14="http://schemas.microsoft.com/office/powerpoint/2010/main" val="2326560528"/>
       </p:ext>
     </p:extLst>
   </p:cSld>
@@ -6472,1544 +12629,6 @@
       </p:grpSpPr>
       <p:sp>
         <p:nvSpPr>
-          <p:cNvPr id="2" name="Slide Number Placeholder 1"/>
-          <p:cNvSpPr>
-            <a:spLocks noGrp="1"/>
-          </p:cNvSpPr>
-          <p:nvPr>
-            <p:ph type="sldNum" sz="quarter" idx="12"/>
-          </p:nvPr>
-        </p:nvSpPr>
-        <p:spPr>
-          <a:xfrm>
-            <a:off x="9213769" y="6324864"/>
-            <a:ext cx="2586183" cy="365125"/>
-          </a:xfrm>
-        </p:spPr>
-        <p:txBody>
-          <a:bodyPr/>
-          <a:lstStyle/>
-          <a:p>
-            <a:fld id="{22CADBEF-CB64-4529-9779-0A66BE038F96}" type="slidenum">
-              <a:rPr lang="en-IN" smtClean="0"/>
-              <a:pPr/>
-              <a:t>20</a:t>
-            </a:fld>
-            <a:endParaRPr lang="en-IN"/>
-          </a:p>
-        </p:txBody>
-      </p:sp>
-      <p:sp>
-        <p:nvSpPr>
-          <p:cNvPr id="5" name="Title 1">
-            <a:extLst>
-              <a:ext uri="{FF2B5EF4-FFF2-40B4-BE49-F238E27FC236}">
-                <a16:creationId xmlns:a16="http://schemas.microsoft.com/office/drawing/2014/main" id="{6CC0530D-B4D4-4517-80E1-D297D2A19555}"/>
-              </a:ext>
-            </a:extLst>
-          </p:cNvPr>
-          <p:cNvSpPr>
-            <a:spLocks noGrp="1"/>
-          </p:cNvSpPr>
-          <p:nvPr>
-            <p:ph type="title"/>
-          </p:nvPr>
-        </p:nvSpPr>
-        <p:spPr>
-          <a:xfrm>
-            <a:off x="1457739" y="1027046"/>
-            <a:ext cx="10114829" cy="588989"/>
-          </a:xfrm>
-        </p:spPr>
-        <p:txBody>
-          <a:bodyPr>
-            <a:normAutofit fontScale="90000"/>
-          </a:bodyPr>
-          <a:lstStyle/>
-          <a:p>
-            <a:r>
-              <a:rPr lang="en-US" dirty="0" smtClean="0"/>
-              <a:t>NGRX Architecture: Example</a:t>
-            </a:r>
-            <a:endParaRPr lang="en-US" dirty="0"/>
-          </a:p>
-        </p:txBody>
-      </p:sp>
-      <p:cxnSp>
-        <p:nvCxnSpPr>
-          <p:cNvPr id="7" name="Straight Connector 6">
-            <a:extLst>
-              <a:ext uri="{FF2B5EF4-FFF2-40B4-BE49-F238E27FC236}">
-                <a16:creationId xmlns:a16="http://schemas.microsoft.com/office/drawing/2014/main" id="{3515CC8D-5F4A-422E-A715-4030E5DE5E45}"/>
-              </a:ext>
-            </a:extLst>
-          </p:cNvPr>
-          <p:cNvCxnSpPr/>
-          <p:nvPr/>
-        </p:nvCxnSpPr>
-        <p:spPr>
-          <a:xfrm>
-            <a:off x="1577788" y="1748118"/>
-            <a:ext cx="9861176" cy="0"/>
-          </a:xfrm>
-          <a:prstGeom prst="line">
-            <a:avLst/>
-          </a:prstGeom>
-          <a:ln w="28575">
-            <a:solidFill>
-              <a:srgbClr val="EA2073"/>
-            </a:solidFill>
-          </a:ln>
-        </p:spPr>
-        <p:style>
-          <a:lnRef idx="1">
-            <a:schemeClr val="accent1"/>
-          </a:lnRef>
-          <a:fillRef idx="0">
-            <a:schemeClr val="accent1"/>
-          </a:fillRef>
-          <a:effectRef idx="0">
-            <a:schemeClr val="accent1"/>
-          </a:effectRef>
-          <a:fontRef idx="minor">
-            <a:schemeClr val="tx1"/>
-          </a:fontRef>
-        </p:style>
-      </p:cxnSp>
-      <p:sp>
-        <p:nvSpPr>
-          <p:cNvPr id="9" name="Content Placeholder 1"/>
-          <p:cNvSpPr>
-            <a:spLocks noGrp="1"/>
-          </p:cNvSpPr>
-          <p:nvPr>
-            <p:ph idx="1"/>
-          </p:nvPr>
-        </p:nvSpPr>
-        <p:spPr>
-          <a:xfrm>
-            <a:off x="7817226" y="2832453"/>
-            <a:ext cx="4163159" cy="2341182"/>
-          </a:xfrm>
-        </p:spPr>
-        <p:txBody>
-          <a:bodyPr>
-            <a:noAutofit/>
-          </a:bodyPr>
-          <a:lstStyle/>
-          <a:p>
-            <a:pPr marL="0" indent="0">
-              <a:buNone/>
-            </a:pPr>
-            <a:r>
-              <a:rPr lang="en-US" sz="1800" dirty="0" smtClean="0"/>
-              <a:t>CREATING AN ACTION</a:t>
-            </a:r>
-          </a:p>
-          <a:p>
-            <a:endParaRPr lang="en-US" sz="1800" dirty="0"/>
-          </a:p>
-          <a:p>
-            <a:pPr marL="0" indent="0">
-              <a:buNone/>
-            </a:pPr>
-            <a:r>
-              <a:rPr lang="en-US" sz="1800" dirty="0"/>
-              <a:t>An action in </a:t>
-            </a:r>
-            <a:r>
-              <a:rPr lang="en-US" sz="1800" dirty="0" err="1"/>
-              <a:t>Ngrx</a:t>
-            </a:r>
-            <a:r>
-              <a:rPr lang="en-US" sz="1800" dirty="0"/>
-              <a:t>/store is two things:</a:t>
-            </a:r>
-          </a:p>
-          <a:p>
-            <a:r>
-              <a:rPr lang="en-US" sz="1800" dirty="0"/>
-              <a:t>A type in the form of a string. It describes what's happening.</a:t>
-            </a:r>
-          </a:p>
-          <a:p>
-            <a:r>
-              <a:rPr lang="en-US" sz="1800" dirty="0"/>
-              <a:t>It contains an optional payload of data.</a:t>
-            </a:r>
-          </a:p>
-          <a:p>
-            <a:endParaRPr lang="en-IN" sz="1800" dirty="0"/>
-          </a:p>
-        </p:txBody>
-      </p:sp>
-      <p:pic>
-        <p:nvPicPr>
-          <p:cNvPr id="3" name="Picture 2"/>
-          <p:cNvPicPr>
-            <a:picLocks noChangeAspect="1"/>
-          </p:cNvPicPr>
-          <p:nvPr/>
-        </p:nvPicPr>
-        <p:blipFill rotWithShape="1">
-          <a:blip r:embed="rId2"/>
-          <a:srcRect l="96" t="19360" r="83258" b="33882"/>
-          <a:stretch/>
-        </p:blipFill>
-        <p:spPr>
-          <a:xfrm>
-            <a:off x="421104" y="3164305"/>
-            <a:ext cx="2165685" cy="3420508"/>
-          </a:xfrm>
-          <a:prstGeom prst="rect">
-            <a:avLst/>
-          </a:prstGeom>
-        </p:spPr>
-      </p:pic>
-      <p:pic>
-        <p:nvPicPr>
-          <p:cNvPr id="10" name="Picture 9"/>
-          <p:cNvPicPr>
-            <a:picLocks noChangeAspect="1"/>
-          </p:cNvPicPr>
-          <p:nvPr/>
-        </p:nvPicPr>
-        <p:blipFill rotWithShape="1">
-          <a:blip r:embed="rId2"/>
-          <a:srcRect l="35248" t="117" r="27668" b="39851"/>
-          <a:stretch/>
-        </p:blipFill>
-        <p:spPr>
-          <a:xfrm>
-            <a:off x="2707105" y="2193287"/>
-            <a:ext cx="4824663" cy="4391526"/>
-          </a:xfrm>
-          <a:prstGeom prst="rect">
-            <a:avLst/>
-          </a:prstGeom>
-        </p:spPr>
-      </p:pic>
-    </p:spTree>
-    <p:extLst>
-      <p:ext uri="{BB962C8B-B14F-4D97-AF65-F5344CB8AC3E}">
-        <p14:creationId xmlns:p14="http://schemas.microsoft.com/office/powerpoint/2010/main" val="845903311"/>
-      </p:ext>
-    </p:extLst>
-  </p:cSld>
-  <p:clrMapOvr>
-    <a:masterClrMapping/>
-  </p:clrMapOvr>
-  <p:timing>
-    <p:tnLst>
-      <p:par>
-        <p:cTn id="1" dur="indefinite" restart="never" nodeType="tmRoot"/>
-      </p:par>
-    </p:tnLst>
-  </p:timing>
-</p:sld>
-</file>
-
-<file path=ppt/slides/slide21.xml><?xml version="1.0" encoding="utf-8"?>
-<p:sld xmlns:a="http://schemas.openxmlformats.org/drawingml/2006/main" xmlns:r="http://schemas.openxmlformats.org/officeDocument/2006/relationships" xmlns:p="http://schemas.openxmlformats.org/presentationml/2006/main">
-  <p:cSld>
-    <p:spTree>
-      <p:nvGrpSpPr>
-        <p:cNvPr id="1" name=""/>
-        <p:cNvGrpSpPr/>
-        <p:nvPr/>
-      </p:nvGrpSpPr>
-      <p:grpSpPr>
-        <a:xfrm>
-          <a:off x="0" y="0"/>
-          <a:ext cx="0" cy="0"/>
-          <a:chOff x="0" y="0"/>
-          <a:chExt cx="0" cy="0"/>
-        </a:xfrm>
-      </p:grpSpPr>
-      <p:sp>
-        <p:nvSpPr>
-          <p:cNvPr id="2" name="Slide Number Placeholder 1"/>
-          <p:cNvSpPr>
-            <a:spLocks noGrp="1"/>
-          </p:cNvSpPr>
-          <p:nvPr>
-            <p:ph type="sldNum" sz="quarter" idx="12"/>
-          </p:nvPr>
-        </p:nvSpPr>
-        <p:spPr>
-          <a:xfrm>
-            <a:off x="9213769" y="6324864"/>
-            <a:ext cx="2586183" cy="365125"/>
-          </a:xfrm>
-        </p:spPr>
-        <p:txBody>
-          <a:bodyPr/>
-          <a:lstStyle/>
-          <a:p>
-            <a:fld id="{22CADBEF-CB64-4529-9779-0A66BE038F96}" type="slidenum">
-              <a:rPr lang="en-IN" smtClean="0"/>
-              <a:pPr/>
-              <a:t>21</a:t>
-            </a:fld>
-            <a:endParaRPr lang="en-IN"/>
-          </a:p>
-        </p:txBody>
-      </p:sp>
-      <p:sp>
-        <p:nvSpPr>
-          <p:cNvPr id="5" name="Title 1">
-            <a:extLst>
-              <a:ext uri="{FF2B5EF4-FFF2-40B4-BE49-F238E27FC236}">
-                <a16:creationId xmlns:a16="http://schemas.microsoft.com/office/drawing/2014/main" id="{6CC0530D-B4D4-4517-80E1-D297D2A19555}"/>
-              </a:ext>
-            </a:extLst>
-          </p:cNvPr>
-          <p:cNvSpPr>
-            <a:spLocks noGrp="1"/>
-          </p:cNvSpPr>
-          <p:nvPr>
-            <p:ph type="title"/>
-          </p:nvPr>
-        </p:nvSpPr>
-        <p:spPr>
-          <a:xfrm>
-            <a:off x="1457739" y="1027046"/>
-            <a:ext cx="10114829" cy="588989"/>
-          </a:xfrm>
-        </p:spPr>
-        <p:txBody>
-          <a:bodyPr>
-            <a:normAutofit fontScale="90000"/>
-          </a:bodyPr>
-          <a:lstStyle/>
-          <a:p>
-            <a:r>
-              <a:rPr lang="en-US" dirty="0" smtClean="0"/>
-              <a:t>NGRX Architecture: Example</a:t>
-            </a:r>
-            <a:endParaRPr lang="en-US" dirty="0"/>
-          </a:p>
-        </p:txBody>
-      </p:sp>
-      <p:cxnSp>
-        <p:nvCxnSpPr>
-          <p:cNvPr id="7" name="Straight Connector 6">
-            <a:extLst>
-              <a:ext uri="{FF2B5EF4-FFF2-40B4-BE49-F238E27FC236}">
-                <a16:creationId xmlns:a16="http://schemas.microsoft.com/office/drawing/2014/main" id="{3515CC8D-5F4A-422E-A715-4030E5DE5E45}"/>
-              </a:ext>
-            </a:extLst>
-          </p:cNvPr>
-          <p:cNvCxnSpPr/>
-          <p:nvPr/>
-        </p:nvCxnSpPr>
-        <p:spPr>
-          <a:xfrm>
-            <a:off x="1577788" y="1748118"/>
-            <a:ext cx="9861176" cy="0"/>
-          </a:xfrm>
-          <a:prstGeom prst="line">
-            <a:avLst/>
-          </a:prstGeom>
-          <a:ln w="28575">
-            <a:solidFill>
-              <a:srgbClr val="EA2073"/>
-            </a:solidFill>
-          </a:ln>
-        </p:spPr>
-        <p:style>
-          <a:lnRef idx="1">
-            <a:schemeClr val="accent1"/>
-          </a:lnRef>
-          <a:fillRef idx="0">
-            <a:schemeClr val="accent1"/>
-          </a:fillRef>
-          <a:effectRef idx="0">
-            <a:schemeClr val="accent1"/>
-          </a:effectRef>
-          <a:fontRef idx="minor">
-            <a:schemeClr val="tx1"/>
-          </a:fontRef>
-        </p:style>
-      </p:cxnSp>
-      <p:sp>
-        <p:nvSpPr>
-          <p:cNvPr id="9" name="Content Placeholder 1"/>
-          <p:cNvSpPr>
-            <a:spLocks noGrp="1"/>
-          </p:cNvSpPr>
-          <p:nvPr>
-            <p:ph idx="1"/>
-          </p:nvPr>
-        </p:nvSpPr>
-        <p:spPr>
-          <a:xfrm>
-            <a:off x="7817226" y="2832453"/>
-            <a:ext cx="4163159" cy="1679389"/>
-          </a:xfrm>
-        </p:spPr>
-        <p:txBody>
-          <a:bodyPr>
-            <a:noAutofit/>
-          </a:bodyPr>
-          <a:lstStyle/>
-          <a:p>
-            <a:pPr marL="0" indent="0">
-              <a:buNone/>
-            </a:pPr>
-            <a:r>
-              <a:rPr lang="en-US" sz="1800" dirty="0" smtClean="0"/>
-              <a:t>CREATING A REDUCER</a:t>
-            </a:r>
-            <a:endParaRPr lang="en-US" sz="1800" dirty="0"/>
-          </a:p>
-          <a:p>
-            <a:r>
-              <a:rPr lang="en-US" sz="1800" dirty="0"/>
-              <a:t>A reducer is what takes the incoming action and decides what to do with it. </a:t>
-            </a:r>
-            <a:endParaRPr lang="en-US" sz="1800" dirty="0" smtClean="0"/>
-          </a:p>
-          <a:p>
-            <a:r>
-              <a:rPr lang="en-US" sz="1800" dirty="0" smtClean="0"/>
-              <a:t>It </a:t>
-            </a:r>
-            <a:r>
-              <a:rPr lang="en-US" sz="1800" dirty="0"/>
-              <a:t>takes the previous state and returns a new state based on the given action. </a:t>
-            </a:r>
-            <a:endParaRPr lang="en-IN" sz="1800" dirty="0"/>
-          </a:p>
-        </p:txBody>
-      </p:sp>
-      <p:pic>
-        <p:nvPicPr>
-          <p:cNvPr id="6" name="Picture 5"/>
-          <p:cNvPicPr>
-            <a:picLocks noChangeAspect="1"/>
-          </p:cNvPicPr>
-          <p:nvPr/>
-        </p:nvPicPr>
-        <p:blipFill rotWithShape="1">
-          <a:blip r:embed="rId2"/>
-          <a:srcRect l="4350" t="4276" r="37856" b="41118"/>
-          <a:stretch/>
-        </p:blipFill>
-        <p:spPr>
-          <a:xfrm>
-            <a:off x="297490" y="2418348"/>
-            <a:ext cx="7519736" cy="3994484"/>
-          </a:xfrm>
-          <a:prstGeom prst="rect">
-            <a:avLst/>
-          </a:prstGeom>
-        </p:spPr>
-      </p:pic>
-    </p:spTree>
-    <p:extLst>
-      <p:ext uri="{BB962C8B-B14F-4D97-AF65-F5344CB8AC3E}">
-        <p14:creationId xmlns:p14="http://schemas.microsoft.com/office/powerpoint/2010/main" val="1402055838"/>
-      </p:ext>
-    </p:extLst>
-  </p:cSld>
-  <p:clrMapOvr>
-    <a:masterClrMapping/>
-  </p:clrMapOvr>
-  <p:timing>
-    <p:tnLst>
-      <p:par>
-        <p:cTn id="1" dur="indefinite" restart="never" nodeType="tmRoot"/>
-      </p:par>
-    </p:tnLst>
-  </p:timing>
-</p:sld>
-</file>
-
-<file path=ppt/slides/slide22.xml><?xml version="1.0" encoding="utf-8"?>
-<p:sld xmlns:a="http://schemas.openxmlformats.org/drawingml/2006/main" xmlns:r="http://schemas.openxmlformats.org/officeDocument/2006/relationships" xmlns:p="http://schemas.openxmlformats.org/presentationml/2006/main">
-  <p:cSld>
-    <p:spTree>
-      <p:nvGrpSpPr>
-        <p:cNvPr id="1" name=""/>
-        <p:cNvGrpSpPr/>
-        <p:nvPr/>
-      </p:nvGrpSpPr>
-      <p:grpSpPr>
-        <a:xfrm>
-          <a:off x="0" y="0"/>
-          <a:ext cx="0" cy="0"/>
-          <a:chOff x="0" y="0"/>
-          <a:chExt cx="0" cy="0"/>
-        </a:xfrm>
-      </p:grpSpPr>
-      <p:sp>
-        <p:nvSpPr>
-          <p:cNvPr id="2" name="Slide Number Placeholder 1"/>
-          <p:cNvSpPr>
-            <a:spLocks noGrp="1"/>
-          </p:cNvSpPr>
-          <p:nvPr>
-            <p:ph type="sldNum" sz="quarter" idx="12"/>
-          </p:nvPr>
-        </p:nvSpPr>
-        <p:spPr>
-          <a:xfrm>
-            <a:off x="9213769" y="6324864"/>
-            <a:ext cx="2586183" cy="365125"/>
-          </a:xfrm>
-        </p:spPr>
-        <p:txBody>
-          <a:bodyPr/>
-          <a:lstStyle/>
-          <a:p>
-            <a:fld id="{22CADBEF-CB64-4529-9779-0A66BE038F96}" type="slidenum">
-              <a:rPr lang="en-IN" smtClean="0"/>
-              <a:pPr/>
-              <a:t>22</a:t>
-            </a:fld>
-            <a:endParaRPr lang="en-IN"/>
-          </a:p>
-        </p:txBody>
-      </p:sp>
-      <p:sp>
-        <p:nvSpPr>
-          <p:cNvPr id="5" name="Title 1">
-            <a:extLst>
-              <a:ext uri="{FF2B5EF4-FFF2-40B4-BE49-F238E27FC236}">
-                <a16:creationId xmlns:a16="http://schemas.microsoft.com/office/drawing/2014/main" id="{6CC0530D-B4D4-4517-80E1-D297D2A19555}"/>
-              </a:ext>
-            </a:extLst>
-          </p:cNvPr>
-          <p:cNvSpPr>
-            <a:spLocks noGrp="1"/>
-          </p:cNvSpPr>
-          <p:nvPr>
-            <p:ph type="title"/>
-          </p:nvPr>
-        </p:nvSpPr>
-        <p:spPr>
-          <a:xfrm>
-            <a:off x="1457739" y="1027046"/>
-            <a:ext cx="10114829" cy="588989"/>
-          </a:xfrm>
-        </p:spPr>
-        <p:txBody>
-          <a:bodyPr>
-            <a:normAutofit fontScale="90000"/>
-          </a:bodyPr>
-          <a:lstStyle/>
-          <a:p>
-            <a:r>
-              <a:rPr lang="en-US" dirty="0" smtClean="0"/>
-              <a:t>NGRX Architecture: Example</a:t>
-            </a:r>
-            <a:endParaRPr lang="en-US" dirty="0"/>
-          </a:p>
-        </p:txBody>
-      </p:sp>
-      <p:cxnSp>
-        <p:nvCxnSpPr>
-          <p:cNvPr id="7" name="Straight Connector 6">
-            <a:extLst>
-              <a:ext uri="{FF2B5EF4-FFF2-40B4-BE49-F238E27FC236}">
-                <a16:creationId xmlns:a16="http://schemas.microsoft.com/office/drawing/2014/main" id="{3515CC8D-5F4A-422E-A715-4030E5DE5E45}"/>
-              </a:ext>
-            </a:extLst>
-          </p:cNvPr>
-          <p:cNvCxnSpPr/>
-          <p:nvPr/>
-        </p:nvCxnSpPr>
-        <p:spPr>
-          <a:xfrm>
-            <a:off x="1577788" y="1748118"/>
-            <a:ext cx="9861176" cy="0"/>
-          </a:xfrm>
-          <a:prstGeom prst="line">
-            <a:avLst/>
-          </a:prstGeom>
-          <a:ln w="28575">
-            <a:solidFill>
-              <a:srgbClr val="EA2073"/>
-            </a:solidFill>
-          </a:ln>
-        </p:spPr>
-        <p:style>
-          <a:lnRef idx="1">
-            <a:schemeClr val="accent1"/>
-          </a:lnRef>
-          <a:fillRef idx="0">
-            <a:schemeClr val="accent1"/>
-          </a:fillRef>
-          <a:effectRef idx="0">
-            <a:schemeClr val="accent1"/>
-          </a:effectRef>
-          <a:fontRef idx="minor">
-            <a:schemeClr val="tx1"/>
-          </a:fontRef>
-        </p:style>
-      </p:cxnSp>
-      <p:sp>
-        <p:nvSpPr>
-          <p:cNvPr id="9" name="Content Placeholder 1"/>
-          <p:cNvSpPr>
-            <a:spLocks noGrp="1"/>
-          </p:cNvSpPr>
-          <p:nvPr>
-            <p:ph idx="1"/>
-          </p:nvPr>
-        </p:nvSpPr>
-        <p:spPr>
-          <a:xfrm>
-            <a:off x="7817226" y="2832453"/>
-            <a:ext cx="4163159" cy="1679389"/>
-          </a:xfrm>
-        </p:spPr>
-        <p:txBody>
-          <a:bodyPr>
-            <a:noAutofit/>
-          </a:bodyPr>
-          <a:lstStyle/>
-          <a:p>
-            <a:pPr marL="0" indent="0">
-              <a:buNone/>
-            </a:pPr>
-            <a:r>
-              <a:rPr lang="en-US" sz="1800" dirty="0" smtClean="0"/>
-              <a:t>CREATING AN APP STATE</a:t>
-            </a:r>
-            <a:endParaRPr lang="en-IN" sz="1800" dirty="0"/>
-          </a:p>
-        </p:txBody>
-      </p:sp>
-    </p:spTree>
-    <p:extLst>
-      <p:ext uri="{BB962C8B-B14F-4D97-AF65-F5344CB8AC3E}">
-        <p14:creationId xmlns:p14="http://schemas.microsoft.com/office/powerpoint/2010/main" val="3195332307"/>
-      </p:ext>
-    </p:extLst>
-  </p:cSld>
-  <p:clrMapOvr>
-    <a:masterClrMapping/>
-  </p:clrMapOvr>
-  <p:timing>
-    <p:tnLst>
-      <p:par>
-        <p:cTn id="1" dur="indefinite" restart="never" nodeType="tmRoot"/>
-      </p:par>
-    </p:tnLst>
-  </p:timing>
-</p:sld>
-</file>
-
-<file path=ppt/slides/slide23.xml><?xml version="1.0" encoding="utf-8"?>
-<p:sld xmlns:a="http://schemas.openxmlformats.org/drawingml/2006/main" xmlns:r="http://schemas.openxmlformats.org/officeDocument/2006/relationships" xmlns:p="http://schemas.openxmlformats.org/presentationml/2006/main">
-  <p:cSld>
-    <p:spTree>
-      <p:nvGrpSpPr>
-        <p:cNvPr id="1" name=""/>
-        <p:cNvGrpSpPr/>
-        <p:nvPr/>
-      </p:nvGrpSpPr>
-      <p:grpSpPr>
-        <a:xfrm>
-          <a:off x="0" y="0"/>
-          <a:ext cx="0" cy="0"/>
-          <a:chOff x="0" y="0"/>
-          <a:chExt cx="0" cy="0"/>
-        </a:xfrm>
-      </p:grpSpPr>
-      <p:sp>
-        <p:nvSpPr>
-          <p:cNvPr id="2" name="Slide Number Placeholder 1"/>
-          <p:cNvSpPr>
-            <a:spLocks noGrp="1"/>
-          </p:cNvSpPr>
-          <p:nvPr>
-            <p:ph type="sldNum" sz="quarter" idx="12"/>
-          </p:nvPr>
-        </p:nvSpPr>
-        <p:spPr>
-          <a:xfrm>
-            <a:off x="9213769" y="6324864"/>
-            <a:ext cx="2586183" cy="365125"/>
-          </a:xfrm>
-        </p:spPr>
-        <p:txBody>
-          <a:bodyPr/>
-          <a:lstStyle/>
-          <a:p>
-            <a:fld id="{22CADBEF-CB64-4529-9779-0A66BE038F96}" type="slidenum">
-              <a:rPr lang="en-IN" smtClean="0"/>
-              <a:pPr/>
-              <a:t>23</a:t>
-            </a:fld>
-            <a:endParaRPr lang="en-IN"/>
-          </a:p>
-        </p:txBody>
-      </p:sp>
-      <p:sp>
-        <p:nvSpPr>
-          <p:cNvPr id="5" name="Title 1">
-            <a:extLst>
-              <a:ext uri="{FF2B5EF4-FFF2-40B4-BE49-F238E27FC236}">
-                <a16:creationId xmlns:a16="http://schemas.microsoft.com/office/drawing/2014/main" id="{6CC0530D-B4D4-4517-80E1-D297D2A19555}"/>
-              </a:ext>
-            </a:extLst>
-          </p:cNvPr>
-          <p:cNvSpPr>
-            <a:spLocks noGrp="1"/>
-          </p:cNvSpPr>
-          <p:nvPr>
-            <p:ph type="title"/>
-          </p:nvPr>
-        </p:nvSpPr>
-        <p:spPr>
-          <a:xfrm>
-            <a:off x="1457739" y="1027046"/>
-            <a:ext cx="10114829" cy="588989"/>
-          </a:xfrm>
-        </p:spPr>
-        <p:txBody>
-          <a:bodyPr>
-            <a:normAutofit fontScale="90000"/>
-          </a:bodyPr>
-          <a:lstStyle/>
-          <a:p>
-            <a:r>
-              <a:rPr lang="en-US" dirty="0" smtClean="0"/>
-              <a:t>NGRX Architecture: Example</a:t>
-            </a:r>
-            <a:endParaRPr lang="en-US" dirty="0"/>
-          </a:p>
-        </p:txBody>
-      </p:sp>
-      <p:cxnSp>
-        <p:nvCxnSpPr>
-          <p:cNvPr id="7" name="Straight Connector 6">
-            <a:extLst>
-              <a:ext uri="{FF2B5EF4-FFF2-40B4-BE49-F238E27FC236}">
-                <a16:creationId xmlns:a16="http://schemas.microsoft.com/office/drawing/2014/main" id="{3515CC8D-5F4A-422E-A715-4030E5DE5E45}"/>
-              </a:ext>
-            </a:extLst>
-          </p:cNvPr>
-          <p:cNvCxnSpPr/>
-          <p:nvPr/>
-        </p:nvCxnSpPr>
-        <p:spPr>
-          <a:xfrm>
-            <a:off x="1577788" y="1748118"/>
-            <a:ext cx="9861176" cy="0"/>
-          </a:xfrm>
-          <a:prstGeom prst="line">
-            <a:avLst/>
-          </a:prstGeom>
-          <a:ln w="28575">
-            <a:solidFill>
-              <a:srgbClr val="EA2073"/>
-            </a:solidFill>
-          </a:ln>
-        </p:spPr>
-        <p:style>
-          <a:lnRef idx="1">
-            <a:schemeClr val="accent1"/>
-          </a:lnRef>
-          <a:fillRef idx="0">
-            <a:schemeClr val="accent1"/>
-          </a:fillRef>
-          <a:effectRef idx="0">
-            <a:schemeClr val="accent1"/>
-          </a:effectRef>
-          <a:fontRef idx="minor">
-            <a:schemeClr val="tx1"/>
-          </a:fontRef>
-        </p:style>
-      </p:cxnSp>
-      <p:sp>
-        <p:nvSpPr>
-          <p:cNvPr id="9" name="Content Placeholder 1"/>
-          <p:cNvSpPr>
-            <a:spLocks noGrp="1"/>
-          </p:cNvSpPr>
-          <p:nvPr>
-            <p:ph idx="1"/>
-          </p:nvPr>
-        </p:nvSpPr>
-        <p:spPr>
-          <a:xfrm>
-            <a:off x="7817226" y="2832453"/>
-            <a:ext cx="4163159" cy="1679389"/>
-          </a:xfrm>
-        </p:spPr>
-        <p:txBody>
-          <a:bodyPr>
-            <a:noAutofit/>
-          </a:bodyPr>
-          <a:lstStyle/>
-          <a:p>
-            <a:pPr marL="0" indent="0">
-              <a:buNone/>
-            </a:pPr>
-            <a:r>
-              <a:rPr lang="en-US" sz="1800" dirty="0" smtClean="0"/>
-              <a:t>UPDATE APP.MODULE</a:t>
-            </a:r>
-            <a:endParaRPr lang="en-IN" sz="1800" dirty="0"/>
-          </a:p>
-        </p:txBody>
-      </p:sp>
-    </p:spTree>
-    <p:extLst>
-      <p:ext uri="{BB962C8B-B14F-4D97-AF65-F5344CB8AC3E}">
-        <p14:creationId xmlns:p14="http://schemas.microsoft.com/office/powerpoint/2010/main" val="1124813654"/>
-      </p:ext>
-    </p:extLst>
-  </p:cSld>
-  <p:clrMapOvr>
-    <a:masterClrMapping/>
-  </p:clrMapOvr>
-  <p:timing>
-    <p:tnLst>
-      <p:par>
-        <p:cTn id="1" dur="indefinite" restart="never" nodeType="tmRoot"/>
-      </p:par>
-    </p:tnLst>
-  </p:timing>
-</p:sld>
-</file>
-
-<file path=ppt/slides/slide24.xml><?xml version="1.0" encoding="utf-8"?>
-<p:sld xmlns:a="http://schemas.openxmlformats.org/drawingml/2006/main" xmlns:r="http://schemas.openxmlformats.org/officeDocument/2006/relationships" xmlns:p="http://schemas.openxmlformats.org/presentationml/2006/main">
-  <p:cSld>
-    <p:spTree>
-      <p:nvGrpSpPr>
-        <p:cNvPr id="1" name=""/>
-        <p:cNvGrpSpPr/>
-        <p:nvPr/>
-      </p:nvGrpSpPr>
-      <p:grpSpPr>
-        <a:xfrm>
-          <a:off x="0" y="0"/>
-          <a:ext cx="0" cy="0"/>
-          <a:chOff x="0" y="0"/>
-          <a:chExt cx="0" cy="0"/>
-        </a:xfrm>
-      </p:grpSpPr>
-      <p:sp>
-        <p:nvSpPr>
-          <p:cNvPr id="2" name="Slide Number Placeholder 1"/>
-          <p:cNvSpPr>
-            <a:spLocks noGrp="1"/>
-          </p:cNvSpPr>
-          <p:nvPr>
-            <p:ph type="sldNum" sz="quarter" idx="12"/>
-          </p:nvPr>
-        </p:nvSpPr>
-        <p:spPr>
-          <a:xfrm>
-            <a:off x="9213769" y="6324864"/>
-            <a:ext cx="2586183" cy="365125"/>
-          </a:xfrm>
-        </p:spPr>
-        <p:txBody>
-          <a:bodyPr/>
-          <a:lstStyle/>
-          <a:p>
-            <a:fld id="{22CADBEF-CB64-4529-9779-0A66BE038F96}" type="slidenum">
-              <a:rPr lang="en-IN" smtClean="0"/>
-              <a:pPr/>
-              <a:t>24</a:t>
-            </a:fld>
-            <a:endParaRPr lang="en-IN"/>
-          </a:p>
-        </p:txBody>
-      </p:sp>
-      <p:sp>
-        <p:nvSpPr>
-          <p:cNvPr id="5" name="Title 1">
-            <a:extLst>
-              <a:ext uri="{FF2B5EF4-FFF2-40B4-BE49-F238E27FC236}">
-                <a16:creationId xmlns:a16="http://schemas.microsoft.com/office/drawing/2014/main" id="{6CC0530D-B4D4-4517-80E1-D297D2A19555}"/>
-              </a:ext>
-            </a:extLst>
-          </p:cNvPr>
-          <p:cNvSpPr>
-            <a:spLocks noGrp="1"/>
-          </p:cNvSpPr>
-          <p:nvPr>
-            <p:ph type="title"/>
-          </p:nvPr>
-        </p:nvSpPr>
-        <p:spPr>
-          <a:xfrm>
-            <a:off x="1457739" y="1027046"/>
-            <a:ext cx="10114829" cy="588989"/>
-          </a:xfrm>
-        </p:spPr>
-        <p:txBody>
-          <a:bodyPr>
-            <a:normAutofit fontScale="90000"/>
-          </a:bodyPr>
-          <a:lstStyle/>
-          <a:p>
-            <a:r>
-              <a:rPr lang="en-US" dirty="0" smtClean="0"/>
-              <a:t>NGRX Architecture: Example</a:t>
-            </a:r>
-            <a:endParaRPr lang="en-US" dirty="0"/>
-          </a:p>
-        </p:txBody>
-      </p:sp>
-      <p:cxnSp>
-        <p:nvCxnSpPr>
-          <p:cNvPr id="7" name="Straight Connector 6">
-            <a:extLst>
-              <a:ext uri="{FF2B5EF4-FFF2-40B4-BE49-F238E27FC236}">
-                <a16:creationId xmlns:a16="http://schemas.microsoft.com/office/drawing/2014/main" id="{3515CC8D-5F4A-422E-A715-4030E5DE5E45}"/>
-              </a:ext>
-            </a:extLst>
-          </p:cNvPr>
-          <p:cNvCxnSpPr/>
-          <p:nvPr/>
-        </p:nvCxnSpPr>
-        <p:spPr>
-          <a:xfrm>
-            <a:off x="1577788" y="1748118"/>
-            <a:ext cx="9861176" cy="0"/>
-          </a:xfrm>
-          <a:prstGeom prst="line">
-            <a:avLst/>
-          </a:prstGeom>
-          <a:ln w="28575">
-            <a:solidFill>
-              <a:srgbClr val="EA2073"/>
-            </a:solidFill>
-          </a:ln>
-        </p:spPr>
-        <p:style>
-          <a:lnRef idx="1">
-            <a:schemeClr val="accent1"/>
-          </a:lnRef>
-          <a:fillRef idx="0">
-            <a:schemeClr val="accent1"/>
-          </a:fillRef>
-          <a:effectRef idx="0">
-            <a:schemeClr val="accent1"/>
-          </a:effectRef>
-          <a:fontRef idx="minor">
-            <a:schemeClr val="tx1"/>
-          </a:fontRef>
-        </p:style>
-      </p:cxnSp>
-      <p:sp>
-        <p:nvSpPr>
-          <p:cNvPr id="9" name="Content Placeholder 1"/>
-          <p:cNvSpPr>
-            <a:spLocks noGrp="1"/>
-          </p:cNvSpPr>
-          <p:nvPr>
-            <p:ph idx="1"/>
-          </p:nvPr>
-        </p:nvSpPr>
-        <p:spPr>
-          <a:xfrm>
-            <a:off x="7817226" y="2832453"/>
-            <a:ext cx="4163159" cy="1679389"/>
-          </a:xfrm>
-        </p:spPr>
-        <p:txBody>
-          <a:bodyPr>
-            <a:noAutofit/>
-          </a:bodyPr>
-          <a:lstStyle/>
-          <a:p>
-            <a:pPr marL="0" indent="0">
-              <a:buNone/>
-            </a:pPr>
-            <a:r>
-              <a:rPr lang="en-US" sz="1800" dirty="0" smtClean="0"/>
-              <a:t>READING FROM STORE</a:t>
-            </a:r>
-            <a:endParaRPr lang="en-IN" sz="1800" dirty="0"/>
-          </a:p>
-        </p:txBody>
-      </p:sp>
-    </p:spTree>
-    <p:extLst>
-      <p:ext uri="{BB962C8B-B14F-4D97-AF65-F5344CB8AC3E}">
-        <p14:creationId xmlns:p14="http://schemas.microsoft.com/office/powerpoint/2010/main" val="809110736"/>
-      </p:ext>
-    </p:extLst>
-  </p:cSld>
-  <p:clrMapOvr>
-    <a:masterClrMapping/>
-  </p:clrMapOvr>
-  <p:timing>
-    <p:tnLst>
-      <p:par>
-        <p:cTn id="1" dur="indefinite" restart="never" nodeType="tmRoot"/>
-      </p:par>
-    </p:tnLst>
-  </p:timing>
-</p:sld>
-</file>
-
-<file path=ppt/slides/slide25.xml><?xml version="1.0" encoding="utf-8"?>
-<p:sld xmlns:a="http://schemas.openxmlformats.org/drawingml/2006/main" xmlns:r="http://schemas.openxmlformats.org/officeDocument/2006/relationships" xmlns:p="http://schemas.openxmlformats.org/presentationml/2006/main">
-  <p:cSld>
-    <p:spTree>
-      <p:nvGrpSpPr>
-        <p:cNvPr id="1" name=""/>
-        <p:cNvGrpSpPr/>
-        <p:nvPr/>
-      </p:nvGrpSpPr>
-      <p:grpSpPr>
-        <a:xfrm>
-          <a:off x="0" y="0"/>
-          <a:ext cx="0" cy="0"/>
-          <a:chOff x="0" y="0"/>
-          <a:chExt cx="0" cy="0"/>
-        </a:xfrm>
-      </p:grpSpPr>
-      <p:sp>
-        <p:nvSpPr>
-          <p:cNvPr id="2" name="Slide Number Placeholder 1"/>
-          <p:cNvSpPr>
-            <a:spLocks noGrp="1"/>
-          </p:cNvSpPr>
-          <p:nvPr>
-            <p:ph type="sldNum" sz="quarter" idx="12"/>
-          </p:nvPr>
-        </p:nvSpPr>
-        <p:spPr>
-          <a:xfrm>
-            <a:off x="9213769" y="6324864"/>
-            <a:ext cx="2586183" cy="365125"/>
-          </a:xfrm>
-        </p:spPr>
-        <p:txBody>
-          <a:bodyPr/>
-          <a:lstStyle/>
-          <a:p>
-            <a:fld id="{22CADBEF-CB64-4529-9779-0A66BE038F96}" type="slidenum">
-              <a:rPr lang="en-IN" smtClean="0"/>
-              <a:pPr/>
-              <a:t>25</a:t>
-            </a:fld>
-            <a:endParaRPr lang="en-IN"/>
-          </a:p>
-        </p:txBody>
-      </p:sp>
-      <p:sp>
-        <p:nvSpPr>
-          <p:cNvPr id="5" name="Title 1">
-            <a:extLst>
-              <a:ext uri="{FF2B5EF4-FFF2-40B4-BE49-F238E27FC236}">
-                <a16:creationId xmlns:a16="http://schemas.microsoft.com/office/drawing/2014/main" id="{6CC0530D-B4D4-4517-80E1-D297D2A19555}"/>
-              </a:ext>
-            </a:extLst>
-          </p:cNvPr>
-          <p:cNvSpPr>
-            <a:spLocks noGrp="1"/>
-          </p:cNvSpPr>
-          <p:nvPr>
-            <p:ph type="title"/>
-          </p:nvPr>
-        </p:nvSpPr>
-        <p:spPr>
-          <a:xfrm>
-            <a:off x="1457739" y="1027046"/>
-            <a:ext cx="10114829" cy="588989"/>
-          </a:xfrm>
-        </p:spPr>
-        <p:txBody>
-          <a:bodyPr>
-            <a:normAutofit fontScale="90000"/>
-          </a:bodyPr>
-          <a:lstStyle/>
-          <a:p>
-            <a:r>
-              <a:rPr lang="en-US" dirty="0" smtClean="0"/>
-              <a:t>NGRX Architecture: Example</a:t>
-            </a:r>
-            <a:endParaRPr lang="en-US" dirty="0"/>
-          </a:p>
-        </p:txBody>
-      </p:sp>
-      <p:cxnSp>
-        <p:nvCxnSpPr>
-          <p:cNvPr id="7" name="Straight Connector 6">
-            <a:extLst>
-              <a:ext uri="{FF2B5EF4-FFF2-40B4-BE49-F238E27FC236}">
-                <a16:creationId xmlns:a16="http://schemas.microsoft.com/office/drawing/2014/main" id="{3515CC8D-5F4A-422E-A715-4030E5DE5E45}"/>
-              </a:ext>
-            </a:extLst>
-          </p:cNvPr>
-          <p:cNvCxnSpPr/>
-          <p:nvPr/>
-        </p:nvCxnSpPr>
-        <p:spPr>
-          <a:xfrm>
-            <a:off x="1577788" y="1748118"/>
-            <a:ext cx="9861176" cy="0"/>
-          </a:xfrm>
-          <a:prstGeom prst="line">
-            <a:avLst/>
-          </a:prstGeom>
-          <a:ln w="28575">
-            <a:solidFill>
-              <a:srgbClr val="EA2073"/>
-            </a:solidFill>
-          </a:ln>
-        </p:spPr>
-        <p:style>
-          <a:lnRef idx="1">
-            <a:schemeClr val="accent1"/>
-          </a:lnRef>
-          <a:fillRef idx="0">
-            <a:schemeClr val="accent1"/>
-          </a:fillRef>
-          <a:effectRef idx="0">
-            <a:schemeClr val="accent1"/>
-          </a:effectRef>
-          <a:fontRef idx="minor">
-            <a:schemeClr val="tx1"/>
-          </a:fontRef>
-        </p:style>
-      </p:cxnSp>
-      <p:sp>
-        <p:nvSpPr>
-          <p:cNvPr id="9" name="Content Placeholder 1"/>
-          <p:cNvSpPr>
-            <a:spLocks noGrp="1"/>
-          </p:cNvSpPr>
-          <p:nvPr>
-            <p:ph idx="1"/>
-          </p:nvPr>
-        </p:nvSpPr>
-        <p:spPr>
-          <a:xfrm>
-            <a:off x="7817226" y="2832453"/>
-            <a:ext cx="4163159" cy="1679389"/>
-          </a:xfrm>
-        </p:spPr>
-        <p:txBody>
-          <a:bodyPr>
-            <a:noAutofit/>
-          </a:bodyPr>
-          <a:lstStyle/>
-          <a:p>
-            <a:pPr marL="0" indent="0">
-              <a:buNone/>
-            </a:pPr>
-            <a:r>
-              <a:rPr lang="en-US" sz="1800" dirty="0" smtClean="0"/>
-              <a:t>WRITING TO STORE</a:t>
-            </a:r>
-            <a:endParaRPr lang="en-IN" sz="1800" dirty="0"/>
-          </a:p>
-        </p:txBody>
-      </p:sp>
-    </p:spTree>
-    <p:extLst>
-      <p:ext uri="{BB962C8B-B14F-4D97-AF65-F5344CB8AC3E}">
-        <p14:creationId xmlns:p14="http://schemas.microsoft.com/office/powerpoint/2010/main" val="782180235"/>
-      </p:ext>
-    </p:extLst>
-  </p:cSld>
-  <p:clrMapOvr>
-    <a:masterClrMapping/>
-  </p:clrMapOvr>
-  <p:timing>
-    <p:tnLst>
-      <p:par>
-        <p:cTn id="1" dur="indefinite" restart="never" nodeType="tmRoot"/>
-      </p:par>
-    </p:tnLst>
-  </p:timing>
-</p:sld>
-</file>
-
-<file path=ppt/slides/slide26.xml><?xml version="1.0" encoding="utf-8"?>
-<p:sld xmlns:a="http://schemas.openxmlformats.org/drawingml/2006/main" xmlns:r="http://schemas.openxmlformats.org/officeDocument/2006/relationships" xmlns:p="http://schemas.openxmlformats.org/presentationml/2006/main">
-  <p:cSld>
-    <p:spTree>
-      <p:nvGrpSpPr>
-        <p:cNvPr id="1" name=""/>
-        <p:cNvGrpSpPr/>
-        <p:nvPr/>
-      </p:nvGrpSpPr>
-      <p:grpSpPr>
-        <a:xfrm>
-          <a:off x="0" y="0"/>
-          <a:ext cx="0" cy="0"/>
-          <a:chOff x="0" y="0"/>
-          <a:chExt cx="0" cy="0"/>
-        </a:xfrm>
-      </p:grpSpPr>
-      <p:sp>
-        <p:nvSpPr>
-          <p:cNvPr id="4" name="Slide Number Placeholder 3">
-            <a:extLst>
-              <a:ext uri="{FF2B5EF4-FFF2-40B4-BE49-F238E27FC236}">
-                <a16:creationId xmlns:a16="http://schemas.microsoft.com/office/drawing/2014/main" id="{F329D0C7-8E3E-4985-B259-CB8447CFC635}"/>
-              </a:ext>
-            </a:extLst>
-          </p:cNvPr>
-          <p:cNvSpPr>
-            <a:spLocks noGrp="1"/>
-          </p:cNvSpPr>
-          <p:nvPr>
-            <p:ph type="sldNum" sz="quarter" idx="12"/>
-          </p:nvPr>
-        </p:nvSpPr>
-        <p:spPr>
-          <a:xfrm>
-            <a:off x="8965476" y="6313454"/>
-            <a:ext cx="2844800" cy="365125"/>
-          </a:xfrm>
-        </p:spPr>
-        <p:txBody>
-          <a:bodyPr/>
-          <a:lstStyle/>
-          <a:p>
-            <a:fld id="{22CADBEF-CB64-4529-9779-0A66BE038F96}" type="slidenum">
-              <a:rPr lang="en-IN" smtClean="0"/>
-              <a:pPr/>
-              <a:t>26</a:t>
-            </a:fld>
-            <a:endParaRPr lang="en-IN"/>
-          </a:p>
-        </p:txBody>
-      </p:sp>
-      <p:cxnSp>
-        <p:nvCxnSpPr>
-          <p:cNvPr id="7" name="Straight Connector 6">
-            <a:extLst>
-              <a:ext uri="{FF2B5EF4-FFF2-40B4-BE49-F238E27FC236}">
-                <a16:creationId xmlns:a16="http://schemas.microsoft.com/office/drawing/2014/main" id="{1BF84198-7BC6-4DC4-837C-04380E9AF77D}"/>
-              </a:ext>
-            </a:extLst>
-          </p:cNvPr>
-          <p:cNvCxnSpPr/>
-          <p:nvPr/>
-        </p:nvCxnSpPr>
-        <p:spPr>
-          <a:xfrm>
-            <a:off x="1577788" y="1748118"/>
-            <a:ext cx="9861176" cy="0"/>
-          </a:xfrm>
-          <a:prstGeom prst="line">
-            <a:avLst/>
-          </a:prstGeom>
-          <a:ln w="28575">
-            <a:solidFill>
-              <a:srgbClr val="EA2073"/>
-            </a:solidFill>
-          </a:ln>
-        </p:spPr>
-        <p:style>
-          <a:lnRef idx="1">
-            <a:schemeClr val="accent1"/>
-          </a:lnRef>
-          <a:fillRef idx="0">
-            <a:schemeClr val="accent1"/>
-          </a:fillRef>
-          <a:effectRef idx="0">
-            <a:schemeClr val="accent1"/>
-          </a:effectRef>
-          <a:fontRef idx="minor">
-            <a:schemeClr val="tx1"/>
-          </a:fontRef>
-        </p:style>
-      </p:cxnSp>
-      <p:sp>
-        <p:nvSpPr>
-          <p:cNvPr id="8" name="Title 1">
-            <a:extLst>
-              <a:ext uri="{FF2B5EF4-FFF2-40B4-BE49-F238E27FC236}">
-                <a16:creationId xmlns:a16="http://schemas.microsoft.com/office/drawing/2014/main" id="{CCFD4F2A-A88E-4307-BACF-83E555EBF3A6}"/>
-              </a:ext>
-            </a:extLst>
-          </p:cNvPr>
-          <p:cNvSpPr txBox="1">
-            <a:spLocks/>
-          </p:cNvSpPr>
-          <p:nvPr/>
-        </p:nvSpPr>
-        <p:spPr>
-          <a:xfrm>
-            <a:off x="1444487" y="1044976"/>
-            <a:ext cx="10128081" cy="588989"/>
-          </a:xfrm>
-          <a:prstGeom prst="rect">
-            <a:avLst/>
-          </a:prstGeom>
-        </p:spPr>
-        <p:txBody>
-          <a:bodyPr vert="horz" lIns="91440" tIns="45720" rIns="91440" bIns="45720" rtlCol="0" anchor="ctr">
-            <a:noAutofit/>
-          </a:bodyPr>
-          <a:lstStyle>
-            <a:lvl1pPr algn="l" defTabSz="914400" rtl="0" eaLnBrk="1" latinLnBrk="0" hangingPunct="1">
-              <a:spcBef>
-                <a:spcPct val="0"/>
-              </a:spcBef>
-              <a:buNone/>
-              <a:defRPr sz="4400" kern="1200">
-                <a:solidFill>
-                  <a:schemeClr val="tx1"/>
-                </a:solidFill>
-                <a:latin typeface="+mj-lt"/>
-                <a:ea typeface="+mj-ea"/>
-                <a:cs typeface="+mj-cs"/>
-              </a:defRPr>
-            </a:lvl1pPr>
-          </a:lstStyle>
-          <a:p>
-            <a:r>
-              <a:rPr lang="en-US" sz="4000" dirty="0" smtClean="0"/>
-              <a:t>Rewards</a:t>
-            </a:r>
-            <a:endParaRPr lang="en-US" sz="4000" dirty="0"/>
-          </a:p>
-        </p:txBody>
-      </p:sp>
-      <p:sp>
-        <p:nvSpPr>
-          <p:cNvPr id="10" name="Content Placeholder 23">
-            <a:extLst>
-              <a:ext uri="{FF2B5EF4-FFF2-40B4-BE49-F238E27FC236}">
-                <a16:creationId xmlns:a16="http://schemas.microsoft.com/office/drawing/2014/main" id="{11A87885-7ED9-4CD7-94E3-9E0047738DD1}"/>
-              </a:ext>
-            </a:extLst>
-          </p:cNvPr>
-          <p:cNvSpPr txBox="1">
-            <a:spLocks/>
-          </p:cNvSpPr>
-          <p:nvPr/>
-        </p:nvSpPr>
-        <p:spPr>
-          <a:xfrm>
-            <a:off x="1457740" y="2009361"/>
-            <a:ext cx="9621078" cy="2835965"/>
-          </a:xfrm>
-          <a:prstGeom prst="rect">
-            <a:avLst/>
-          </a:prstGeom>
-        </p:spPr>
-        <p:txBody>
-          <a:bodyPr vert="horz" lIns="91440" tIns="45720" rIns="91440" bIns="45720" rtlCol="0">
-            <a:normAutofit/>
-          </a:bodyPr>
-          <a:lstStyle>
-            <a:lvl1pPr marL="342900" indent="-342900" algn="l" defTabSz="914400" rtl="0" eaLnBrk="1" latinLnBrk="0" hangingPunct="1">
-              <a:spcBef>
-                <a:spcPct val="20000"/>
-              </a:spcBef>
-              <a:buFont typeface="Arial" panose="020B0604020202020204" pitchFamily="34" charset="0"/>
-              <a:buChar char="•"/>
-              <a:defRPr sz="3200" kern="1200">
-                <a:solidFill>
-                  <a:schemeClr val="tx1"/>
-                </a:solidFill>
-                <a:latin typeface="+mn-lt"/>
-                <a:ea typeface="+mn-ea"/>
-                <a:cs typeface="+mn-cs"/>
-              </a:defRPr>
-            </a:lvl1pPr>
-            <a:lvl2pPr marL="742950" indent="-285750" algn="l" defTabSz="914400" rtl="0" eaLnBrk="1" latinLnBrk="0" hangingPunct="1">
-              <a:spcBef>
-                <a:spcPct val="20000"/>
-              </a:spcBef>
-              <a:buFont typeface="Arial" panose="020B0604020202020204" pitchFamily="34" charset="0"/>
-              <a:buChar char="–"/>
-              <a:defRPr sz="2800" kern="1200">
-                <a:solidFill>
-                  <a:schemeClr val="tx1"/>
-                </a:solidFill>
-                <a:latin typeface="+mn-lt"/>
-                <a:ea typeface="+mn-ea"/>
-                <a:cs typeface="+mn-cs"/>
-              </a:defRPr>
-            </a:lvl2pPr>
-            <a:lvl3pPr marL="1143000" indent="-228600" algn="l" defTabSz="914400" rtl="0" eaLnBrk="1" latinLnBrk="0" hangingPunct="1">
-              <a:spcBef>
-                <a:spcPct val="20000"/>
-              </a:spcBef>
-              <a:buFont typeface="Arial" panose="020B0604020202020204" pitchFamily="34" charset="0"/>
-              <a:buChar char="•"/>
-              <a:defRPr sz="2400" kern="1200">
-                <a:solidFill>
-                  <a:schemeClr val="tx1"/>
-                </a:solidFill>
-                <a:latin typeface="+mn-lt"/>
-                <a:ea typeface="+mn-ea"/>
-                <a:cs typeface="+mn-cs"/>
-              </a:defRPr>
-            </a:lvl3pPr>
-            <a:lvl4pPr marL="1600200" indent="-228600" algn="l" defTabSz="914400" rtl="0" eaLnBrk="1" latinLnBrk="0" hangingPunct="1">
-              <a:spcBef>
-                <a:spcPct val="20000"/>
-              </a:spcBef>
-              <a:buFont typeface="Arial" panose="020B0604020202020204" pitchFamily="34" charset="0"/>
-              <a:buChar char="–"/>
-              <a:defRPr sz="2000" kern="1200">
-                <a:solidFill>
-                  <a:schemeClr val="tx1"/>
-                </a:solidFill>
-                <a:latin typeface="+mn-lt"/>
-                <a:ea typeface="+mn-ea"/>
-                <a:cs typeface="+mn-cs"/>
-              </a:defRPr>
-            </a:lvl4pPr>
-            <a:lvl5pPr marL="2057400" indent="-228600" algn="l" defTabSz="914400" rtl="0" eaLnBrk="1" latinLnBrk="0" hangingPunct="1">
-              <a:spcBef>
-                <a:spcPct val="20000"/>
-              </a:spcBef>
-              <a:buFont typeface="Arial" panose="020B0604020202020204" pitchFamily="34" charset="0"/>
-              <a:buChar char="»"/>
-              <a:defRPr sz="2000" kern="1200">
-                <a:solidFill>
-                  <a:schemeClr val="tx1"/>
-                </a:solidFill>
-                <a:latin typeface="+mn-lt"/>
-                <a:ea typeface="+mn-ea"/>
-                <a:cs typeface="+mn-cs"/>
-              </a:defRPr>
-            </a:lvl5pPr>
-            <a:lvl6pPr marL="2514600" indent="-228600" algn="l" defTabSz="914400" rtl="0" eaLnBrk="1" latinLnBrk="0" hangingPunct="1">
-              <a:spcBef>
-                <a:spcPct val="20000"/>
-              </a:spcBef>
-              <a:buFont typeface="Arial" panose="020B0604020202020204" pitchFamily="34" charset="0"/>
-              <a:buChar char="•"/>
-              <a:defRPr sz="2000" kern="1200">
-                <a:solidFill>
-                  <a:schemeClr val="tx1"/>
-                </a:solidFill>
-                <a:latin typeface="+mn-lt"/>
-                <a:ea typeface="+mn-ea"/>
-                <a:cs typeface="+mn-cs"/>
-              </a:defRPr>
-            </a:lvl6pPr>
-            <a:lvl7pPr marL="2971800" indent="-228600" algn="l" defTabSz="914400" rtl="0" eaLnBrk="1" latinLnBrk="0" hangingPunct="1">
-              <a:spcBef>
-                <a:spcPct val="20000"/>
-              </a:spcBef>
-              <a:buFont typeface="Arial" panose="020B0604020202020204" pitchFamily="34" charset="0"/>
-              <a:buChar char="•"/>
-              <a:defRPr sz="2000" kern="1200">
-                <a:solidFill>
-                  <a:schemeClr val="tx1"/>
-                </a:solidFill>
-                <a:latin typeface="+mn-lt"/>
-                <a:ea typeface="+mn-ea"/>
-                <a:cs typeface="+mn-cs"/>
-              </a:defRPr>
-            </a:lvl7pPr>
-            <a:lvl8pPr marL="3429000" indent="-228600" algn="l" defTabSz="914400" rtl="0" eaLnBrk="1" latinLnBrk="0" hangingPunct="1">
-              <a:spcBef>
-                <a:spcPct val="20000"/>
-              </a:spcBef>
-              <a:buFont typeface="Arial" panose="020B0604020202020204" pitchFamily="34" charset="0"/>
-              <a:buChar char="•"/>
-              <a:defRPr sz="2000" kern="1200">
-                <a:solidFill>
-                  <a:schemeClr val="tx1"/>
-                </a:solidFill>
-                <a:latin typeface="+mn-lt"/>
-                <a:ea typeface="+mn-ea"/>
-                <a:cs typeface="+mn-cs"/>
-              </a:defRPr>
-            </a:lvl8pPr>
-            <a:lvl9pPr marL="3886200" indent="-228600" algn="l" defTabSz="914400" rtl="0" eaLnBrk="1" latinLnBrk="0" hangingPunct="1">
-              <a:spcBef>
-                <a:spcPct val="20000"/>
-              </a:spcBef>
-              <a:buFont typeface="Arial" panose="020B0604020202020204" pitchFamily="34" charset="0"/>
-              <a:buChar char="•"/>
-              <a:defRPr sz="2000" kern="1200">
-                <a:solidFill>
-                  <a:schemeClr val="tx1"/>
-                </a:solidFill>
-                <a:latin typeface="+mn-lt"/>
-                <a:ea typeface="+mn-ea"/>
-                <a:cs typeface="+mn-cs"/>
-              </a:defRPr>
-            </a:lvl9pPr>
-          </a:lstStyle>
-          <a:p>
-            <a:r>
-              <a:rPr lang="en-US" sz="1800" dirty="0" smtClean="0"/>
-              <a:t>TBD</a:t>
-            </a:r>
-            <a:endParaRPr lang="en-US" sz="1800" dirty="0"/>
-          </a:p>
-        </p:txBody>
-      </p:sp>
-      <p:pic>
-        <p:nvPicPr>
-          <p:cNvPr id="6" name="Picture 5"/>
-          <p:cNvPicPr>
-            <a:picLocks noChangeAspect="1"/>
-          </p:cNvPicPr>
-          <p:nvPr/>
-        </p:nvPicPr>
-        <p:blipFill rotWithShape="1">
-          <a:blip r:embed="rId2"/>
-          <a:srcRect l="3679" t="62784" r="11880" b="17330"/>
-          <a:stretch/>
-        </p:blipFill>
-        <p:spPr>
-          <a:xfrm>
-            <a:off x="452310" y="4744573"/>
-            <a:ext cx="10986654" cy="1454727"/>
-          </a:xfrm>
-          <a:prstGeom prst="rect">
-            <a:avLst/>
-          </a:prstGeom>
-        </p:spPr>
-      </p:pic>
-    </p:spTree>
-    <p:extLst>
-      <p:ext uri="{BB962C8B-B14F-4D97-AF65-F5344CB8AC3E}">
-        <p14:creationId xmlns:p14="http://schemas.microsoft.com/office/powerpoint/2010/main" val="1754234804"/>
-      </p:ext>
-    </p:extLst>
-  </p:cSld>
-  <p:clrMapOvr>
-    <a:masterClrMapping/>
-  </p:clrMapOvr>
-  <p:timing>
-    <p:tnLst>
-      <p:par>
-        <p:cTn id="1" dur="indefinite" restart="never" nodeType="tmRoot"/>
-      </p:par>
-    </p:tnLst>
-  </p:timing>
-</p:sld>
-</file>
-
-<file path=ppt/slides/slide27.xml><?xml version="1.0" encoding="utf-8"?>
-<p:sld xmlns:a="http://schemas.openxmlformats.org/drawingml/2006/main" xmlns:r="http://schemas.openxmlformats.org/officeDocument/2006/relationships" xmlns:p="http://schemas.openxmlformats.org/presentationml/2006/main">
-  <p:cSld>
-    <p:spTree>
-      <p:nvGrpSpPr>
-        <p:cNvPr id="1" name=""/>
-        <p:cNvGrpSpPr/>
-        <p:nvPr/>
-      </p:nvGrpSpPr>
-      <p:grpSpPr>
-        <a:xfrm>
-          <a:off x="0" y="0"/>
-          <a:ext cx="0" cy="0"/>
-          <a:chOff x="0" y="0"/>
-          <a:chExt cx="0" cy="0"/>
-        </a:xfrm>
-      </p:grpSpPr>
-      <p:sp>
-        <p:nvSpPr>
           <p:cNvPr id="2" name="Title 1"/>
           <p:cNvSpPr>
             <a:spLocks noGrp="1"/>
@@ -8045,7 +12664,7 @@
             <a:fld id="{22CADBEF-CB64-4529-9779-0A66BE038F96}" type="slidenum">
               <a:rPr lang="en-IN" smtClean="0"/>
               <a:pPr/>
-              <a:t>27</a:t>
+              <a:t>20</a:t>
             </a:fld>
             <a:endParaRPr lang="en-IN"/>
           </a:p>
@@ -8064,7 +12683,7 @@
         <p:spPr>
           <a:xfrm>
             <a:off x="609601" y="1600202"/>
-            <a:ext cx="10972800" cy="2462213"/>
+            <a:ext cx="10972800" cy="2868478"/>
           </a:xfrm>
           <a:prstGeom prst="rect">
             <a:avLst/>
@@ -8186,6 +12805,27 @@
             <a:endParaRPr lang="en-IN" sz="1100" dirty="0"/>
           </a:p>
           <a:p>
+            <a:r>
+              <a:rPr lang="en-IN" sz="1100" dirty="0">
+                <a:hlinkClick r:id="rId7"/>
+              </a:rPr>
+              <a:t>https://blog.angular-university.io/angular-ngrx-store-and-effects-crash-course</a:t>
+            </a:r>
+            <a:r>
+              <a:rPr lang="en-IN" sz="1100" dirty="0" smtClean="0">
+                <a:hlinkClick r:id="rId7"/>
+              </a:rPr>
+              <a:t>/</a:t>
+            </a:r>
+            <a:r>
+              <a:rPr lang="en-IN" sz="1100" dirty="0" smtClean="0"/>
+              <a:t>  --- For intro</a:t>
+            </a:r>
+          </a:p>
+          <a:p>
+            <a:endParaRPr lang="en-IN" sz="1100" dirty="0"/>
+          </a:p>
+          <a:p>
             <a:endParaRPr lang="en-IN" sz="1100" dirty="0" smtClean="0"/>
           </a:p>
           <a:p>
@@ -8197,106 +12837,6 @@
     <p:extLst>
       <p:ext uri="{BB962C8B-B14F-4D97-AF65-F5344CB8AC3E}">
         <p14:creationId xmlns:p14="http://schemas.microsoft.com/office/powerpoint/2010/main" val="107218773"/>
-      </p:ext>
-    </p:extLst>
-  </p:cSld>
-  <p:clrMapOvr>
-    <a:masterClrMapping/>
-  </p:clrMapOvr>
-</p:sld>
-</file>
-
-<file path=ppt/slides/slide28.xml><?xml version="1.0" encoding="utf-8"?>
-<p:sld xmlns:a="http://schemas.openxmlformats.org/drawingml/2006/main" xmlns:r="http://schemas.openxmlformats.org/officeDocument/2006/relationships" xmlns:p="http://schemas.openxmlformats.org/presentationml/2006/main">
-  <p:cSld>
-    <p:spTree>
-      <p:nvGrpSpPr>
-        <p:cNvPr id="1" name=""/>
-        <p:cNvGrpSpPr/>
-        <p:nvPr/>
-      </p:nvGrpSpPr>
-      <p:grpSpPr>
-        <a:xfrm>
-          <a:off x="0" y="0"/>
-          <a:ext cx="0" cy="0"/>
-          <a:chOff x="0" y="0"/>
-          <a:chExt cx="0" cy="0"/>
-        </a:xfrm>
-      </p:grpSpPr>
-      <p:sp>
-        <p:nvSpPr>
-          <p:cNvPr id="4" name="Slide Number Placeholder 3">
-            <a:extLst>
-              <a:ext uri="{FF2B5EF4-FFF2-40B4-BE49-F238E27FC236}">
-                <a16:creationId xmlns:a16="http://schemas.microsoft.com/office/drawing/2014/main" id="{F329D0C7-8E3E-4985-B259-CB8447CFC635}"/>
-              </a:ext>
-            </a:extLst>
-          </p:cNvPr>
-          <p:cNvSpPr>
-            <a:spLocks noGrp="1"/>
-          </p:cNvSpPr>
-          <p:nvPr>
-            <p:ph type="sldNum" sz="quarter" idx="12"/>
-          </p:nvPr>
-        </p:nvSpPr>
-        <p:spPr>
-          <a:xfrm>
-            <a:off x="8965476" y="6313454"/>
-            <a:ext cx="2844800" cy="365125"/>
-          </a:xfrm>
-        </p:spPr>
-        <p:txBody>
-          <a:bodyPr/>
-          <a:lstStyle/>
-          <a:p>
-            <a:fld id="{22CADBEF-CB64-4529-9779-0A66BE038F96}" type="slidenum">
-              <a:rPr lang="en-IN" smtClean="0"/>
-              <a:pPr/>
-              <a:t>28</a:t>
-            </a:fld>
-            <a:endParaRPr lang="en-IN"/>
-          </a:p>
-        </p:txBody>
-      </p:sp>
-      <p:sp>
-        <p:nvSpPr>
-          <p:cNvPr id="9" name="TextBox 8">
-            <a:extLst>
-              <a:ext uri="{FF2B5EF4-FFF2-40B4-BE49-F238E27FC236}">
-                <a16:creationId xmlns:a16="http://schemas.microsoft.com/office/drawing/2014/main" id="{53CF8C61-EA68-424A-A3D9-51469FD82A2A}"/>
-              </a:ext>
-            </a:extLst>
-          </p:cNvPr>
-          <p:cNvSpPr txBox="1"/>
-          <p:nvPr/>
-        </p:nvSpPr>
-        <p:spPr>
-          <a:xfrm flipH="1">
-            <a:off x="5074922" y="2605653"/>
-            <a:ext cx="2340294" cy="646459"/>
-          </a:xfrm>
-          <a:prstGeom prst="rect">
-            <a:avLst/>
-          </a:prstGeom>
-          <a:noFill/>
-        </p:spPr>
-        <p:txBody>
-          <a:bodyPr wrap="square" rtlCol="0">
-            <a:spAutoFit/>
-          </a:bodyPr>
-          <a:lstStyle/>
-          <a:p>
-            <a:r>
-              <a:rPr lang="en-IN" sz="3601" dirty="0"/>
-              <a:t>Thank You!</a:t>
-            </a:r>
-          </a:p>
-        </p:txBody>
-      </p:sp>
-    </p:spTree>
-    <p:extLst>
-      <p:ext uri="{BB962C8B-B14F-4D97-AF65-F5344CB8AC3E}">
-        <p14:creationId xmlns:p14="http://schemas.microsoft.com/office/powerpoint/2010/main" val="2326560528"/>
       </p:ext>
     </p:extLst>
   </p:cSld>
@@ -11589,15 +16129,15 @@
 <file path=customXml/itemProps1.xml><?xml version="1.0" encoding="utf-8"?>
 <ds:datastoreItem xmlns:ds="http://schemas.openxmlformats.org/officeDocument/2006/customXml" ds:itemID="{3F7C177A-BAEB-4A55-A8A3-8E5F87342000}">
   <ds:schemaRefs>
-    <ds:schemaRef ds:uri="20c41524-6371-4f36-8c5e-ec00872863b8"/>
-    <ds:schemaRef ds:uri="http://schemas.microsoft.com/office/2006/metadata/properties"/>
     <ds:schemaRef ds:uri="http://schemas.microsoft.com/office/2006/documentManagement/types"/>
-    <ds:schemaRef ds:uri="http://schemas.microsoft.com/office/infopath/2007/PartnerControls"/>
-    <ds:schemaRef ds:uri="http://purl.org/dc/dcmitype/"/>
     <ds:schemaRef ds:uri="http://purl.org/dc/terms/"/>
     <ds:schemaRef ds:uri="http://purl.org/dc/elements/1.1/"/>
+    <ds:schemaRef ds:uri="http://schemas.microsoft.com/office/2006/metadata/properties"/>
+    <ds:schemaRef ds:uri="20c41524-6371-4f36-8c5e-ec00872863b8"/>
+    <ds:schemaRef ds:uri="http://www.w3.org/XML/1998/namespace"/>
+    <ds:schemaRef ds:uri="http://purl.org/dc/dcmitype/"/>
+    <ds:schemaRef ds:uri="http://schemas.microsoft.com/office/infopath/2007/PartnerControls"/>
     <ds:schemaRef ds:uri="http://schemas.openxmlformats.org/package/2006/metadata/core-properties"/>
-    <ds:schemaRef ds:uri="http://www.w3.org/XML/1998/namespace"/>
   </ds:schemaRefs>
 </ds:datastoreItem>
 </file>
